--- a/Flight Delays Presentation.pptx
+++ b/Flight Delays Presentation.pptx
@@ -9,13 +9,14 @@
     <p:sldId id="257" r:id="rId3"/>
     <p:sldId id="258" r:id="rId4"/>
     <p:sldId id="262" r:id="rId5"/>
-    <p:sldId id="267" r:id="rId6"/>
+    <p:sldId id="273" r:id="rId6"/>
     <p:sldId id="268" r:id="rId7"/>
     <p:sldId id="270" r:id="rId8"/>
     <p:sldId id="259" r:id="rId9"/>
-    <p:sldId id="271" r:id="rId10"/>
+    <p:sldId id="274" r:id="rId10"/>
     <p:sldId id="265" r:id="rId11"/>
     <p:sldId id="263" r:id="rId12"/>
+    <p:sldId id="275" r:id="rId13"/>
   </p:sldIdLst>
   <p:sldSz cx="12192000" cy="6858000"/>
   <p:notesSz cx="6858000" cy="9144000"/>
@@ -122,6 +123,3643 @@
 </p:presentation>
 </file>
 
+<file path=ppt/diagrams/colors1.xml><?xml version="1.0" encoding="utf-8"?>
+<dgm:colorsDef xmlns:dgm="http://schemas.openxmlformats.org/drawingml/2006/diagram" xmlns:a="http://schemas.openxmlformats.org/drawingml/2006/main" uniqueId="urn:microsoft.com/office/officeart/2005/8/colors/accent1_2">
+  <dgm:title val=""/>
+  <dgm:desc val=""/>
+  <dgm:catLst>
+    <dgm:cat type="accent1" pri="11200"/>
+  </dgm:catLst>
+  <dgm:styleLbl name="node0">
+    <dgm:fillClrLst meth="repeat">
+      <a:schemeClr val="accent1"/>
+    </dgm:fillClrLst>
+    <dgm:linClrLst meth="repeat">
+      <a:schemeClr val="lt1"/>
+    </dgm:linClrLst>
+    <dgm:effectClrLst/>
+    <dgm:txLinClrLst/>
+    <dgm:txFillClrLst/>
+    <dgm:txEffectClrLst/>
+  </dgm:styleLbl>
+  <dgm:styleLbl name="alignNode1">
+    <dgm:fillClrLst meth="repeat">
+      <a:schemeClr val="accent1"/>
+    </dgm:fillClrLst>
+    <dgm:linClrLst meth="repeat">
+      <a:schemeClr val="accent1"/>
+    </dgm:linClrLst>
+    <dgm:effectClrLst/>
+    <dgm:txLinClrLst/>
+    <dgm:txFillClrLst/>
+    <dgm:txEffectClrLst/>
+  </dgm:styleLbl>
+  <dgm:styleLbl name="node1">
+    <dgm:fillClrLst meth="repeat">
+      <a:schemeClr val="accent1"/>
+    </dgm:fillClrLst>
+    <dgm:linClrLst meth="repeat">
+      <a:schemeClr val="lt1"/>
+    </dgm:linClrLst>
+    <dgm:effectClrLst/>
+    <dgm:txLinClrLst/>
+    <dgm:txFillClrLst/>
+    <dgm:txEffectClrLst/>
+  </dgm:styleLbl>
+  <dgm:styleLbl name="lnNode1">
+    <dgm:fillClrLst meth="repeat">
+      <a:schemeClr val="accent1"/>
+    </dgm:fillClrLst>
+    <dgm:linClrLst meth="repeat">
+      <a:schemeClr val="lt1"/>
+    </dgm:linClrLst>
+    <dgm:effectClrLst/>
+    <dgm:txLinClrLst/>
+    <dgm:txFillClrLst/>
+    <dgm:txEffectClrLst/>
+  </dgm:styleLbl>
+  <dgm:styleLbl name="vennNode1">
+    <dgm:fillClrLst meth="repeat">
+      <a:schemeClr val="accent1">
+        <a:alpha val="50000"/>
+      </a:schemeClr>
+    </dgm:fillClrLst>
+    <dgm:linClrLst meth="repeat">
+      <a:schemeClr val="lt1"/>
+    </dgm:linClrLst>
+    <dgm:effectClrLst/>
+    <dgm:txLinClrLst/>
+    <dgm:txFillClrLst/>
+    <dgm:txEffectClrLst/>
+  </dgm:styleLbl>
+  <dgm:styleLbl name="node2">
+    <dgm:fillClrLst meth="repeat">
+      <a:schemeClr val="accent1"/>
+    </dgm:fillClrLst>
+    <dgm:linClrLst meth="repeat">
+      <a:schemeClr val="lt1"/>
+    </dgm:linClrLst>
+    <dgm:effectClrLst/>
+    <dgm:txLinClrLst/>
+    <dgm:txFillClrLst/>
+    <dgm:txEffectClrLst/>
+  </dgm:styleLbl>
+  <dgm:styleLbl name="node3">
+    <dgm:fillClrLst meth="repeat">
+      <a:schemeClr val="accent1"/>
+    </dgm:fillClrLst>
+    <dgm:linClrLst meth="repeat">
+      <a:schemeClr val="lt1"/>
+    </dgm:linClrLst>
+    <dgm:effectClrLst/>
+    <dgm:txLinClrLst/>
+    <dgm:txFillClrLst/>
+    <dgm:txEffectClrLst/>
+  </dgm:styleLbl>
+  <dgm:styleLbl name="node4">
+    <dgm:fillClrLst meth="repeat">
+      <a:schemeClr val="accent1"/>
+    </dgm:fillClrLst>
+    <dgm:linClrLst meth="repeat">
+      <a:schemeClr val="lt1"/>
+    </dgm:linClrLst>
+    <dgm:effectClrLst/>
+    <dgm:txLinClrLst/>
+    <dgm:txFillClrLst/>
+    <dgm:txEffectClrLst/>
+  </dgm:styleLbl>
+  <dgm:styleLbl name="fgImgPlace1">
+    <dgm:fillClrLst meth="repeat">
+      <a:schemeClr val="accent1">
+        <a:tint val="50000"/>
+      </a:schemeClr>
+    </dgm:fillClrLst>
+    <dgm:linClrLst meth="repeat">
+      <a:schemeClr val="lt1"/>
+    </dgm:linClrLst>
+    <dgm:effectClrLst/>
+    <dgm:txLinClrLst/>
+    <dgm:txFillClrLst meth="repeat">
+      <a:schemeClr val="lt1"/>
+    </dgm:txFillClrLst>
+    <dgm:txEffectClrLst/>
+  </dgm:styleLbl>
+  <dgm:styleLbl name="alignImgPlace1">
+    <dgm:fillClrLst meth="repeat">
+      <a:schemeClr val="accent1">
+        <a:tint val="50000"/>
+      </a:schemeClr>
+    </dgm:fillClrLst>
+    <dgm:linClrLst meth="repeat">
+      <a:schemeClr val="lt1"/>
+    </dgm:linClrLst>
+    <dgm:effectClrLst/>
+    <dgm:txLinClrLst/>
+    <dgm:txFillClrLst meth="repeat">
+      <a:schemeClr val="lt1"/>
+    </dgm:txFillClrLst>
+    <dgm:txEffectClrLst/>
+  </dgm:styleLbl>
+  <dgm:styleLbl name="bgImgPlace1">
+    <dgm:fillClrLst meth="repeat">
+      <a:schemeClr val="accent1">
+        <a:tint val="50000"/>
+      </a:schemeClr>
+    </dgm:fillClrLst>
+    <dgm:linClrLst meth="repeat">
+      <a:schemeClr val="lt1"/>
+    </dgm:linClrLst>
+    <dgm:effectClrLst/>
+    <dgm:txLinClrLst/>
+    <dgm:txFillClrLst meth="repeat">
+      <a:schemeClr val="lt1"/>
+    </dgm:txFillClrLst>
+    <dgm:txEffectClrLst/>
+  </dgm:styleLbl>
+  <dgm:styleLbl name="sibTrans2D1">
+    <dgm:fillClrLst meth="repeat">
+      <a:schemeClr val="accent1">
+        <a:tint val="60000"/>
+      </a:schemeClr>
+    </dgm:fillClrLst>
+    <dgm:linClrLst meth="repeat">
+      <a:schemeClr val="accent1">
+        <a:tint val="60000"/>
+      </a:schemeClr>
+    </dgm:linClrLst>
+    <dgm:effectClrLst/>
+    <dgm:txLinClrLst/>
+    <dgm:txFillClrLst/>
+    <dgm:txEffectClrLst/>
+  </dgm:styleLbl>
+  <dgm:styleLbl name="fgSibTrans2D1">
+    <dgm:fillClrLst meth="repeat">
+      <a:schemeClr val="accent1">
+        <a:tint val="60000"/>
+      </a:schemeClr>
+    </dgm:fillClrLst>
+    <dgm:linClrLst meth="repeat">
+      <a:schemeClr val="accent1">
+        <a:tint val="60000"/>
+      </a:schemeClr>
+    </dgm:linClrLst>
+    <dgm:effectClrLst/>
+    <dgm:txLinClrLst/>
+    <dgm:txFillClrLst/>
+    <dgm:txEffectClrLst/>
+  </dgm:styleLbl>
+  <dgm:styleLbl name="bgSibTrans2D1">
+    <dgm:fillClrLst meth="repeat">
+      <a:schemeClr val="accent1">
+        <a:tint val="60000"/>
+      </a:schemeClr>
+    </dgm:fillClrLst>
+    <dgm:linClrLst meth="repeat">
+      <a:schemeClr val="accent1">
+        <a:tint val="60000"/>
+      </a:schemeClr>
+    </dgm:linClrLst>
+    <dgm:effectClrLst/>
+    <dgm:txLinClrLst/>
+    <dgm:txFillClrLst/>
+    <dgm:txEffectClrLst/>
+  </dgm:styleLbl>
+  <dgm:styleLbl name="sibTrans1D1">
+    <dgm:fillClrLst meth="repeat">
+      <a:schemeClr val="accent1"/>
+    </dgm:fillClrLst>
+    <dgm:linClrLst meth="repeat">
+      <a:schemeClr val="accent1"/>
+    </dgm:linClrLst>
+    <dgm:effectClrLst/>
+    <dgm:txLinClrLst/>
+    <dgm:txFillClrLst meth="repeat">
+      <a:schemeClr val="tx1"/>
+    </dgm:txFillClrLst>
+    <dgm:txEffectClrLst/>
+  </dgm:styleLbl>
+  <dgm:styleLbl name="callout">
+    <dgm:fillClrLst meth="repeat">
+      <a:schemeClr val="accent1"/>
+    </dgm:fillClrLst>
+    <dgm:linClrLst meth="repeat">
+      <a:schemeClr val="accent1">
+        <a:tint val="50000"/>
+      </a:schemeClr>
+    </dgm:linClrLst>
+    <dgm:effectClrLst/>
+    <dgm:txLinClrLst/>
+    <dgm:txFillClrLst meth="repeat">
+      <a:schemeClr val="tx1"/>
+    </dgm:txFillClrLst>
+    <dgm:txEffectClrLst/>
+  </dgm:styleLbl>
+  <dgm:styleLbl name="asst0">
+    <dgm:fillClrLst meth="repeat">
+      <a:schemeClr val="accent1"/>
+    </dgm:fillClrLst>
+    <dgm:linClrLst meth="repeat">
+      <a:schemeClr val="lt1"/>
+    </dgm:linClrLst>
+    <dgm:effectClrLst/>
+    <dgm:txLinClrLst/>
+    <dgm:txFillClrLst/>
+    <dgm:txEffectClrLst/>
+  </dgm:styleLbl>
+  <dgm:styleLbl name="asst1">
+    <dgm:fillClrLst meth="repeat">
+      <a:schemeClr val="accent1"/>
+    </dgm:fillClrLst>
+    <dgm:linClrLst meth="repeat">
+      <a:schemeClr val="lt1"/>
+    </dgm:linClrLst>
+    <dgm:effectClrLst/>
+    <dgm:txLinClrLst/>
+    <dgm:txFillClrLst/>
+    <dgm:txEffectClrLst/>
+  </dgm:styleLbl>
+  <dgm:styleLbl name="asst2">
+    <dgm:fillClrLst meth="repeat">
+      <a:schemeClr val="accent1"/>
+    </dgm:fillClrLst>
+    <dgm:linClrLst meth="repeat">
+      <a:schemeClr val="lt1"/>
+    </dgm:linClrLst>
+    <dgm:effectClrLst/>
+    <dgm:txLinClrLst/>
+    <dgm:txFillClrLst/>
+    <dgm:txEffectClrLst/>
+  </dgm:styleLbl>
+  <dgm:styleLbl name="asst3">
+    <dgm:fillClrLst meth="repeat">
+      <a:schemeClr val="accent1"/>
+    </dgm:fillClrLst>
+    <dgm:linClrLst meth="repeat">
+      <a:schemeClr val="lt1"/>
+    </dgm:linClrLst>
+    <dgm:effectClrLst/>
+    <dgm:txLinClrLst/>
+    <dgm:txFillClrLst/>
+    <dgm:txEffectClrLst/>
+  </dgm:styleLbl>
+  <dgm:styleLbl name="asst4">
+    <dgm:fillClrLst meth="repeat">
+      <a:schemeClr val="accent1"/>
+    </dgm:fillClrLst>
+    <dgm:linClrLst meth="repeat">
+      <a:schemeClr val="lt1"/>
+    </dgm:linClrLst>
+    <dgm:effectClrLst/>
+    <dgm:txLinClrLst/>
+    <dgm:txFillClrLst/>
+    <dgm:txEffectClrLst/>
+  </dgm:styleLbl>
+  <dgm:styleLbl name="parChTrans2D1">
+    <dgm:fillClrLst meth="repeat">
+      <a:schemeClr val="accent1">
+        <a:tint val="60000"/>
+      </a:schemeClr>
+    </dgm:fillClrLst>
+    <dgm:linClrLst meth="repeat">
+      <a:schemeClr val="accent1">
+        <a:tint val="60000"/>
+      </a:schemeClr>
+    </dgm:linClrLst>
+    <dgm:effectClrLst/>
+    <dgm:txLinClrLst/>
+    <dgm:txFillClrLst meth="repeat">
+      <a:schemeClr val="lt1"/>
+    </dgm:txFillClrLst>
+    <dgm:txEffectClrLst/>
+  </dgm:styleLbl>
+  <dgm:styleLbl name="parChTrans2D2">
+    <dgm:fillClrLst meth="repeat">
+      <a:schemeClr val="accent1"/>
+    </dgm:fillClrLst>
+    <dgm:linClrLst meth="repeat">
+      <a:schemeClr val="accent1"/>
+    </dgm:linClrLst>
+    <dgm:effectClrLst/>
+    <dgm:txLinClrLst/>
+    <dgm:txFillClrLst meth="repeat">
+      <a:schemeClr val="lt1"/>
+    </dgm:txFillClrLst>
+    <dgm:txEffectClrLst/>
+  </dgm:styleLbl>
+  <dgm:styleLbl name="parChTrans2D3">
+    <dgm:fillClrLst meth="repeat">
+      <a:schemeClr val="accent1"/>
+    </dgm:fillClrLst>
+    <dgm:linClrLst meth="repeat">
+      <a:schemeClr val="accent1"/>
+    </dgm:linClrLst>
+    <dgm:effectClrLst/>
+    <dgm:txLinClrLst/>
+    <dgm:txFillClrLst meth="repeat">
+      <a:schemeClr val="lt1"/>
+    </dgm:txFillClrLst>
+    <dgm:txEffectClrLst/>
+  </dgm:styleLbl>
+  <dgm:styleLbl name="parChTrans2D4">
+    <dgm:fillClrLst meth="repeat">
+      <a:schemeClr val="accent1"/>
+    </dgm:fillClrLst>
+    <dgm:linClrLst meth="repeat">
+      <a:schemeClr val="accent1"/>
+    </dgm:linClrLst>
+    <dgm:effectClrLst/>
+    <dgm:txLinClrLst/>
+    <dgm:txFillClrLst meth="repeat">
+      <a:schemeClr val="lt1"/>
+    </dgm:txFillClrLst>
+    <dgm:txEffectClrLst/>
+  </dgm:styleLbl>
+  <dgm:styleLbl name="parChTrans1D1">
+    <dgm:fillClrLst meth="repeat">
+      <a:schemeClr val="accent1"/>
+    </dgm:fillClrLst>
+    <dgm:linClrLst meth="repeat">
+      <a:schemeClr val="accent1">
+        <a:shade val="60000"/>
+      </a:schemeClr>
+    </dgm:linClrLst>
+    <dgm:effectClrLst/>
+    <dgm:txLinClrLst/>
+    <dgm:txFillClrLst meth="repeat">
+      <a:schemeClr val="tx1"/>
+    </dgm:txFillClrLst>
+    <dgm:txEffectClrLst/>
+  </dgm:styleLbl>
+  <dgm:styleLbl name="parChTrans1D2">
+    <dgm:fillClrLst meth="repeat">
+      <a:schemeClr val="accent1"/>
+    </dgm:fillClrLst>
+    <dgm:linClrLst meth="repeat">
+      <a:schemeClr val="accent1">
+        <a:shade val="60000"/>
+      </a:schemeClr>
+    </dgm:linClrLst>
+    <dgm:effectClrLst/>
+    <dgm:txLinClrLst/>
+    <dgm:txFillClrLst meth="repeat">
+      <a:schemeClr val="tx1"/>
+    </dgm:txFillClrLst>
+    <dgm:txEffectClrLst/>
+  </dgm:styleLbl>
+  <dgm:styleLbl name="parChTrans1D3">
+    <dgm:fillClrLst meth="repeat">
+      <a:schemeClr val="accent1"/>
+    </dgm:fillClrLst>
+    <dgm:linClrLst meth="repeat">
+      <a:schemeClr val="accent1">
+        <a:shade val="80000"/>
+      </a:schemeClr>
+    </dgm:linClrLst>
+    <dgm:effectClrLst/>
+    <dgm:txLinClrLst/>
+    <dgm:txFillClrLst meth="repeat">
+      <a:schemeClr val="tx1"/>
+    </dgm:txFillClrLst>
+    <dgm:txEffectClrLst/>
+  </dgm:styleLbl>
+  <dgm:styleLbl name="parChTrans1D4">
+    <dgm:fillClrLst meth="repeat">
+      <a:schemeClr val="accent1"/>
+    </dgm:fillClrLst>
+    <dgm:linClrLst meth="repeat">
+      <a:schemeClr val="accent1">
+        <a:shade val="80000"/>
+      </a:schemeClr>
+    </dgm:linClrLst>
+    <dgm:effectClrLst/>
+    <dgm:txLinClrLst/>
+    <dgm:txFillClrLst meth="repeat">
+      <a:schemeClr val="tx1"/>
+    </dgm:txFillClrLst>
+    <dgm:txEffectClrLst/>
+  </dgm:styleLbl>
+  <dgm:styleLbl name="fgAcc1">
+    <dgm:fillClrLst meth="repeat">
+      <a:schemeClr val="lt1">
+        <a:alpha val="90000"/>
+      </a:schemeClr>
+    </dgm:fillClrLst>
+    <dgm:linClrLst meth="repeat">
+      <a:schemeClr val="accent1"/>
+    </dgm:linClrLst>
+    <dgm:effectClrLst/>
+    <dgm:txLinClrLst/>
+    <dgm:txFillClrLst meth="repeat">
+      <a:schemeClr val="dk1"/>
+    </dgm:txFillClrLst>
+    <dgm:txEffectClrLst/>
+  </dgm:styleLbl>
+  <dgm:styleLbl name="conFgAcc1">
+    <dgm:fillClrLst meth="repeat">
+      <a:schemeClr val="lt1">
+        <a:alpha val="90000"/>
+      </a:schemeClr>
+    </dgm:fillClrLst>
+    <dgm:linClrLst meth="repeat">
+      <a:schemeClr val="accent1"/>
+    </dgm:linClrLst>
+    <dgm:effectClrLst/>
+    <dgm:txLinClrLst/>
+    <dgm:txFillClrLst meth="repeat">
+      <a:schemeClr val="dk1"/>
+    </dgm:txFillClrLst>
+    <dgm:txEffectClrLst/>
+  </dgm:styleLbl>
+  <dgm:styleLbl name="alignAcc1">
+    <dgm:fillClrLst meth="repeat">
+      <a:schemeClr val="lt1">
+        <a:alpha val="90000"/>
+      </a:schemeClr>
+    </dgm:fillClrLst>
+    <dgm:linClrLst meth="repeat">
+      <a:schemeClr val="accent1"/>
+    </dgm:linClrLst>
+    <dgm:effectClrLst/>
+    <dgm:txLinClrLst/>
+    <dgm:txFillClrLst meth="repeat">
+      <a:schemeClr val="dk1"/>
+    </dgm:txFillClrLst>
+    <dgm:txEffectClrLst/>
+  </dgm:styleLbl>
+  <dgm:styleLbl name="trAlignAcc1">
+    <dgm:fillClrLst meth="repeat">
+      <a:schemeClr val="lt1">
+        <a:alpha val="40000"/>
+      </a:schemeClr>
+    </dgm:fillClrLst>
+    <dgm:linClrLst meth="repeat">
+      <a:schemeClr val="accent1"/>
+    </dgm:linClrLst>
+    <dgm:effectClrLst/>
+    <dgm:txLinClrLst/>
+    <dgm:txFillClrLst meth="repeat">
+      <a:schemeClr val="dk1"/>
+    </dgm:txFillClrLst>
+    <dgm:txEffectClrLst/>
+  </dgm:styleLbl>
+  <dgm:styleLbl name="bgAcc1">
+    <dgm:fillClrLst meth="repeat">
+      <a:schemeClr val="lt1">
+        <a:alpha val="90000"/>
+      </a:schemeClr>
+    </dgm:fillClrLst>
+    <dgm:linClrLst meth="repeat">
+      <a:schemeClr val="accent1"/>
+    </dgm:linClrLst>
+    <dgm:effectClrLst/>
+    <dgm:txLinClrLst/>
+    <dgm:txFillClrLst meth="repeat">
+      <a:schemeClr val="dk1"/>
+    </dgm:txFillClrLst>
+    <dgm:txEffectClrLst/>
+  </dgm:styleLbl>
+  <dgm:styleLbl name="solidFgAcc1">
+    <dgm:fillClrLst meth="repeat">
+      <a:schemeClr val="lt1"/>
+    </dgm:fillClrLst>
+    <dgm:linClrLst meth="repeat">
+      <a:schemeClr val="accent1"/>
+    </dgm:linClrLst>
+    <dgm:effectClrLst/>
+    <dgm:txLinClrLst/>
+    <dgm:txFillClrLst meth="repeat">
+      <a:schemeClr val="dk1"/>
+    </dgm:txFillClrLst>
+    <dgm:txEffectClrLst/>
+  </dgm:styleLbl>
+  <dgm:styleLbl name="solidAlignAcc1">
+    <dgm:fillClrLst meth="repeat">
+      <a:schemeClr val="lt1"/>
+    </dgm:fillClrLst>
+    <dgm:linClrLst meth="repeat">
+      <a:schemeClr val="accent1"/>
+    </dgm:linClrLst>
+    <dgm:effectClrLst/>
+    <dgm:txLinClrLst/>
+    <dgm:txFillClrLst meth="repeat">
+      <a:schemeClr val="dk1"/>
+    </dgm:txFillClrLst>
+    <dgm:txEffectClrLst/>
+  </dgm:styleLbl>
+  <dgm:styleLbl name="solidBgAcc1">
+    <dgm:fillClrLst meth="repeat">
+      <a:schemeClr val="lt1"/>
+    </dgm:fillClrLst>
+    <dgm:linClrLst meth="repeat">
+      <a:schemeClr val="accent1"/>
+    </dgm:linClrLst>
+    <dgm:effectClrLst/>
+    <dgm:txLinClrLst/>
+    <dgm:txFillClrLst meth="repeat">
+      <a:schemeClr val="dk1"/>
+    </dgm:txFillClrLst>
+    <dgm:txEffectClrLst/>
+  </dgm:styleLbl>
+  <dgm:styleLbl name="fgAccFollowNode1">
+    <dgm:fillClrLst meth="repeat">
+      <a:schemeClr val="accent1">
+        <a:alpha val="90000"/>
+        <a:tint val="40000"/>
+      </a:schemeClr>
+    </dgm:fillClrLst>
+    <dgm:linClrLst meth="repeat">
+      <a:schemeClr val="accent1">
+        <a:alpha val="90000"/>
+        <a:tint val="40000"/>
+      </a:schemeClr>
+    </dgm:linClrLst>
+    <dgm:effectClrLst/>
+    <dgm:txLinClrLst/>
+    <dgm:txFillClrLst meth="repeat">
+      <a:schemeClr val="dk1"/>
+    </dgm:txFillClrLst>
+    <dgm:txEffectClrLst/>
+  </dgm:styleLbl>
+  <dgm:styleLbl name="alignAccFollowNode1">
+    <dgm:fillClrLst meth="repeat">
+      <a:schemeClr val="accent1">
+        <a:alpha val="90000"/>
+        <a:tint val="40000"/>
+      </a:schemeClr>
+    </dgm:fillClrLst>
+    <dgm:linClrLst meth="repeat">
+      <a:schemeClr val="accent1">
+        <a:alpha val="90000"/>
+        <a:tint val="40000"/>
+      </a:schemeClr>
+    </dgm:linClrLst>
+    <dgm:effectClrLst/>
+    <dgm:txLinClrLst/>
+    <dgm:txFillClrLst meth="repeat">
+      <a:schemeClr val="dk1"/>
+    </dgm:txFillClrLst>
+    <dgm:txEffectClrLst/>
+  </dgm:styleLbl>
+  <dgm:styleLbl name="bgAccFollowNode1">
+    <dgm:fillClrLst meth="repeat">
+      <a:schemeClr val="accent1">
+        <a:alpha val="90000"/>
+        <a:tint val="40000"/>
+      </a:schemeClr>
+    </dgm:fillClrLst>
+    <dgm:linClrLst meth="repeat">
+      <a:schemeClr val="accent1">
+        <a:alpha val="90000"/>
+        <a:tint val="40000"/>
+      </a:schemeClr>
+    </dgm:linClrLst>
+    <dgm:effectClrLst/>
+    <dgm:txLinClrLst/>
+    <dgm:txFillClrLst meth="repeat">
+      <a:schemeClr val="dk1"/>
+    </dgm:txFillClrLst>
+    <dgm:txEffectClrLst/>
+  </dgm:styleLbl>
+  <dgm:styleLbl name="fgAcc0">
+    <dgm:fillClrLst meth="repeat">
+      <a:schemeClr val="lt1">
+        <a:alpha val="90000"/>
+      </a:schemeClr>
+    </dgm:fillClrLst>
+    <dgm:linClrLst meth="repeat">
+      <a:schemeClr val="accent1"/>
+    </dgm:linClrLst>
+    <dgm:effectClrLst/>
+    <dgm:txLinClrLst/>
+    <dgm:txFillClrLst meth="repeat">
+      <a:schemeClr val="dk1"/>
+    </dgm:txFillClrLst>
+    <dgm:txEffectClrLst/>
+  </dgm:styleLbl>
+  <dgm:styleLbl name="fgAcc2">
+    <dgm:fillClrLst meth="repeat">
+      <a:schemeClr val="lt1">
+        <a:alpha val="90000"/>
+      </a:schemeClr>
+    </dgm:fillClrLst>
+    <dgm:linClrLst meth="repeat">
+      <a:schemeClr val="accent1"/>
+    </dgm:linClrLst>
+    <dgm:effectClrLst/>
+    <dgm:txLinClrLst/>
+    <dgm:txFillClrLst meth="repeat">
+      <a:schemeClr val="dk1"/>
+    </dgm:txFillClrLst>
+    <dgm:txEffectClrLst/>
+  </dgm:styleLbl>
+  <dgm:styleLbl name="fgAcc3">
+    <dgm:fillClrLst meth="repeat">
+      <a:schemeClr val="lt1">
+        <a:alpha val="90000"/>
+      </a:schemeClr>
+    </dgm:fillClrLst>
+    <dgm:linClrLst meth="repeat">
+      <a:schemeClr val="accent1"/>
+    </dgm:linClrLst>
+    <dgm:effectClrLst/>
+    <dgm:txLinClrLst/>
+    <dgm:txFillClrLst meth="repeat">
+      <a:schemeClr val="dk1"/>
+    </dgm:txFillClrLst>
+    <dgm:txEffectClrLst/>
+  </dgm:styleLbl>
+  <dgm:styleLbl name="fgAcc4">
+    <dgm:fillClrLst meth="repeat">
+      <a:schemeClr val="lt1">
+        <a:alpha val="90000"/>
+      </a:schemeClr>
+    </dgm:fillClrLst>
+    <dgm:linClrLst meth="repeat">
+      <a:schemeClr val="accent1"/>
+    </dgm:linClrLst>
+    <dgm:effectClrLst/>
+    <dgm:txLinClrLst/>
+    <dgm:txFillClrLst meth="repeat">
+      <a:schemeClr val="dk1"/>
+    </dgm:txFillClrLst>
+    <dgm:txEffectClrLst/>
+  </dgm:styleLbl>
+  <dgm:styleLbl name="bgShp">
+    <dgm:fillClrLst meth="repeat">
+      <a:schemeClr val="accent1">
+        <a:tint val="40000"/>
+      </a:schemeClr>
+    </dgm:fillClrLst>
+    <dgm:linClrLst meth="repeat">
+      <a:schemeClr val="accent1"/>
+    </dgm:linClrLst>
+    <dgm:effectClrLst/>
+    <dgm:txLinClrLst/>
+    <dgm:txFillClrLst meth="repeat">
+      <a:schemeClr val="dk1"/>
+    </dgm:txFillClrLst>
+    <dgm:txEffectClrLst/>
+  </dgm:styleLbl>
+  <dgm:styleLbl name="dkBgShp">
+    <dgm:fillClrLst meth="repeat">
+      <a:schemeClr val="accent1">
+        <a:shade val="80000"/>
+      </a:schemeClr>
+    </dgm:fillClrLst>
+    <dgm:linClrLst meth="repeat">
+      <a:schemeClr val="accent1"/>
+    </dgm:linClrLst>
+    <dgm:effectClrLst/>
+    <dgm:txLinClrLst/>
+    <dgm:txFillClrLst meth="repeat">
+      <a:schemeClr val="lt1"/>
+    </dgm:txFillClrLst>
+    <dgm:txEffectClrLst/>
+  </dgm:styleLbl>
+  <dgm:styleLbl name="trBgShp">
+    <dgm:fillClrLst meth="repeat">
+      <a:schemeClr val="accent1">
+        <a:tint val="50000"/>
+        <a:alpha val="40000"/>
+      </a:schemeClr>
+    </dgm:fillClrLst>
+    <dgm:linClrLst meth="repeat">
+      <a:schemeClr val="accent1"/>
+    </dgm:linClrLst>
+    <dgm:effectClrLst/>
+    <dgm:txLinClrLst/>
+    <dgm:txFillClrLst meth="repeat">
+      <a:schemeClr val="lt1"/>
+    </dgm:txFillClrLst>
+    <dgm:txEffectClrLst/>
+  </dgm:styleLbl>
+  <dgm:styleLbl name="fgShp">
+    <dgm:fillClrLst meth="repeat">
+      <a:schemeClr val="accent1">
+        <a:tint val="60000"/>
+      </a:schemeClr>
+    </dgm:fillClrLst>
+    <dgm:linClrLst meth="repeat">
+      <a:schemeClr val="lt1"/>
+    </dgm:linClrLst>
+    <dgm:effectClrLst/>
+    <dgm:txLinClrLst/>
+    <dgm:txFillClrLst meth="repeat">
+      <a:schemeClr val="dk1"/>
+    </dgm:txFillClrLst>
+    <dgm:txEffectClrLst/>
+  </dgm:styleLbl>
+  <dgm:styleLbl name="revTx">
+    <dgm:fillClrLst meth="repeat">
+      <a:schemeClr val="lt1">
+        <a:alpha val="0"/>
+      </a:schemeClr>
+    </dgm:fillClrLst>
+    <dgm:linClrLst meth="repeat">
+      <a:schemeClr val="dk1">
+        <a:alpha val="0"/>
+      </a:schemeClr>
+    </dgm:linClrLst>
+    <dgm:effectClrLst/>
+    <dgm:txLinClrLst/>
+    <dgm:txFillClrLst meth="repeat">
+      <a:schemeClr val="tx1"/>
+    </dgm:txFillClrLst>
+    <dgm:txEffectClrLst/>
+  </dgm:styleLbl>
+</dgm:colorsDef>
+</file>
+
+<file path=ppt/diagrams/data1.xml><?xml version="1.0" encoding="utf-8"?>
+<dgm:dataModel xmlns:dgm="http://schemas.openxmlformats.org/drawingml/2006/diagram" xmlns:a="http://schemas.openxmlformats.org/drawingml/2006/main">
+  <dgm:ptLst>
+    <dgm:pt modelId="{75E7686A-2C86-4EEA-A61B-DF49C3A4DE7C}" type="doc">
+      <dgm:prSet loTypeId="urn:microsoft.com/office/officeart/2018/2/layout/IconVerticalSolidList" loCatId="icon" qsTypeId="urn:microsoft.com/office/officeart/2005/8/quickstyle/simple1" qsCatId="simple" csTypeId="urn:microsoft.com/office/officeart/2005/8/colors/accent1_2" csCatId="accent1" phldr="1"/>
+      <dgm:spPr/>
+      <dgm:t>
+        <a:bodyPr/>
+        <a:lstStyle/>
+        <a:p>
+          <a:endParaRPr lang="en-US"/>
+        </a:p>
+      </dgm:t>
+    </dgm:pt>
+    <dgm:pt modelId="{EDE76863-7E9F-400B-B809-EE27EAC29F0E}">
+      <dgm:prSet/>
+      <dgm:spPr/>
+      <dgm:t>
+        <a:bodyPr/>
+        <a:lstStyle/>
+        <a:p>
+          <a:pPr>
+            <a:lnSpc>
+              <a:spcPct val="100000"/>
+            </a:lnSpc>
+          </a:pPr>
+          <a:r>
+            <a:rPr lang="en-GB"/>
+            <a:t>The “domino” effect of delays is the biggest influence on further delays</a:t>
+          </a:r>
+          <a:endParaRPr lang="en-US"/>
+        </a:p>
+      </dgm:t>
+    </dgm:pt>
+    <dgm:pt modelId="{A4A9E9CA-761A-4DAD-93CB-42BCB4214DCA}" type="parTrans" cxnId="{E374E4A3-94F2-44B1-9B9C-4545D58D12B1}">
+      <dgm:prSet/>
+      <dgm:spPr/>
+      <dgm:t>
+        <a:bodyPr/>
+        <a:lstStyle/>
+        <a:p>
+          <a:endParaRPr lang="en-US"/>
+        </a:p>
+      </dgm:t>
+    </dgm:pt>
+    <dgm:pt modelId="{2C40AE56-381F-4DE7-BE4F-553BBC313FBC}" type="sibTrans" cxnId="{E374E4A3-94F2-44B1-9B9C-4545D58D12B1}">
+      <dgm:prSet/>
+      <dgm:spPr/>
+      <dgm:t>
+        <a:bodyPr/>
+        <a:lstStyle/>
+        <a:p>
+          <a:endParaRPr lang="en-US"/>
+        </a:p>
+      </dgm:t>
+    </dgm:pt>
+    <dgm:pt modelId="{08856645-D581-41FB-A20A-DE5F2B41B620}">
+      <dgm:prSet/>
+      <dgm:spPr/>
+      <dgm:t>
+        <a:bodyPr/>
+        <a:lstStyle/>
+        <a:p>
+          <a:pPr>
+            <a:lnSpc>
+              <a:spcPct val="100000"/>
+            </a:lnSpc>
+          </a:pPr>
+          <a:r>
+            <a:rPr lang="en-GB" dirty="0"/>
+            <a:t>Consider limiting this effect by reviewing the need for additional planes/crew when earlier flights have been delayed </a:t>
+          </a:r>
+          <a:endParaRPr lang="en-US" dirty="0"/>
+        </a:p>
+      </dgm:t>
+    </dgm:pt>
+    <dgm:pt modelId="{880162B7-4A1B-443C-B392-F7B8C5C5E492}" type="parTrans" cxnId="{42F84CC2-4385-4889-A122-2EAA1C4E88D0}">
+      <dgm:prSet/>
+      <dgm:spPr/>
+      <dgm:t>
+        <a:bodyPr/>
+        <a:lstStyle/>
+        <a:p>
+          <a:endParaRPr lang="en-US"/>
+        </a:p>
+      </dgm:t>
+    </dgm:pt>
+    <dgm:pt modelId="{05A9A2E8-3025-48AF-8343-5DFBDAD930F6}" type="sibTrans" cxnId="{42F84CC2-4385-4889-A122-2EAA1C4E88D0}">
+      <dgm:prSet/>
+      <dgm:spPr/>
+      <dgm:t>
+        <a:bodyPr/>
+        <a:lstStyle/>
+        <a:p>
+          <a:endParaRPr lang="en-US"/>
+        </a:p>
+      </dgm:t>
+    </dgm:pt>
+    <dgm:pt modelId="{B53D2E88-0EC2-4D9D-A56B-810EB2CE1329}">
+      <dgm:prSet/>
+      <dgm:spPr/>
+      <dgm:t>
+        <a:bodyPr/>
+        <a:lstStyle/>
+        <a:p>
+          <a:pPr>
+            <a:lnSpc>
+              <a:spcPct val="100000"/>
+            </a:lnSpc>
+          </a:pPr>
+          <a:r>
+            <a:rPr lang="en-GB"/>
+            <a:t>There appear to be issues with the airports capacity to manage flight delays during busy months</a:t>
+          </a:r>
+          <a:endParaRPr lang="en-US"/>
+        </a:p>
+      </dgm:t>
+    </dgm:pt>
+    <dgm:pt modelId="{4EE9E05D-72A0-4702-BA1B-354486E42AD8}" type="parTrans" cxnId="{3D5F7119-AFE6-4584-A47A-AA1EAAD6B9CF}">
+      <dgm:prSet/>
+      <dgm:spPr/>
+      <dgm:t>
+        <a:bodyPr/>
+        <a:lstStyle/>
+        <a:p>
+          <a:endParaRPr lang="en-US"/>
+        </a:p>
+      </dgm:t>
+    </dgm:pt>
+    <dgm:pt modelId="{266EB9E4-9091-4D26-A486-AEE506331DA2}" type="sibTrans" cxnId="{3D5F7119-AFE6-4584-A47A-AA1EAAD6B9CF}">
+      <dgm:prSet/>
+      <dgm:spPr/>
+      <dgm:t>
+        <a:bodyPr/>
+        <a:lstStyle/>
+        <a:p>
+          <a:endParaRPr lang="en-US"/>
+        </a:p>
+      </dgm:t>
+    </dgm:pt>
+    <dgm:pt modelId="{96F59D1D-5BEC-4A04-84F2-DA3546E79721}">
+      <dgm:prSet/>
+      <dgm:spPr/>
+      <dgm:t>
+        <a:bodyPr/>
+        <a:lstStyle/>
+        <a:p>
+          <a:pPr>
+            <a:lnSpc>
+              <a:spcPct val="100000"/>
+            </a:lnSpc>
+          </a:pPr>
+          <a:r>
+            <a:rPr lang="en-GB"/>
+            <a:t>Consider staffing levels within airport for improved efficiency for passengers</a:t>
+          </a:r>
+          <a:endParaRPr lang="en-US"/>
+        </a:p>
+      </dgm:t>
+    </dgm:pt>
+    <dgm:pt modelId="{E809D14D-4147-41F5-9A37-B65FDA1A3E36}" type="parTrans" cxnId="{0B3BA4F2-649B-4B6A-82C3-F7FE9A06BA69}">
+      <dgm:prSet/>
+      <dgm:spPr/>
+      <dgm:t>
+        <a:bodyPr/>
+        <a:lstStyle/>
+        <a:p>
+          <a:endParaRPr lang="en-US"/>
+        </a:p>
+      </dgm:t>
+    </dgm:pt>
+    <dgm:pt modelId="{4A7617C1-8A0E-4D1D-97DA-97ED6A5333A3}" type="sibTrans" cxnId="{0B3BA4F2-649B-4B6A-82C3-F7FE9A06BA69}">
+      <dgm:prSet/>
+      <dgm:spPr/>
+      <dgm:t>
+        <a:bodyPr/>
+        <a:lstStyle/>
+        <a:p>
+          <a:endParaRPr lang="en-US"/>
+        </a:p>
+      </dgm:t>
+    </dgm:pt>
+    <dgm:pt modelId="{97FF56AD-B07D-45EF-85ED-A5D1B45F5B47}">
+      <dgm:prSet/>
+      <dgm:spPr/>
+      <dgm:t>
+        <a:bodyPr/>
+        <a:lstStyle/>
+        <a:p>
+          <a:pPr>
+            <a:lnSpc>
+              <a:spcPct val="100000"/>
+            </a:lnSpc>
+          </a:pPr>
+          <a:r>
+            <a:rPr lang="en-GB"/>
+            <a:t>Consider increasing crew levels to ensure planes are ready to depart as early as possible</a:t>
+          </a:r>
+          <a:endParaRPr lang="en-US"/>
+        </a:p>
+      </dgm:t>
+    </dgm:pt>
+    <dgm:pt modelId="{AECBDEBC-1BE8-4951-9E3A-72AAC0545819}" type="parTrans" cxnId="{6290D713-D5EC-4AD3-ADCC-8577E7DE9326}">
+      <dgm:prSet/>
+      <dgm:spPr/>
+      <dgm:t>
+        <a:bodyPr/>
+        <a:lstStyle/>
+        <a:p>
+          <a:endParaRPr lang="en-US"/>
+        </a:p>
+      </dgm:t>
+    </dgm:pt>
+    <dgm:pt modelId="{CA3AEB24-E2BD-4C40-80FB-3EDAE579DEBB}" type="sibTrans" cxnId="{6290D713-D5EC-4AD3-ADCC-8577E7DE9326}">
+      <dgm:prSet/>
+      <dgm:spPr/>
+      <dgm:t>
+        <a:bodyPr/>
+        <a:lstStyle/>
+        <a:p>
+          <a:endParaRPr lang="en-US"/>
+        </a:p>
+      </dgm:t>
+    </dgm:pt>
+    <dgm:pt modelId="{937CF669-A4B4-411A-A52D-41546DAB2035}">
+      <dgm:prSet/>
+      <dgm:spPr/>
+      <dgm:t>
+        <a:bodyPr/>
+        <a:lstStyle/>
+        <a:p>
+          <a:pPr>
+            <a:lnSpc>
+              <a:spcPct val="100000"/>
+            </a:lnSpc>
+          </a:pPr>
+          <a:r>
+            <a:rPr lang="en-GB"/>
+            <a:t>Weather has a significant yet complex impact on delays</a:t>
+          </a:r>
+          <a:endParaRPr lang="en-US"/>
+        </a:p>
+      </dgm:t>
+    </dgm:pt>
+    <dgm:pt modelId="{E4495912-031C-41ED-8D82-7674D3BACAC2}" type="parTrans" cxnId="{BE75976B-AF8A-42B6-811C-88BC92BBBB3C}">
+      <dgm:prSet/>
+      <dgm:spPr/>
+      <dgm:t>
+        <a:bodyPr/>
+        <a:lstStyle/>
+        <a:p>
+          <a:endParaRPr lang="en-US"/>
+        </a:p>
+      </dgm:t>
+    </dgm:pt>
+    <dgm:pt modelId="{D3CFC6C2-B131-4C62-B766-E90AD058FF71}" type="sibTrans" cxnId="{BE75976B-AF8A-42B6-811C-88BC92BBBB3C}">
+      <dgm:prSet/>
+      <dgm:spPr/>
+      <dgm:t>
+        <a:bodyPr/>
+        <a:lstStyle/>
+        <a:p>
+          <a:endParaRPr lang="en-US"/>
+        </a:p>
+      </dgm:t>
+    </dgm:pt>
+    <dgm:pt modelId="{7E8C014E-C4F9-49B9-8117-6B5E565668EE}">
+      <dgm:prSet/>
+      <dgm:spPr/>
+      <dgm:t>
+        <a:bodyPr/>
+        <a:lstStyle/>
+        <a:p>
+          <a:pPr>
+            <a:lnSpc>
+              <a:spcPct val="100000"/>
+            </a:lnSpc>
+          </a:pPr>
+          <a:r>
+            <a:rPr lang="en-GB"/>
+            <a:t>Need to view the weather holistically rather than focus on individual parameters, i.e. temperature, pressure, wind etc.</a:t>
+          </a:r>
+          <a:endParaRPr lang="en-US"/>
+        </a:p>
+      </dgm:t>
+    </dgm:pt>
+    <dgm:pt modelId="{FFFD3534-160D-47B0-A268-E013534EDE4F}" type="parTrans" cxnId="{5F56C2A3-2D83-443B-B2FE-DB5036A4EF75}">
+      <dgm:prSet/>
+      <dgm:spPr/>
+      <dgm:t>
+        <a:bodyPr/>
+        <a:lstStyle/>
+        <a:p>
+          <a:endParaRPr lang="en-US"/>
+        </a:p>
+      </dgm:t>
+    </dgm:pt>
+    <dgm:pt modelId="{46C3791D-B8E9-4470-92DA-4EDF919D5688}" type="sibTrans" cxnId="{5F56C2A3-2D83-443B-B2FE-DB5036A4EF75}">
+      <dgm:prSet/>
+      <dgm:spPr/>
+      <dgm:t>
+        <a:bodyPr/>
+        <a:lstStyle/>
+        <a:p>
+          <a:endParaRPr lang="en-US"/>
+        </a:p>
+      </dgm:t>
+    </dgm:pt>
+    <dgm:pt modelId="{8A035D6C-27B4-4FE6-8BB8-648904A23F5D}">
+      <dgm:prSet/>
+      <dgm:spPr/>
+      <dgm:t>
+        <a:bodyPr/>
+        <a:lstStyle/>
+        <a:p>
+          <a:pPr>
+            <a:lnSpc>
+              <a:spcPct val="100000"/>
+            </a:lnSpc>
+          </a:pPr>
+          <a:r>
+            <a:rPr lang="en-GB"/>
+            <a:t>Improving planes ability to fly in poorer weather conditions </a:t>
+          </a:r>
+          <a:r>
+            <a:rPr lang="en-GB" b="1" i="1"/>
+            <a:t>may </a:t>
+          </a:r>
+          <a:r>
+            <a:rPr lang="en-GB"/>
+            <a:t>be beneficial, however, will not address delays from planes arriving at the airport</a:t>
+          </a:r>
+          <a:endParaRPr lang="en-US"/>
+        </a:p>
+      </dgm:t>
+    </dgm:pt>
+    <dgm:pt modelId="{42A8191C-83F0-4CEB-A03A-C69C253E4C4D}" type="parTrans" cxnId="{BB2D1C57-ED4A-4976-B708-E29F611A69EB}">
+      <dgm:prSet/>
+      <dgm:spPr/>
+      <dgm:t>
+        <a:bodyPr/>
+        <a:lstStyle/>
+        <a:p>
+          <a:endParaRPr lang="en-US"/>
+        </a:p>
+      </dgm:t>
+    </dgm:pt>
+    <dgm:pt modelId="{62EFDD36-32DC-4166-AE8A-CD199B7E951A}" type="sibTrans" cxnId="{BB2D1C57-ED4A-4976-B708-E29F611A69EB}">
+      <dgm:prSet/>
+      <dgm:spPr/>
+      <dgm:t>
+        <a:bodyPr/>
+        <a:lstStyle/>
+        <a:p>
+          <a:endParaRPr lang="en-US"/>
+        </a:p>
+      </dgm:t>
+    </dgm:pt>
+    <dgm:pt modelId="{75920F57-55CF-4B64-BB7A-32323B2615AB}">
+      <dgm:prSet/>
+      <dgm:spPr/>
+      <dgm:t>
+        <a:bodyPr/>
+        <a:lstStyle/>
+        <a:p>
+          <a:pPr>
+            <a:lnSpc>
+              <a:spcPct val="100000"/>
+            </a:lnSpc>
+          </a:pPr>
+          <a:r>
+            <a:rPr lang="en-GB"/>
+            <a:t>Use the predictive model to anticipate and plan delays and mitigate where possible</a:t>
+          </a:r>
+          <a:endParaRPr lang="en-US"/>
+        </a:p>
+      </dgm:t>
+    </dgm:pt>
+    <dgm:pt modelId="{56F26F9E-3010-43B9-9B1A-4630191C3F10}" type="parTrans" cxnId="{97543163-4754-4765-A964-743314BFA1D1}">
+      <dgm:prSet/>
+      <dgm:spPr/>
+      <dgm:t>
+        <a:bodyPr/>
+        <a:lstStyle/>
+        <a:p>
+          <a:endParaRPr lang="en-US"/>
+        </a:p>
+      </dgm:t>
+    </dgm:pt>
+    <dgm:pt modelId="{294E70C9-6AB1-443F-A6F9-EA31E1D2B7C8}" type="sibTrans" cxnId="{97543163-4754-4765-A964-743314BFA1D1}">
+      <dgm:prSet/>
+      <dgm:spPr/>
+      <dgm:t>
+        <a:bodyPr/>
+        <a:lstStyle/>
+        <a:p>
+          <a:endParaRPr lang="en-US"/>
+        </a:p>
+      </dgm:t>
+    </dgm:pt>
+    <dgm:pt modelId="{D260EA75-78DA-4FDE-9784-FDDA2C988806}" type="pres">
+      <dgm:prSet presAssocID="{75E7686A-2C86-4EEA-A61B-DF49C3A4DE7C}" presName="root" presStyleCnt="0">
+        <dgm:presLayoutVars>
+          <dgm:dir/>
+          <dgm:resizeHandles val="exact"/>
+        </dgm:presLayoutVars>
+      </dgm:prSet>
+      <dgm:spPr/>
+    </dgm:pt>
+    <dgm:pt modelId="{1D400AEB-3AA4-40D3-8C78-2482EA2F751D}" type="pres">
+      <dgm:prSet presAssocID="{EDE76863-7E9F-400B-B809-EE27EAC29F0E}" presName="compNode" presStyleCnt="0"/>
+      <dgm:spPr/>
+    </dgm:pt>
+    <dgm:pt modelId="{77B2281F-AC98-4D89-B489-36D471489947}" type="pres">
+      <dgm:prSet presAssocID="{EDE76863-7E9F-400B-B809-EE27EAC29F0E}" presName="bgRect" presStyleLbl="bgShp" presStyleIdx="0" presStyleCnt="4"/>
+      <dgm:spPr/>
+    </dgm:pt>
+    <dgm:pt modelId="{CF8691AB-50F2-40F7-82EF-5CD4F7A7EB93}" type="pres">
+      <dgm:prSet presAssocID="{EDE76863-7E9F-400B-B809-EE27EAC29F0E}" presName="iconRect" presStyleLbl="node1" presStyleIdx="0" presStyleCnt="4"/>
+      <dgm:spPr>
+        <a:blipFill>
+          <a:blip xmlns:r="http://schemas.openxmlformats.org/officeDocument/2006/relationships" r:embed="rId1">
+            <a:extLst>
+              <a:ext uri="{28A0092B-C50C-407E-A947-70E740481C1C}">
+                <a14:useLocalDpi xmlns:a14="http://schemas.microsoft.com/office/drawing/2010/main" val="0"/>
+              </a:ext>
+              <a:ext uri="{96DAC541-7B7A-43D3-8B79-37D633B846F1}">
+                <asvg:svgBlip xmlns:asvg="http://schemas.microsoft.com/office/drawing/2016/SVG/main" r:embed="rId2"/>
+              </a:ext>
+            </a:extLst>
+          </a:blip>
+          <a:stretch>
+            <a:fillRect/>
+          </a:stretch>
+        </a:blipFill>
+      </dgm:spPr>
+      <dgm:extLst>
+        <a:ext uri="{E40237B7-FDA0-4F09-8148-C483321AD2D9}">
+          <dgm14:cNvPr xmlns:dgm14="http://schemas.microsoft.com/office/drawing/2010/diagram" id="0" name="" descr="Pilot"/>
+        </a:ext>
+      </dgm:extLst>
+    </dgm:pt>
+    <dgm:pt modelId="{B08CE5C1-A674-40AE-A13D-FD9086CC86FF}" type="pres">
+      <dgm:prSet presAssocID="{EDE76863-7E9F-400B-B809-EE27EAC29F0E}" presName="spaceRect" presStyleCnt="0"/>
+      <dgm:spPr/>
+    </dgm:pt>
+    <dgm:pt modelId="{5FEF8F07-85BD-4697-931A-2D6CDE4488E0}" type="pres">
+      <dgm:prSet presAssocID="{EDE76863-7E9F-400B-B809-EE27EAC29F0E}" presName="parTx" presStyleLbl="revTx" presStyleIdx="0" presStyleCnt="7">
+        <dgm:presLayoutVars>
+          <dgm:chMax val="0"/>
+          <dgm:chPref val="0"/>
+        </dgm:presLayoutVars>
+      </dgm:prSet>
+      <dgm:spPr/>
+    </dgm:pt>
+    <dgm:pt modelId="{3C466ABA-7338-4A64-BBAD-AB186931ACDE}" type="pres">
+      <dgm:prSet presAssocID="{EDE76863-7E9F-400B-B809-EE27EAC29F0E}" presName="desTx" presStyleLbl="revTx" presStyleIdx="1" presStyleCnt="7">
+        <dgm:presLayoutVars/>
+      </dgm:prSet>
+      <dgm:spPr/>
+    </dgm:pt>
+    <dgm:pt modelId="{299B0805-826D-48F2-9F54-6972BAF9DF50}" type="pres">
+      <dgm:prSet presAssocID="{2C40AE56-381F-4DE7-BE4F-553BBC313FBC}" presName="sibTrans" presStyleCnt="0"/>
+      <dgm:spPr/>
+    </dgm:pt>
+    <dgm:pt modelId="{550A66F1-3618-439F-B18F-BEC0F4A8158A}" type="pres">
+      <dgm:prSet presAssocID="{B53D2E88-0EC2-4D9D-A56B-810EB2CE1329}" presName="compNode" presStyleCnt="0"/>
+      <dgm:spPr/>
+    </dgm:pt>
+    <dgm:pt modelId="{C93ED710-B8DD-4AF0-9163-904E5605F833}" type="pres">
+      <dgm:prSet presAssocID="{B53D2E88-0EC2-4D9D-A56B-810EB2CE1329}" presName="bgRect" presStyleLbl="bgShp" presStyleIdx="1" presStyleCnt="4"/>
+      <dgm:spPr/>
+    </dgm:pt>
+    <dgm:pt modelId="{4101B724-9FE4-44B3-AAF1-2CEF1125379E}" type="pres">
+      <dgm:prSet presAssocID="{B53D2E88-0EC2-4D9D-A56B-810EB2CE1329}" presName="iconRect" presStyleLbl="node1" presStyleIdx="1" presStyleCnt="4"/>
+      <dgm:spPr>
+        <a:blipFill>
+          <a:blip xmlns:r="http://schemas.openxmlformats.org/officeDocument/2006/relationships" r:embed="rId3">
+            <a:extLst>
+              <a:ext uri="{28A0092B-C50C-407E-A947-70E740481C1C}">
+                <a14:useLocalDpi xmlns:a14="http://schemas.microsoft.com/office/drawing/2010/main" val="0"/>
+              </a:ext>
+              <a:ext uri="{96DAC541-7B7A-43D3-8B79-37D633B846F1}">
+                <asvg:svgBlip xmlns:asvg="http://schemas.microsoft.com/office/drawing/2016/SVG/main" r:embed="rId4"/>
+              </a:ext>
+            </a:extLst>
+          </a:blip>
+          <a:stretch>
+            <a:fillRect/>
+          </a:stretch>
+        </a:blipFill>
+      </dgm:spPr>
+      <dgm:extLst>
+        <a:ext uri="{E40237B7-FDA0-4F09-8148-C483321AD2D9}">
+          <dgm14:cNvPr xmlns:dgm14="http://schemas.microsoft.com/office/drawing/2010/diagram" id="0" name="" descr="Airplane"/>
+        </a:ext>
+      </dgm:extLst>
+    </dgm:pt>
+    <dgm:pt modelId="{8ECD7ADB-DF91-4374-ACCA-F301A5F81FF7}" type="pres">
+      <dgm:prSet presAssocID="{B53D2E88-0EC2-4D9D-A56B-810EB2CE1329}" presName="spaceRect" presStyleCnt="0"/>
+      <dgm:spPr/>
+    </dgm:pt>
+    <dgm:pt modelId="{1D0446C8-189E-448D-9ADF-FC9D10BCCE52}" type="pres">
+      <dgm:prSet presAssocID="{B53D2E88-0EC2-4D9D-A56B-810EB2CE1329}" presName="parTx" presStyleLbl="revTx" presStyleIdx="2" presStyleCnt="7">
+        <dgm:presLayoutVars>
+          <dgm:chMax val="0"/>
+          <dgm:chPref val="0"/>
+        </dgm:presLayoutVars>
+      </dgm:prSet>
+      <dgm:spPr/>
+    </dgm:pt>
+    <dgm:pt modelId="{052F3370-C109-4609-9D1D-4C6C764DB204}" type="pres">
+      <dgm:prSet presAssocID="{B53D2E88-0EC2-4D9D-A56B-810EB2CE1329}" presName="desTx" presStyleLbl="revTx" presStyleIdx="3" presStyleCnt="7">
+        <dgm:presLayoutVars/>
+      </dgm:prSet>
+      <dgm:spPr/>
+    </dgm:pt>
+    <dgm:pt modelId="{2C96CDA1-7EB4-4763-B048-DDF02BAEBC3E}" type="pres">
+      <dgm:prSet presAssocID="{266EB9E4-9091-4D26-A486-AEE506331DA2}" presName="sibTrans" presStyleCnt="0"/>
+      <dgm:spPr/>
+    </dgm:pt>
+    <dgm:pt modelId="{E329894A-2CFE-4553-9345-E252E095650C}" type="pres">
+      <dgm:prSet presAssocID="{937CF669-A4B4-411A-A52D-41546DAB2035}" presName="compNode" presStyleCnt="0"/>
+      <dgm:spPr/>
+    </dgm:pt>
+    <dgm:pt modelId="{C86603CD-B095-4F54-A7DD-745177052B3D}" type="pres">
+      <dgm:prSet presAssocID="{937CF669-A4B4-411A-A52D-41546DAB2035}" presName="bgRect" presStyleLbl="bgShp" presStyleIdx="2" presStyleCnt="4"/>
+      <dgm:spPr/>
+    </dgm:pt>
+    <dgm:pt modelId="{8EEEEC38-D54E-4ECF-A276-72BC3689AA54}" type="pres">
+      <dgm:prSet presAssocID="{937CF669-A4B4-411A-A52D-41546DAB2035}" presName="iconRect" presStyleLbl="node1" presStyleIdx="2" presStyleCnt="4"/>
+      <dgm:spPr>
+        <a:blipFill>
+          <a:blip xmlns:r="http://schemas.openxmlformats.org/officeDocument/2006/relationships" r:embed="rId5">
+            <a:extLst>
+              <a:ext uri="{28A0092B-C50C-407E-A947-70E740481C1C}">
+                <a14:useLocalDpi xmlns:a14="http://schemas.microsoft.com/office/drawing/2010/main" val="0"/>
+              </a:ext>
+              <a:ext uri="{96DAC541-7B7A-43D3-8B79-37D633B846F1}">
+                <asvg:svgBlip xmlns:asvg="http://schemas.microsoft.com/office/drawing/2016/SVG/main" r:embed="rId6"/>
+              </a:ext>
+            </a:extLst>
+          </a:blip>
+          <a:stretch>
+            <a:fillRect/>
+          </a:stretch>
+        </a:blipFill>
+      </dgm:spPr>
+      <dgm:extLst>
+        <a:ext uri="{E40237B7-FDA0-4F09-8148-C483321AD2D9}">
+          <dgm14:cNvPr xmlns:dgm14="http://schemas.microsoft.com/office/drawing/2010/diagram" id="0" name="" descr="Lightning"/>
+        </a:ext>
+      </dgm:extLst>
+    </dgm:pt>
+    <dgm:pt modelId="{859349C0-2A41-4B60-926D-F6405D92B2A7}" type="pres">
+      <dgm:prSet presAssocID="{937CF669-A4B4-411A-A52D-41546DAB2035}" presName="spaceRect" presStyleCnt="0"/>
+      <dgm:spPr/>
+    </dgm:pt>
+    <dgm:pt modelId="{B78CF2F4-E56D-40C9-BE61-97839FE7701F}" type="pres">
+      <dgm:prSet presAssocID="{937CF669-A4B4-411A-A52D-41546DAB2035}" presName="parTx" presStyleLbl="revTx" presStyleIdx="4" presStyleCnt="7">
+        <dgm:presLayoutVars>
+          <dgm:chMax val="0"/>
+          <dgm:chPref val="0"/>
+        </dgm:presLayoutVars>
+      </dgm:prSet>
+      <dgm:spPr/>
+    </dgm:pt>
+    <dgm:pt modelId="{E0E6F271-3757-4B9A-9C80-CF8E845B05E4}" type="pres">
+      <dgm:prSet presAssocID="{937CF669-A4B4-411A-A52D-41546DAB2035}" presName="desTx" presStyleLbl="revTx" presStyleIdx="5" presStyleCnt="7">
+        <dgm:presLayoutVars/>
+      </dgm:prSet>
+      <dgm:spPr/>
+    </dgm:pt>
+    <dgm:pt modelId="{3EE2EBB7-3795-4499-9AA8-B60B117C5DB5}" type="pres">
+      <dgm:prSet presAssocID="{D3CFC6C2-B131-4C62-B766-E90AD058FF71}" presName="sibTrans" presStyleCnt="0"/>
+      <dgm:spPr/>
+    </dgm:pt>
+    <dgm:pt modelId="{1CC54522-5F38-4FBE-B899-93BF7FA359F0}" type="pres">
+      <dgm:prSet presAssocID="{75920F57-55CF-4B64-BB7A-32323B2615AB}" presName="compNode" presStyleCnt="0"/>
+      <dgm:spPr/>
+    </dgm:pt>
+    <dgm:pt modelId="{701C31F1-F8FF-4F84-9188-9C7EC1737523}" type="pres">
+      <dgm:prSet presAssocID="{75920F57-55CF-4B64-BB7A-32323B2615AB}" presName="bgRect" presStyleLbl="bgShp" presStyleIdx="3" presStyleCnt="4"/>
+      <dgm:spPr/>
+    </dgm:pt>
+    <dgm:pt modelId="{825A9788-9CFF-4916-B80B-C1AB5D034C7A}" type="pres">
+      <dgm:prSet presAssocID="{75920F57-55CF-4B64-BB7A-32323B2615AB}" presName="iconRect" presStyleLbl="node1" presStyleIdx="3" presStyleCnt="4"/>
+      <dgm:spPr>
+        <a:blipFill>
+          <a:blip xmlns:r="http://schemas.openxmlformats.org/officeDocument/2006/relationships" r:embed="rId7">
+            <a:extLst>
+              <a:ext uri="{28A0092B-C50C-407E-A947-70E740481C1C}">
+                <a14:useLocalDpi xmlns:a14="http://schemas.microsoft.com/office/drawing/2010/main" val="0"/>
+              </a:ext>
+              <a:ext uri="{96DAC541-7B7A-43D3-8B79-37D633B846F1}">
+                <asvg:svgBlip xmlns:asvg="http://schemas.microsoft.com/office/drawing/2016/SVG/main" r:embed="rId8"/>
+              </a:ext>
+            </a:extLst>
+          </a:blip>
+          <a:stretch>
+            <a:fillRect/>
+          </a:stretch>
+        </a:blipFill>
+      </dgm:spPr>
+      <dgm:extLst>
+        <a:ext uri="{E40237B7-FDA0-4F09-8148-C483321AD2D9}">
+          <dgm14:cNvPr xmlns:dgm14="http://schemas.microsoft.com/office/drawing/2010/diagram" id="0" name="" descr="Playbook"/>
+        </a:ext>
+      </dgm:extLst>
+    </dgm:pt>
+    <dgm:pt modelId="{8AE2A44A-61E9-4097-9571-C835F358033E}" type="pres">
+      <dgm:prSet presAssocID="{75920F57-55CF-4B64-BB7A-32323B2615AB}" presName="spaceRect" presStyleCnt="0"/>
+      <dgm:spPr/>
+    </dgm:pt>
+    <dgm:pt modelId="{2542E852-6829-4E5A-A2E7-C46BB895E0BB}" type="pres">
+      <dgm:prSet presAssocID="{75920F57-55CF-4B64-BB7A-32323B2615AB}" presName="parTx" presStyleLbl="revTx" presStyleIdx="6" presStyleCnt="7">
+        <dgm:presLayoutVars>
+          <dgm:chMax val="0"/>
+          <dgm:chPref val="0"/>
+        </dgm:presLayoutVars>
+      </dgm:prSet>
+      <dgm:spPr/>
+    </dgm:pt>
+  </dgm:ptLst>
+  <dgm:cxnLst>
+    <dgm:cxn modelId="{FF2EDA00-F0C1-4441-A5F1-ACD36F0C5C98}" type="presOf" srcId="{75920F57-55CF-4B64-BB7A-32323B2615AB}" destId="{2542E852-6829-4E5A-A2E7-C46BB895E0BB}" srcOrd="0" destOrd="0" presId="urn:microsoft.com/office/officeart/2018/2/layout/IconVerticalSolidList"/>
+    <dgm:cxn modelId="{DAC52D0A-6F94-401B-B69C-D8E332374036}" type="presOf" srcId="{96F59D1D-5BEC-4A04-84F2-DA3546E79721}" destId="{052F3370-C109-4609-9D1D-4C6C764DB204}" srcOrd="0" destOrd="0" presId="urn:microsoft.com/office/officeart/2018/2/layout/IconVerticalSolidList"/>
+    <dgm:cxn modelId="{6290D713-D5EC-4AD3-ADCC-8577E7DE9326}" srcId="{B53D2E88-0EC2-4D9D-A56B-810EB2CE1329}" destId="{97FF56AD-B07D-45EF-85ED-A5D1B45F5B47}" srcOrd="1" destOrd="0" parTransId="{AECBDEBC-1BE8-4951-9E3A-72AAC0545819}" sibTransId="{CA3AEB24-E2BD-4C40-80FB-3EDAE579DEBB}"/>
+    <dgm:cxn modelId="{3D5F7119-AFE6-4584-A47A-AA1EAAD6B9CF}" srcId="{75E7686A-2C86-4EEA-A61B-DF49C3A4DE7C}" destId="{B53D2E88-0EC2-4D9D-A56B-810EB2CE1329}" srcOrd="1" destOrd="0" parTransId="{4EE9E05D-72A0-4702-BA1B-354486E42AD8}" sibTransId="{266EB9E4-9091-4D26-A486-AEE506331DA2}"/>
+    <dgm:cxn modelId="{57A77029-227C-4E08-84B3-531C750E31B2}" type="presOf" srcId="{B53D2E88-0EC2-4D9D-A56B-810EB2CE1329}" destId="{1D0446C8-189E-448D-9ADF-FC9D10BCCE52}" srcOrd="0" destOrd="0" presId="urn:microsoft.com/office/officeart/2018/2/layout/IconVerticalSolidList"/>
+    <dgm:cxn modelId="{70A79029-910A-44DC-8699-FD31375D4749}" type="presOf" srcId="{75E7686A-2C86-4EEA-A61B-DF49C3A4DE7C}" destId="{D260EA75-78DA-4FDE-9784-FDDA2C988806}" srcOrd="0" destOrd="0" presId="urn:microsoft.com/office/officeart/2018/2/layout/IconVerticalSolidList"/>
+    <dgm:cxn modelId="{39DAEE5F-B591-4AE5-A972-F385B6BE79E9}" type="presOf" srcId="{08856645-D581-41FB-A20A-DE5F2B41B620}" destId="{3C466ABA-7338-4A64-BBAD-AB186931ACDE}" srcOrd="0" destOrd="0" presId="urn:microsoft.com/office/officeart/2018/2/layout/IconVerticalSolidList"/>
+    <dgm:cxn modelId="{84963441-CFA4-45B0-BEA6-23DA6E12ABCC}" type="presOf" srcId="{7E8C014E-C4F9-49B9-8117-6B5E565668EE}" destId="{E0E6F271-3757-4B9A-9C80-CF8E845B05E4}" srcOrd="0" destOrd="0" presId="urn:microsoft.com/office/officeart/2018/2/layout/IconVerticalSolidList"/>
+    <dgm:cxn modelId="{97543163-4754-4765-A964-743314BFA1D1}" srcId="{75E7686A-2C86-4EEA-A61B-DF49C3A4DE7C}" destId="{75920F57-55CF-4B64-BB7A-32323B2615AB}" srcOrd="3" destOrd="0" parTransId="{56F26F9E-3010-43B9-9B1A-4630191C3F10}" sibTransId="{294E70C9-6AB1-443F-A6F9-EA31E1D2B7C8}"/>
+    <dgm:cxn modelId="{BE75976B-AF8A-42B6-811C-88BC92BBBB3C}" srcId="{75E7686A-2C86-4EEA-A61B-DF49C3A4DE7C}" destId="{937CF669-A4B4-411A-A52D-41546DAB2035}" srcOrd="2" destOrd="0" parTransId="{E4495912-031C-41ED-8D82-7674D3BACAC2}" sibTransId="{D3CFC6C2-B131-4C62-B766-E90AD058FF71}"/>
+    <dgm:cxn modelId="{1811EF74-F9ED-475C-8428-4742C1D02E74}" type="presOf" srcId="{8A035D6C-27B4-4FE6-8BB8-648904A23F5D}" destId="{E0E6F271-3757-4B9A-9C80-CF8E845B05E4}" srcOrd="0" destOrd="1" presId="urn:microsoft.com/office/officeart/2018/2/layout/IconVerticalSolidList"/>
+    <dgm:cxn modelId="{BB2D1C57-ED4A-4976-B708-E29F611A69EB}" srcId="{937CF669-A4B4-411A-A52D-41546DAB2035}" destId="{8A035D6C-27B4-4FE6-8BB8-648904A23F5D}" srcOrd="1" destOrd="0" parTransId="{42A8191C-83F0-4CEB-A03A-C69C253E4C4D}" sibTransId="{62EFDD36-32DC-4166-AE8A-CD199B7E951A}"/>
+    <dgm:cxn modelId="{5F56C2A3-2D83-443B-B2FE-DB5036A4EF75}" srcId="{937CF669-A4B4-411A-A52D-41546DAB2035}" destId="{7E8C014E-C4F9-49B9-8117-6B5E565668EE}" srcOrd="0" destOrd="0" parTransId="{FFFD3534-160D-47B0-A268-E013534EDE4F}" sibTransId="{46C3791D-B8E9-4470-92DA-4EDF919D5688}"/>
+    <dgm:cxn modelId="{E374E4A3-94F2-44B1-9B9C-4545D58D12B1}" srcId="{75E7686A-2C86-4EEA-A61B-DF49C3A4DE7C}" destId="{EDE76863-7E9F-400B-B809-EE27EAC29F0E}" srcOrd="0" destOrd="0" parTransId="{A4A9E9CA-761A-4DAD-93CB-42BCB4214DCA}" sibTransId="{2C40AE56-381F-4DE7-BE4F-553BBC313FBC}"/>
+    <dgm:cxn modelId="{42F84CC2-4385-4889-A122-2EAA1C4E88D0}" srcId="{EDE76863-7E9F-400B-B809-EE27EAC29F0E}" destId="{08856645-D581-41FB-A20A-DE5F2B41B620}" srcOrd="0" destOrd="0" parTransId="{880162B7-4A1B-443C-B392-F7B8C5C5E492}" sibTransId="{05A9A2E8-3025-48AF-8343-5DFBDAD930F6}"/>
+    <dgm:cxn modelId="{684D7AC4-CF86-4BBC-A637-C3CFF74CBEC2}" type="presOf" srcId="{EDE76863-7E9F-400B-B809-EE27EAC29F0E}" destId="{5FEF8F07-85BD-4697-931A-2D6CDE4488E0}" srcOrd="0" destOrd="0" presId="urn:microsoft.com/office/officeart/2018/2/layout/IconVerticalSolidList"/>
+    <dgm:cxn modelId="{F507B9CC-0472-4273-A7C2-1F198AF2962D}" type="presOf" srcId="{937CF669-A4B4-411A-A52D-41546DAB2035}" destId="{B78CF2F4-E56D-40C9-BE61-97839FE7701F}" srcOrd="0" destOrd="0" presId="urn:microsoft.com/office/officeart/2018/2/layout/IconVerticalSolidList"/>
+    <dgm:cxn modelId="{4C764DCF-3A42-4AB2-990E-FB5E49200AE4}" type="presOf" srcId="{97FF56AD-B07D-45EF-85ED-A5D1B45F5B47}" destId="{052F3370-C109-4609-9D1D-4C6C764DB204}" srcOrd="0" destOrd="1" presId="urn:microsoft.com/office/officeart/2018/2/layout/IconVerticalSolidList"/>
+    <dgm:cxn modelId="{0B3BA4F2-649B-4B6A-82C3-F7FE9A06BA69}" srcId="{B53D2E88-0EC2-4D9D-A56B-810EB2CE1329}" destId="{96F59D1D-5BEC-4A04-84F2-DA3546E79721}" srcOrd="0" destOrd="0" parTransId="{E809D14D-4147-41F5-9A37-B65FDA1A3E36}" sibTransId="{4A7617C1-8A0E-4D1D-97DA-97ED6A5333A3}"/>
+    <dgm:cxn modelId="{272B7FB5-4D11-43D3-9E0E-1D61A1FFF570}" type="presParOf" srcId="{D260EA75-78DA-4FDE-9784-FDDA2C988806}" destId="{1D400AEB-3AA4-40D3-8C78-2482EA2F751D}" srcOrd="0" destOrd="0" presId="urn:microsoft.com/office/officeart/2018/2/layout/IconVerticalSolidList"/>
+    <dgm:cxn modelId="{CE1FE8F2-C154-4481-93C5-14F5A7C6943D}" type="presParOf" srcId="{1D400AEB-3AA4-40D3-8C78-2482EA2F751D}" destId="{77B2281F-AC98-4D89-B489-36D471489947}" srcOrd="0" destOrd="0" presId="urn:microsoft.com/office/officeart/2018/2/layout/IconVerticalSolidList"/>
+    <dgm:cxn modelId="{7CFB4D04-2B21-4B1B-9727-684657C5252B}" type="presParOf" srcId="{1D400AEB-3AA4-40D3-8C78-2482EA2F751D}" destId="{CF8691AB-50F2-40F7-82EF-5CD4F7A7EB93}" srcOrd="1" destOrd="0" presId="urn:microsoft.com/office/officeart/2018/2/layout/IconVerticalSolidList"/>
+    <dgm:cxn modelId="{5F4BC6F1-59B6-47B1-89DC-D3CAECB56EA8}" type="presParOf" srcId="{1D400AEB-3AA4-40D3-8C78-2482EA2F751D}" destId="{B08CE5C1-A674-40AE-A13D-FD9086CC86FF}" srcOrd="2" destOrd="0" presId="urn:microsoft.com/office/officeart/2018/2/layout/IconVerticalSolidList"/>
+    <dgm:cxn modelId="{59A21970-A3C8-4951-9015-5AB65B45B783}" type="presParOf" srcId="{1D400AEB-3AA4-40D3-8C78-2482EA2F751D}" destId="{5FEF8F07-85BD-4697-931A-2D6CDE4488E0}" srcOrd="3" destOrd="0" presId="urn:microsoft.com/office/officeart/2018/2/layout/IconVerticalSolidList"/>
+    <dgm:cxn modelId="{A3464046-54D5-405B-B65C-03DA0BB8C63D}" type="presParOf" srcId="{1D400AEB-3AA4-40D3-8C78-2482EA2F751D}" destId="{3C466ABA-7338-4A64-BBAD-AB186931ACDE}" srcOrd="4" destOrd="0" presId="urn:microsoft.com/office/officeart/2018/2/layout/IconVerticalSolidList"/>
+    <dgm:cxn modelId="{416B9EF6-466F-46D5-B693-29B690BF80EB}" type="presParOf" srcId="{D260EA75-78DA-4FDE-9784-FDDA2C988806}" destId="{299B0805-826D-48F2-9F54-6972BAF9DF50}" srcOrd="1" destOrd="0" presId="urn:microsoft.com/office/officeart/2018/2/layout/IconVerticalSolidList"/>
+    <dgm:cxn modelId="{C312C271-A477-47E8-887E-E63AE1D9A755}" type="presParOf" srcId="{D260EA75-78DA-4FDE-9784-FDDA2C988806}" destId="{550A66F1-3618-439F-B18F-BEC0F4A8158A}" srcOrd="2" destOrd="0" presId="urn:microsoft.com/office/officeart/2018/2/layout/IconVerticalSolidList"/>
+    <dgm:cxn modelId="{DF9EF804-B026-4065-9B71-8DF9796485E0}" type="presParOf" srcId="{550A66F1-3618-439F-B18F-BEC0F4A8158A}" destId="{C93ED710-B8DD-4AF0-9163-904E5605F833}" srcOrd="0" destOrd="0" presId="urn:microsoft.com/office/officeart/2018/2/layout/IconVerticalSolidList"/>
+    <dgm:cxn modelId="{22EBE292-3017-4563-90AB-FE40826B9DF8}" type="presParOf" srcId="{550A66F1-3618-439F-B18F-BEC0F4A8158A}" destId="{4101B724-9FE4-44B3-AAF1-2CEF1125379E}" srcOrd="1" destOrd="0" presId="urn:microsoft.com/office/officeart/2018/2/layout/IconVerticalSolidList"/>
+    <dgm:cxn modelId="{7FFBF88B-CD0E-41F6-87C3-F30F56D02C38}" type="presParOf" srcId="{550A66F1-3618-439F-B18F-BEC0F4A8158A}" destId="{8ECD7ADB-DF91-4374-ACCA-F301A5F81FF7}" srcOrd="2" destOrd="0" presId="urn:microsoft.com/office/officeart/2018/2/layout/IconVerticalSolidList"/>
+    <dgm:cxn modelId="{7CB44A17-C409-4C21-88EB-D680EE54F1FF}" type="presParOf" srcId="{550A66F1-3618-439F-B18F-BEC0F4A8158A}" destId="{1D0446C8-189E-448D-9ADF-FC9D10BCCE52}" srcOrd="3" destOrd="0" presId="urn:microsoft.com/office/officeart/2018/2/layout/IconVerticalSolidList"/>
+    <dgm:cxn modelId="{84143CCB-B202-431F-8A4C-32C20B954910}" type="presParOf" srcId="{550A66F1-3618-439F-B18F-BEC0F4A8158A}" destId="{052F3370-C109-4609-9D1D-4C6C764DB204}" srcOrd="4" destOrd="0" presId="urn:microsoft.com/office/officeart/2018/2/layout/IconVerticalSolidList"/>
+    <dgm:cxn modelId="{80FE3544-0202-4A5E-B6ED-1FBEDCE5D053}" type="presParOf" srcId="{D260EA75-78DA-4FDE-9784-FDDA2C988806}" destId="{2C96CDA1-7EB4-4763-B048-DDF02BAEBC3E}" srcOrd="3" destOrd="0" presId="urn:microsoft.com/office/officeart/2018/2/layout/IconVerticalSolidList"/>
+    <dgm:cxn modelId="{798B0C06-8784-404B-B275-FAC26495605A}" type="presParOf" srcId="{D260EA75-78DA-4FDE-9784-FDDA2C988806}" destId="{E329894A-2CFE-4553-9345-E252E095650C}" srcOrd="4" destOrd="0" presId="urn:microsoft.com/office/officeart/2018/2/layout/IconVerticalSolidList"/>
+    <dgm:cxn modelId="{705F6EB5-94C6-4DC8-B5A0-5A200075D76D}" type="presParOf" srcId="{E329894A-2CFE-4553-9345-E252E095650C}" destId="{C86603CD-B095-4F54-A7DD-745177052B3D}" srcOrd="0" destOrd="0" presId="urn:microsoft.com/office/officeart/2018/2/layout/IconVerticalSolidList"/>
+    <dgm:cxn modelId="{7F700B5D-92AB-4F61-9314-426ED881D79A}" type="presParOf" srcId="{E329894A-2CFE-4553-9345-E252E095650C}" destId="{8EEEEC38-D54E-4ECF-A276-72BC3689AA54}" srcOrd="1" destOrd="0" presId="urn:microsoft.com/office/officeart/2018/2/layout/IconVerticalSolidList"/>
+    <dgm:cxn modelId="{DF910B60-4DC8-45F0-890F-D80D07E581EF}" type="presParOf" srcId="{E329894A-2CFE-4553-9345-E252E095650C}" destId="{859349C0-2A41-4B60-926D-F6405D92B2A7}" srcOrd="2" destOrd="0" presId="urn:microsoft.com/office/officeart/2018/2/layout/IconVerticalSolidList"/>
+    <dgm:cxn modelId="{6AAC778D-C3D1-480D-A12D-7D6A665788EA}" type="presParOf" srcId="{E329894A-2CFE-4553-9345-E252E095650C}" destId="{B78CF2F4-E56D-40C9-BE61-97839FE7701F}" srcOrd="3" destOrd="0" presId="urn:microsoft.com/office/officeart/2018/2/layout/IconVerticalSolidList"/>
+    <dgm:cxn modelId="{925428A8-05DA-487C-BB0E-59E57557C427}" type="presParOf" srcId="{E329894A-2CFE-4553-9345-E252E095650C}" destId="{E0E6F271-3757-4B9A-9C80-CF8E845B05E4}" srcOrd="4" destOrd="0" presId="urn:microsoft.com/office/officeart/2018/2/layout/IconVerticalSolidList"/>
+    <dgm:cxn modelId="{876CB4BB-1B83-4B56-9298-8DCF24A28383}" type="presParOf" srcId="{D260EA75-78DA-4FDE-9784-FDDA2C988806}" destId="{3EE2EBB7-3795-4499-9AA8-B60B117C5DB5}" srcOrd="5" destOrd="0" presId="urn:microsoft.com/office/officeart/2018/2/layout/IconVerticalSolidList"/>
+    <dgm:cxn modelId="{D86EC602-4ABF-4897-A39E-0166F7861BA6}" type="presParOf" srcId="{D260EA75-78DA-4FDE-9784-FDDA2C988806}" destId="{1CC54522-5F38-4FBE-B899-93BF7FA359F0}" srcOrd="6" destOrd="0" presId="urn:microsoft.com/office/officeart/2018/2/layout/IconVerticalSolidList"/>
+    <dgm:cxn modelId="{10BED82B-8C86-480B-8780-31DF3051B829}" type="presParOf" srcId="{1CC54522-5F38-4FBE-B899-93BF7FA359F0}" destId="{701C31F1-F8FF-4F84-9188-9C7EC1737523}" srcOrd="0" destOrd="0" presId="urn:microsoft.com/office/officeart/2018/2/layout/IconVerticalSolidList"/>
+    <dgm:cxn modelId="{F7A3BCAA-5330-4D5F-8336-6116122F7CB6}" type="presParOf" srcId="{1CC54522-5F38-4FBE-B899-93BF7FA359F0}" destId="{825A9788-9CFF-4916-B80B-C1AB5D034C7A}" srcOrd="1" destOrd="0" presId="urn:microsoft.com/office/officeart/2018/2/layout/IconVerticalSolidList"/>
+    <dgm:cxn modelId="{2F18EF56-87CD-4069-AEBD-706A779C1A27}" type="presParOf" srcId="{1CC54522-5F38-4FBE-B899-93BF7FA359F0}" destId="{8AE2A44A-61E9-4097-9571-C835F358033E}" srcOrd="2" destOrd="0" presId="urn:microsoft.com/office/officeart/2018/2/layout/IconVerticalSolidList"/>
+    <dgm:cxn modelId="{0834207B-18C4-4C3A-BBE0-CC96ACE5B7EF}" type="presParOf" srcId="{1CC54522-5F38-4FBE-B899-93BF7FA359F0}" destId="{2542E852-6829-4E5A-A2E7-C46BB895E0BB}" srcOrd="3" destOrd="0" presId="urn:microsoft.com/office/officeart/2018/2/layout/IconVerticalSolidList"/>
+  </dgm:cxnLst>
+  <dgm:bg/>
+  <dgm:whole/>
+  <dgm:extLst>
+    <a:ext uri="http://schemas.microsoft.com/office/drawing/2008/diagram">
+      <dsp:dataModelExt xmlns:dsp="http://schemas.microsoft.com/office/drawing/2008/diagram" relId="rId6" minVer="http://schemas.openxmlformats.org/drawingml/2006/diagram"/>
+    </a:ext>
+  </dgm:extLst>
+</dgm:dataModel>
+</file>
+
+<file path=ppt/diagrams/drawing1.xml><?xml version="1.0" encoding="utf-8"?>
+<dsp:drawing xmlns:dgm="http://schemas.openxmlformats.org/drawingml/2006/diagram" xmlns:dsp="http://schemas.microsoft.com/office/drawing/2008/diagram" xmlns:a="http://schemas.openxmlformats.org/drawingml/2006/main">
+  <dsp:spTree>
+    <dsp:nvGrpSpPr>
+      <dsp:cNvPr id="0" name=""/>
+      <dsp:cNvGrpSpPr/>
+    </dsp:nvGrpSpPr>
+    <dsp:grpSpPr/>
+    <dsp:sp modelId="{77B2281F-AC98-4D89-B489-36D471489947}">
+      <dsp:nvSpPr>
+        <dsp:cNvPr id="0" name=""/>
+        <dsp:cNvSpPr/>
+      </dsp:nvSpPr>
+      <dsp:spPr>
+        <a:xfrm>
+          <a:off x="0" y="4403"/>
+          <a:ext cx="10515600" cy="1024903"/>
+        </a:xfrm>
+        <a:prstGeom prst="roundRect">
+          <a:avLst>
+            <a:gd name="adj" fmla="val 10000"/>
+          </a:avLst>
+        </a:prstGeom>
+        <a:solidFill>
+          <a:schemeClr val="accent1">
+            <a:tint val="40000"/>
+            <a:hueOff val="0"/>
+            <a:satOff val="0"/>
+            <a:lumOff val="0"/>
+            <a:alphaOff val="0"/>
+          </a:schemeClr>
+        </a:solidFill>
+        <a:ln>
+          <a:noFill/>
+        </a:ln>
+        <a:effectLst/>
+      </dsp:spPr>
+      <dsp:style>
+        <a:lnRef idx="0">
+          <a:scrgbClr r="0" g="0" b="0"/>
+        </a:lnRef>
+        <a:fillRef idx="1">
+          <a:scrgbClr r="0" g="0" b="0"/>
+        </a:fillRef>
+        <a:effectRef idx="0">
+          <a:scrgbClr r="0" g="0" b="0"/>
+        </a:effectRef>
+        <a:fontRef idx="minor"/>
+      </dsp:style>
+    </dsp:sp>
+    <dsp:sp modelId="{CF8691AB-50F2-40F7-82EF-5CD4F7A7EB93}">
+      <dsp:nvSpPr>
+        <dsp:cNvPr id="0" name=""/>
+        <dsp:cNvSpPr/>
+      </dsp:nvSpPr>
+      <dsp:spPr>
+        <a:xfrm>
+          <a:off x="310033" y="235006"/>
+          <a:ext cx="563696" cy="563696"/>
+        </a:xfrm>
+        <a:prstGeom prst="rect">
+          <a:avLst/>
+        </a:prstGeom>
+        <a:blipFill>
+          <a:blip xmlns:r="http://schemas.openxmlformats.org/officeDocument/2006/relationships" r:embed="rId1">
+            <a:extLst>
+              <a:ext uri="{28A0092B-C50C-407E-A947-70E740481C1C}">
+                <a14:useLocalDpi xmlns:a14="http://schemas.microsoft.com/office/drawing/2010/main" val="0"/>
+              </a:ext>
+              <a:ext uri="{96DAC541-7B7A-43D3-8B79-37D633B846F1}">
+                <asvg:svgBlip xmlns:asvg="http://schemas.microsoft.com/office/drawing/2016/SVG/main" r:embed="rId2"/>
+              </a:ext>
+            </a:extLst>
+          </a:blip>
+          <a:stretch>
+            <a:fillRect/>
+          </a:stretch>
+        </a:blipFill>
+        <a:ln w="12700" cap="flat" cmpd="sng" algn="ctr">
+          <a:solidFill>
+            <a:schemeClr val="lt1">
+              <a:hueOff val="0"/>
+              <a:satOff val="0"/>
+              <a:lumOff val="0"/>
+              <a:alphaOff val="0"/>
+            </a:schemeClr>
+          </a:solidFill>
+          <a:prstDash val="solid"/>
+          <a:miter lim="800000"/>
+        </a:ln>
+        <a:effectLst/>
+      </dsp:spPr>
+      <dsp:style>
+        <a:lnRef idx="2">
+          <a:scrgbClr r="0" g="0" b="0"/>
+        </a:lnRef>
+        <a:fillRef idx="1">
+          <a:scrgbClr r="0" g="0" b="0"/>
+        </a:fillRef>
+        <a:effectRef idx="0">
+          <a:scrgbClr r="0" g="0" b="0"/>
+        </a:effectRef>
+        <a:fontRef idx="minor">
+          <a:schemeClr val="lt1"/>
+        </a:fontRef>
+      </dsp:style>
+    </dsp:sp>
+    <dsp:sp modelId="{5FEF8F07-85BD-4697-931A-2D6CDE4488E0}">
+      <dsp:nvSpPr>
+        <dsp:cNvPr id="0" name=""/>
+        <dsp:cNvSpPr/>
+      </dsp:nvSpPr>
+      <dsp:spPr>
+        <a:xfrm>
+          <a:off x="1183763" y="4403"/>
+          <a:ext cx="4732020" cy="1024903"/>
+        </a:xfrm>
+        <a:prstGeom prst="rect">
+          <a:avLst/>
+        </a:prstGeom>
+        <a:noFill/>
+        <a:ln>
+          <a:noFill/>
+        </a:ln>
+        <a:effectLst/>
+      </dsp:spPr>
+      <dsp:style>
+        <a:lnRef idx="0">
+          <a:scrgbClr r="0" g="0" b="0"/>
+        </a:lnRef>
+        <a:fillRef idx="0">
+          <a:scrgbClr r="0" g="0" b="0"/>
+        </a:fillRef>
+        <a:effectRef idx="0">
+          <a:scrgbClr r="0" g="0" b="0"/>
+        </a:effectRef>
+        <a:fontRef idx="minor"/>
+      </dsp:style>
+      <dsp:txBody>
+        <a:bodyPr spcFirstLastPara="0" vert="horz" wrap="square" lIns="108469" tIns="108469" rIns="108469" bIns="108469" numCol="1" spcCol="1270" anchor="ctr" anchorCtr="0">
+          <a:noAutofit/>
+        </a:bodyPr>
+        <a:lstStyle/>
+        <a:p>
+          <a:pPr marL="0" lvl="0" indent="0" algn="l" defTabSz="755650">
+            <a:lnSpc>
+              <a:spcPct val="100000"/>
+            </a:lnSpc>
+            <a:spcBef>
+              <a:spcPct val="0"/>
+            </a:spcBef>
+            <a:spcAft>
+              <a:spcPct val="35000"/>
+            </a:spcAft>
+            <a:buNone/>
+          </a:pPr>
+          <a:r>
+            <a:rPr lang="en-GB" sz="1700" kern="1200"/>
+            <a:t>The “domino” effect of delays is the biggest influence on further delays</a:t>
+          </a:r>
+          <a:endParaRPr lang="en-US" sz="1700" kern="1200"/>
+        </a:p>
+      </dsp:txBody>
+      <dsp:txXfrm>
+        <a:off x="1183763" y="4403"/>
+        <a:ext cx="4732020" cy="1024903"/>
+      </dsp:txXfrm>
+    </dsp:sp>
+    <dsp:sp modelId="{3C466ABA-7338-4A64-BBAD-AB186931ACDE}">
+      <dsp:nvSpPr>
+        <dsp:cNvPr id="0" name=""/>
+        <dsp:cNvSpPr/>
+      </dsp:nvSpPr>
+      <dsp:spPr>
+        <a:xfrm>
+          <a:off x="5915783" y="4403"/>
+          <a:ext cx="4598659" cy="1024903"/>
+        </a:xfrm>
+        <a:prstGeom prst="rect">
+          <a:avLst/>
+        </a:prstGeom>
+        <a:noFill/>
+        <a:ln>
+          <a:noFill/>
+        </a:ln>
+        <a:effectLst/>
+      </dsp:spPr>
+      <dsp:style>
+        <a:lnRef idx="0">
+          <a:scrgbClr r="0" g="0" b="0"/>
+        </a:lnRef>
+        <a:fillRef idx="0">
+          <a:scrgbClr r="0" g="0" b="0"/>
+        </a:fillRef>
+        <a:effectRef idx="0">
+          <a:scrgbClr r="0" g="0" b="0"/>
+        </a:effectRef>
+        <a:fontRef idx="minor"/>
+      </dsp:style>
+      <dsp:txBody>
+        <a:bodyPr spcFirstLastPara="0" vert="horz" wrap="square" lIns="108469" tIns="108469" rIns="108469" bIns="108469" numCol="1" spcCol="1270" anchor="ctr" anchorCtr="0">
+          <a:noAutofit/>
+        </a:bodyPr>
+        <a:lstStyle/>
+        <a:p>
+          <a:pPr marL="0" lvl="0" indent="0" algn="l" defTabSz="488950">
+            <a:lnSpc>
+              <a:spcPct val="100000"/>
+            </a:lnSpc>
+            <a:spcBef>
+              <a:spcPct val="0"/>
+            </a:spcBef>
+            <a:spcAft>
+              <a:spcPct val="35000"/>
+            </a:spcAft>
+            <a:buNone/>
+          </a:pPr>
+          <a:r>
+            <a:rPr lang="en-GB" sz="1100" kern="1200" dirty="0"/>
+            <a:t>Consider limiting this effect by reviewing the need for additional planes/crew when earlier flights have been delayed </a:t>
+          </a:r>
+          <a:endParaRPr lang="en-US" sz="1100" kern="1200" dirty="0"/>
+        </a:p>
+      </dsp:txBody>
+      <dsp:txXfrm>
+        <a:off x="5915783" y="4403"/>
+        <a:ext cx="4598659" cy="1024903"/>
+      </dsp:txXfrm>
+    </dsp:sp>
+    <dsp:sp modelId="{C93ED710-B8DD-4AF0-9163-904E5605F833}">
+      <dsp:nvSpPr>
+        <dsp:cNvPr id="0" name=""/>
+        <dsp:cNvSpPr/>
+      </dsp:nvSpPr>
+      <dsp:spPr>
+        <a:xfrm>
+          <a:off x="0" y="1285533"/>
+          <a:ext cx="10515600" cy="1024903"/>
+        </a:xfrm>
+        <a:prstGeom prst="roundRect">
+          <a:avLst>
+            <a:gd name="adj" fmla="val 10000"/>
+          </a:avLst>
+        </a:prstGeom>
+        <a:solidFill>
+          <a:schemeClr val="accent1">
+            <a:tint val="40000"/>
+            <a:hueOff val="0"/>
+            <a:satOff val="0"/>
+            <a:lumOff val="0"/>
+            <a:alphaOff val="0"/>
+          </a:schemeClr>
+        </a:solidFill>
+        <a:ln>
+          <a:noFill/>
+        </a:ln>
+        <a:effectLst/>
+      </dsp:spPr>
+      <dsp:style>
+        <a:lnRef idx="0">
+          <a:scrgbClr r="0" g="0" b="0"/>
+        </a:lnRef>
+        <a:fillRef idx="1">
+          <a:scrgbClr r="0" g="0" b="0"/>
+        </a:fillRef>
+        <a:effectRef idx="0">
+          <a:scrgbClr r="0" g="0" b="0"/>
+        </a:effectRef>
+        <a:fontRef idx="minor"/>
+      </dsp:style>
+    </dsp:sp>
+    <dsp:sp modelId="{4101B724-9FE4-44B3-AAF1-2CEF1125379E}">
+      <dsp:nvSpPr>
+        <dsp:cNvPr id="0" name=""/>
+        <dsp:cNvSpPr/>
+      </dsp:nvSpPr>
+      <dsp:spPr>
+        <a:xfrm>
+          <a:off x="310033" y="1516136"/>
+          <a:ext cx="563696" cy="563696"/>
+        </a:xfrm>
+        <a:prstGeom prst="rect">
+          <a:avLst/>
+        </a:prstGeom>
+        <a:blipFill>
+          <a:blip xmlns:r="http://schemas.openxmlformats.org/officeDocument/2006/relationships" r:embed="rId3">
+            <a:extLst>
+              <a:ext uri="{28A0092B-C50C-407E-A947-70E740481C1C}">
+                <a14:useLocalDpi xmlns:a14="http://schemas.microsoft.com/office/drawing/2010/main" val="0"/>
+              </a:ext>
+              <a:ext uri="{96DAC541-7B7A-43D3-8B79-37D633B846F1}">
+                <asvg:svgBlip xmlns:asvg="http://schemas.microsoft.com/office/drawing/2016/SVG/main" r:embed="rId4"/>
+              </a:ext>
+            </a:extLst>
+          </a:blip>
+          <a:stretch>
+            <a:fillRect/>
+          </a:stretch>
+        </a:blipFill>
+        <a:ln w="12700" cap="flat" cmpd="sng" algn="ctr">
+          <a:solidFill>
+            <a:schemeClr val="lt1">
+              <a:hueOff val="0"/>
+              <a:satOff val="0"/>
+              <a:lumOff val="0"/>
+              <a:alphaOff val="0"/>
+            </a:schemeClr>
+          </a:solidFill>
+          <a:prstDash val="solid"/>
+          <a:miter lim="800000"/>
+        </a:ln>
+        <a:effectLst/>
+      </dsp:spPr>
+      <dsp:style>
+        <a:lnRef idx="2">
+          <a:scrgbClr r="0" g="0" b="0"/>
+        </a:lnRef>
+        <a:fillRef idx="1">
+          <a:scrgbClr r="0" g="0" b="0"/>
+        </a:fillRef>
+        <a:effectRef idx="0">
+          <a:scrgbClr r="0" g="0" b="0"/>
+        </a:effectRef>
+        <a:fontRef idx="minor">
+          <a:schemeClr val="lt1"/>
+        </a:fontRef>
+      </dsp:style>
+    </dsp:sp>
+    <dsp:sp modelId="{1D0446C8-189E-448D-9ADF-FC9D10BCCE52}">
+      <dsp:nvSpPr>
+        <dsp:cNvPr id="0" name=""/>
+        <dsp:cNvSpPr/>
+      </dsp:nvSpPr>
+      <dsp:spPr>
+        <a:xfrm>
+          <a:off x="1183763" y="1285533"/>
+          <a:ext cx="4732020" cy="1024903"/>
+        </a:xfrm>
+        <a:prstGeom prst="rect">
+          <a:avLst/>
+        </a:prstGeom>
+        <a:noFill/>
+        <a:ln>
+          <a:noFill/>
+        </a:ln>
+        <a:effectLst/>
+      </dsp:spPr>
+      <dsp:style>
+        <a:lnRef idx="0">
+          <a:scrgbClr r="0" g="0" b="0"/>
+        </a:lnRef>
+        <a:fillRef idx="0">
+          <a:scrgbClr r="0" g="0" b="0"/>
+        </a:fillRef>
+        <a:effectRef idx="0">
+          <a:scrgbClr r="0" g="0" b="0"/>
+        </a:effectRef>
+        <a:fontRef idx="minor"/>
+      </dsp:style>
+      <dsp:txBody>
+        <a:bodyPr spcFirstLastPara="0" vert="horz" wrap="square" lIns="108469" tIns="108469" rIns="108469" bIns="108469" numCol="1" spcCol="1270" anchor="ctr" anchorCtr="0">
+          <a:noAutofit/>
+        </a:bodyPr>
+        <a:lstStyle/>
+        <a:p>
+          <a:pPr marL="0" lvl="0" indent="0" algn="l" defTabSz="755650">
+            <a:lnSpc>
+              <a:spcPct val="100000"/>
+            </a:lnSpc>
+            <a:spcBef>
+              <a:spcPct val="0"/>
+            </a:spcBef>
+            <a:spcAft>
+              <a:spcPct val="35000"/>
+            </a:spcAft>
+            <a:buNone/>
+          </a:pPr>
+          <a:r>
+            <a:rPr lang="en-GB" sz="1700" kern="1200"/>
+            <a:t>There appear to be issues with the airports capacity to manage flight delays during busy months</a:t>
+          </a:r>
+          <a:endParaRPr lang="en-US" sz="1700" kern="1200"/>
+        </a:p>
+      </dsp:txBody>
+      <dsp:txXfrm>
+        <a:off x="1183763" y="1285533"/>
+        <a:ext cx="4732020" cy="1024903"/>
+      </dsp:txXfrm>
+    </dsp:sp>
+    <dsp:sp modelId="{052F3370-C109-4609-9D1D-4C6C764DB204}">
+      <dsp:nvSpPr>
+        <dsp:cNvPr id="0" name=""/>
+        <dsp:cNvSpPr/>
+      </dsp:nvSpPr>
+      <dsp:spPr>
+        <a:xfrm>
+          <a:off x="5915783" y="1285533"/>
+          <a:ext cx="4598659" cy="1024903"/>
+        </a:xfrm>
+        <a:prstGeom prst="rect">
+          <a:avLst/>
+        </a:prstGeom>
+        <a:noFill/>
+        <a:ln>
+          <a:noFill/>
+        </a:ln>
+        <a:effectLst/>
+      </dsp:spPr>
+      <dsp:style>
+        <a:lnRef idx="0">
+          <a:scrgbClr r="0" g="0" b="0"/>
+        </a:lnRef>
+        <a:fillRef idx="0">
+          <a:scrgbClr r="0" g="0" b="0"/>
+        </a:fillRef>
+        <a:effectRef idx="0">
+          <a:scrgbClr r="0" g="0" b="0"/>
+        </a:effectRef>
+        <a:fontRef idx="minor"/>
+      </dsp:style>
+      <dsp:txBody>
+        <a:bodyPr spcFirstLastPara="0" vert="horz" wrap="square" lIns="108469" tIns="108469" rIns="108469" bIns="108469" numCol="1" spcCol="1270" anchor="ctr" anchorCtr="0">
+          <a:noAutofit/>
+        </a:bodyPr>
+        <a:lstStyle/>
+        <a:p>
+          <a:pPr marL="0" lvl="0" indent="0" algn="l" defTabSz="488950">
+            <a:lnSpc>
+              <a:spcPct val="100000"/>
+            </a:lnSpc>
+            <a:spcBef>
+              <a:spcPct val="0"/>
+            </a:spcBef>
+            <a:spcAft>
+              <a:spcPct val="35000"/>
+            </a:spcAft>
+            <a:buNone/>
+          </a:pPr>
+          <a:r>
+            <a:rPr lang="en-GB" sz="1100" kern="1200"/>
+            <a:t>Consider staffing levels within airport for improved efficiency for passengers</a:t>
+          </a:r>
+          <a:endParaRPr lang="en-US" sz="1100" kern="1200"/>
+        </a:p>
+        <a:p>
+          <a:pPr marL="0" lvl="0" indent="0" algn="l" defTabSz="488950">
+            <a:lnSpc>
+              <a:spcPct val="100000"/>
+            </a:lnSpc>
+            <a:spcBef>
+              <a:spcPct val="0"/>
+            </a:spcBef>
+            <a:spcAft>
+              <a:spcPct val="35000"/>
+            </a:spcAft>
+            <a:buNone/>
+          </a:pPr>
+          <a:r>
+            <a:rPr lang="en-GB" sz="1100" kern="1200"/>
+            <a:t>Consider increasing crew levels to ensure planes are ready to depart as early as possible</a:t>
+          </a:r>
+          <a:endParaRPr lang="en-US" sz="1100" kern="1200"/>
+        </a:p>
+      </dsp:txBody>
+      <dsp:txXfrm>
+        <a:off x="5915783" y="1285533"/>
+        <a:ext cx="4598659" cy="1024903"/>
+      </dsp:txXfrm>
+    </dsp:sp>
+    <dsp:sp modelId="{C86603CD-B095-4F54-A7DD-745177052B3D}">
+      <dsp:nvSpPr>
+        <dsp:cNvPr id="0" name=""/>
+        <dsp:cNvSpPr/>
+      </dsp:nvSpPr>
+      <dsp:spPr>
+        <a:xfrm>
+          <a:off x="0" y="2566662"/>
+          <a:ext cx="10515600" cy="1024903"/>
+        </a:xfrm>
+        <a:prstGeom prst="roundRect">
+          <a:avLst>
+            <a:gd name="adj" fmla="val 10000"/>
+          </a:avLst>
+        </a:prstGeom>
+        <a:solidFill>
+          <a:schemeClr val="accent1">
+            <a:tint val="40000"/>
+            <a:hueOff val="0"/>
+            <a:satOff val="0"/>
+            <a:lumOff val="0"/>
+            <a:alphaOff val="0"/>
+          </a:schemeClr>
+        </a:solidFill>
+        <a:ln>
+          <a:noFill/>
+        </a:ln>
+        <a:effectLst/>
+      </dsp:spPr>
+      <dsp:style>
+        <a:lnRef idx="0">
+          <a:scrgbClr r="0" g="0" b="0"/>
+        </a:lnRef>
+        <a:fillRef idx="1">
+          <a:scrgbClr r="0" g="0" b="0"/>
+        </a:fillRef>
+        <a:effectRef idx="0">
+          <a:scrgbClr r="0" g="0" b="0"/>
+        </a:effectRef>
+        <a:fontRef idx="minor"/>
+      </dsp:style>
+    </dsp:sp>
+    <dsp:sp modelId="{8EEEEC38-D54E-4ECF-A276-72BC3689AA54}">
+      <dsp:nvSpPr>
+        <dsp:cNvPr id="0" name=""/>
+        <dsp:cNvSpPr/>
+      </dsp:nvSpPr>
+      <dsp:spPr>
+        <a:xfrm>
+          <a:off x="310033" y="2797265"/>
+          <a:ext cx="563696" cy="563696"/>
+        </a:xfrm>
+        <a:prstGeom prst="rect">
+          <a:avLst/>
+        </a:prstGeom>
+        <a:blipFill>
+          <a:blip xmlns:r="http://schemas.openxmlformats.org/officeDocument/2006/relationships" r:embed="rId5">
+            <a:extLst>
+              <a:ext uri="{28A0092B-C50C-407E-A947-70E740481C1C}">
+                <a14:useLocalDpi xmlns:a14="http://schemas.microsoft.com/office/drawing/2010/main" val="0"/>
+              </a:ext>
+              <a:ext uri="{96DAC541-7B7A-43D3-8B79-37D633B846F1}">
+                <asvg:svgBlip xmlns:asvg="http://schemas.microsoft.com/office/drawing/2016/SVG/main" r:embed="rId6"/>
+              </a:ext>
+            </a:extLst>
+          </a:blip>
+          <a:stretch>
+            <a:fillRect/>
+          </a:stretch>
+        </a:blipFill>
+        <a:ln w="12700" cap="flat" cmpd="sng" algn="ctr">
+          <a:solidFill>
+            <a:schemeClr val="lt1">
+              <a:hueOff val="0"/>
+              <a:satOff val="0"/>
+              <a:lumOff val="0"/>
+              <a:alphaOff val="0"/>
+            </a:schemeClr>
+          </a:solidFill>
+          <a:prstDash val="solid"/>
+          <a:miter lim="800000"/>
+        </a:ln>
+        <a:effectLst/>
+      </dsp:spPr>
+      <dsp:style>
+        <a:lnRef idx="2">
+          <a:scrgbClr r="0" g="0" b="0"/>
+        </a:lnRef>
+        <a:fillRef idx="1">
+          <a:scrgbClr r="0" g="0" b="0"/>
+        </a:fillRef>
+        <a:effectRef idx="0">
+          <a:scrgbClr r="0" g="0" b="0"/>
+        </a:effectRef>
+        <a:fontRef idx="minor">
+          <a:schemeClr val="lt1"/>
+        </a:fontRef>
+      </dsp:style>
+    </dsp:sp>
+    <dsp:sp modelId="{B78CF2F4-E56D-40C9-BE61-97839FE7701F}">
+      <dsp:nvSpPr>
+        <dsp:cNvPr id="0" name=""/>
+        <dsp:cNvSpPr/>
+      </dsp:nvSpPr>
+      <dsp:spPr>
+        <a:xfrm>
+          <a:off x="1183763" y="2566662"/>
+          <a:ext cx="4732020" cy="1024903"/>
+        </a:xfrm>
+        <a:prstGeom prst="rect">
+          <a:avLst/>
+        </a:prstGeom>
+        <a:noFill/>
+        <a:ln>
+          <a:noFill/>
+        </a:ln>
+        <a:effectLst/>
+      </dsp:spPr>
+      <dsp:style>
+        <a:lnRef idx="0">
+          <a:scrgbClr r="0" g="0" b="0"/>
+        </a:lnRef>
+        <a:fillRef idx="0">
+          <a:scrgbClr r="0" g="0" b="0"/>
+        </a:fillRef>
+        <a:effectRef idx="0">
+          <a:scrgbClr r="0" g="0" b="0"/>
+        </a:effectRef>
+        <a:fontRef idx="minor"/>
+      </dsp:style>
+      <dsp:txBody>
+        <a:bodyPr spcFirstLastPara="0" vert="horz" wrap="square" lIns="108469" tIns="108469" rIns="108469" bIns="108469" numCol="1" spcCol="1270" anchor="ctr" anchorCtr="0">
+          <a:noAutofit/>
+        </a:bodyPr>
+        <a:lstStyle/>
+        <a:p>
+          <a:pPr marL="0" lvl="0" indent="0" algn="l" defTabSz="755650">
+            <a:lnSpc>
+              <a:spcPct val="100000"/>
+            </a:lnSpc>
+            <a:spcBef>
+              <a:spcPct val="0"/>
+            </a:spcBef>
+            <a:spcAft>
+              <a:spcPct val="35000"/>
+            </a:spcAft>
+            <a:buNone/>
+          </a:pPr>
+          <a:r>
+            <a:rPr lang="en-GB" sz="1700" kern="1200"/>
+            <a:t>Weather has a significant yet complex impact on delays</a:t>
+          </a:r>
+          <a:endParaRPr lang="en-US" sz="1700" kern="1200"/>
+        </a:p>
+      </dsp:txBody>
+      <dsp:txXfrm>
+        <a:off x="1183763" y="2566662"/>
+        <a:ext cx="4732020" cy="1024903"/>
+      </dsp:txXfrm>
+    </dsp:sp>
+    <dsp:sp modelId="{E0E6F271-3757-4B9A-9C80-CF8E845B05E4}">
+      <dsp:nvSpPr>
+        <dsp:cNvPr id="0" name=""/>
+        <dsp:cNvSpPr/>
+      </dsp:nvSpPr>
+      <dsp:spPr>
+        <a:xfrm>
+          <a:off x="5915783" y="2566662"/>
+          <a:ext cx="4598659" cy="1024903"/>
+        </a:xfrm>
+        <a:prstGeom prst="rect">
+          <a:avLst/>
+        </a:prstGeom>
+        <a:noFill/>
+        <a:ln>
+          <a:noFill/>
+        </a:ln>
+        <a:effectLst/>
+      </dsp:spPr>
+      <dsp:style>
+        <a:lnRef idx="0">
+          <a:scrgbClr r="0" g="0" b="0"/>
+        </a:lnRef>
+        <a:fillRef idx="0">
+          <a:scrgbClr r="0" g="0" b="0"/>
+        </a:fillRef>
+        <a:effectRef idx="0">
+          <a:scrgbClr r="0" g="0" b="0"/>
+        </a:effectRef>
+        <a:fontRef idx="minor"/>
+      </dsp:style>
+      <dsp:txBody>
+        <a:bodyPr spcFirstLastPara="0" vert="horz" wrap="square" lIns="108469" tIns="108469" rIns="108469" bIns="108469" numCol="1" spcCol="1270" anchor="ctr" anchorCtr="0">
+          <a:noAutofit/>
+        </a:bodyPr>
+        <a:lstStyle/>
+        <a:p>
+          <a:pPr marL="0" lvl="0" indent="0" algn="l" defTabSz="488950">
+            <a:lnSpc>
+              <a:spcPct val="100000"/>
+            </a:lnSpc>
+            <a:spcBef>
+              <a:spcPct val="0"/>
+            </a:spcBef>
+            <a:spcAft>
+              <a:spcPct val="35000"/>
+            </a:spcAft>
+            <a:buNone/>
+          </a:pPr>
+          <a:r>
+            <a:rPr lang="en-GB" sz="1100" kern="1200"/>
+            <a:t>Need to view the weather holistically rather than focus on individual parameters, i.e. temperature, pressure, wind etc.</a:t>
+          </a:r>
+          <a:endParaRPr lang="en-US" sz="1100" kern="1200"/>
+        </a:p>
+        <a:p>
+          <a:pPr marL="0" lvl="0" indent="0" algn="l" defTabSz="488950">
+            <a:lnSpc>
+              <a:spcPct val="100000"/>
+            </a:lnSpc>
+            <a:spcBef>
+              <a:spcPct val="0"/>
+            </a:spcBef>
+            <a:spcAft>
+              <a:spcPct val="35000"/>
+            </a:spcAft>
+            <a:buNone/>
+          </a:pPr>
+          <a:r>
+            <a:rPr lang="en-GB" sz="1100" kern="1200"/>
+            <a:t>Improving planes ability to fly in poorer weather conditions </a:t>
+          </a:r>
+          <a:r>
+            <a:rPr lang="en-GB" sz="1100" b="1" i="1" kern="1200"/>
+            <a:t>may </a:t>
+          </a:r>
+          <a:r>
+            <a:rPr lang="en-GB" sz="1100" kern="1200"/>
+            <a:t>be beneficial, however, will not address delays from planes arriving at the airport</a:t>
+          </a:r>
+          <a:endParaRPr lang="en-US" sz="1100" kern="1200"/>
+        </a:p>
+      </dsp:txBody>
+      <dsp:txXfrm>
+        <a:off x="5915783" y="2566662"/>
+        <a:ext cx="4598659" cy="1024903"/>
+      </dsp:txXfrm>
+    </dsp:sp>
+    <dsp:sp modelId="{701C31F1-F8FF-4F84-9188-9C7EC1737523}">
+      <dsp:nvSpPr>
+        <dsp:cNvPr id="0" name=""/>
+        <dsp:cNvSpPr/>
+      </dsp:nvSpPr>
+      <dsp:spPr>
+        <a:xfrm>
+          <a:off x="0" y="3847791"/>
+          <a:ext cx="10515600" cy="1024903"/>
+        </a:xfrm>
+        <a:prstGeom prst="roundRect">
+          <a:avLst>
+            <a:gd name="adj" fmla="val 10000"/>
+          </a:avLst>
+        </a:prstGeom>
+        <a:solidFill>
+          <a:schemeClr val="accent1">
+            <a:tint val="40000"/>
+            <a:hueOff val="0"/>
+            <a:satOff val="0"/>
+            <a:lumOff val="0"/>
+            <a:alphaOff val="0"/>
+          </a:schemeClr>
+        </a:solidFill>
+        <a:ln>
+          <a:noFill/>
+        </a:ln>
+        <a:effectLst/>
+      </dsp:spPr>
+      <dsp:style>
+        <a:lnRef idx="0">
+          <a:scrgbClr r="0" g="0" b="0"/>
+        </a:lnRef>
+        <a:fillRef idx="1">
+          <a:scrgbClr r="0" g="0" b="0"/>
+        </a:fillRef>
+        <a:effectRef idx="0">
+          <a:scrgbClr r="0" g="0" b="0"/>
+        </a:effectRef>
+        <a:fontRef idx="minor"/>
+      </dsp:style>
+    </dsp:sp>
+    <dsp:sp modelId="{825A9788-9CFF-4916-B80B-C1AB5D034C7A}">
+      <dsp:nvSpPr>
+        <dsp:cNvPr id="0" name=""/>
+        <dsp:cNvSpPr/>
+      </dsp:nvSpPr>
+      <dsp:spPr>
+        <a:xfrm>
+          <a:off x="310033" y="4078395"/>
+          <a:ext cx="563696" cy="563696"/>
+        </a:xfrm>
+        <a:prstGeom prst="rect">
+          <a:avLst/>
+        </a:prstGeom>
+        <a:blipFill>
+          <a:blip xmlns:r="http://schemas.openxmlformats.org/officeDocument/2006/relationships" r:embed="rId7">
+            <a:extLst>
+              <a:ext uri="{28A0092B-C50C-407E-A947-70E740481C1C}">
+                <a14:useLocalDpi xmlns:a14="http://schemas.microsoft.com/office/drawing/2010/main" val="0"/>
+              </a:ext>
+              <a:ext uri="{96DAC541-7B7A-43D3-8B79-37D633B846F1}">
+                <asvg:svgBlip xmlns:asvg="http://schemas.microsoft.com/office/drawing/2016/SVG/main" r:embed="rId8"/>
+              </a:ext>
+            </a:extLst>
+          </a:blip>
+          <a:stretch>
+            <a:fillRect/>
+          </a:stretch>
+        </a:blipFill>
+        <a:ln w="12700" cap="flat" cmpd="sng" algn="ctr">
+          <a:solidFill>
+            <a:schemeClr val="lt1">
+              <a:hueOff val="0"/>
+              <a:satOff val="0"/>
+              <a:lumOff val="0"/>
+              <a:alphaOff val="0"/>
+            </a:schemeClr>
+          </a:solidFill>
+          <a:prstDash val="solid"/>
+          <a:miter lim="800000"/>
+        </a:ln>
+        <a:effectLst/>
+      </dsp:spPr>
+      <dsp:style>
+        <a:lnRef idx="2">
+          <a:scrgbClr r="0" g="0" b="0"/>
+        </a:lnRef>
+        <a:fillRef idx="1">
+          <a:scrgbClr r="0" g="0" b="0"/>
+        </a:fillRef>
+        <a:effectRef idx="0">
+          <a:scrgbClr r="0" g="0" b="0"/>
+        </a:effectRef>
+        <a:fontRef idx="minor">
+          <a:schemeClr val="lt1"/>
+        </a:fontRef>
+      </dsp:style>
+    </dsp:sp>
+    <dsp:sp modelId="{2542E852-6829-4E5A-A2E7-C46BB895E0BB}">
+      <dsp:nvSpPr>
+        <dsp:cNvPr id="0" name=""/>
+        <dsp:cNvSpPr/>
+      </dsp:nvSpPr>
+      <dsp:spPr>
+        <a:xfrm>
+          <a:off x="1183763" y="3847791"/>
+          <a:ext cx="9330679" cy="1024903"/>
+        </a:xfrm>
+        <a:prstGeom prst="rect">
+          <a:avLst/>
+        </a:prstGeom>
+        <a:noFill/>
+        <a:ln>
+          <a:noFill/>
+        </a:ln>
+        <a:effectLst/>
+      </dsp:spPr>
+      <dsp:style>
+        <a:lnRef idx="0">
+          <a:scrgbClr r="0" g="0" b="0"/>
+        </a:lnRef>
+        <a:fillRef idx="0">
+          <a:scrgbClr r="0" g="0" b="0"/>
+        </a:fillRef>
+        <a:effectRef idx="0">
+          <a:scrgbClr r="0" g="0" b="0"/>
+        </a:effectRef>
+        <a:fontRef idx="minor"/>
+      </dsp:style>
+      <dsp:txBody>
+        <a:bodyPr spcFirstLastPara="0" vert="horz" wrap="square" lIns="108469" tIns="108469" rIns="108469" bIns="108469" numCol="1" spcCol="1270" anchor="ctr" anchorCtr="0">
+          <a:noAutofit/>
+        </a:bodyPr>
+        <a:lstStyle/>
+        <a:p>
+          <a:pPr marL="0" lvl="0" indent="0" algn="l" defTabSz="755650">
+            <a:lnSpc>
+              <a:spcPct val="100000"/>
+            </a:lnSpc>
+            <a:spcBef>
+              <a:spcPct val="0"/>
+            </a:spcBef>
+            <a:spcAft>
+              <a:spcPct val="35000"/>
+            </a:spcAft>
+            <a:buNone/>
+          </a:pPr>
+          <a:r>
+            <a:rPr lang="en-GB" sz="1700" kern="1200"/>
+            <a:t>Use the predictive model to anticipate and plan delays and mitigate where possible</a:t>
+          </a:r>
+          <a:endParaRPr lang="en-US" sz="1700" kern="1200"/>
+        </a:p>
+      </dsp:txBody>
+      <dsp:txXfrm>
+        <a:off x="1183763" y="3847791"/>
+        <a:ext cx="9330679" cy="1024903"/>
+      </dsp:txXfrm>
+    </dsp:sp>
+  </dsp:spTree>
+</dsp:drawing>
+</file>
+
+<file path=ppt/diagrams/layout1.xml><?xml version="1.0" encoding="utf-8"?>
+<dgm:layoutDef xmlns:dgm="http://schemas.openxmlformats.org/drawingml/2006/diagram" xmlns:a="http://schemas.openxmlformats.org/drawingml/2006/main" uniqueId="urn:microsoft.com/office/officeart/2018/2/layout/IconVerticalSolidList">
+  <dgm:title val="Icon Vertical Solid List"/>
+  <dgm:desc val="Use to show a series of visuals from top to bottom with Level 1 or Level 1 and Level 2 text grouped in a shape. Works best with icons or small pictures with lengthier descriptions."/>
+  <dgm:catLst>
+    <dgm:cat type="icon" pri="500"/>
+  </dgm:catLst>
+  <dgm:sampData useDef="1">
+    <dgm:dataModel>
+      <dgm:ptLst/>
+      <dgm:bg/>
+      <dgm:whole/>
+    </dgm:dataModel>
+  </dgm:sampData>
+  <dgm:styleData useDef="1">
+    <dgm:dataModel>
+      <dgm:ptLst/>
+      <dgm:bg/>
+      <dgm:whole/>
+    </dgm:dataModel>
+  </dgm:styleData>
+  <dgm:clrData useDef="1">
+    <dgm:dataModel>
+      <dgm:ptLst/>
+      <dgm:bg/>
+      <dgm:whole/>
+    </dgm:dataModel>
+  </dgm:clrData>
+  <dgm:layoutNode name="root">
+    <dgm:varLst>
+      <dgm:dir/>
+      <dgm:resizeHandles val="exact"/>
+    </dgm:varLst>
+    <dgm:choose name="Name0">
+      <dgm:if name="Name1" axis="self" func="var" arg="dir" op="equ" val="norm">
+        <dgm:alg type="lin">
+          <dgm:param type="linDir" val="fromT"/>
+          <dgm:param type="nodeHorzAlign" val="l"/>
+        </dgm:alg>
+      </dgm:if>
+      <dgm:else name="Name2">
+        <dgm:alg type="lin">
+          <dgm:param type="linDir" val="fromT"/>
+          <dgm:param type="nodeHorzAlign" val="r"/>
+        </dgm:alg>
+      </dgm:else>
+    </dgm:choose>
+    <dgm:shape xmlns:r="http://schemas.openxmlformats.org/officeDocument/2006/relationships" r:blip="">
+      <dgm:adjLst/>
+    </dgm:shape>
+    <dgm:presOf/>
+    <dgm:choose name="Name3">
+      <dgm:if name="Name4" axis="ch" ptType="node" func="cnt" op="lte" val="3">
+        <dgm:constrLst>
+          <dgm:constr type="h" for="ch" forName="compNode" refType="h" fact="0.3"/>
+          <dgm:constr type="w" for="ch" forName="compNode" refType="w"/>
+          <dgm:constr type="h" for="ch" forName="sibTrans" refType="h" refFor="ch" refForName="compNode" fact="0.25"/>
+          <dgm:constr type="primFontSz" for="des" forName="parTx" val="25"/>
+          <dgm:constr type="primFontSz" for="des" forName="desTx" refType="primFontSz" refFor="des" refForName="parTx" op="lte" fact="0.75"/>
+          <dgm:constr type="h" for="des" forName="compNode" op="equ"/>
+          <dgm:constr type="h" for="des" forName="bgRect" op="equ"/>
+          <dgm:constr type="h" for="des" forName="iconRect" op="equ"/>
+          <dgm:constr type="w" for="des" forName="iconRect" op="equ"/>
+          <dgm:constr type="h" for="des" forName="spaceRect" op="equ"/>
+          <dgm:constr type="h" for="des" forName="parTx" op="equ"/>
+          <dgm:constr type="h" for="des" forName="desTx" op="equ"/>
+        </dgm:constrLst>
+      </dgm:if>
+      <dgm:if name="Name5" axis="ch" ptType="node" func="cnt" op="lte" val="4">
+        <dgm:constrLst>
+          <dgm:constr type="h" for="ch" forName="compNode" refType="h" fact="0.3"/>
+          <dgm:constr type="w" for="ch" forName="compNode" refType="w"/>
+          <dgm:constr type="h" for="ch" forName="sibTrans" refType="h" refFor="ch" refForName="compNode" fact="0.25"/>
+          <dgm:constr type="primFontSz" for="des" forName="parTx" val="22"/>
+          <dgm:constr type="primFontSz" for="des" forName="desTx" refType="primFontSz" refFor="des" refForName="parTx" op="lte" fact="0.75"/>
+          <dgm:constr type="h" for="des" forName="compNode" op="equ"/>
+          <dgm:constr type="h" for="des" forName="bgRect" op="equ"/>
+          <dgm:constr type="h" for="des" forName="iconRect" op="equ"/>
+          <dgm:constr type="w" for="des" forName="iconRect" op="equ"/>
+          <dgm:constr type="h" for="des" forName="spaceRect" op="equ"/>
+          <dgm:constr type="h" for="des" forName="parTx" op="equ"/>
+          <dgm:constr type="h" for="des" forName="desTx" op="equ"/>
+        </dgm:constrLst>
+      </dgm:if>
+      <dgm:if name="Name6" axis="ch" ptType="node" func="cnt" op="lte" val="6">
+        <dgm:constrLst>
+          <dgm:constr type="h" for="ch" forName="compNode" refType="h" fact="0.3"/>
+          <dgm:constr type="w" for="ch" forName="compNode" refType="w"/>
+          <dgm:constr type="h" for="ch" forName="sibTrans" refType="h" refFor="ch" refForName="compNode" fact="0.25"/>
+          <dgm:constr type="primFontSz" for="des" forName="parTx" val="19"/>
+          <dgm:constr type="primFontSz" for="des" forName="desTx" refType="primFontSz" refFor="des" refForName="parTx" op="lte" fact="0.75"/>
+          <dgm:constr type="h" for="des" forName="compNode" op="equ"/>
+          <dgm:constr type="h" for="des" forName="bgRect" op="equ"/>
+          <dgm:constr type="h" for="des" forName="iconRect" op="equ"/>
+          <dgm:constr type="w" for="des" forName="iconRect" op="equ"/>
+          <dgm:constr type="h" for="des" forName="spaceRect" op="equ"/>
+          <dgm:constr type="h" for="des" forName="parTx" op="equ"/>
+          <dgm:constr type="h" for="des" forName="desTx" op="equ"/>
+        </dgm:constrLst>
+      </dgm:if>
+      <dgm:else name="Name7">
+        <dgm:constrLst>
+          <dgm:constr type="h" for="ch" forName="compNode" refType="h" fact="0.3"/>
+          <dgm:constr type="w" for="ch" forName="compNode" refType="w"/>
+          <dgm:constr type="h" for="ch" forName="sibTrans" refType="h" refFor="ch" refForName="compNode" fact="0.25"/>
+          <dgm:constr type="primFontSz" for="des" forName="parTx" val="16"/>
+          <dgm:constr type="primFontSz" for="des" forName="desTx" refType="primFontSz" refFor="des" refForName="parTx" op="lte" fact="0.75"/>
+          <dgm:constr type="h" for="des" forName="compNode" op="equ"/>
+          <dgm:constr type="h" for="des" forName="bgRect" op="equ"/>
+          <dgm:constr type="h" for="des" forName="iconRect" op="equ"/>
+          <dgm:constr type="w" for="des" forName="iconRect" op="equ"/>
+          <dgm:constr type="h" for="des" forName="spaceRect" op="equ"/>
+          <dgm:constr type="h" for="des" forName="parTx" op="equ"/>
+          <dgm:constr type="h" for="des" forName="desTx" op="equ"/>
+        </dgm:constrLst>
+      </dgm:else>
+    </dgm:choose>
+    <dgm:ruleLst>
+      <dgm:rule type="h" for="ch" forName="compNode" val="0" fact="NaN" max="NaN"/>
+    </dgm:ruleLst>
+    <dgm:forEach name="Name8" axis="ch" ptType="node">
+      <dgm:layoutNode name="compNode">
+        <dgm:alg type="composite"/>
+        <dgm:shape xmlns:r="http://schemas.openxmlformats.org/officeDocument/2006/relationships" r:blip="">
+          <dgm:adjLst/>
+        </dgm:shape>
+        <dgm:presOf axis="self"/>
+        <dgm:choose name="Name9">
+          <dgm:if name="Name10" axis="ch" ptType="node" func="cnt" op="gte" val="1">
+            <dgm:constrLst>
+              <dgm:constr type="w" for="ch" forName="bgRect" refType="w"/>
+              <dgm:constr type="h" for="ch" forName="bgRect" refType="h"/>
+              <dgm:constr type="l" for="ch" forName="bgRect"/>
+              <dgm:constr type="t" for="ch" forName="bgRect"/>
+              <dgm:constr type="h" for="ch" forName="iconRect" refType="h" fact="0.55"/>
+              <dgm:constr type="w" for="ch" forName="iconRect" refType="h" refFor="ch" refForName="iconRect"/>
+              <dgm:constr type="l" for="ch" forName="iconRect" refType="h" refFor="ch" refForName="iconRect" fact="0.55"/>
+              <dgm:constr type="ctrY" for="ch" forName="iconRect" refType="ctrY" refFor="ch" refForName="bgRect"/>
+              <dgm:constr type="w" for="ch" forName="spaceRect" refType="l" refFor="ch" refForName="iconRect"/>
+              <dgm:constr type="h" for="ch" forName="spaceRect" refType="h"/>
+              <dgm:constr type="l" for="ch" forName="spaceRect" refType="r" refFor="ch" refForName="iconRect"/>
+              <dgm:constr type="t" for="ch" forName="spaceRect"/>
+              <dgm:constr type="w" for="ch" forName="parTx" refType="w" fact="0.45"/>
+              <dgm:constr type="h" for="ch" forName="parTx" refType="h"/>
+              <dgm:constr type="l" for="ch" forName="parTx" refType="r" refFor="ch" refForName="spaceRect"/>
+              <dgm:constr type="t" for="ch" forName="parTx"/>
+              <dgm:constr type="h" for="ch" forName="desTx" refType="h"/>
+              <dgm:constr type="l" for="ch" forName="desTx" refType="r" refFor="ch" refForName="parTx"/>
+              <dgm:constr type="t" for="ch" forName="desTx"/>
+            </dgm:constrLst>
+          </dgm:if>
+          <dgm:else name="Name11">
+            <dgm:constrLst>
+              <dgm:constr type="w" for="ch" forName="bgRect" refType="w"/>
+              <dgm:constr type="h" for="ch" forName="bgRect" refType="h"/>
+              <dgm:constr type="l" for="ch" forName="bgRect"/>
+              <dgm:constr type="t" for="ch" forName="bgRect"/>
+              <dgm:constr type="h" for="ch" forName="iconRect" refType="h" fact="0.55"/>
+              <dgm:constr type="w" for="ch" forName="iconRect" refType="h" refFor="ch" refForName="iconRect"/>
+              <dgm:constr type="l" for="ch" forName="iconRect" refType="h" refFor="ch" refForName="iconRect" fact="0.55"/>
+              <dgm:constr type="ctrY" for="ch" forName="iconRect" refType="ctrY" refFor="ch" refForName="bgRect"/>
+              <dgm:constr type="w" for="ch" forName="spaceRect" refType="l" refFor="ch" refForName="iconRect"/>
+              <dgm:constr type="h" for="ch" forName="spaceRect" refType="h"/>
+              <dgm:constr type="l" for="ch" forName="spaceRect" refType="r" refFor="ch" refForName="iconRect"/>
+              <dgm:constr type="t" for="ch" forName="spaceRect"/>
+              <dgm:constr type="h" for="ch" forName="parTx" refType="h"/>
+              <dgm:constr type="l" for="ch" forName="parTx" refType="r" refFor="ch" refForName="spaceRect"/>
+              <dgm:constr type="t" for="ch" forName="parTx"/>
+            </dgm:constrLst>
+          </dgm:else>
+        </dgm:choose>
+        <dgm:ruleLst>
+          <dgm:rule type="h" val="INF" fact="NaN" max="NaN"/>
+        </dgm:ruleLst>
+        <dgm:layoutNode name="bgRect" styleLbl="bgShp">
+          <dgm:alg type="sp"/>
+          <dgm:shape xmlns:r="http://schemas.openxmlformats.org/officeDocument/2006/relationships" type="roundRect" r:blip="">
+            <dgm:adjLst>
+              <dgm:adj idx="1" val="0.1"/>
+            </dgm:adjLst>
+          </dgm:shape>
+          <dgm:presOf/>
+          <dgm:constrLst/>
+          <dgm:ruleLst/>
+        </dgm:layoutNode>
+        <dgm:layoutNode name="iconRect" styleLbl="node1">
+          <dgm:alg type="sp"/>
+          <dgm:shape xmlns:r="http://schemas.openxmlformats.org/officeDocument/2006/relationships" type="rect" r:blip="" blipPhldr="1">
+            <dgm:adjLst/>
+          </dgm:shape>
+          <dgm:presOf/>
+          <dgm:constrLst/>
+          <dgm:ruleLst/>
+        </dgm:layoutNode>
+        <dgm:layoutNode name="spaceRect">
+          <dgm:alg type="sp"/>
+          <dgm:shape xmlns:r="http://schemas.openxmlformats.org/officeDocument/2006/relationships" r:blip="">
+            <dgm:adjLst/>
+          </dgm:shape>
+          <dgm:presOf/>
+          <dgm:constrLst/>
+          <dgm:ruleLst/>
+        </dgm:layoutNode>
+        <dgm:layoutNode name="parTx" styleLbl="revTx">
+          <dgm:varLst>
+            <dgm:chMax val="0"/>
+            <dgm:chPref val="0"/>
+          </dgm:varLst>
+          <dgm:alg type="tx">
+            <dgm:param type="txAnchorVert" val="mid"/>
+            <dgm:param type="parTxLTRAlign" val="l"/>
+            <dgm:param type="shpTxLTRAlignCh" val="l"/>
+            <dgm:param type="parTxRTLAlign" val="r"/>
+            <dgm:param type="shpTxRTLAlignCh" val="r"/>
+          </dgm:alg>
+          <dgm:shape xmlns:r="http://schemas.openxmlformats.org/officeDocument/2006/relationships" type="rect" r:blip="">
+            <dgm:adjLst/>
+          </dgm:shape>
+          <dgm:presOf axis="self" ptType="node"/>
+          <dgm:constrLst>
+            <dgm:constr type="lMarg" refType="h" fact="0.3"/>
+            <dgm:constr type="rMarg" refType="h" fact="0.3"/>
+            <dgm:constr type="tMarg" refType="h" fact="0.3"/>
+            <dgm:constr type="bMarg" refType="h" fact="0.3"/>
+          </dgm:constrLst>
+          <dgm:ruleLst>
+            <dgm:rule type="primFontSz" val="14" fact="NaN" max="NaN"/>
+            <dgm:rule type="h" val="INF" fact="NaN" max="NaN"/>
+          </dgm:ruleLst>
+        </dgm:layoutNode>
+        <dgm:choose name="Name12">
+          <dgm:if name="Name13" axis="ch" ptType="node" func="cnt" op="gte" val="1">
+            <dgm:layoutNode name="desTx" styleLbl="revTx">
+              <dgm:varLst/>
+              <dgm:alg type="tx">
+                <dgm:param type="txAnchorVertCh" val="mid"/>
+                <dgm:param type="parTxLTRAlign" val="l"/>
+                <dgm:param type="shpTxLTRAlignCh" val="l"/>
+                <dgm:param type="parTxRTLAlign" val="r"/>
+                <dgm:param type="shpTxRTLAlignCh" val="r"/>
+                <dgm:param type="stBulletLvl" val="0"/>
+              </dgm:alg>
+              <dgm:shape xmlns:r="http://schemas.openxmlformats.org/officeDocument/2006/relationships" type="rect" r:blip="">
+                <dgm:adjLst/>
+              </dgm:shape>
+              <dgm:presOf axis="des" ptType="node"/>
+              <dgm:constrLst>
+                <dgm:constr type="primFontSz" val="18"/>
+                <dgm:constr type="secFontSz" refType="primFontSz"/>
+                <dgm:constr type="lMarg" refType="h" fact="0.3"/>
+                <dgm:constr type="rMarg" refType="h" fact="0.3"/>
+                <dgm:constr type="tMarg" refType="h" fact="0.3"/>
+                <dgm:constr type="bMarg" refType="h" fact="0.3"/>
+              </dgm:constrLst>
+              <dgm:ruleLst>
+                <dgm:rule type="primFontSz" val="11" fact="NaN" max="NaN"/>
+              </dgm:ruleLst>
+            </dgm:layoutNode>
+          </dgm:if>
+          <dgm:else name="Name14"/>
+        </dgm:choose>
+      </dgm:layoutNode>
+      <dgm:forEach name="Name15" axis="followSib" ptType="sibTrans" cnt="1">
+        <dgm:layoutNode name="sibTrans">
+          <dgm:alg type="sp"/>
+          <dgm:shape xmlns:r="http://schemas.openxmlformats.org/officeDocument/2006/relationships" r:blip="">
+            <dgm:adjLst/>
+          </dgm:shape>
+          <dgm:presOf axis="self"/>
+          <dgm:constrLst/>
+          <dgm:ruleLst/>
+        </dgm:layoutNode>
+      </dgm:forEach>
+    </dgm:forEach>
+  </dgm:layoutNode>
+  <dgm:extLst>
+    <a:ext uri="{68A01E43-0DF5-4B5B-8FA6-DAF915123BFB}">
+      <dgm1612:lstStyle xmlns:dgm1612="http://schemas.microsoft.com/office/drawing/2016/12/diagram">
+        <a:lvl1pPr>
+          <a:lnSpc>
+            <a:spcPct val="100000"/>
+          </a:lnSpc>
+        </a:lvl1pPr>
+        <a:lvl2pPr>
+          <a:lnSpc>
+            <a:spcPct val="100000"/>
+          </a:lnSpc>
+        </a:lvl2pPr>
+      </dgm1612:lstStyle>
+    </a:ext>
+  </dgm:extLst>
+</dgm:layoutDef>
+</file>
+
+<file path=ppt/diagrams/quickStyle1.xml><?xml version="1.0" encoding="utf-8"?>
+<dgm:styleDef xmlns:dgm="http://schemas.openxmlformats.org/drawingml/2006/diagram" xmlns:a="http://schemas.openxmlformats.org/drawingml/2006/main" uniqueId="urn:microsoft.com/office/officeart/2005/8/quickstyle/simple1">
+  <dgm:title val=""/>
+  <dgm:desc val=""/>
+  <dgm:catLst>
+    <dgm:cat type="simple" pri="10100"/>
+  </dgm:catLst>
+  <dgm:scene3d>
+    <a:camera prst="orthographicFront"/>
+    <a:lightRig rig="threePt" dir="t"/>
+  </dgm:scene3d>
+  <dgm:styleLbl name="node0">
+    <dgm:scene3d>
+      <a:camera prst="orthographicFront"/>
+      <a:lightRig rig="threePt" dir="t"/>
+    </dgm:scene3d>
+    <dgm:sp3d/>
+    <dgm:txPr/>
+    <dgm:style>
+      <a:lnRef idx="2">
+        <a:scrgbClr r="0" g="0" b="0"/>
+      </a:lnRef>
+      <a:fillRef idx="1">
+        <a:scrgbClr r="0" g="0" b="0"/>
+      </a:fillRef>
+      <a:effectRef idx="0">
+        <a:scrgbClr r="0" g="0" b="0"/>
+      </a:effectRef>
+      <a:fontRef idx="minor">
+        <a:schemeClr val="lt1"/>
+      </a:fontRef>
+    </dgm:style>
+  </dgm:styleLbl>
+  <dgm:styleLbl name="lnNode1">
+    <dgm:scene3d>
+      <a:camera prst="orthographicFront"/>
+      <a:lightRig rig="threePt" dir="t"/>
+    </dgm:scene3d>
+    <dgm:sp3d/>
+    <dgm:txPr/>
+    <dgm:style>
+      <a:lnRef idx="2">
+        <a:scrgbClr r="0" g="0" b="0"/>
+      </a:lnRef>
+      <a:fillRef idx="1">
+        <a:scrgbClr r="0" g="0" b="0"/>
+      </a:fillRef>
+      <a:effectRef idx="0">
+        <a:scrgbClr r="0" g="0" b="0"/>
+      </a:effectRef>
+      <a:fontRef idx="minor">
+        <a:schemeClr val="lt1"/>
+      </a:fontRef>
+    </dgm:style>
+  </dgm:styleLbl>
+  <dgm:styleLbl name="vennNode1">
+    <dgm:scene3d>
+      <a:camera prst="orthographicFront"/>
+      <a:lightRig rig="threePt" dir="t"/>
+    </dgm:scene3d>
+    <dgm:sp3d/>
+    <dgm:txPr/>
+    <dgm:style>
+      <a:lnRef idx="2">
+        <a:scrgbClr r="0" g="0" b="0"/>
+      </a:lnRef>
+      <a:fillRef idx="1">
+        <a:scrgbClr r="0" g="0" b="0"/>
+      </a:fillRef>
+      <a:effectRef idx="0">
+        <a:scrgbClr r="0" g="0" b="0"/>
+      </a:effectRef>
+      <a:fontRef idx="minor">
+        <a:schemeClr val="tx1"/>
+      </a:fontRef>
+    </dgm:style>
+  </dgm:styleLbl>
+  <dgm:styleLbl name="alignNode1">
+    <dgm:scene3d>
+      <a:camera prst="orthographicFront"/>
+      <a:lightRig rig="threePt" dir="t"/>
+    </dgm:scene3d>
+    <dgm:sp3d/>
+    <dgm:txPr/>
+    <dgm:style>
+      <a:lnRef idx="2">
+        <a:scrgbClr r="0" g="0" b="0"/>
+      </a:lnRef>
+      <a:fillRef idx="1">
+        <a:scrgbClr r="0" g="0" b="0"/>
+      </a:fillRef>
+      <a:effectRef idx="0">
+        <a:scrgbClr r="0" g="0" b="0"/>
+      </a:effectRef>
+      <a:fontRef idx="minor">
+        <a:schemeClr val="lt1"/>
+      </a:fontRef>
+    </dgm:style>
+  </dgm:styleLbl>
+  <dgm:styleLbl name="node1">
+    <dgm:scene3d>
+      <a:camera prst="orthographicFront"/>
+      <a:lightRig rig="threePt" dir="t"/>
+    </dgm:scene3d>
+    <dgm:sp3d/>
+    <dgm:txPr/>
+    <dgm:style>
+      <a:lnRef idx="2">
+        <a:scrgbClr r="0" g="0" b="0"/>
+      </a:lnRef>
+      <a:fillRef idx="1">
+        <a:scrgbClr r="0" g="0" b="0"/>
+      </a:fillRef>
+      <a:effectRef idx="0">
+        <a:scrgbClr r="0" g="0" b="0"/>
+      </a:effectRef>
+      <a:fontRef idx="minor">
+        <a:schemeClr val="lt1"/>
+      </a:fontRef>
+    </dgm:style>
+  </dgm:styleLbl>
+  <dgm:styleLbl name="node2">
+    <dgm:scene3d>
+      <a:camera prst="orthographicFront"/>
+      <a:lightRig rig="threePt" dir="t"/>
+    </dgm:scene3d>
+    <dgm:sp3d/>
+    <dgm:txPr/>
+    <dgm:style>
+      <a:lnRef idx="2">
+        <a:scrgbClr r="0" g="0" b="0"/>
+      </a:lnRef>
+      <a:fillRef idx="1">
+        <a:scrgbClr r="0" g="0" b="0"/>
+      </a:fillRef>
+      <a:effectRef idx="0">
+        <a:scrgbClr r="0" g="0" b="0"/>
+      </a:effectRef>
+      <a:fontRef idx="minor">
+        <a:schemeClr val="lt1"/>
+      </a:fontRef>
+    </dgm:style>
+  </dgm:styleLbl>
+  <dgm:styleLbl name="node3">
+    <dgm:scene3d>
+      <a:camera prst="orthographicFront"/>
+      <a:lightRig rig="threePt" dir="t"/>
+    </dgm:scene3d>
+    <dgm:sp3d/>
+    <dgm:txPr/>
+    <dgm:style>
+      <a:lnRef idx="2">
+        <a:scrgbClr r="0" g="0" b="0"/>
+      </a:lnRef>
+      <a:fillRef idx="1">
+        <a:scrgbClr r="0" g="0" b="0"/>
+      </a:fillRef>
+      <a:effectRef idx="0">
+        <a:scrgbClr r="0" g="0" b="0"/>
+      </a:effectRef>
+      <a:fontRef idx="minor">
+        <a:schemeClr val="lt1"/>
+      </a:fontRef>
+    </dgm:style>
+  </dgm:styleLbl>
+  <dgm:styleLbl name="node4">
+    <dgm:scene3d>
+      <a:camera prst="orthographicFront"/>
+      <a:lightRig rig="threePt" dir="t"/>
+    </dgm:scene3d>
+    <dgm:sp3d/>
+    <dgm:txPr/>
+    <dgm:style>
+      <a:lnRef idx="2">
+        <a:scrgbClr r="0" g="0" b="0"/>
+      </a:lnRef>
+      <a:fillRef idx="1">
+        <a:scrgbClr r="0" g="0" b="0"/>
+      </a:fillRef>
+      <a:effectRef idx="0">
+        <a:scrgbClr r="0" g="0" b="0"/>
+      </a:effectRef>
+      <a:fontRef idx="minor">
+        <a:schemeClr val="lt1"/>
+      </a:fontRef>
+    </dgm:style>
+  </dgm:styleLbl>
+  <dgm:styleLbl name="fgImgPlace1">
+    <dgm:scene3d>
+      <a:camera prst="orthographicFront"/>
+      <a:lightRig rig="threePt" dir="t"/>
+    </dgm:scene3d>
+    <dgm:sp3d/>
+    <dgm:txPr/>
+    <dgm:style>
+      <a:lnRef idx="2">
+        <a:scrgbClr r="0" g="0" b="0"/>
+      </a:lnRef>
+      <a:fillRef idx="1">
+        <a:scrgbClr r="0" g="0" b="0"/>
+      </a:fillRef>
+      <a:effectRef idx="0">
+        <a:scrgbClr r="0" g="0" b="0"/>
+      </a:effectRef>
+      <a:fontRef idx="minor"/>
+    </dgm:style>
+  </dgm:styleLbl>
+  <dgm:styleLbl name="alignImgPlace1">
+    <dgm:scene3d>
+      <a:camera prst="orthographicFront"/>
+      <a:lightRig rig="threePt" dir="t"/>
+    </dgm:scene3d>
+    <dgm:sp3d/>
+    <dgm:txPr/>
+    <dgm:style>
+      <a:lnRef idx="2">
+        <a:scrgbClr r="0" g="0" b="0"/>
+      </a:lnRef>
+      <a:fillRef idx="1">
+        <a:scrgbClr r="0" g="0" b="0"/>
+      </a:fillRef>
+      <a:effectRef idx="0">
+        <a:scrgbClr r="0" g="0" b="0"/>
+      </a:effectRef>
+      <a:fontRef idx="minor"/>
+    </dgm:style>
+  </dgm:styleLbl>
+  <dgm:styleLbl name="bgImgPlace1">
+    <dgm:scene3d>
+      <a:camera prst="orthographicFront"/>
+      <a:lightRig rig="threePt" dir="t"/>
+    </dgm:scene3d>
+    <dgm:sp3d/>
+    <dgm:txPr/>
+    <dgm:style>
+      <a:lnRef idx="2">
+        <a:scrgbClr r="0" g="0" b="0"/>
+      </a:lnRef>
+      <a:fillRef idx="1">
+        <a:scrgbClr r="0" g="0" b="0"/>
+      </a:fillRef>
+      <a:effectRef idx="0">
+        <a:scrgbClr r="0" g="0" b="0"/>
+      </a:effectRef>
+      <a:fontRef idx="minor"/>
+    </dgm:style>
+  </dgm:styleLbl>
+  <dgm:styleLbl name="sibTrans2D1">
+    <dgm:scene3d>
+      <a:camera prst="orthographicFront"/>
+      <a:lightRig rig="threePt" dir="t"/>
+    </dgm:scene3d>
+    <dgm:sp3d/>
+    <dgm:txPr/>
+    <dgm:style>
+      <a:lnRef idx="0">
+        <a:scrgbClr r="0" g="0" b="0"/>
+      </a:lnRef>
+      <a:fillRef idx="1">
+        <a:scrgbClr r="0" g="0" b="0"/>
+      </a:fillRef>
+      <a:effectRef idx="0">
+        <a:scrgbClr r="0" g="0" b="0"/>
+      </a:effectRef>
+      <a:fontRef idx="minor">
+        <a:schemeClr val="lt1"/>
+      </a:fontRef>
+    </dgm:style>
+  </dgm:styleLbl>
+  <dgm:styleLbl name="fgSibTrans2D1">
+    <dgm:scene3d>
+      <a:camera prst="orthographicFront"/>
+      <a:lightRig rig="threePt" dir="t"/>
+    </dgm:scene3d>
+    <dgm:sp3d/>
+    <dgm:txPr/>
+    <dgm:style>
+      <a:lnRef idx="0">
+        <a:scrgbClr r="0" g="0" b="0"/>
+      </a:lnRef>
+      <a:fillRef idx="1">
+        <a:scrgbClr r="0" g="0" b="0"/>
+      </a:fillRef>
+      <a:effectRef idx="0">
+        <a:scrgbClr r="0" g="0" b="0"/>
+      </a:effectRef>
+      <a:fontRef idx="minor">
+        <a:schemeClr val="lt1"/>
+      </a:fontRef>
+    </dgm:style>
+  </dgm:styleLbl>
+  <dgm:styleLbl name="bgSibTrans2D1">
+    <dgm:scene3d>
+      <a:camera prst="orthographicFront"/>
+      <a:lightRig rig="threePt" dir="t"/>
+    </dgm:scene3d>
+    <dgm:sp3d/>
+    <dgm:txPr/>
+    <dgm:style>
+      <a:lnRef idx="0">
+        <a:scrgbClr r="0" g="0" b="0"/>
+      </a:lnRef>
+      <a:fillRef idx="1">
+        <a:scrgbClr r="0" g="0" b="0"/>
+      </a:fillRef>
+      <a:effectRef idx="0">
+        <a:scrgbClr r="0" g="0" b="0"/>
+      </a:effectRef>
+      <a:fontRef idx="minor">
+        <a:schemeClr val="lt1"/>
+      </a:fontRef>
+    </dgm:style>
+  </dgm:styleLbl>
+  <dgm:styleLbl name="sibTrans1D1">
+    <dgm:scene3d>
+      <a:camera prst="orthographicFront"/>
+      <a:lightRig rig="threePt" dir="t"/>
+    </dgm:scene3d>
+    <dgm:sp3d/>
+    <dgm:txPr/>
+    <dgm:style>
+      <a:lnRef idx="1">
+        <a:scrgbClr r="0" g="0" b="0"/>
+      </a:lnRef>
+      <a:fillRef idx="0">
+        <a:scrgbClr r="0" g="0" b="0"/>
+      </a:fillRef>
+      <a:effectRef idx="0">
+        <a:scrgbClr r="0" g="0" b="0"/>
+      </a:effectRef>
+      <a:fontRef idx="minor"/>
+    </dgm:style>
+  </dgm:styleLbl>
+  <dgm:styleLbl name="callout">
+    <dgm:scene3d>
+      <a:camera prst="orthographicFront"/>
+      <a:lightRig rig="threePt" dir="t"/>
+    </dgm:scene3d>
+    <dgm:sp3d/>
+    <dgm:txPr/>
+    <dgm:style>
+      <a:lnRef idx="2">
+        <a:scrgbClr r="0" g="0" b="0"/>
+      </a:lnRef>
+      <a:fillRef idx="1">
+        <a:scrgbClr r="0" g="0" b="0"/>
+      </a:fillRef>
+      <a:effectRef idx="0">
+        <a:scrgbClr r="0" g="0" b="0"/>
+      </a:effectRef>
+      <a:fontRef idx="minor"/>
+    </dgm:style>
+  </dgm:styleLbl>
+  <dgm:styleLbl name="asst0">
+    <dgm:scene3d>
+      <a:camera prst="orthographicFront"/>
+      <a:lightRig rig="threePt" dir="t"/>
+    </dgm:scene3d>
+    <dgm:sp3d/>
+    <dgm:txPr/>
+    <dgm:style>
+      <a:lnRef idx="2">
+        <a:scrgbClr r="0" g="0" b="0"/>
+      </a:lnRef>
+      <a:fillRef idx="1">
+        <a:scrgbClr r="0" g="0" b="0"/>
+      </a:fillRef>
+      <a:effectRef idx="0">
+        <a:scrgbClr r="0" g="0" b="0"/>
+      </a:effectRef>
+      <a:fontRef idx="minor">
+        <a:schemeClr val="lt1"/>
+      </a:fontRef>
+    </dgm:style>
+  </dgm:styleLbl>
+  <dgm:styleLbl name="asst1">
+    <dgm:scene3d>
+      <a:camera prst="orthographicFront"/>
+      <a:lightRig rig="threePt" dir="t"/>
+    </dgm:scene3d>
+    <dgm:sp3d/>
+    <dgm:txPr/>
+    <dgm:style>
+      <a:lnRef idx="2">
+        <a:scrgbClr r="0" g="0" b="0"/>
+      </a:lnRef>
+      <a:fillRef idx="1">
+        <a:scrgbClr r="0" g="0" b="0"/>
+      </a:fillRef>
+      <a:effectRef idx="0">
+        <a:scrgbClr r="0" g="0" b="0"/>
+      </a:effectRef>
+      <a:fontRef idx="minor">
+        <a:schemeClr val="lt1"/>
+      </a:fontRef>
+    </dgm:style>
+  </dgm:styleLbl>
+  <dgm:styleLbl name="asst2">
+    <dgm:scene3d>
+      <a:camera prst="orthographicFront"/>
+      <a:lightRig rig="threePt" dir="t"/>
+    </dgm:scene3d>
+    <dgm:sp3d/>
+    <dgm:txPr/>
+    <dgm:style>
+      <a:lnRef idx="2">
+        <a:scrgbClr r="0" g="0" b="0"/>
+      </a:lnRef>
+      <a:fillRef idx="1">
+        <a:scrgbClr r="0" g="0" b="0"/>
+      </a:fillRef>
+      <a:effectRef idx="0">
+        <a:scrgbClr r="0" g="0" b="0"/>
+      </a:effectRef>
+      <a:fontRef idx="minor">
+        <a:schemeClr val="lt1"/>
+      </a:fontRef>
+    </dgm:style>
+  </dgm:styleLbl>
+  <dgm:styleLbl name="asst3">
+    <dgm:scene3d>
+      <a:camera prst="orthographicFront"/>
+      <a:lightRig rig="threePt" dir="t"/>
+    </dgm:scene3d>
+    <dgm:sp3d/>
+    <dgm:txPr/>
+    <dgm:style>
+      <a:lnRef idx="2">
+        <a:scrgbClr r="0" g="0" b="0"/>
+      </a:lnRef>
+      <a:fillRef idx="1">
+        <a:scrgbClr r="0" g="0" b="0"/>
+      </a:fillRef>
+      <a:effectRef idx="0">
+        <a:scrgbClr r="0" g="0" b="0"/>
+      </a:effectRef>
+      <a:fontRef idx="minor">
+        <a:schemeClr val="lt1"/>
+      </a:fontRef>
+    </dgm:style>
+  </dgm:styleLbl>
+  <dgm:styleLbl name="asst4">
+    <dgm:scene3d>
+      <a:camera prst="orthographicFront"/>
+      <a:lightRig rig="threePt" dir="t"/>
+    </dgm:scene3d>
+    <dgm:sp3d/>
+    <dgm:txPr/>
+    <dgm:style>
+      <a:lnRef idx="2">
+        <a:scrgbClr r="0" g="0" b="0"/>
+      </a:lnRef>
+      <a:fillRef idx="1">
+        <a:scrgbClr r="0" g="0" b="0"/>
+      </a:fillRef>
+      <a:effectRef idx="0">
+        <a:scrgbClr r="0" g="0" b="0"/>
+      </a:effectRef>
+      <a:fontRef idx="minor">
+        <a:schemeClr val="lt1"/>
+      </a:fontRef>
+    </dgm:style>
+  </dgm:styleLbl>
+  <dgm:styleLbl name="parChTrans2D1">
+    <dgm:scene3d>
+      <a:camera prst="orthographicFront"/>
+      <a:lightRig rig="threePt" dir="t"/>
+    </dgm:scene3d>
+    <dgm:sp3d/>
+    <dgm:txPr/>
+    <dgm:style>
+      <a:lnRef idx="2">
+        <a:scrgbClr r="0" g="0" b="0"/>
+      </a:lnRef>
+      <a:fillRef idx="1">
+        <a:scrgbClr r="0" g="0" b="0"/>
+      </a:fillRef>
+      <a:effectRef idx="0">
+        <a:scrgbClr r="0" g="0" b="0"/>
+      </a:effectRef>
+      <a:fontRef idx="minor">
+        <a:schemeClr val="lt1"/>
+      </a:fontRef>
+    </dgm:style>
+  </dgm:styleLbl>
+  <dgm:styleLbl name="parChTrans2D2">
+    <dgm:scene3d>
+      <a:camera prst="orthographicFront"/>
+      <a:lightRig rig="threePt" dir="t"/>
+    </dgm:scene3d>
+    <dgm:sp3d/>
+    <dgm:txPr/>
+    <dgm:style>
+      <a:lnRef idx="2">
+        <a:scrgbClr r="0" g="0" b="0"/>
+      </a:lnRef>
+      <a:fillRef idx="1">
+        <a:scrgbClr r="0" g="0" b="0"/>
+      </a:fillRef>
+      <a:effectRef idx="0">
+        <a:scrgbClr r="0" g="0" b="0"/>
+      </a:effectRef>
+      <a:fontRef idx="minor">
+        <a:schemeClr val="lt1"/>
+      </a:fontRef>
+    </dgm:style>
+  </dgm:styleLbl>
+  <dgm:styleLbl name="parChTrans2D3">
+    <dgm:scene3d>
+      <a:camera prst="orthographicFront"/>
+      <a:lightRig rig="threePt" dir="t"/>
+    </dgm:scene3d>
+    <dgm:sp3d/>
+    <dgm:txPr/>
+    <dgm:style>
+      <a:lnRef idx="2">
+        <a:scrgbClr r="0" g="0" b="0"/>
+      </a:lnRef>
+      <a:fillRef idx="1">
+        <a:scrgbClr r="0" g="0" b="0"/>
+      </a:fillRef>
+      <a:effectRef idx="0">
+        <a:scrgbClr r="0" g="0" b="0"/>
+      </a:effectRef>
+      <a:fontRef idx="minor">
+        <a:schemeClr val="lt1"/>
+      </a:fontRef>
+    </dgm:style>
+  </dgm:styleLbl>
+  <dgm:styleLbl name="parChTrans2D4">
+    <dgm:scene3d>
+      <a:camera prst="orthographicFront"/>
+      <a:lightRig rig="threePt" dir="t"/>
+    </dgm:scene3d>
+    <dgm:sp3d/>
+    <dgm:txPr/>
+    <dgm:style>
+      <a:lnRef idx="2">
+        <a:scrgbClr r="0" g="0" b="0"/>
+      </a:lnRef>
+      <a:fillRef idx="1">
+        <a:scrgbClr r="0" g="0" b="0"/>
+      </a:fillRef>
+      <a:effectRef idx="0">
+        <a:scrgbClr r="0" g="0" b="0"/>
+      </a:effectRef>
+      <a:fontRef idx="minor">
+        <a:schemeClr val="lt1"/>
+      </a:fontRef>
+    </dgm:style>
+  </dgm:styleLbl>
+  <dgm:styleLbl name="parChTrans1D1">
+    <dgm:scene3d>
+      <a:camera prst="orthographicFront"/>
+      <a:lightRig rig="threePt" dir="t"/>
+    </dgm:scene3d>
+    <dgm:sp3d/>
+    <dgm:txPr/>
+    <dgm:style>
+      <a:lnRef idx="2">
+        <a:scrgbClr r="0" g="0" b="0"/>
+      </a:lnRef>
+      <a:fillRef idx="0">
+        <a:scrgbClr r="0" g="0" b="0"/>
+      </a:fillRef>
+      <a:effectRef idx="0">
+        <a:scrgbClr r="0" g="0" b="0"/>
+      </a:effectRef>
+      <a:fontRef idx="minor"/>
+    </dgm:style>
+  </dgm:styleLbl>
+  <dgm:styleLbl name="parChTrans1D2">
+    <dgm:scene3d>
+      <a:camera prst="orthographicFront"/>
+      <a:lightRig rig="threePt" dir="t"/>
+    </dgm:scene3d>
+    <dgm:sp3d/>
+    <dgm:txPr/>
+    <dgm:style>
+      <a:lnRef idx="2">
+        <a:scrgbClr r="0" g="0" b="0"/>
+      </a:lnRef>
+      <a:fillRef idx="0">
+        <a:scrgbClr r="0" g="0" b="0"/>
+      </a:fillRef>
+      <a:effectRef idx="0">
+        <a:scrgbClr r="0" g="0" b="0"/>
+      </a:effectRef>
+      <a:fontRef idx="minor"/>
+    </dgm:style>
+  </dgm:styleLbl>
+  <dgm:styleLbl name="parChTrans1D3">
+    <dgm:scene3d>
+      <a:camera prst="orthographicFront"/>
+      <a:lightRig rig="threePt" dir="t"/>
+    </dgm:scene3d>
+    <dgm:sp3d/>
+    <dgm:txPr/>
+    <dgm:style>
+      <a:lnRef idx="2">
+        <a:scrgbClr r="0" g="0" b="0"/>
+      </a:lnRef>
+      <a:fillRef idx="0">
+        <a:scrgbClr r="0" g="0" b="0"/>
+      </a:fillRef>
+      <a:effectRef idx="0">
+        <a:scrgbClr r="0" g="0" b="0"/>
+      </a:effectRef>
+      <a:fontRef idx="minor"/>
+    </dgm:style>
+  </dgm:styleLbl>
+  <dgm:styleLbl name="parChTrans1D4">
+    <dgm:scene3d>
+      <a:camera prst="orthographicFront"/>
+      <a:lightRig rig="threePt" dir="t"/>
+    </dgm:scene3d>
+    <dgm:sp3d/>
+    <dgm:txPr/>
+    <dgm:style>
+      <a:lnRef idx="2">
+        <a:scrgbClr r="0" g="0" b="0"/>
+      </a:lnRef>
+      <a:fillRef idx="0">
+        <a:scrgbClr r="0" g="0" b="0"/>
+      </a:fillRef>
+      <a:effectRef idx="0">
+        <a:scrgbClr r="0" g="0" b="0"/>
+      </a:effectRef>
+      <a:fontRef idx="minor"/>
+    </dgm:style>
+  </dgm:styleLbl>
+  <dgm:styleLbl name="fgAcc1">
+    <dgm:scene3d>
+      <a:camera prst="orthographicFront"/>
+      <a:lightRig rig="threePt" dir="t"/>
+    </dgm:scene3d>
+    <dgm:sp3d/>
+    <dgm:txPr/>
+    <dgm:style>
+      <a:lnRef idx="2">
+        <a:scrgbClr r="0" g="0" b="0"/>
+      </a:lnRef>
+      <a:fillRef idx="1">
+        <a:scrgbClr r="0" g="0" b="0"/>
+      </a:fillRef>
+      <a:effectRef idx="0">
+        <a:scrgbClr r="0" g="0" b="0"/>
+      </a:effectRef>
+      <a:fontRef idx="minor"/>
+    </dgm:style>
+  </dgm:styleLbl>
+  <dgm:styleLbl name="conFgAcc1">
+    <dgm:scene3d>
+      <a:camera prst="orthographicFront"/>
+      <a:lightRig rig="threePt" dir="t"/>
+    </dgm:scene3d>
+    <dgm:sp3d/>
+    <dgm:txPr/>
+    <dgm:style>
+      <a:lnRef idx="2">
+        <a:scrgbClr r="0" g="0" b="0"/>
+      </a:lnRef>
+      <a:fillRef idx="1">
+        <a:scrgbClr r="0" g="0" b="0"/>
+      </a:fillRef>
+      <a:effectRef idx="0">
+        <a:scrgbClr r="0" g="0" b="0"/>
+      </a:effectRef>
+      <a:fontRef idx="minor"/>
+    </dgm:style>
+  </dgm:styleLbl>
+  <dgm:styleLbl name="alignAcc1">
+    <dgm:scene3d>
+      <a:camera prst="orthographicFront"/>
+      <a:lightRig rig="threePt" dir="t"/>
+    </dgm:scene3d>
+    <dgm:sp3d/>
+    <dgm:txPr/>
+    <dgm:style>
+      <a:lnRef idx="2">
+        <a:scrgbClr r="0" g="0" b="0"/>
+      </a:lnRef>
+      <a:fillRef idx="1">
+        <a:scrgbClr r="0" g="0" b="0"/>
+      </a:fillRef>
+      <a:effectRef idx="0">
+        <a:scrgbClr r="0" g="0" b="0"/>
+      </a:effectRef>
+      <a:fontRef idx="minor"/>
+    </dgm:style>
+  </dgm:styleLbl>
+  <dgm:styleLbl name="trAlignAcc1">
+    <dgm:scene3d>
+      <a:camera prst="orthographicFront"/>
+      <a:lightRig rig="threePt" dir="t"/>
+    </dgm:scene3d>
+    <dgm:sp3d/>
+    <dgm:txPr/>
+    <dgm:style>
+      <a:lnRef idx="1">
+        <a:scrgbClr r="0" g="0" b="0"/>
+      </a:lnRef>
+      <a:fillRef idx="1">
+        <a:scrgbClr r="0" g="0" b="0"/>
+      </a:fillRef>
+      <a:effectRef idx="0">
+        <a:scrgbClr r="0" g="0" b="0"/>
+      </a:effectRef>
+      <a:fontRef idx="minor"/>
+    </dgm:style>
+  </dgm:styleLbl>
+  <dgm:styleLbl name="bgAcc1">
+    <dgm:scene3d>
+      <a:camera prst="orthographicFront"/>
+      <a:lightRig rig="threePt" dir="t"/>
+    </dgm:scene3d>
+    <dgm:sp3d/>
+    <dgm:txPr/>
+    <dgm:style>
+      <a:lnRef idx="2">
+        <a:scrgbClr r="0" g="0" b="0"/>
+      </a:lnRef>
+      <a:fillRef idx="1">
+        <a:scrgbClr r="0" g="0" b="0"/>
+      </a:fillRef>
+      <a:effectRef idx="0">
+        <a:scrgbClr r="0" g="0" b="0"/>
+      </a:effectRef>
+      <a:fontRef idx="minor"/>
+    </dgm:style>
+  </dgm:styleLbl>
+  <dgm:styleLbl name="solidFgAcc1">
+    <dgm:scene3d>
+      <a:camera prst="orthographicFront"/>
+      <a:lightRig rig="threePt" dir="t"/>
+    </dgm:scene3d>
+    <dgm:sp3d/>
+    <dgm:txPr/>
+    <dgm:style>
+      <a:lnRef idx="2">
+        <a:scrgbClr r="0" g="0" b="0"/>
+      </a:lnRef>
+      <a:fillRef idx="1">
+        <a:scrgbClr r="0" g="0" b="0"/>
+      </a:fillRef>
+      <a:effectRef idx="0">
+        <a:scrgbClr r="0" g="0" b="0"/>
+      </a:effectRef>
+      <a:fontRef idx="minor"/>
+    </dgm:style>
+  </dgm:styleLbl>
+  <dgm:styleLbl name="solidAlignAcc1">
+    <dgm:scene3d>
+      <a:camera prst="orthographicFront"/>
+      <a:lightRig rig="threePt" dir="t"/>
+    </dgm:scene3d>
+    <dgm:sp3d/>
+    <dgm:txPr/>
+    <dgm:style>
+      <a:lnRef idx="2">
+        <a:scrgbClr r="0" g="0" b="0"/>
+      </a:lnRef>
+      <a:fillRef idx="1">
+        <a:scrgbClr r="0" g="0" b="0"/>
+      </a:fillRef>
+      <a:effectRef idx="0">
+        <a:scrgbClr r="0" g="0" b="0"/>
+      </a:effectRef>
+      <a:fontRef idx="minor"/>
+    </dgm:style>
+  </dgm:styleLbl>
+  <dgm:styleLbl name="solidBgAcc1">
+    <dgm:scene3d>
+      <a:camera prst="orthographicFront"/>
+      <a:lightRig rig="threePt" dir="t"/>
+    </dgm:scene3d>
+    <dgm:sp3d/>
+    <dgm:txPr/>
+    <dgm:style>
+      <a:lnRef idx="2">
+        <a:scrgbClr r="0" g="0" b="0"/>
+      </a:lnRef>
+      <a:fillRef idx="1">
+        <a:scrgbClr r="0" g="0" b="0"/>
+      </a:fillRef>
+      <a:effectRef idx="0">
+        <a:scrgbClr r="0" g="0" b="0"/>
+      </a:effectRef>
+      <a:fontRef idx="minor"/>
+    </dgm:style>
+  </dgm:styleLbl>
+  <dgm:styleLbl name="fgAccFollowNode1">
+    <dgm:scene3d>
+      <a:camera prst="orthographicFront"/>
+      <a:lightRig rig="threePt" dir="t"/>
+    </dgm:scene3d>
+    <dgm:sp3d/>
+    <dgm:txPr/>
+    <dgm:style>
+      <a:lnRef idx="2">
+        <a:scrgbClr r="0" g="0" b="0"/>
+      </a:lnRef>
+      <a:fillRef idx="1">
+        <a:scrgbClr r="0" g="0" b="0"/>
+      </a:fillRef>
+      <a:effectRef idx="0">
+        <a:scrgbClr r="0" g="0" b="0"/>
+      </a:effectRef>
+      <a:fontRef idx="minor"/>
+    </dgm:style>
+  </dgm:styleLbl>
+  <dgm:styleLbl name="alignAccFollowNode1">
+    <dgm:scene3d>
+      <a:camera prst="orthographicFront"/>
+      <a:lightRig rig="threePt" dir="t"/>
+    </dgm:scene3d>
+    <dgm:sp3d/>
+    <dgm:txPr/>
+    <dgm:style>
+      <a:lnRef idx="2">
+        <a:scrgbClr r="0" g="0" b="0"/>
+      </a:lnRef>
+      <a:fillRef idx="1">
+        <a:scrgbClr r="0" g="0" b="0"/>
+      </a:fillRef>
+      <a:effectRef idx="0">
+        <a:scrgbClr r="0" g="0" b="0"/>
+      </a:effectRef>
+      <a:fontRef idx="minor"/>
+    </dgm:style>
+  </dgm:styleLbl>
+  <dgm:styleLbl name="bgAccFollowNode1">
+    <dgm:scene3d>
+      <a:camera prst="orthographicFront"/>
+      <a:lightRig rig="threePt" dir="t"/>
+    </dgm:scene3d>
+    <dgm:sp3d/>
+    <dgm:txPr/>
+    <dgm:style>
+      <a:lnRef idx="2">
+        <a:scrgbClr r="0" g="0" b="0"/>
+      </a:lnRef>
+      <a:fillRef idx="1">
+        <a:scrgbClr r="0" g="0" b="0"/>
+      </a:fillRef>
+      <a:effectRef idx="0">
+        <a:scrgbClr r="0" g="0" b="0"/>
+      </a:effectRef>
+      <a:fontRef idx="minor"/>
+    </dgm:style>
+  </dgm:styleLbl>
+  <dgm:styleLbl name="fgAcc0">
+    <dgm:scene3d>
+      <a:camera prst="orthographicFront"/>
+      <a:lightRig rig="threePt" dir="t"/>
+    </dgm:scene3d>
+    <dgm:sp3d/>
+    <dgm:txPr/>
+    <dgm:style>
+      <a:lnRef idx="2">
+        <a:scrgbClr r="0" g="0" b="0"/>
+      </a:lnRef>
+      <a:fillRef idx="1">
+        <a:scrgbClr r="0" g="0" b="0"/>
+      </a:fillRef>
+      <a:effectRef idx="0">
+        <a:scrgbClr r="0" g="0" b="0"/>
+      </a:effectRef>
+      <a:fontRef idx="minor"/>
+    </dgm:style>
+  </dgm:styleLbl>
+  <dgm:styleLbl name="fgAcc2">
+    <dgm:scene3d>
+      <a:camera prst="orthographicFront"/>
+      <a:lightRig rig="threePt" dir="t"/>
+    </dgm:scene3d>
+    <dgm:sp3d/>
+    <dgm:txPr/>
+    <dgm:style>
+      <a:lnRef idx="2">
+        <a:scrgbClr r="0" g="0" b="0"/>
+      </a:lnRef>
+      <a:fillRef idx="1">
+        <a:scrgbClr r="0" g="0" b="0"/>
+      </a:fillRef>
+      <a:effectRef idx="0">
+        <a:scrgbClr r="0" g="0" b="0"/>
+      </a:effectRef>
+      <a:fontRef idx="minor"/>
+    </dgm:style>
+  </dgm:styleLbl>
+  <dgm:styleLbl name="fgAcc3">
+    <dgm:scene3d>
+      <a:camera prst="orthographicFront"/>
+      <a:lightRig rig="threePt" dir="t"/>
+    </dgm:scene3d>
+    <dgm:sp3d/>
+    <dgm:txPr/>
+    <dgm:style>
+      <a:lnRef idx="2">
+        <a:scrgbClr r="0" g="0" b="0"/>
+      </a:lnRef>
+      <a:fillRef idx="1">
+        <a:scrgbClr r="0" g="0" b="0"/>
+      </a:fillRef>
+      <a:effectRef idx="0">
+        <a:scrgbClr r="0" g="0" b="0"/>
+      </a:effectRef>
+      <a:fontRef idx="minor"/>
+    </dgm:style>
+  </dgm:styleLbl>
+  <dgm:styleLbl name="fgAcc4">
+    <dgm:scene3d>
+      <a:camera prst="orthographicFront"/>
+      <a:lightRig rig="threePt" dir="t"/>
+    </dgm:scene3d>
+    <dgm:sp3d/>
+    <dgm:txPr/>
+    <dgm:style>
+      <a:lnRef idx="2">
+        <a:scrgbClr r="0" g="0" b="0"/>
+      </a:lnRef>
+      <a:fillRef idx="1">
+        <a:scrgbClr r="0" g="0" b="0"/>
+      </a:fillRef>
+      <a:effectRef idx="0">
+        <a:scrgbClr r="0" g="0" b="0"/>
+      </a:effectRef>
+      <a:fontRef idx="minor"/>
+    </dgm:style>
+  </dgm:styleLbl>
+  <dgm:styleLbl name="bgShp">
+    <dgm:scene3d>
+      <a:camera prst="orthographicFront"/>
+      <a:lightRig rig="threePt" dir="t"/>
+    </dgm:scene3d>
+    <dgm:sp3d/>
+    <dgm:txPr/>
+    <dgm:style>
+      <a:lnRef idx="0">
+        <a:scrgbClr r="0" g="0" b="0"/>
+      </a:lnRef>
+      <a:fillRef idx="1">
+        <a:scrgbClr r="0" g="0" b="0"/>
+      </a:fillRef>
+      <a:effectRef idx="0">
+        <a:scrgbClr r="0" g="0" b="0"/>
+      </a:effectRef>
+      <a:fontRef idx="minor"/>
+    </dgm:style>
+  </dgm:styleLbl>
+  <dgm:styleLbl name="dkBgShp">
+    <dgm:scene3d>
+      <a:camera prst="orthographicFront"/>
+      <a:lightRig rig="threePt" dir="t"/>
+    </dgm:scene3d>
+    <dgm:sp3d/>
+    <dgm:txPr/>
+    <dgm:style>
+      <a:lnRef idx="0">
+        <a:scrgbClr r="0" g="0" b="0"/>
+      </a:lnRef>
+      <a:fillRef idx="1">
+        <a:scrgbClr r="0" g="0" b="0"/>
+      </a:fillRef>
+      <a:effectRef idx="0">
+        <a:scrgbClr r="0" g="0" b="0"/>
+      </a:effectRef>
+      <a:fontRef idx="minor"/>
+    </dgm:style>
+  </dgm:styleLbl>
+  <dgm:styleLbl name="trBgShp">
+    <dgm:scene3d>
+      <a:camera prst="orthographicFront"/>
+      <a:lightRig rig="threePt" dir="t"/>
+    </dgm:scene3d>
+    <dgm:sp3d/>
+    <dgm:txPr/>
+    <dgm:style>
+      <a:lnRef idx="0">
+        <a:scrgbClr r="0" g="0" b="0"/>
+      </a:lnRef>
+      <a:fillRef idx="1">
+        <a:scrgbClr r="0" g="0" b="0"/>
+      </a:fillRef>
+      <a:effectRef idx="0">
+        <a:scrgbClr r="0" g="0" b="0"/>
+      </a:effectRef>
+      <a:fontRef idx="minor"/>
+    </dgm:style>
+  </dgm:styleLbl>
+  <dgm:styleLbl name="fgShp">
+    <dgm:scene3d>
+      <a:camera prst="orthographicFront"/>
+      <a:lightRig rig="threePt" dir="t"/>
+    </dgm:scene3d>
+    <dgm:sp3d/>
+    <dgm:txPr/>
+    <dgm:style>
+      <a:lnRef idx="2">
+        <a:scrgbClr r="0" g="0" b="0"/>
+      </a:lnRef>
+      <a:fillRef idx="1">
+        <a:scrgbClr r="0" g="0" b="0"/>
+      </a:fillRef>
+      <a:effectRef idx="0">
+        <a:scrgbClr r="0" g="0" b="0"/>
+      </a:effectRef>
+      <a:fontRef idx="minor"/>
+    </dgm:style>
+  </dgm:styleLbl>
+  <dgm:styleLbl name="revTx">
+    <dgm:scene3d>
+      <a:camera prst="orthographicFront"/>
+      <a:lightRig rig="threePt" dir="t"/>
+    </dgm:scene3d>
+    <dgm:sp3d/>
+    <dgm:txPr/>
+    <dgm:style>
+      <a:lnRef idx="0">
+        <a:scrgbClr r="0" g="0" b="0"/>
+      </a:lnRef>
+      <a:fillRef idx="0">
+        <a:scrgbClr r="0" g="0" b="0"/>
+      </a:fillRef>
+      <a:effectRef idx="0">
+        <a:scrgbClr r="0" g="0" b="0"/>
+      </a:effectRef>
+      <a:fontRef idx="minor"/>
+    </dgm:style>
+  </dgm:styleLbl>
+</dgm:styleDef>
+</file>
+
 <file path=ppt/slideLayouts/slideLayout1.xml><?xml version="1.0" encoding="utf-8"?>
 <p:sldLayout xmlns:a="http://schemas.openxmlformats.org/drawingml/2006/main" xmlns:r="http://schemas.openxmlformats.org/officeDocument/2006/relationships" xmlns:p="http://schemas.openxmlformats.org/presentationml/2006/main" type="title" preserve="1">
   <p:cSld name="Title Slide">
@@ -271,7 +3909,7 @@
           <a:p>
             <a:fld id="{9DC74BD9-5D8E-4132-B2F8-74E17D614196}" type="datetimeFigureOut">
               <a:rPr lang="en-GB" smtClean="0"/>
-              <a:t>11/10/2022</a:t>
+              <a:t>12/10/2022</a:t>
             </a:fld>
             <a:endParaRPr lang="en-GB"/>
           </a:p>
@@ -471,7 +4109,7 @@
           <a:p>
             <a:fld id="{9DC74BD9-5D8E-4132-B2F8-74E17D614196}" type="datetimeFigureOut">
               <a:rPr lang="en-GB" smtClean="0"/>
-              <a:t>11/10/2022</a:t>
+              <a:t>12/10/2022</a:t>
             </a:fld>
             <a:endParaRPr lang="en-GB"/>
           </a:p>
@@ -681,7 +4319,7 @@
           <a:p>
             <a:fld id="{9DC74BD9-5D8E-4132-B2F8-74E17D614196}" type="datetimeFigureOut">
               <a:rPr lang="en-GB" smtClean="0"/>
-              <a:t>11/10/2022</a:t>
+              <a:t>12/10/2022</a:t>
             </a:fld>
             <a:endParaRPr lang="en-GB"/>
           </a:p>
@@ -881,7 +4519,7 @@
           <a:p>
             <a:fld id="{9DC74BD9-5D8E-4132-B2F8-74E17D614196}" type="datetimeFigureOut">
               <a:rPr lang="en-GB" smtClean="0"/>
-              <a:t>11/10/2022</a:t>
+              <a:t>12/10/2022</a:t>
             </a:fld>
             <a:endParaRPr lang="en-GB"/>
           </a:p>
@@ -1157,7 +4795,7 @@
           <a:p>
             <a:fld id="{9DC74BD9-5D8E-4132-B2F8-74E17D614196}" type="datetimeFigureOut">
               <a:rPr lang="en-GB" smtClean="0"/>
-              <a:t>11/10/2022</a:t>
+              <a:t>12/10/2022</a:t>
             </a:fld>
             <a:endParaRPr lang="en-GB"/>
           </a:p>
@@ -1425,7 +5063,7 @@
           <a:p>
             <a:fld id="{9DC74BD9-5D8E-4132-B2F8-74E17D614196}" type="datetimeFigureOut">
               <a:rPr lang="en-GB" smtClean="0"/>
-              <a:t>11/10/2022</a:t>
+              <a:t>12/10/2022</a:t>
             </a:fld>
             <a:endParaRPr lang="en-GB"/>
           </a:p>
@@ -1840,7 +5478,7 @@
           <a:p>
             <a:fld id="{9DC74BD9-5D8E-4132-B2F8-74E17D614196}" type="datetimeFigureOut">
               <a:rPr lang="en-GB" smtClean="0"/>
-              <a:t>11/10/2022</a:t>
+              <a:t>12/10/2022</a:t>
             </a:fld>
             <a:endParaRPr lang="en-GB"/>
           </a:p>
@@ -1982,7 +5620,7 @@
           <a:p>
             <a:fld id="{9DC74BD9-5D8E-4132-B2F8-74E17D614196}" type="datetimeFigureOut">
               <a:rPr lang="en-GB" smtClean="0"/>
-              <a:t>11/10/2022</a:t>
+              <a:t>12/10/2022</a:t>
             </a:fld>
             <a:endParaRPr lang="en-GB"/>
           </a:p>
@@ -2095,7 +5733,7 @@
           <a:p>
             <a:fld id="{9DC74BD9-5D8E-4132-B2F8-74E17D614196}" type="datetimeFigureOut">
               <a:rPr lang="en-GB" smtClean="0"/>
-              <a:t>11/10/2022</a:t>
+              <a:t>12/10/2022</a:t>
             </a:fld>
             <a:endParaRPr lang="en-GB"/>
           </a:p>
@@ -2408,7 +6046,7 @@
           <a:p>
             <a:fld id="{9DC74BD9-5D8E-4132-B2F8-74E17D614196}" type="datetimeFigureOut">
               <a:rPr lang="en-GB" smtClean="0"/>
-              <a:t>11/10/2022</a:t>
+              <a:t>12/10/2022</a:t>
             </a:fld>
             <a:endParaRPr lang="en-GB"/>
           </a:p>
@@ -2697,7 +6335,7 @@
           <a:p>
             <a:fld id="{9DC74BD9-5D8E-4132-B2F8-74E17D614196}" type="datetimeFigureOut">
               <a:rPr lang="en-GB" smtClean="0"/>
-              <a:t>11/10/2022</a:t>
+              <a:t>12/10/2022</a:t>
             </a:fld>
             <a:endParaRPr lang="en-GB"/>
           </a:p>
@@ -2940,7 +6578,7 @@
           <a:p>
             <a:fld id="{9DC74BD9-5D8E-4132-B2F8-74E17D614196}" type="datetimeFigureOut">
               <a:rPr lang="en-GB" smtClean="0"/>
-              <a:t>11/10/2022</a:t>
+              <a:t>12/10/2022</a:t>
             </a:fld>
             <a:endParaRPr lang="en-GB"/>
           </a:p>
@@ -3565,7 +7203,14 @@
           <a:lstStyle/>
           <a:p>
             <a:r>
-              <a:rPr lang="en-GB" sz="4000"/>
+              <a:rPr lang="en-GB" sz="4000" dirty="0"/>
+              <a:t>Newark Airport</a:t>
+            </a:r>
+            <a:br>
+              <a:rPr lang="en-GB" sz="4000" dirty="0"/>
+            </a:br>
+            <a:r>
+              <a:rPr lang="en-GB" sz="4000" dirty="0"/>
               <a:t>Flight Delays</a:t>
             </a:r>
           </a:p>
@@ -3600,8 +7245,8 @@
           <a:lstStyle/>
           <a:p>
             <a:r>
-              <a:rPr lang="en-GB" sz="2000"/>
-              <a:t>Newark Airport</a:t>
+              <a:rPr lang="en-GB" sz="2000" dirty="0"/>
+              <a:t>Chris Allen</a:t>
             </a:r>
           </a:p>
         </p:txBody>
@@ -3834,6 +7479,14 @@
 <file path=ppt/slides/slide10.xml><?xml version="1.0" encoding="utf-8"?>
 <p:sld xmlns:a="http://schemas.openxmlformats.org/drawingml/2006/main" xmlns:r="http://schemas.openxmlformats.org/officeDocument/2006/relationships" xmlns:p="http://schemas.openxmlformats.org/presentationml/2006/main">
   <p:cSld>
+    <p:bg>
+      <p:bgPr>
+        <a:solidFill>
+          <a:schemeClr val="bg1"/>
+        </a:solidFill>
+        <a:effectLst/>
+      </p:bgPr>
+    </p:bg>
     <p:spTree>
       <p:nvGrpSpPr>
         <p:cNvPr id="1" name=""/>
@@ -3850,6 +7503,72 @@
       </p:grpSpPr>
       <p:sp>
         <p:nvSpPr>
+          <p:cNvPr id="26" name="Rectangle 12">
+            <a:extLst>
+              <a:ext uri="{FF2B5EF4-FFF2-40B4-BE49-F238E27FC236}">
+                <a16:creationId xmlns:a16="http://schemas.microsoft.com/office/drawing/2014/main" id="{2BD55E05-51A2-4173-A7FA-869DE4F71AC3}"/>
+              </a:ext>
+              <a:ext uri="{C183D7F6-B498-43B3-948B-1728B52AA6E4}">
+                <adec:decorative xmlns:adec="http://schemas.microsoft.com/office/drawing/2017/decorative" val="1"/>
+              </a:ext>
+            </a:extLst>
+          </p:cNvPr>
+          <p:cNvSpPr>
+            <a:spLocks noGrp="1" noRot="1" noChangeAspect="1" noMove="1" noResize="1" noEditPoints="1" noAdjustHandles="1" noChangeArrowheads="1" noChangeShapeType="1" noTextEdit="1"/>
+          </p:cNvSpPr>
+          <p:nvPr>
+            <p:extLst>
+              <p:ext uri="{386F3935-93C4-4BCD-93E2-E3B085C9AB24}">
+                <p16:designElem xmlns:p16="http://schemas.microsoft.com/office/powerpoint/2015/main" val="1"/>
+              </p:ext>
+            </p:extLst>
+          </p:nvPr>
+        </p:nvSpPr>
+        <p:spPr>
+          <a:xfrm>
+            <a:off x="0" y="0"/>
+            <a:ext cx="6013450" cy="6858000"/>
+          </a:xfrm>
+          <a:prstGeom prst="rect">
+            <a:avLst/>
+          </a:prstGeom>
+          <a:solidFill>
+            <a:schemeClr val="tx1">
+              <a:lumMod val="75000"/>
+              <a:lumOff val="25000"/>
+            </a:schemeClr>
+          </a:solidFill>
+          <a:ln>
+            <a:noFill/>
+          </a:ln>
+        </p:spPr>
+        <p:style>
+          <a:lnRef idx="2">
+            <a:schemeClr val="accent1">
+              <a:shade val="50000"/>
+            </a:schemeClr>
+          </a:lnRef>
+          <a:fillRef idx="1">
+            <a:schemeClr val="accent1"/>
+          </a:fillRef>
+          <a:effectRef idx="0">
+            <a:schemeClr val="accent1"/>
+          </a:effectRef>
+          <a:fontRef idx="minor">
+            <a:schemeClr val="lt1"/>
+          </a:fontRef>
+        </p:style>
+        <p:txBody>
+          <a:bodyPr rtlCol="0" anchor="ctr"/>
+          <a:lstStyle/>
+          <a:p>
+            <a:pPr algn="ctr"/>
+            <a:endParaRPr lang="en-US"/>
+          </a:p>
+        </p:txBody>
+      </p:sp>
+      <p:sp>
+        <p:nvSpPr>
           <p:cNvPr id="2" name="Title 1">
             <a:extLst>
               <a:ext uri="{FF2B5EF4-FFF2-40B4-BE49-F238E27FC236}">
@@ -3864,13 +7583,24 @@
             <p:ph type="title"/>
           </p:nvPr>
         </p:nvSpPr>
-        <p:spPr/>
+        <p:spPr>
+          <a:xfrm>
+            <a:off x="838200" y="621792"/>
+            <a:ext cx="4795157" cy="5413248"/>
+          </a:xfrm>
+        </p:spPr>
         <p:txBody>
-          <a:bodyPr/>
+          <a:bodyPr>
+            <a:normAutofit/>
+          </a:bodyPr>
           <a:lstStyle/>
           <a:p>
             <a:r>
-              <a:rPr lang="en-GB" dirty="0"/>
+              <a:rPr lang="en-GB" sz="5200">
+                <a:solidFill>
+                  <a:schemeClr val="bg1"/>
+                </a:solidFill>
+              </a:rPr>
               <a:t>Predictive Model</a:t>
             </a:r>
           </a:p>
@@ -3878,7 +7608,7 @@
       </p:sp>
       <p:sp>
         <p:nvSpPr>
-          <p:cNvPr id="3" name="Content Placeholder 2">
+          <p:cNvPr id="27" name="Content Placeholder 2">
             <a:extLst>
               <a:ext uri="{FF2B5EF4-FFF2-40B4-BE49-F238E27FC236}">
                 <a16:creationId xmlns:a16="http://schemas.microsoft.com/office/drawing/2014/main" id="{A3EB6DBD-CF83-1A75-5E6B-64849EE2BB1A}"/>
@@ -3892,21 +7622,26 @@
             <p:ph idx="1"/>
           </p:nvPr>
         </p:nvSpPr>
-        <p:spPr/>
+        <p:spPr>
+          <a:xfrm>
+            <a:off x="6521450" y="621792"/>
+            <a:ext cx="4832349" cy="5413248"/>
+          </a:xfrm>
+        </p:spPr>
         <p:txBody>
-          <a:bodyPr>
-            <a:normAutofit lnSpcReduction="10000"/>
+          <a:bodyPr anchor="ctr">
+            <a:normAutofit/>
           </a:bodyPr>
           <a:lstStyle/>
           <a:p>
             <a:r>
-              <a:rPr lang="en-GB"/>
+              <a:rPr lang="en-GB" sz="2400"/>
               <a:t>A predictive model was developed to predict if a flight was likely to be delayed</a:t>
             </a:r>
           </a:p>
           <a:p>
             <a:r>
-              <a:rPr lang="en-GB"/>
+              <a:rPr lang="en-GB" sz="2400"/>
               <a:t>Random Forest classifier yielded the best results, </a:t>
             </a:r>
           </a:p>
@@ -3926,7 +7661,7 @@
           </a:p>
           <a:p>
             <a:r>
-              <a:rPr lang="en-GB"/>
+              <a:rPr lang="en-GB" sz="2400"/>
               <a:t>Variables of highest importance were:</a:t>
             </a:r>
           </a:p>
@@ -3979,7 +7714,6 @@
               <a:rPr lang="en-GB"/>
               <a:t>Pressure (weather)</a:t>
             </a:r>
-            <a:endParaRPr lang="en-GB" dirty="0"/>
           </a:p>
         </p:txBody>
       </p:sp>
@@ -4042,105 +7776,32 @@
           </a:p>
         </p:txBody>
       </p:sp>
-      <p:sp>
-        <p:nvSpPr>
-          <p:cNvPr id="3" name="Content Placeholder 2">
+      <p:graphicFrame>
+        <p:nvGraphicFramePr>
+          <p:cNvPr id="7" name="Content Placeholder 2">
             <a:extLst>
               <a:ext uri="{FF2B5EF4-FFF2-40B4-BE49-F238E27FC236}">
-                <a16:creationId xmlns:a16="http://schemas.microsoft.com/office/drawing/2014/main" id="{F22A6B5D-78C0-4B2C-24E1-74260D5DDA56}"/>
+                <a16:creationId xmlns:a16="http://schemas.microsoft.com/office/drawing/2014/main" id="{06803574-D6C1-3429-496F-C5D43E188CF9}"/>
               </a:ext>
             </a:extLst>
           </p:cNvPr>
-          <p:cNvSpPr>
-            <a:spLocks noGrp="1"/>
-          </p:cNvSpPr>
+          <p:cNvGraphicFramePr>
+            <a:graphicFrameLocks noGrp="1"/>
+          </p:cNvGraphicFramePr>
           <p:nvPr>
             <p:ph idx="1"/>
           </p:nvPr>
-        </p:nvSpPr>
-        <p:spPr>
-          <a:xfrm>
-            <a:off x="838200" y="1523700"/>
-            <a:ext cx="10515600" cy="4877099"/>
-          </a:xfrm>
-        </p:spPr>
-        <p:txBody>
-          <a:bodyPr>
-            <a:normAutofit fontScale="92500" lnSpcReduction="20000"/>
-          </a:bodyPr>
-          <a:lstStyle/>
-          <a:p>
-            <a:r>
-              <a:rPr lang="en-GB" dirty="0"/>
-              <a:t>The “domino” effect of delays is the biggest influence on further delays</a:t>
-            </a:r>
-          </a:p>
-          <a:p>
-            <a:pPr lvl="1"/>
-            <a:r>
-              <a:rPr lang="en-GB" dirty="0"/>
-              <a:t>Consider limiting this effect by reviewing the need for additional planes/crew when earlier flights have been delayed </a:t>
-            </a:r>
-          </a:p>
-          <a:p>
-            <a:r>
-              <a:rPr lang="en-GB" dirty="0"/>
-              <a:t>There appear to be issues with the airports capacity to manage flight delays during busy months</a:t>
-            </a:r>
-          </a:p>
-          <a:p>
-            <a:pPr lvl="1"/>
-            <a:r>
-              <a:rPr lang="en-GB" dirty="0"/>
-              <a:t>Consider staffing levels within airport for improved efficiency for passengers</a:t>
-            </a:r>
-          </a:p>
-          <a:p>
-            <a:pPr lvl="1"/>
-            <a:r>
-              <a:rPr lang="en-GB" dirty="0"/>
-              <a:t>Consider increasing crew levels to ensure planes are ready to depart as early as possible</a:t>
-            </a:r>
-          </a:p>
-          <a:p>
-            <a:r>
-              <a:rPr lang="en-GB" dirty="0"/>
-              <a:t>Weather has a significant yet complex impact on delays</a:t>
-            </a:r>
-          </a:p>
-          <a:p>
-            <a:pPr lvl="1"/>
-            <a:r>
-              <a:rPr lang="en-GB" dirty="0"/>
-              <a:t>Need to view the weather holistically rather than focus on individual parameters, i.e. temperature, pressure, wind etc.</a:t>
-            </a:r>
-          </a:p>
-          <a:p>
-            <a:pPr lvl="1"/>
-            <a:r>
-              <a:rPr lang="en-GB" dirty="0"/>
-              <a:t>Improving planes ability to fly in poorer weather conditions </a:t>
-            </a:r>
-            <a:r>
-              <a:rPr lang="en-GB" b="1" i="1" dirty="0"/>
-              <a:t>may </a:t>
-            </a:r>
-            <a:r>
-              <a:rPr lang="en-GB" dirty="0"/>
-              <a:t>be beneficial, however, will not address delays from planes arriving at the airport</a:t>
-            </a:r>
-          </a:p>
-          <a:p>
-            <a:r>
-              <a:rPr lang="en-GB" dirty="0"/>
-              <a:t>Use the predictive model to anticipate and plan delays and mitigate where possible</a:t>
-            </a:r>
-          </a:p>
-          <a:p>
-            <a:endParaRPr lang="en-GB" dirty="0"/>
-          </a:p>
-        </p:txBody>
-      </p:sp>
+        </p:nvGraphicFramePr>
+        <p:xfrm>
+          <a:off x="838200" y="1523700"/>
+          <a:ext cx="10515600" cy="4877099"/>
+        </p:xfrm>
+        <a:graphic>
+          <a:graphicData uri="http://schemas.openxmlformats.org/drawingml/2006/diagram">
+            <dgm:relIds xmlns:dgm="http://schemas.openxmlformats.org/drawingml/2006/diagram" xmlns:r="http://schemas.openxmlformats.org/officeDocument/2006/relationships" r:dm="rId2" r:lo="rId3" r:qs="rId4" r:cs="rId5"/>
+          </a:graphicData>
+        </a:graphic>
+      </p:graphicFrame>
     </p:spTree>
     <p:extLst>
       <p:ext uri="{BB962C8B-B14F-4D97-AF65-F5344CB8AC3E}">
@@ -4154,9 +7815,318 @@
 </p:sld>
 </file>
 
+<file path=ppt/slides/slide12.xml><?xml version="1.0" encoding="utf-8"?>
+<p:sld xmlns:a="http://schemas.openxmlformats.org/drawingml/2006/main" xmlns:r="http://schemas.openxmlformats.org/officeDocument/2006/relationships" xmlns:p="http://schemas.openxmlformats.org/presentationml/2006/main">
+  <p:cSld>
+    <p:bg>
+      <p:bgPr>
+        <a:solidFill>
+          <a:schemeClr val="bg1"/>
+        </a:solidFill>
+        <a:effectLst/>
+      </p:bgPr>
+    </p:bg>
+    <p:spTree>
+      <p:nvGrpSpPr>
+        <p:cNvPr id="1" name=""/>
+        <p:cNvGrpSpPr/>
+        <p:nvPr/>
+      </p:nvGrpSpPr>
+      <p:grpSpPr>
+        <a:xfrm>
+          <a:off x="0" y="0"/>
+          <a:ext cx="0" cy="0"/>
+          <a:chOff x="0" y="0"/>
+          <a:chExt cx="0" cy="0"/>
+        </a:xfrm>
+      </p:grpSpPr>
+      <p:pic>
+        <p:nvPicPr>
+          <p:cNvPr id="5" name="Picture 4" descr="Yellow question mark">
+            <a:extLst>
+              <a:ext uri="{FF2B5EF4-FFF2-40B4-BE49-F238E27FC236}">
+                <a16:creationId xmlns:a16="http://schemas.microsoft.com/office/drawing/2014/main" id="{C253A9CA-55E5-6DFC-1E7A-BC93842D0404}"/>
+              </a:ext>
+            </a:extLst>
+          </p:cNvPr>
+          <p:cNvPicPr>
+            <a:picLocks noChangeAspect="1"/>
+          </p:cNvPicPr>
+          <p:nvPr/>
+        </p:nvPicPr>
+        <p:blipFill rotWithShape="1">
+          <a:blip r:embed="rId2"/>
+          <a:srcRect b="6250"/>
+          <a:stretch/>
+        </p:blipFill>
+        <p:spPr>
+          <a:xfrm>
+            <a:off x="20" y="10"/>
+            <a:ext cx="12191980" cy="6857990"/>
+          </a:xfrm>
+          <a:prstGeom prst="rect">
+            <a:avLst/>
+          </a:prstGeom>
+        </p:spPr>
+      </p:pic>
+      <p:sp>
+        <p:nvSpPr>
+          <p:cNvPr id="9" name="Freeform 5">
+            <a:extLst>
+              <a:ext uri="{FF2B5EF4-FFF2-40B4-BE49-F238E27FC236}">
+                <a16:creationId xmlns:a16="http://schemas.microsoft.com/office/drawing/2014/main" id="{87CC2527-562A-4F69-B487-4371E5B243E7}"/>
+              </a:ext>
+              <a:ext uri="{C183D7F6-B498-43B3-948B-1728B52AA6E4}">
+                <adec:decorative xmlns:adec="http://schemas.microsoft.com/office/drawing/2017/decorative" val="1"/>
+              </a:ext>
+            </a:extLst>
+          </p:cNvPr>
+          <p:cNvSpPr>
+            <a:spLocks noGrp="1" noRot="1" noChangeAspect="1" noMove="1" noResize="1" noEditPoints="1" noAdjustHandles="1" noChangeArrowheads="1" noChangeShapeType="1" noTextEdit="1"/>
+          </p:cNvSpPr>
+          <p:nvPr>
+            <p:extLst>
+              <p:ext uri="{386F3935-93C4-4BCD-93E2-E3B085C9AB24}">
+                <p16:designElem xmlns:p16="http://schemas.microsoft.com/office/powerpoint/2015/main" val="1"/>
+              </p:ext>
+            </p:extLst>
+          </p:nvPr>
+        </p:nvSpPr>
+        <p:spPr bwMode="grayWhite">
+          <a:xfrm>
+            <a:off x="7488621" y="2277613"/>
+            <a:ext cx="4703379" cy="4580387"/>
+          </a:xfrm>
+          <a:custGeom>
+            <a:avLst/>
+            <a:gdLst>
+              <a:gd name="T0" fmla="*/ 1333 w 1333"/>
+              <a:gd name="T1" fmla="*/ 1031 h 1298"/>
+              <a:gd name="T2" fmla="*/ 1333 w 1333"/>
+              <a:gd name="T3" fmla="*/ 380 h 1298"/>
+              <a:gd name="T4" fmla="*/ 706 w 1333"/>
+              <a:gd name="T5" fmla="*/ 0 h 1298"/>
+              <a:gd name="T6" fmla="*/ 0 w 1333"/>
+              <a:gd name="T7" fmla="*/ 706 h 1298"/>
+              <a:gd name="T8" fmla="*/ 323 w 1333"/>
+              <a:gd name="T9" fmla="*/ 1298 h 1298"/>
+              <a:gd name="T10" fmla="*/ 1090 w 1333"/>
+              <a:gd name="T11" fmla="*/ 1298 h 1298"/>
+              <a:gd name="T12" fmla="*/ 1333 w 1333"/>
+              <a:gd name="T13" fmla="*/ 1031 h 1298"/>
+            </a:gdLst>
+            <a:ahLst/>
+            <a:cxnLst>
+              <a:cxn ang="0">
+                <a:pos x="T0" y="T1"/>
+              </a:cxn>
+              <a:cxn ang="0">
+                <a:pos x="T2" y="T3"/>
+              </a:cxn>
+              <a:cxn ang="0">
+                <a:pos x="T4" y="T5"/>
+              </a:cxn>
+              <a:cxn ang="0">
+                <a:pos x="T6" y="T7"/>
+              </a:cxn>
+              <a:cxn ang="0">
+                <a:pos x="T8" y="T9"/>
+              </a:cxn>
+              <a:cxn ang="0">
+                <a:pos x="T10" y="T11"/>
+              </a:cxn>
+              <a:cxn ang="0">
+                <a:pos x="T12" y="T13"/>
+              </a:cxn>
+            </a:cxnLst>
+            <a:rect l="0" t="0" r="r" b="b"/>
+            <a:pathLst>
+              <a:path w="1333" h="1298">
+                <a:moveTo>
+                  <a:pt x="1333" y="1031"/>
+                </a:moveTo>
+                <a:cubicBezTo>
+                  <a:pt x="1333" y="380"/>
+                  <a:pt x="1333" y="380"/>
+                  <a:pt x="1333" y="380"/>
+                </a:cubicBezTo>
+                <a:cubicBezTo>
+                  <a:pt x="1215" y="154"/>
+                  <a:pt x="979" y="0"/>
+                  <a:pt x="706" y="0"/>
+                </a:cubicBezTo>
+                <a:cubicBezTo>
+                  <a:pt x="317" y="0"/>
+                  <a:pt x="0" y="316"/>
+                  <a:pt x="0" y="706"/>
+                </a:cubicBezTo>
+                <a:cubicBezTo>
+                  <a:pt x="0" y="954"/>
+                  <a:pt x="129" y="1172"/>
+                  <a:pt x="323" y="1298"/>
+                </a:cubicBezTo>
+                <a:cubicBezTo>
+                  <a:pt x="1090" y="1298"/>
+                  <a:pt x="1090" y="1298"/>
+                  <a:pt x="1090" y="1298"/>
+                </a:cubicBezTo>
+                <a:cubicBezTo>
+                  <a:pt x="1193" y="1232"/>
+                  <a:pt x="1276" y="1140"/>
+                  <a:pt x="1333" y="1031"/>
+                </a:cubicBezTo>
+                <a:close/>
+              </a:path>
+            </a:pathLst>
+          </a:custGeom>
+          <a:solidFill>
+            <a:schemeClr val="bg1">
+              <a:alpha val="70000"/>
+            </a:schemeClr>
+          </a:solidFill>
+          <a:ln w="50800" cap="sq" cmpd="dbl">
+            <a:noFill/>
+            <a:miter lim="800000"/>
+          </a:ln>
+          <a:effectLst/>
+        </p:spPr>
+        <p:txBody>
+          <a:bodyPr vert="horz" lIns="91440" tIns="45720" rIns="91440" bIns="45720" rtlCol="0" anchor="t">
+            <a:normAutofit/>
+          </a:bodyPr>
+          <a:lstStyle/>
+          <a:p>
+            <a:pPr algn="ctr">
+              <a:spcAft>
+                <a:spcPts val="1000"/>
+              </a:spcAft>
+              <a:buClr>
+                <a:schemeClr val="tx1"/>
+              </a:buClr>
+              <a:buSzPct val="100000"/>
+              <a:buFont typeface="Arial"/>
+              <a:buNone/>
+            </a:pPr>
+            <a:endParaRPr lang="en-US" sz="1600" cap="all"/>
+          </a:p>
+        </p:txBody>
+      </p:sp>
+      <p:sp>
+        <p:nvSpPr>
+          <p:cNvPr id="2" name="Title 1">
+            <a:extLst>
+              <a:ext uri="{FF2B5EF4-FFF2-40B4-BE49-F238E27FC236}">
+                <a16:creationId xmlns:a16="http://schemas.microsoft.com/office/drawing/2014/main" id="{F152B3A2-B0A0-E402-5F22-9BA46B8FF73E}"/>
+              </a:ext>
+            </a:extLst>
+          </p:cNvPr>
+          <p:cNvSpPr>
+            <a:spLocks noGrp="1"/>
+          </p:cNvSpPr>
+          <p:nvPr>
+            <p:ph type="title"/>
+          </p:nvPr>
+        </p:nvSpPr>
+        <p:spPr>
+          <a:xfrm>
+            <a:off x="8022021" y="3231931"/>
+            <a:ext cx="3852041" cy="1834056"/>
+          </a:xfrm>
+        </p:spPr>
+        <p:txBody>
+          <a:bodyPr vert="horz" lIns="91440" tIns="45720" rIns="91440" bIns="45720" rtlCol="0" anchor="b">
+            <a:normAutofit/>
+          </a:bodyPr>
+          <a:lstStyle/>
+          <a:p>
+            <a:pPr algn="ctr"/>
+            <a:r>
+              <a:rPr lang="en-US" sz="4000" dirty="0"/>
+              <a:t>Questions?</a:t>
+            </a:r>
+          </a:p>
+        </p:txBody>
+      </p:sp>
+      <p:cxnSp>
+        <p:nvCxnSpPr>
+          <p:cNvPr id="11" name="Straight Connector 10">
+            <a:extLst>
+              <a:ext uri="{FF2B5EF4-FFF2-40B4-BE49-F238E27FC236}">
+                <a16:creationId xmlns:a16="http://schemas.microsoft.com/office/drawing/2014/main" id="{BCDAEC91-5BCE-4B55-9CC0-43EF94CB734B}"/>
+              </a:ext>
+              <a:ext uri="{C183D7F6-B498-43B3-948B-1728B52AA6E4}">
+                <adec:decorative xmlns:adec="http://schemas.microsoft.com/office/drawing/2017/decorative" val="1"/>
+              </a:ext>
+            </a:extLst>
+          </p:cNvPr>
+          <p:cNvCxnSpPr>
+            <a:cxnSpLocks noGrp="1" noRot="1" noChangeAspect="1" noMove="1" noResize="1" noEditPoints="1" noAdjustHandles="1" noChangeArrowheads="1" noChangeShapeType="1"/>
+          </p:cNvCxnSpPr>
+          <p:nvPr>
+            <p:extLst>
+              <p:ext uri="{386F3935-93C4-4BCD-93E2-E3B085C9AB24}">
+                <p16:designElem xmlns:p16="http://schemas.microsoft.com/office/powerpoint/2015/main" val="1"/>
+              </p:ext>
+            </p:extLst>
+          </p:nvPr>
+        </p:nvCxnSpPr>
+        <p:spPr>
+          <a:xfrm>
+            <a:off x="9480331" y="5123793"/>
+            <a:ext cx="935420" cy="0"/>
+          </a:xfrm>
+          <a:prstGeom prst="line">
+            <a:avLst/>
+          </a:prstGeom>
+          <a:ln w="25400" cap="sq">
+            <a:solidFill>
+              <a:schemeClr val="tx1">
+                <a:lumMod val="85000"/>
+                <a:lumOff val="15000"/>
+              </a:schemeClr>
+            </a:solidFill>
+            <a:bevel/>
+          </a:ln>
+        </p:spPr>
+        <p:style>
+          <a:lnRef idx="1">
+            <a:schemeClr val="accent1"/>
+          </a:lnRef>
+          <a:fillRef idx="0">
+            <a:schemeClr val="accent1"/>
+          </a:fillRef>
+          <a:effectRef idx="0">
+            <a:schemeClr val="accent1"/>
+          </a:effectRef>
+          <a:fontRef idx="minor">
+            <a:schemeClr val="tx1"/>
+          </a:fontRef>
+        </p:style>
+      </p:cxnSp>
+    </p:spTree>
+    <p:extLst>
+      <p:ext uri="{BB962C8B-B14F-4D97-AF65-F5344CB8AC3E}">
+        <p14:creationId xmlns:p14="http://schemas.microsoft.com/office/powerpoint/2010/main" val="852624712"/>
+      </p:ext>
+    </p:extLst>
+  </p:cSld>
+  <p:clrMapOvr>
+    <a:masterClrMapping/>
+  </p:clrMapOvr>
+</p:sld>
+</file>
+
 <file path=ppt/slides/slide2.xml><?xml version="1.0" encoding="utf-8"?>
 <p:sld xmlns:a="http://schemas.openxmlformats.org/drawingml/2006/main" xmlns:r="http://schemas.openxmlformats.org/officeDocument/2006/relationships" xmlns:p="http://schemas.openxmlformats.org/presentationml/2006/main">
   <p:cSld>
+    <p:bg>
+      <p:bgPr>
+        <a:solidFill>
+          <a:schemeClr val="bg1"/>
+        </a:solidFill>
+        <a:effectLst/>
+      </p:bgPr>
+    </p:bg>
     <p:spTree>
       <p:nvGrpSpPr>
         <p:cNvPr id="1" name=""/>
@@ -4173,6 +8143,72 @@
       </p:grpSpPr>
       <p:sp>
         <p:nvSpPr>
+          <p:cNvPr id="8" name="Rectangle 7">
+            <a:extLst>
+              <a:ext uri="{FF2B5EF4-FFF2-40B4-BE49-F238E27FC236}">
+                <a16:creationId xmlns:a16="http://schemas.microsoft.com/office/drawing/2014/main" id="{2BD55E05-51A2-4173-A7FA-869DE4F71AC3}"/>
+              </a:ext>
+              <a:ext uri="{C183D7F6-B498-43B3-948B-1728B52AA6E4}">
+                <adec:decorative xmlns:adec="http://schemas.microsoft.com/office/drawing/2017/decorative" val="1"/>
+              </a:ext>
+            </a:extLst>
+          </p:cNvPr>
+          <p:cNvSpPr>
+            <a:spLocks noGrp="1" noRot="1" noChangeAspect="1" noMove="1" noResize="1" noEditPoints="1" noAdjustHandles="1" noChangeArrowheads="1" noChangeShapeType="1" noTextEdit="1"/>
+          </p:cNvSpPr>
+          <p:nvPr>
+            <p:extLst>
+              <p:ext uri="{386F3935-93C4-4BCD-93E2-E3B085C9AB24}">
+                <p16:designElem xmlns:p16="http://schemas.microsoft.com/office/powerpoint/2015/main" val="1"/>
+              </p:ext>
+            </p:extLst>
+          </p:nvPr>
+        </p:nvSpPr>
+        <p:spPr>
+          <a:xfrm>
+            <a:off x="0" y="0"/>
+            <a:ext cx="6013450" cy="6858000"/>
+          </a:xfrm>
+          <a:prstGeom prst="rect">
+            <a:avLst/>
+          </a:prstGeom>
+          <a:solidFill>
+            <a:schemeClr val="tx1">
+              <a:lumMod val="75000"/>
+              <a:lumOff val="25000"/>
+            </a:schemeClr>
+          </a:solidFill>
+          <a:ln>
+            <a:noFill/>
+          </a:ln>
+        </p:spPr>
+        <p:style>
+          <a:lnRef idx="2">
+            <a:schemeClr val="accent1">
+              <a:shade val="50000"/>
+            </a:schemeClr>
+          </a:lnRef>
+          <a:fillRef idx="1">
+            <a:schemeClr val="accent1"/>
+          </a:fillRef>
+          <a:effectRef idx="0">
+            <a:schemeClr val="accent1"/>
+          </a:effectRef>
+          <a:fontRef idx="minor">
+            <a:schemeClr val="lt1"/>
+          </a:fontRef>
+        </p:style>
+        <p:txBody>
+          <a:bodyPr rtlCol="0" anchor="ctr"/>
+          <a:lstStyle/>
+          <a:p>
+            <a:pPr algn="ctr"/>
+            <a:endParaRPr lang="en-US"/>
+          </a:p>
+        </p:txBody>
+      </p:sp>
+      <p:sp>
+        <p:nvSpPr>
           <p:cNvPr id="2" name="Title 1">
             <a:extLst>
               <a:ext uri="{FF2B5EF4-FFF2-40B4-BE49-F238E27FC236}">
@@ -4187,16 +8223,26 @@
             <p:ph type="title"/>
           </p:nvPr>
         </p:nvSpPr>
-        <p:spPr/>
+        <p:spPr>
+          <a:xfrm>
+            <a:off x="838200" y="621792"/>
+            <a:ext cx="4795157" cy="5413248"/>
+          </a:xfrm>
+        </p:spPr>
         <p:txBody>
-          <a:bodyPr/>
+          <a:bodyPr>
+            <a:normAutofit/>
+          </a:bodyPr>
           <a:lstStyle/>
           <a:p>
             <a:r>
-              <a:rPr lang="en-GB"/>
+              <a:rPr lang="en-GB" sz="5200" dirty="0">
+                <a:solidFill>
+                  <a:schemeClr val="bg1"/>
+                </a:solidFill>
+              </a:rPr>
               <a:t>Overview</a:t>
             </a:r>
-            <a:endParaRPr lang="en-GB" dirty="0"/>
           </a:p>
         </p:txBody>
       </p:sp>
@@ -4218,87 +8264,91 @@
         </p:nvSpPr>
         <p:spPr>
           <a:xfrm>
-            <a:off x="838200" y="1764145"/>
-            <a:ext cx="10515600" cy="4412817"/>
+            <a:off x="6521451" y="1730155"/>
+            <a:ext cx="4832349" cy="5413248"/>
           </a:xfrm>
         </p:spPr>
         <p:txBody>
-          <a:bodyPr>
+          <a:bodyPr anchor="ctr">
             <a:normAutofit/>
           </a:bodyPr>
           <a:lstStyle/>
           <a:p>
             <a:r>
-              <a:rPr lang="en-GB"/>
-              <a:t>In 2017, Newark Airport had the worst on-time performance of all airports in the USA*</a:t>
-            </a:r>
-          </a:p>
-          <a:p>
-            <a:r>
-              <a:rPr lang="en-GB"/>
-              <a:t>Airports can be fined/forced to pay compensation for flights which are delayed by more than 15 minutes</a:t>
-            </a:r>
-          </a:p>
-          <a:p>
-            <a:r>
-              <a:rPr lang="en-GB"/>
+              <a:rPr lang="en-GB" sz="2000" dirty="0"/>
+              <a:t>In 2017, Newark Airport (EWR) had the worst on-time performance of all airports in the USA*</a:t>
+            </a:r>
+          </a:p>
+          <a:p>
+            <a:r>
+              <a:rPr lang="en-GB" sz="2000" dirty="0"/>
+              <a:t>Airports can be fined/forced to pay compensation for flights which are delayed by </a:t>
+            </a:r>
+            <a:r>
+              <a:rPr lang="en-GB" sz="2000" b="1" u="sng" dirty="0"/>
+              <a:t>more than 15 minutes</a:t>
+            </a:r>
+          </a:p>
+          <a:p>
+            <a:r>
+              <a:rPr lang="en-GB" sz="2000" dirty="0"/>
               <a:t>It is believed that poor weather conditions are causing departure delays</a:t>
             </a:r>
           </a:p>
           <a:p>
             <a:r>
-              <a:rPr lang="en-GB"/>
+              <a:rPr lang="en-GB" sz="2000" dirty="0"/>
               <a:t>The purpose of this analysis is to:</a:t>
             </a:r>
           </a:p>
           <a:p>
             <a:pPr lvl="1"/>
             <a:r>
-              <a:rPr lang="en-GB"/>
+              <a:rPr lang="en-GB" sz="2000" i="1" dirty="0"/>
               <a:t>Understand how serious significant weather-related delays are</a:t>
             </a:r>
           </a:p>
           <a:p>
             <a:pPr lvl="1"/>
             <a:r>
-              <a:rPr lang="en-GB"/>
+              <a:rPr lang="en-GB" sz="2000" i="1" dirty="0"/>
               <a:t>Investigate other factors impacting delays: seasonal/temporal effects?</a:t>
             </a:r>
           </a:p>
           <a:p>
             <a:pPr lvl="1"/>
             <a:r>
-              <a:rPr lang="en-GB"/>
-              <a:t>Compare performance to other New York airports, namely JFK and La Guardia</a:t>
+              <a:rPr lang="en-GB" sz="2000" i="1" dirty="0"/>
+              <a:t>Compare performance to other New York airports, namely JFK and La Guardia (LGA)</a:t>
             </a:r>
           </a:p>
           <a:p>
             <a:pPr marL="0" indent="0">
               <a:buNone/>
             </a:pPr>
-            <a:endParaRPr lang="en-GB"/>
+            <a:endParaRPr lang="en-GB" sz="2000" dirty="0"/>
           </a:p>
           <a:p>
             <a:pPr marL="0" indent="0">
               <a:buNone/>
             </a:pPr>
-            <a:endParaRPr lang="en-GB"/>
+            <a:endParaRPr lang="en-GB" sz="2000" dirty="0"/>
           </a:p>
           <a:p>
             <a:pPr marL="457200" lvl="1" indent="0">
               <a:buNone/>
             </a:pPr>
-            <a:endParaRPr lang="en-GB"/>
+            <a:endParaRPr lang="en-GB" sz="2000" dirty="0"/>
           </a:p>
           <a:p>
             <a:pPr lvl="1"/>
-            <a:endParaRPr lang="en-GB"/>
+            <a:endParaRPr lang="en-GB" sz="2000" dirty="0"/>
           </a:p>
           <a:p>
             <a:pPr marL="457200" lvl="1" indent="0">
               <a:buNone/>
             </a:pPr>
-            <a:endParaRPr lang="en-GB" dirty="0"/>
+            <a:endParaRPr lang="en-GB" sz="2000" dirty="0"/>
           </a:p>
         </p:txBody>
       </p:sp>
@@ -4318,6 +8368,14 @@
 <file path=ppt/slides/slide3.xml><?xml version="1.0" encoding="utf-8"?>
 <p:sld xmlns:a="http://schemas.openxmlformats.org/drawingml/2006/main" xmlns:r="http://schemas.openxmlformats.org/officeDocument/2006/relationships" xmlns:p="http://schemas.openxmlformats.org/presentationml/2006/main">
   <p:cSld>
+    <p:bg>
+      <p:bgPr>
+        <a:solidFill>
+          <a:schemeClr val="bg1"/>
+        </a:solidFill>
+        <a:effectLst/>
+      </p:bgPr>
+    </p:bg>
     <p:spTree>
       <p:nvGrpSpPr>
         <p:cNvPr id="1" name=""/>
@@ -4334,6 +8392,77 @@
       </p:grpSpPr>
       <p:sp>
         <p:nvSpPr>
+          <p:cNvPr id="17" name="Rectangle 16">
+            <a:extLst>
+              <a:ext uri="{FF2B5EF4-FFF2-40B4-BE49-F238E27FC236}">
+                <a16:creationId xmlns:a16="http://schemas.microsoft.com/office/drawing/2014/main" id="{CEB41C5C-0F34-4DDA-9D7C-5E717F35F60C}"/>
+              </a:ext>
+              <a:ext uri="{C183D7F6-B498-43B3-948B-1728B52AA6E4}">
+                <adec:decorative xmlns:adec="http://schemas.microsoft.com/office/drawing/2017/decorative" val="1"/>
+              </a:ext>
+            </a:extLst>
+          </p:cNvPr>
+          <p:cNvSpPr>
+            <a:spLocks noGrp="1" noRot="1" noChangeAspect="1" noMove="1" noResize="1" noEditPoints="1" noAdjustHandles="1" noChangeArrowheads="1" noChangeShapeType="1" noTextEdit="1"/>
+          </p:cNvSpPr>
+          <p:nvPr>
+            <p:extLst>
+              <p:ext uri="{386F3935-93C4-4BCD-93E2-E3B085C9AB24}">
+                <p16:designElem xmlns:p16="http://schemas.microsoft.com/office/powerpoint/2015/main" val="1"/>
+              </p:ext>
+            </p:extLst>
+          </p:nvPr>
+        </p:nvSpPr>
+        <p:spPr bwMode="ltGray">
+          <a:xfrm>
+            <a:off x="336384" y="303591"/>
+            <a:ext cx="4334256" cy="5896743"/>
+          </a:xfrm>
+          <a:prstGeom prst="rect">
+            <a:avLst/>
+          </a:prstGeom>
+          <a:solidFill>
+            <a:schemeClr val="tx1">
+              <a:lumMod val="75000"/>
+              <a:lumOff val="25000"/>
+            </a:schemeClr>
+          </a:solidFill>
+          <a:ln w="127000" cap="sq" cmpd="thinThick">
+            <a:solidFill>
+              <a:schemeClr val="tx1">
+                <a:lumMod val="75000"/>
+                <a:lumOff val="25000"/>
+              </a:schemeClr>
+            </a:solidFill>
+          </a:ln>
+        </p:spPr>
+        <p:style>
+          <a:lnRef idx="2">
+            <a:schemeClr val="accent1">
+              <a:shade val="50000"/>
+            </a:schemeClr>
+          </a:lnRef>
+          <a:fillRef idx="1">
+            <a:schemeClr val="accent1"/>
+          </a:fillRef>
+          <a:effectRef idx="0">
+            <a:schemeClr val="accent1"/>
+          </a:effectRef>
+          <a:fontRef idx="minor">
+            <a:schemeClr val="lt1"/>
+          </a:fontRef>
+        </p:style>
+        <p:txBody>
+          <a:bodyPr rtlCol="0" anchor="ctr"/>
+          <a:lstStyle/>
+          <a:p>
+            <a:pPr algn="ctr"/>
+            <a:endParaRPr lang="en-US"/>
+          </a:p>
+        </p:txBody>
+      </p:sp>
+      <p:sp>
+        <p:nvSpPr>
           <p:cNvPr id="2" name="Title 1">
             <a:extLst>
               <a:ext uri="{FF2B5EF4-FFF2-40B4-BE49-F238E27FC236}">
@@ -4348,19 +8477,81 @@
             <p:ph type="title"/>
           </p:nvPr>
         </p:nvSpPr>
-        <p:spPr/>
+        <p:spPr>
+          <a:xfrm>
+            <a:off x="594360" y="640263"/>
+            <a:ext cx="3822192" cy="1344975"/>
+          </a:xfrm>
+        </p:spPr>
         <p:txBody>
-          <a:bodyPr/>
+          <a:bodyPr>
+            <a:normAutofit/>
+          </a:bodyPr>
           <a:lstStyle/>
           <a:p>
             <a:r>
-              <a:rPr lang="en-GB"/>
+              <a:rPr lang="en-GB" sz="3600">
+                <a:solidFill>
+                  <a:schemeClr val="bg1"/>
+                </a:solidFill>
+              </a:rPr>
               <a:t>Process</a:t>
             </a:r>
-            <a:endParaRPr lang="en-GB" dirty="0"/>
           </a:p>
         </p:txBody>
       </p:sp>
+      <p:cxnSp>
+        <p:nvCxnSpPr>
+          <p:cNvPr id="19" name="Straight Connector 18">
+            <a:extLst>
+              <a:ext uri="{FF2B5EF4-FFF2-40B4-BE49-F238E27FC236}">
+                <a16:creationId xmlns:a16="http://schemas.microsoft.com/office/drawing/2014/main" id="{57E1E5E6-F385-4E9C-B201-BA5BDE5CAD52}"/>
+              </a:ext>
+              <a:ext uri="{C183D7F6-B498-43B3-948B-1728B52AA6E4}">
+                <adec:decorative xmlns:adec="http://schemas.microsoft.com/office/drawing/2017/decorative" val="1"/>
+              </a:ext>
+            </a:extLst>
+          </p:cNvPr>
+          <p:cNvCxnSpPr>
+            <a:cxnSpLocks noGrp="1" noRot="1" noChangeAspect="1" noMove="1" noResize="1" noEditPoints="1" noAdjustHandles="1" noChangeArrowheads="1" noChangeShapeType="1"/>
+          </p:cNvCxnSpPr>
+          <p:nvPr>
+            <p:extLst>
+              <p:ext uri="{386F3935-93C4-4BCD-93E2-E3B085C9AB24}">
+                <p16:designElem xmlns:p16="http://schemas.microsoft.com/office/powerpoint/2015/main" val="1"/>
+              </p:ext>
+            </p:extLst>
+          </p:nvPr>
+        </p:nvCxnSpPr>
+        <p:spPr>
+          <a:xfrm>
+            <a:off x="704088" y="2050687"/>
+            <a:ext cx="3685032" cy="0"/>
+          </a:xfrm>
+          <a:prstGeom prst="line">
+            <a:avLst/>
+          </a:prstGeom>
+          <a:ln w="22225">
+            <a:solidFill>
+              <a:srgbClr val="E7E6E6"/>
+            </a:solidFill>
+          </a:ln>
+        </p:spPr>
+        <p:style>
+          <a:lnRef idx="1">
+            <a:schemeClr val="accent1"/>
+          </a:lnRef>
+          <a:fillRef idx="0">
+            <a:schemeClr val="accent1"/>
+          </a:fillRef>
+          <a:effectRef idx="0">
+            <a:schemeClr val="accent1"/>
+          </a:effectRef>
+          <a:fontRef idx="minor">
+            <a:schemeClr val="tx1"/>
+          </a:fontRef>
+        </p:style>
+      </p:cxnSp>
       <p:sp>
         <p:nvSpPr>
           <p:cNvPr id="3" name="Content Placeholder 2">
@@ -4377,78 +8568,181 @@
             <p:ph idx="1"/>
           </p:nvPr>
         </p:nvSpPr>
-        <p:spPr/>
+        <p:spPr>
+          <a:xfrm>
+            <a:off x="593610" y="2121763"/>
+            <a:ext cx="3822192" cy="3773010"/>
+          </a:xfrm>
+        </p:spPr>
         <p:txBody>
           <a:bodyPr>
-            <a:normAutofit fontScale="92500" lnSpcReduction="10000"/>
+            <a:normAutofit fontScale="77500" lnSpcReduction="20000"/>
           </a:bodyPr>
           <a:lstStyle/>
           <a:p>
             <a:r>
-              <a:rPr lang="en-GB"/>
+              <a:rPr lang="en-GB" sz="1400" dirty="0">
+                <a:solidFill>
+                  <a:schemeClr val="bg1"/>
+                </a:solidFill>
+              </a:rPr>
               <a:t>Data:</a:t>
             </a:r>
           </a:p>
           <a:p>
             <a:pPr lvl="1"/>
             <a:r>
-              <a:rPr lang="en-GB"/>
-              <a:t>Domestic flight data</a:t>
+              <a:rPr lang="en-GB" sz="1400" dirty="0">
+                <a:solidFill>
+                  <a:schemeClr val="bg1"/>
+                </a:solidFill>
+              </a:rPr>
+              <a:t>Domestic flight data (30k observations over 3 NYC airports)</a:t>
             </a:r>
           </a:p>
           <a:p>
             <a:pPr lvl="1"/>
             <a:r>
-              <a:rPr lang="en-GB"/>
-              <a:t>Weather (hourly and daily)</a:t>
+              <a:rPr lang="en-GB" sz="1400" dirty="0">
+                <a:solidFill>
+                  <a:schemeClr val="bg1"/>
+                </a:solidFill>
+              </a:rPr>
+              <a:t>Weather (time-series)</a:t>
             </a:r>
           </a:p>
           <a:p>
             <a:pPr lvl="1"/>
             <a:r>
-              <a:rPr lang="en-GB"/>
-              <a:t>Airport, airline and plane data</a:t>
+              <a:rPr lang="en-GB" sz="1400" dirty="0">
+                <a:solidFill>
+                  <a:schemeClr val="bg1"/>
+                </a:solidFill>
+              </a:rPr>
+              <a:t>Airport (geospatial)</a:t>
             </a:r>
           </a:p>
           <a:p>
             <a:pPr lvl="1"/>
             <a:r>
-              <a:rPr lang="en-GB"/>
-              <a:t>All data is open source</a:t>
-            </a:r>
-          </a:p>
-          <a:p>
-            <a:endParaRPr lang="en-GB"/>
-          </a:p>
-          <a:p>
-            <a:r>
-              <a:rPr lang="en-GB"/>
+              <a:rPr lang="en-GB" sz="1400" dirty="0">
+                <a:solidFill>
+                  <a:schemeClr val="bg1"/>
+                </a:solidFill>
+              </a:rPr>
+              <a:t>Airline and Plane data </a:t>
+            </a:r>
+          </a:p>
+          <a:p>
+            <a:pPr lvl="1"/>
+            <a:r>
+              <a:rPr lang="en-GB" sz="1400" dirty="0">
+                <a:solidFill>
+                  <a:schemeClr val="bg1"/>
+                </a:solidFill>
+              </a:rPr>
+              <a:t>All data is open source and not personally identifiable</a:t>
+            </a:r>
+            <a:endParaRPr lang="en-GB" sz="1000" dirty="0">
+              <a:solidFill>
+                <a:schemeClr val="bg1"/>
+              </a:solidFill>
+            </a:endParaRPr>
+          </a:p>
+          <a:p>
+            <a:endParaRPr lang="en-GB" sz="1400" dirty="0">
+              <a:solidFill>
+                <a:schemeClr val="bg1"/>
+              </a:solidFill>
+            </a:endParaRPr>
+          </a:p>
+          <a:p>
+            <a:r>
+              <a:rPr lang="en-GB" sz="1400" dirty="0">
+                <a:solidFill>
+                  <a:schemeClr val="bg1"/>
+                </a:solidFill>
+              </a:rPr>
+              <a:t>Cleaning/Wrangling:</a:t>
+            </a:r>
+          </a:p>
+          <a:p>
+            <a:pPr lvl="1"/>
+            <a:r>
+              <a:rPr lang="en-GB" sz="1400" dirty="0">
+                <a:solidFill>
+                  <a:schemeClr val="bg1"/>
+                </a:solidFill>
+              </a:rPr>
+              <a:t>Dealing with missing values</a:t>
+            </a:r>
+          </a:p>
+          <a:p>
+            <a:pPr lvl="1"/>
+            <a:r>
+              <a:rPr lang="en-GB" sz="1400" dirty="0">
+                <a:solidFill>
+                  <a:schemeClr val="bg1"/>
+                </a:solidFill>
+              </a:rPr>
+              <a:t>Joining datasets</a:t>
+            </a:r>
+          </a:p>
+          <a:p>
+            <a:endParaRPr lang="en-GB" sz="1400" dirty="0">
+              <a:solidFill>
+                <a:schemeClr val="bg1"/>
+              </a:solidFill>
+            </a:endParaRPr>
+          </a:p>
+          <a:p>
+            <a:r>
+              <a:rPr lang="en-GB" sz="1400" dirty="0">
+                <a:solidFill>
+                  <a:schemeClr val="bg1"/>
+                </a:solidFill>
+              </a:rPr>
               <a:t>Explanatory Data Analysis</a:t>
             </a:r>
           </a:p>
           <a:p>
             <a:pPr lvl="1"/>
             <a:r>
-              <a:rPr lang="en-GB"/>
+              <a:rPr lang="en-GB" sz="1400" dirty="0">
+                <a:solidFill>
+                  <a:schemeClr val="bg1"/>
+                </a:solidFill>
+              </a:rPr>
               <a:t>Understand past observations</a:t>
             </a:r>
           </a:p>
           <a:p>
-            <a:endParaRPr lang="en-GB"/>
-          </a:p>
-          <a:p>
-            <a:r>
-              <a:rPr lang="en-GB"/>
+            <a:endParaRPr lang="en-GB" sz="1400" dirty="0">
+              <a:solidFill>
+                <a:schemeClr val="bg1"/>
+              </a:solidFill>
+            </a:endParaRPr>
+          </a:p>
+          <a:p>
+            <a:r>
+              <a:rPr lang="en-GB" sz="1400" dirty="0">
+                <a:solidFill>
+                  <a:schemeClr val="bg1"/>
+                </a:solidFill>
+              </a:rPr>
               <a:t>Predictive Model</a:t>
             </a:r>
           </a:p>
           <a:p>
             <a:pPr lvl="1"/>
             <a:r>
-              <a:rPr lang="en-GB"/>
+              <a:rPr lang="en-GB" sz="1400" dirty="0">
+                <a:solidFill>
+                  <a:schemeClr val="bg1"/>
+                </a:solidFill>
+              </a:rPr>
               <a:t>Train and test model for predicting likelihood of a delay</a:t>
             </a:r>
-            <a:endParaRPr lang="en-GB" dirty="0"/>
           </a:p>
         </p:txBody>
       </p:sp>
@@ -4474,14 +8768,96 @@
         </p:blipFill>
         <p:spPr>
           <a:xfrm>
-            <a:off x="5603452" y="2384498"/>
-            <a:ext cx="5850396" cy="3099266"/>
+            <a:off x="5258964" y="1680887"/>
+            <a:ext cx="6596652" cy="3496225"/>
           </a:xfrm>
           <a:prstGeom prst="rect">
             <a:avLst/>
           </a:prstGeom>
         </p:spPr>
       </p:pic>
+      <p:cxnSp>
+        <p:nvCxnSpPr>
+          <p:cNvPr id="6" name="Straight Arrow Connector 5">
+            <a:extLst>
+              <a:ext uri="{FF2B5EF4-FFF2-40B4-BE49-F238E27FC236}">
+                <a16:creationId xmlns:a16="http://schemas.microsoft.com/office/drawing/2014/main" id="{7B7D3236-61F8-4E03-852A-5F47A08A4BB9}"/>
+              </a:ext>
+            </a:extLst>
+          </p:cNvPr>
+          <p:cNvCxnSpPr>
+            <a:cxnSpLocks/>
+          </p:cNvCxnSpPr>
+          <p:nvPr/>
+        </p:nvCxnSpPr>
+        <p:spPr>
+          <a:xfrm>
+            <a:off x="3149600" y="2521527"/>
+            <a:ext cx="2224657" cy="461818"/>
+          </a:xfrm>
+          <a:prstGeom prst="straightConnector1">
+            <a:avLst/>
+          </a:prstGeom>
+          <a:ln>
+            <a:tailEnd type="triangle"/>
+          </a:ln>
+        </p:spPr>
+        <p:style>
+          <a:lnRef idx="3">
+            <a:schemeClr val="accent2"/>
+          </a:lnRef>
+          <a:fillRef idx="0">
+            <a:schemeClr val="accent2"/>
+          </a:fillRef>
+          <a:effectRef idx="2">
+            <a:schemeClr val="accent2"/>
+          </a:effectRef>
+          <a:fontRef idx="minor">
+            <a:schemeClr val="tx1"/>
+          </a:fontRef>
+        </p:style>
+      </p:cxnSp>
+      <p:cxnSp>
+        <p:nvCxnSpPr>
+          <p:cNvPr id="7" name="Straight Arrow Connector 6">
+            <a:extLst>
+              <a:ext uri="{FF2B5EF4-FFF2-40B4-BE49-F238E27FC236}">
+                <a16:creationId xmlns:a16="http://schemas.microsoft.com/office/drawing/2014/main" id="{5138CB82-C6C1-A559-3228-295850BC38AA}"/>
+              </a:ext>
+            </a:extLst>
+          </p:cNvPr>
+          <p:cNvCxnSpPr>
+            <a:cxnSpLocks/>
+          </p:cNvCxnSpPr>
+          <p:nvPr/>
+        </p:nvCxnSpPr>
+        <p:spPr>
+          <a:xfrm>
+            <a:off x="2622430" y="2872596"/>
+            <a:ext cx="2751827" cy="110749"/>
+          </a:xfrm>
+          <a:prstGeom prst="straightConnector1">
+            <a:avLst/>
+          </a:prstGeom>
+          <a:ln>
+            <a:tailEnd type="triangle"/>
+          </a:ln>
+        </p:spPr>
+        <p:style>
+          <a:lnRef idx="3">
+            <a:schemeClr val="accent2"/>
+          </a:lnRef>
+          <a:fillRef idx="0">
+            <a:schemeClr val="accent2"/>
+          </a:fillRef>
+          <a:effectRef idx="2">
+            <a:schemeClr val="accent2"/>
+          </a:effectRef>
+          <a:fontRef idx="minor">
+            <a:schemeClr val="tx1"/>
+          </a:fontRef>
+        </p:style>
+      </p:cxnSp>
     </p:spTree>
     <p:extLst>
       <p:ext uri="{BB962C8B-B14F-4D97-AF65-F5344CB8AC3E}">
@@ -4498,6 +8874,14 @@
 <file path=ppt/slides/slide4.xml><?xml version="1.0" encoding="utf-8"?>
 <p:sld xmlns:a="http://schemas.openxmlformats.org/drawingml/2006/main" xmlns:r="http://schemas.openxmlformats.org/officeDocument/2006/relationships" xmlns:p="http://schemas.openxmlformats.org/presentationml/2006/main">
   <p:cSld>
+    <p:bg>
+      <p:bgPr>
+        <a:solidFill>
+          <a:schemeClr val="bg1"/>
+        </a:solidFill>
+        <a:effectLst/>
+      </p:bgPr>
+    </p:bg>
     <p:spTree>
       <p:nvGrpSpPr>
         <p:cNvPr id="1" name=""/>
@@ -4514,6 +8898,77 @@
       </p:grpSpPr>
       <p:sp>
         <p:nvSpPr>
+          <p:cNvPr id="31" name="Rectangle 26">
+            <a:extLst>
+              <a:ext uri="{FF2B5EF4-FFF2-40B4-BE49-F238E27FC236}">
+                <a16:creationId xmlns:a16="http://schemas.microsoft.com/office/drawing/2014/main" id="{CEB41C5C-0F34-4DDA-9D7C-5E717F35F60C}"/>
+              </a:ext>
+              <a:ext uri="{C183D7F6-B498-43B3-948B-1728B52AA6E4}">
+                <adec:decorative xmlns:adec="http://schemas.microsoft.com/office/drawing/2017/decorative" val="1"/>
+              </a:ext>
+            </a:extLst>
+          </p:cNvPr>
+          <p:cNvSpPr>
+            <a:spLocks noGrp="1" noRot="1" noChangeAspect="1" noMove="1" noResize="1" noEditPoints="1" noAdjustHandles="1" noChangeArrowheads="1" noChangeShapeType="1" noTextEdit="1"/>
+          </p:cNvSpPr>
+          <p:nvPr>
+            <p:extLst>
+              <p:ext uri="{386F3935-93C4-4BCD-93E2-E3B085C9AB24}">
+                <p16:designElem xmlns:p16="http://schemas.microsoft.com/office/powerpoint/2015/main" val="1"/>
+              </p:ext>
+            </p:extLst>
+          </p:nvPr>
+        </p:nvSpPr>
+        <p:spPr bwMode="ltGray">
+          <a:xfrm>
+            <a:off x="336384" y="303591"/>
+            <a:ext cx="4334256" cy="5896743"/>
+          </a:xfrm>
+          <a:prstGeom prst="rect">
+            <a:avLst/>
+          </a:prstGeom>
+          <a:solidFill>
+            <a:schemeClr val="tx1">
+              <a:lumMod val="75000"/>
+              <a:lumOff val="25000"/>
+            </a:schemeClr>
+          </a:solidFill>
+          <a:ln w="127000" cap="sq" cmpd="thinThick">
+            <a:solidFill>
+              <a:schemeClr val="tx1">
+                <a:lumMod val="75000"/>
+                <a:lumOff val="25000"/>
+              </a:schemeClr>
+            </a:solidFill>
+          </a:ln>
+        </p:spPr>
+        <p:style>
+          <a:lnRef idx="2">
+            <a:schemeClr val="accent1">
+              <a:shade val="50000"/>
+            </a:schemeClr>
+          </a:lnRef>
+          <a:fillRef idx="1">
+            <a:schemeClr val="accent1"/>
+          </a:fillRef>
+          <a:effectRef idx="0">
+            <a:schemeClr val="accent1"/>
+          </a:effectRef>
+          <a:fontRef idx="minor">
+            <a:schemeClr val="lt1"/>
+          </a:fontRef>
+        </p:style>
+        <p:txBody>
+          <a:bodyPr rtlCol="0" anchor="ctr"/>
+          <a:lstStyle/>
+          <a:p>
+            <a:pPr algn="ctr"/>
+            <a:endParaRPr lang="en-US"/>
+          </a:p>
+        </p:txBody>
+      </p:sp>
+      <p:sp>
+        <p:nvSpPr>
           <p:cNvPr id="2" name="Title 1">
             <a:extLst>
               <a:ext uri="{FF2B5EF4-FFF2-40B4-BE49-F238E27FC236}">
@@ -4528,16 +8983,256 @@
             <p:ph type="title"/>
           </p:nvPr>
         </p:nvSpPr>
-        <p:spPr/>
+        <p:spPr>
+          <a:xfrm>
+            <a:off x="594360" y="640263"/>
+            <a:ext cx="3822192" cy="1344975"/>
+          </a:xfrm>
+        </p:spPr>
         <p:txBody>
-          <a:bodyPr/>
+          <a:bodyPr vert="horz" lIns="91440" tIns="45720" rIns="91440" bIns="45720" rtlCol="0" anchor="ctr">
+            <a:normAutofit/>
+          </a:bodyPr>
           <a:lstStyle/>
           <a:p>
             <a:r>
-              <a:rPr lang="en-GB"/>
+              <a:rPr lang="en-US" sz="3600" kern="1200" dirty="0">
+                <a:solidFill>
+                  <a:schemeClr val="bg1"/>
+                </a:solidFill>
+                <a:latin typeface="+mj-lt"/>
+                <a:ea typeface="+mj-ea"/>
+                <a:cs typeface="+mj-cs"/>
+              </a:rPr>
               <a:t>Weather Impacts - Temperature</a:t>
             </a:r>
-            <a:endParaRPr lang="en-GB" dirty="0"/>
+          </a:p>
+        </p:txBody>
+      </p:sp>
+      <p:cxnSp>
+        <p:nvCxnSpPr>
+          <p:cNvPr id="32" name="Straight Connector 28">
+            <a:extLst>
+              <a:ext uri="{FF2B5EF4-FFF2-40B4-BE49-F238E27FC236}">
+                <a16:creationId xmlns:a16="http://schemas.microsoft.com/office/drawing/2014/main" id="{57E1E5E6-F385-4E9C-B201-BA5BDE5CAD52}"/>
+              </a:ext>
+              <a:ext uri="{C183D7F6-B498-43B3-948B-1728B52AA6E4}">
+                <adec:decorative xmlns:adec="http://schemas.microsoft.com/office/drawing/2017/decorative" val="1"/>
+              </a:ext>
+            </a:extLst>
+          </p:cNvPr>
+          <p:cNvCxnSpPr>
+            <a:cxnSpLocks noGrp="1" noRot="1" noChangeAspect="1" noMove="1" noResize="1" noEditPoints="1" noAdjustHandles="1" noChangeArrowheads="1" noChangeShapeType="1"/>
+          </p:cNvCxnSpPr>
+          <p:nvPr>
+            <p:extLst>
+              <p:ext uri="{386F3935-93C4-4BCD-93E2-E3B085C9AB24}">
+                <p16:designElem xmlns:p16="http://schemas.microsoft.com/office/powerpoint/2015/main" val="1"/>
+              </p:ext>
+            </p:extLst>
+          </p:nvPr>
+        </p:nvCxnSpPr>
+        <p:spPr>
+          <a:xfrm>
+            <a:off x="704088" y="2050687"/>
+            <a:ext cx="3685032" cy="0"/>
+          </a:xfrm>
+          <a:prstGeom prst="line">
+            <a:avLst/>
+          </a:prstGeom>
+          <a:ln w="22225">
+            <a:solidFill>
+              <a:srgbClr val="E7E6E6"/>
+            </a:solidFill>
+          </a:ln>
+        </p:spPr>
+        <p:style>
+          <a:lnRef idx="1">
+            <a:schemeClr val="accent1"/>
+          </a:lnRef>
+          <a:fillRef idx="0">
+            <a:schemeClr val="accent1"/>
+          </a:fillRef>
+          <a:effectRef idx="0">
+            <a:schemeClr val="accent1"/>
+          </a:effectRef>
+          <a:fontRef idx="minor">
+            <a:schemeClr val="tx1"/>
+          </a:fontRef>
+        </p:style>
+      </p:cxnSp>
+      <p:sp>
+        <p:nvSpPr>
+          <p:cNvPr id="22" name="TextBox 21">
+            <a:extLst>
+              <a:ext uri="{FF2B5EF4-FFF2-40B4-BE49-F238E27FC236}">
+                <a16:creationId xmlns:a16="http://schemas.microsoft.com/office/drawing/2014/main" id="{1BBFE3E7-94D9-AF4B-D9B5-A57E93261D2B}"/>
+              </a:ext>
+            </a:extLst>
+          </p:cNvPr>
+          <p:cNvSpPr txBox="1"/>
+          <p:nvPr/>
+        </p:nvSpPr>
+        <p:spPr>
+          <a:xfrm>
+            <a:off x="593610" y="2121763"/>
+            <a:ext cx="3822192" cy="3773010"/>
+          </a:xfrm>
+          <a:prstGeom prst="rect">
+            <a:avLst/>
+          </a:prstGeom>
+        </p:spPr>
+        <p:txBody>
+          <a:bodyPr vert="horz" lIns="91440" tIns="45720" rIns="91440" bIns="45720" rtlCol="0">
+            <a:normAutofit/>
+          </a:bodyPr>
+          <a:lstStyle/>
+          <a:p>
+            <a:pPr marL="285750" indent="-228600">
+              <a:lnSpc>
+                <a:spcPct val="90000"/>
+              </a:lnSpc>
+              <a:spcAft>
+                <a:spcPts val="600"/>
+              </a:spcAft>
+              <a:buFont typeface="Arial" panose="020B0604020202020204" pitchFamily="34" charset="0"/>
+              <a:buChar char="•"/>
+            </a:pPr>
+            <a:r>
+              <a:rPr lang="en-US" sz="1700">
+                <a:solidFill>
+                  <a:schemeClr val="bg1"/>
+                </a:solidFill>
+              </a:rPr>
+              <a:t>Significant increases in the proportion of delayed flights at low (&lt;0</a:t>
+            </a:r>
+            <a:r>
+              <a:rPr lang="en-US" sz="1700" baseline="30000">
+                <a:solidFill>
+                  <a:schemeClr val="bg1"/>
+                </a:solidFill>
+              </a:rPr>
+              <a:t>o</a:t>
+            </a:r>
+            <a:r>
+              <a:rPr lang="en-US" sz="1700">
+                <a:solidFill>
+                  <a:schemeClr val="bg1"/>
+                </a:solidFill>
+              </a:rPr>
+              <a:t>C) and high daily temperatures</a:t>
+            </a:r>
+          </a:p>
+          <a:p>
+            <a:pPr indent="-228600">
+              <a:lnSpc>
+                <a:spcPct val="90000"/>
+              </a:lnSpc>
+              <a:spcAft>
+                <a:spcPts val="600"/>
+              </a:spcAft>
+              <a:buFont typeface="Arial" panose="020B0604020202020204" pitchFamily="34" charset="0"/>
+              <a:buChar char="•"/>
+            </a:pPr>
+            <a:endParaRPr lang="en-US" sz="1700">
+              <a:solidFill>
+                <a:schemeClr val="bg1"/>
+              </a:solidFill>
+            </a:endParaRPr>
+          </a:p>
+          <a:p>
+            <a:pPr marL="285750" indent="-228600">
+              <a:lnSpc>
+                <a:spcPct val="90000"/>
+              </a:lnSpc>
+              <a:spcAft>
+                <a:spcPts val="600"/>
+              </a:spcAft>
+              <a:buFont typeface="Arial" panose="020B0604020202020204" pitchFamily="34" charset="0"/>
+              <a:buChar char="•"/>
+            </a:pPr>
+            <a:r>
+              <a:rPr lang="en-US" sz="1700">
+                <a:solidFill>
+                  <a:schemeClr val="bg1"/>
+                </a:solidFill>
+              </a:rPr>
+              <a:t>However, the likely reasons behind the cause of the delays are different</a:t>
+            </a:r>
+          </a:p>
+          <a:p>
+            <a:pPr marL="285750" indent="-228600">
+              <a:lnSpc>
+                <a:spcPct val="90000"/>
+              </a:lnSpc>
+              <a:spcAft>
+                <a:spcPts val="600"/>
+              </a:spcAft>
+              <a:buFont typeface="Arial" panose="020B0604020202020204" pitchFamily="34" charset="0"/>
+              <a:buChar char="•"/>
+            </a:pPr>
+            <a:endParaRPr lang="en-US" sz="1700">
+              <a:solidFill>
+                <a:schemeClr val="bg1"/>
+              </a:solidFill>
+            </a:endParaRPr>
+          </a:p>
+          <a:p>
+            <a:pPr marL="285750" indent="-228600">
+              <a:lnSpc>
+                <a:spcPct val="90000"/>
+              </a:lnSpc>
+              <a:spcAft>
+                <a:spcPts val="600"/>
+              </a:spcAft>
+              <a:buFont typeface="Arial" panose="020B0604020202020204" pitchFamily="34" charset="0"/>
+              <a:buChar char="•"/>
+            </a:pPr>
+            <a:r>
+              <a:rPr lang="en-US" sz="1700">
+                <a:solidFill>
+                  <a:schemeClr val="bg1"/>
+                </a:solidFill>
+              </a:rPr>
+              <a:t>Low temperatures represent winter months where weather is poorer</a:t>
+            </a:r>
+          </a:p>
+          <a:p>
+            <a:pPr marL="285750" indent="-228600">
+              <a:lnSpc>
+                <a:spcPct val="90000"/>
+              </a:lnSpc>
+              <a:spcAft>
+                <a:spcPts val="600"/>
+              </a:spcAft>
+              <a:buFont typeface="Arial" panose="020B0604020202020204" pitchFamily="34" charset="0"/>
+              <a:buChar char="•"/>
+            </a:pPr>
+            <a:endParaRPr lang="en-US" sz="1700">
+              <a:solidFill>
+                <a:schemeClr val="bg1"/>
+              </a:solidFill>
+            </a:endParaRPr>
+          </a:p>
+          <a:p>
+            <a:pPr marL="285750" indent="-228600">
+              <a:lnSpc>
+                <a:spcPct val="90000"/>
+              </a:lnSpc>
+              <a:spcAft>
+                <a:spcPts val="600"/>
+              </a:spcAft>
+              <a:buFont typeface="Arial" panose="020B0604020202020204" pitchFamily="34" charset="0"/>
+              <a:buChar char="•"/>
+            </a:pPr>
+            <a:r>
+              <a:rPr lang="en-US" sz="1700">
+                <a:solidFill>
+                  <a:schemeClr val="bg1"/>
+                </a:solidFill>
+              </a:rPr>
+              <a:t>High temperatures represent peak travel season, stress on airports due to high number of passengers</a:t>
+            </a:r>
           </a:p>
         </p:txBody>
       </p:sp>
@@ -4555,8 +9250,8 @@
         </p:nvGrpSpPr>
         <p:grpSpPr>
           <a:xfrm>
-            <a:off x="838200" y="1893738"/>
-            <a:ext cx="7547802" cy="4599137"/>
+            <a:off x="5110716" y="1341491"/>
+            <a:ext cx="6596652" cy="4019568"/>
             <a:chOff x="1777352" y="1361716"/>
             <a:chExt cx="8280737" cy="5132393"/>
           </a:xfrm>
@@ -4655,7 +9350,7 @@
           </p:nvSpPr>
           <p:spPr>
             <a:xfrm>
-              <a:off x="6314536" y="2482457"/>
+              <a:off x="6314535" y="2657587"/>
               <a:ext cx="2199736" cy="646331"/>
             </a:xfrm>
             <a:prstGeom prst="rect">
@@ -4665,13 +9360,20 @@
           </p:spPr>
           <p:txBody>
             <a:bodyPr wrap="square" rtlCol="0">
-              <a:spAutoFit/>
+              <a:normAutofit/>
             </a:bodyPr>
             <a:lstStyle/>
             <a:p>
-              <a:pPr algn="ctr"/>
+              <a:pPr algn="ctr">
+                <a:lnSpc>
+                  <a:spcPct val="90000"/>
+                </a:lnSpc>
+                <a:spcAft>
+                  <a:spcPts val="600"/>
+                </a:spcAft>
+              </a:pPr>
               <a:r>
-                <a:rPr lang="en-GB" b="1" dirty="0"/>
+                <a:rPr lang="en-GB" sz="1300" b="1" dirty="0"/>
                 <a:t>Peak holiday season (summer)</a:t>
               </a:r>
             </a:p>
@@ -4741,8 +9443,8 @@
           </p:nvSpPr>
           <p:spPr>
             <a:xfrm>
-              <a:off x="3421249" y="1794292"/>
-              <a:ext cx="2199736" cy="923330"/>
+              <a:off x="3346305" y="1805589"/>
+              <a:ext cx="2199737" cy="923330"/>
             </a:xfrm>
             <a:prstGeom prst="rect">
               <a:avLst/>
@@ -4751,114 +9453,26 @@
           </p:spPr>
           <p:txBody>
             <a:bodyPr wrap="square" rtlCol="0">
-              <a:spAutoFit/>
+              <a:normAutofit/>
             </a:bodyPr>
             <a:lstStyle/>
             <a:p>
-              <a:pPr algn="ctr"/>
+              <a:pPr algn="ctr">
+                <a:lnSpc>
+                  <a:spcPct val="90000"/>
+                </a:lnSpc>
+                <a:spcAft>
+                  <a:spcPts val="600"/>
+                </a:spcAft>
+              </a:pPr>
               <a:r>
-                <a:rPr lang="en-GB" b="1" dirty="0"/>
+                <a:rPr lang="en-GB" sz="1300" b="1" dirty="0"/>
                 <a:t>Winter months, poorer weather conditions</a:t>
               </a:r>
             </a:p>
           </p:txBody>
         </p:sp>
       </p:grpSp>
-      <p:sp>
-        <p:nvSpPr>
-          <p:cNvPr id="22" name="TextBox 21">
-            <a:extLst>
-              <a:ext uri="{FF2B5EF4-FFF2-40B4-BE49-F238E27FC236}">
-                <a16:creationId xmlns:a16="http://schemas.microsoft.com/office/drawing/2014/main" id="{1BBFE3E7-94D9-AF4B-D9B5-A57E93261D2B}"/>
-              </a:ext>
-            </a:extLst>
-          </p:cNvPr>
-          <p:cNvSpPr txBox="1"/>
-          <p:nvPr/>
-        </p:nvSpPr>
-        <p:spPr>
-          <a:xfrm>
-            <a:off x="8386002" y="1690688"/>
-            <a:ext cx="3029757" cy="4278094"/>
-          </a:xfrm>
-          <a:prstGeom prst="rect">
-            <a:avLst/>
-          </a:prstGeom>
-          <a:noFill/>
-        </p:spPr>
-        <p:txBody>
-          <a:bodyPr wrap="square" rtlCol="0">
-            <a:spAutoFit/>
-          </a:bodyPr>
-          <a:lstStyle/>
-          <a:p>
-            <a:pPr marL="285750" indent="-285750">
-              <a:buFont typeface="Arial" panose="020B0604020202020204" pitchFamily="34" charset="0"/>
-              <a:buChar char="•"/>
-            </a:pPr>
-            <a:r>
-              <a:rPr lang="en-GB" sz="1600"/>
-              <a:t>Significant increases in the proportion of delayed flights at low (&lt;0</a:t>
-            </a:r>
-            <a:r>
-              <a:rPr lang="en-GB" sz="1600" baseline="30000"/>
-              <a:t>o</a:t>
-            </a:r>
-            <a:r>
-              <a:rPr lang="en-GB" sz="1600"/>
-              <a:t>C) and high daily temperatures</a:t>
-            </a:r>
-          </a:p>
-          <a:p>
-            <a:endParaRPr lang="en-GB" sz="1600"/>
-          </a:p>
-          <a:p>
-            <a:pPr marL="285750" indent="-285750">
-              <a:buFont typeface="Arial" panose="020B0604020202020204" pitchFamily="34" charset="0"/>
-              <a:buChar char="•"/>
-            </a:pPr>
-            <a:r>
-              <a:rPr lang="en-GB" sz="1600"/>
-              <a:t>However, the likely reasons behind the cause of the delays are different</a:t>
-            </a:r>
-          </a:p>
-          <a:p>
-            <a:pPr marL="285750" indent="-285750">
-              <a:buFont typeface="Arial" panose="020B0604020202020204" pitchFamily="34" charset="0"/>
-              <a:buChar char="•"/>
-            </a:pPr>
-            <a:endParaRPr lang="en-GB" sz="1600"/>
-          </a:p>
-          <a:p>
-            <a:pPr marL="285750" indent="-285750">
-              <a:buFont typeface="Arial" panose="020B0604020202020204" pitchFamily="34" charset="0"/>
-              <a:buChar char="•"/>
-            </a:pPr>
-            <a:r>
-              <a:rPr lang="en-GB" sz="1600"/>
-              <a:t>Low temperatures represent winter months where weather is poorer</a:t>
-            </a:r>
-          </a:p>
-          <a:p>
-            <a:pPr marL="285750" indent="-285750">
-              <a:buFont typeface="Arial" panose="020B0604020202020204" pitchFamily="34" charset="0"/>
-              <a:buChar char="•"/>
-            </a:pPr>
-            <a:endParaRPr lang="en-GB" sz="1600"/>
-          </a:p>
-          <a:p>
-            <a:pPr marL="285750" indent="-285750">
-              <a:buFont typeface="Arial" panose="020B0604020202020204" pitchFamily="34" charset="0"/>
-              <a:buChar char="•"/>
-            </a:pPr>
-            <a:r>
-              <a:rPr lang="en-GB" sz="1600"/>
-              <a:t>High temperatures represent peak travel season, stress on airports due to high number of passengers</a:t>
-            </a:r>
-            <a:endParaRPr lang="en-GB" sz="1600" dirty="0"/>
-          </a:p>
-        </p:txBody>
-      </p:sp>
     </p:spTree>
     <p:extLst>
       <p:ext uri="{BB962C8B-B14F-4D97-AF65-F5344CB8AC3E}">
@@ -4875,388 +9489,14 @@
 <file path=ppt/slides/slide5.xml><?xml version="1.0" encoding="utf-8"?>
 <p:sld xmlns:a="http://schemas.openxmlformats.org/drawingml/2006/main" xmlns:r="http://schemas.openxmlformats.org/officeDocument/2006/relationships" xmlns:p="http://schemas.openxmlformats.org/presentationml/2006/main">
   <p:cSld>
-    <p:spTree>
-      <p:nvGrpSpPr>
-        <p:cNvPr id="1" name=""/>
-        <p:cNvGrpSpPr/>
-        <p:nvPr/>
-      </p:nvGrpSpPr>
-      <p:grpSpPr>
-        <a:xfrm>
-          <a:off x="0" y="0"/>
-          <a:ext cx="0" cy="0"/>
-          <a:chOff x="0" y="0"/>
-          <a:chExt cx="0" cy="0"/>
-        </a:xfrm>
-      </p:grpSpPr>
-      <p:pic>
-        <p:nvPicPr>
-          <p:cNvPr id="35" name="Picture 34">
-            <a:extLst>
-              <a:ext uri="{FF2B5EF4-FFF2-40B4-BE49-F238E27FC236}">
-                <a16:creationId xmlns:a16="http://schemas.microsoft.com/office/drawing/2014/main" id="{9D4B83F8-626E-2826-1253-3B0D66154A02}"/>
-              </a:ext>
-            </a:extLst>
-          </p:cNvPr>
-          <p:cNvPicPr>
-            <a:picLocks noChangeAspect="1"/>
-          </p:cNvPicPr>
-          <p:nvPr/>
-        </p:nvPicPr>
-        <p:blipFill>
-          <a:blip r:embed="rId2"/>
-          <a:stretch>
-            <a:fillRect/>
-          </a:stretch>
-        </p:blipFill>
-        <p:spPr>
-          <a:xfrm>
-            <a:off x="5805628" y="1874353"/>
-            <a:ext cx="5524159" cy="3848400"/>
-          </a:xfrm>
-          <a:prstGeom prst="rect">
-            <a:avLst/>
-          </a:prstGeom>
-        </p:spPr>
-      </p:pic>
-      <p:sp>
-        <p:nvSpPr>
-          <p:cNvPr id="2" name="Title 1">
-            <a:extLst>
-              <a:ext uri="{FF2B5EF4-FFF2-40B4-BE49-F238E27FC236}">
-                <a16:creationId xmlns:a16="http://schemas.microsoft.com/office/drawing/2014/main" id="{5FA16F67-E920-51CB-0461-2083176E9494}"/>
-              </a:ext>
-            </a:extLst>
-          </p:cNvPr>
-          <p:cNvSpPr>
-            <a:spLocks noGrp="1"/>
-          </p:cNvSpPr>
-          <p:nvPr>
-            <p:ph type="title"/>
-          </p:nvPr>
-        </p:nvSpPr>
-        <p:spPr/>
-        <p:txBody>
-          <a:bodyPr/>
-          <a:lstStyle/>
-          <a:p>
-            <a:r>
-              <a:rPr lang="en-GB" dirty="0"/>
-              <a:t>Weather Impacts – Wind Speed and Direction</a:t>
-            </a:r>
-          </a:p>
-        </p:txBody>
-      </p:sp>
-      <p:pic>
-        <p:nvPicPr>
-          <p:cNvPr id="5" name="Picture 4">
-            <a:extLst>
-              <a:ext uri="{FF2B5EF4-FFF2-40B4-BE49-F238E27FC236}">
-                <a16:creationId xmlns:a16="http://schemas.microsoft.com/office/drawing/2014/main" id="{87B2E317-6CEB-949A-65E7-F5419F02A834}"/>
-              </a:ext>
-            </a:extLst>
-          </p:cNvPr>
-          <p:cNvPicPr>
-            <a:picLocks noChangeAspect="1"/>
-          </p:cNvPicPr>
-          <p:nvPr/>
-        </p:nvPicPr>
-        <p:blipFill>
-          <a:blip r:embed="rId3"/>
-          <a:stretch>
-            <a:fillRect/>
-          </a:stretch>
-        </p:blipFill>
-        <p:spPr>
-          <a:xfrm>
-            <a:off x="3592250" y="7042865"/>
-            <a:ext cx="5666769" cy="3848400"/>
-          </a:xfrm>
-          <a:prstGeom prst="rect">
-            <a:avLst/>
-          </a:prstGeom>
-        </p:spPr>
-      </p:pic>
-      <p:pic>
-        <p:nvPicPr>
-          <p:cNvPr id="9" name="Picture 8">
-            <a:extLst>
-              <a:ext uri="{FF2B5EF4-FFF2-40B4-BE49-F238E27FC236}">
-                <a16:creationId xmlns:a16="http://schemas.microsoft.com/office/drawing/2014/main" id="{B4BEFD97-D4DE-5F54-CA98-AB037CA6AE0A}"/>
-              </a:ext>
-            </a:extLst>
-          </p:cNvPr>
-          <p:cNvPicPr>
-            <a:picLocks noChangeAspect="1"/>
-          </p:cNvPicPr>
-          <p:nvPr/>
-        </p:nvPicPr>
-        <p:blipFill>
-          <a:blip r:embed="rId4"/>
-          <a:stretch>
-            <a:fillRect/>
-          </a:stretch>
-        </p:blipFill>
-        <p:spPr>
-          <a:xfrm>
-            <a:off x="963140" y="1874353"/>
-            <a:ext cx="4842488" cy="3848400"/>
-          </a:xfrm>
-          <a:prstGeom prst="rect">
-            <a:avLst/>
-          </a:prstGeom>
-        </p:spPr>
-      </p:pic>
-      <p:sp>
-        <p:nvSpPr>
-          <p:cNvPr id="11" name="TextBox 10">
-            <a:extLst>
-              <a:ext uri="{FF2B5EF4-FFF2-40B4-BE49-F238E27FC236}">
-                <a16:creationId xmlns:a16="http://schemas.microsoft.com/office/drawing/2014/main" id="{AAE4EF5C-721B-E70B-9F99-CC58273657D3}"/>
-              </a:ext>
-            </a:extLst>
-          </p:cNvPr>
-          <p:cNvSpPr txBox="1"/>
-          <p:nvPr/>
-        </p:nvSpPr>
-        <p:spPr>
-          <a:xfrm>
-            <a:off x="5978105" y="5897142"/>
-            <a:ext cx="5149969" cy="646331"/>
-          </a:xfrm>
-          <a:prstGeom prst="rect">
-            <a:avLst/>
-          </a:prstGeom>
-          <a:noFill/>
-        </p:spPr>
-        <p:txBody>
-          <a:bodyPr wrap="square" rtlCol="0">
-            <a:spAutoFit/>
-          </a:bodyPr>
-          <a:lstStyle/>
-          <a:p>
-            <a:r>
-              <a:rPr lang="en-GB" dirty="0"/>
-              <a:t>Largest rates of flight delays observed in wind directions very different from the runway orientation</a:t>
-            </a:r>
-          </a:p>
-        </p:txBody>
-      </p:sp>
-      <p:cxnSp>
-        <p:nvCxnSpPr>
-          <p:cNvPr id="15" name="Straight Arrow Connector 14">
-            <a:extLst>
-              <a:ext uri="{FF2B5EF4-FFF2-40B4-BE49-F238E27FC236}">
-                <a16:creationId xmlns:a16="http://schemas.microsoft.com/office/drawing/2014/main" id="{98F69E53-C2FE-5754-711B-D73B689AAED7}"/>
-              </a:ext>
-            </a:extLst>
-          </p:cNvPr>
-          <p:cNvCxnSpPr>
-            <a:cxnSpLocks/>
-          </p:cNvCxnSpPr>
-          <p:nvPr/>
-        </p:nvCxnSpPr>
-        <p:spPr>
-          <a:xfrm flipH="1" flipV="1">
-            <a:off x="6753726" y="4804263"/>
-            <a:ext cx="785761" cy="1092879"/>
-          </a:xfrm>
-          <a:prstGeom prst="straightConnector1">
-            <a:avLst/>
-          </a:prstGeom>
-          <a:ln>
-            <a:tailEnd type="triangle"/>
-          </a:ln>
-        </p:spPr>
-        <p:style>
-          <a:lnRef idx="1">
-            <a:schemeClr val="dk1"/>
-          </a:lnRef>
-          <a:fillRef idx="0">
-            <a:schemeClr val="dk1"/>
-          </a:fillRef>
-          <a:effectRef idx="0">
-            <a:schemeClr val="dk1"/>
-          </a:effectRef>
-          <a:fontRef idx="minor">
-            <a:schemeClr val="tx1"/>
-          </a:fontRef>
-        </p:style>
-      </p:cxnSp>
-      <p:cxnSp>
-        <p:nvCxnSpPr>
-          <p:cNvPr id="20" name="Straight Arrow Connector 19">
-            <a:extLst>
-              <a:ext uri="{FF2B5EF4-FFF2-40B4-BE49-F238E27FC236}">
-                <a16:creationId xmlns:a16="http://schemas.microsoft.com/office/drawing/2014/main" id="{61BBB06C-1103-D273-7D24-E49AB024EFE9}"/>
-              </a:ext>
-            </a:extLst>
-          </p:cNvPr>
-          <p:cNvCxnSpPr>
-            <a:cxnSpLocks/>
-          </p:cNvCxnSpPr>
-          <p:nvPr/>
-        </p:nvCxnSpPr>
-        <p:spPr>
-          <a:xfrm flipV="1">
-            <a:off x="7539487" y="2855495"/>
-            <a:ext cx="492573" cy="3041647"/>
-          </a:xfrm>
-          <a:prstGeom prst="straightConnector1">
-            <a:avLst/>
-          </a:prstGeom>
-          <a:ln>
-            <a:tailEnd type="triangle"/>
-          </a:ln>
-        </p:spPr>
-        <p:style>
-          <a:lnRef idx="1">
-            <a:schemeClr val="dk1"/>
-          </a:lnRef>
-          <a:fillRef idx="0">
-            <a:schemeClr val="dk1"/>
-          </a:fillRef>
-          <a:effectRef idx="0">
-            <a:schemeClr val="dk1"/>
-          </a:effectRef>
-          <a:fontRef idx="minor">
-            <a:schemeClr val="tx1"/>
-          </a:fontRef>
-        </p:style>
-      </p:cxnSp>
-      <p:sp>
-        <p:nvSpPr>
-          <p:cNvPr id="25" name="TextBox 24">
-            <a:extLst>
-              <a:ext uri="{FF2B5EF4-FFF2-40B4-BE49-F238E27FC236}">
-                <a16:creationId xmlns:a16="http://schemas.microsoft.com/office/drawing/2014/main" id="{2F60421B-3080-967C-6227-F45E9C73F37A}"/>
-              </a:ext>
-            </a:extLst>
-          </p:cNvPr>
-          <p:cNvSpPr txBox="1"/>
-          <p:nvPr/>
-        </p:nvSpPr>
-        <p:spPr>
-          <a:xfrm>
-            <a:off x="1002932" y="5897141"/>
-            <a:ext cx="3867652" cy="646331"/>
-          </a:xfrm>
-          <a:prstGeom prst="rect">
-            <a:avLst/>
-          </a:prstGeom>
-          <a:noFill/>
-        </p:spPr>
-        <p:txBody>
-          <a:bodyPr wrap="square" rtlCol="0">
-            <a:spAutoFit/>
-          </a:bodyPr>
-          <a:lstStyle/>
-          <a:p>
-            <a:r>
-              <a:rPr lang="en-GB" dirty="0"/>
-              <a:t>Red lines represent runway orientation at Newark Airport</a:t>
-            </a:r>
-          </a:p>
-        </p:txBody>
-      </p:sp>
-      <p:cxnSp>
-        <p:nvCxnSpPr>
-          <p:cNvPr id="26" name="Straight Arrow Connector 25">
-            <a:extLst>
-              <a:ext uri="{FF2B5EF4-FFF2-40B4-BE49-F238E27FC236}">
-                <a16:creationId xmlns:a16="http://schemas.microsoft.com/office/drawing/2014/main" id="{0EB9A6DA-A0EC-8B9D-01BD-F6D08D577A7D}"/>
-              </a:ext>
-            </a:extLst>
-          </p:cNvPr>
-          <p:cNvCxnSpPr>
-            <a:cxnSpLocks/>
-          </p:cNvCxnSpPr>
-          <p:nvPr/>
-        </p:nvCxnSpPr>
-        <p:spPr>
-          <a:xfrm flipH="1" flipV="1">
-            <a:off x="2148763" y="4891177"/>
-            <a:ext cx="361524" cy="1015241"/>
-          </a:xfrm>
-          <a:prstGeom prst="straightConnector1">
-            <a:avLst/>
-          </a:prstGeom>
-          <a:ln>
-            <a:tailEnd type="triangle"/>
-          </a:ln>
-        </p:spPr>
-        <p:style>
-          <a:lnRef idx="1">
-            <a:schemeClr val="dk1"/>
-          </a:lnRef>
-          <a:fillRef idx="0">
-            <a:schemeClr val="dk1"/>
-          </a:fillRef>
-          <a:effectRef idx="0">
-            <a:schemeClr val="dk1"/>
-          </a:effectRef>
-          <a:fontRef idx="minor">
-            <a:schemeClr val="tx1"/>
-          </a:fontRef>
-        </p:style>
-      </p:cxnSp>
-      <p:cxnSp>
-        <p:nvCxnSpPr>
-          <p:cNvPr id="29" name="Straight Arrow Connector 28">
-            <a:extLst>
-              <a:ext uri="{FF2B5EF4-FFF2-40B4-BE49-F238E27FC236}">
-                <a16:creationId xmlns:a16="http://schemas.microsoft.com/office/drawing/2014/main" id="{317DD81B-6348-2F67-393B-05408F6C6CE1}"/>
-              </a:ext>
-            </a:extLst>
-          </p:cNvPr>
-          <p:cNvCxnSpPr>
-            <a:cxnSpLocks/>
-          </p:cNvCxnSpPr>
-          <p:nvPr/>
-        </p:nvCxnSpPr>
-        <p:spPr>
-          <a:xfrm flipV="1">
-            <a:off x="2510287" y="4254123"/>
-            <a:ext cx="1081963" cy="1643018"/>
-          </a:xfrm>
-          <a:prstGeom prst="straightConnector1">
-            <a:avLst/>
-          </a:prstGeom>
-          <a:ln>
-            <a:tailEnd type="triangle"/>
-          </a:ln>
-        </p:spPr>
-        <p:style>
-          <a:lnRef idx="1">
-            <a:schemeClr val="dk1"/>
-          </a:lnRef>
-          <a:fillRef idx="0">
-            <a:schemeClr val="dk1"/>
-          </a:fillRef>
-          <a:effectRef idx="0">
-            <a:schemeClr val="dk1"/>
-          </a:effectRef>
-          <a:fontRef idx="minor">
-            <a:schemeClr val="tx1"/>
-          </a:fontRef>
-        </p:style>
-      </p:cxnSp>
-    </p:spTree>
-    <p:extLst>
-      <p:ext uri="{BB962C8B-B14F-4D97-AF65-F5344CB8AC3E}">
-        <p14:creationId xmlns:p14="http://schemas.microsoft.com/office/powerpoint/2010/main" val="1381390076"/>
-      </p:ext>
-    </p:extLst>
-  </p:cSld>
-  <p:clrMapOvr>
-    <a:masterClrMapping/>
-  </p:clrMapOvr>
-</p:sld>
-</file>
-
-<file path=ppt/slides/slide6.xml><?xml version="1.0" encoding="utf-8"?>
-<p:sld xmlns:a="http://schemas.openxmlformats.org/drawingml/2006/main" xmlns:r="http://schemas.openxmlformats.org/officeDocument/2006/relationships" xmlns:p="http://schemas.openxmlformats.org/presentationml/2006/main">
-  <p:cSld>
+    <p:bg>
+      <p:bgPr>
+        <a:solidFill>
+          <a:schemeClr val="bg1"/>
+        </a:solidFill>
+        <a:effectLst/>
+      </p:bgPr>
+    </p:bg>
     <p:spTree>
       <p:nvGrpSpPr>
         <p:cNvPr id="1" name=""/>
@@ -5273,10 +9513,81 @@
       </p:grpSpPr>
       <p:sp>
         <p:nvSpPr>
+          <p:cNvPr id="31" name="Rectangle 26">
+            <a:extLst>
+              <a:ext uri="{FF2B5EF4-FFF2-40B4-BE49-F238E27FC236}">
+                <a16:creationId xmlns:a16="http://schemas.microsoft.com/office/drawing/2014/main" id="{CEB41C5C-0F34-4DDA-9D7C-5E717F35F60C}"/>
+              </a:ext>
+              <a:ext uri="{C183D7F6-B498-43B3-948B-1728B52AA6E4}">
+                <adec:decorative xmlns:adec="http://schemas.microsoft.com/office/drawing/2017/decorative" val="1"/>
+              </a:ext>
+            </a:extLst>
+          </p:cNvPr>
+          <p:cNvSpPr>
+            <a:spLocks noGrp="1" noRot="1" noChangeAspect="1" noMove="1" noResize="1" noEditPoints="1" noAdjustHandles="1" noChangeArrowheads="1" noChangeShapeType="1" noTextEdit="1"/>
+          </p:cNvSpPr>
+          <p:nvPr>
+            <p:extLst>
+              <p:ext uri="{386F3935-93C4-4BCD-93E2-E3B085C9AB24}">
+                <p16:designElem xmlns:p16="http://schemas.microsoft.com/office/powerpoint/2015/main" val="1"/>
+              </p:ext>
+            </p:extLst>
+          </p:nvPr>
+        </p:nvSpPr>
+        <p:spPr bwMode="ltGray">
+          <a:xfrm>
+            <a:off x="336384" y="303591"/>
+            <a:ext cx="4334256" cy="5896743"/>
+          </a:xfrm>
+          <a:prstGeom prst="rect">
+            <a:avLst/>
+          </a:prstGeom>
+          <a:solidFill>
+            <a:schemeClr val="tx1">
+              <a:lumMod val="75000"/>
+              <a:lumOff val="25000"/>
+            </a:schemeClr>
+          </a:solidFill>
+          <a:ln w="127000" cap="sq" cmpd="thinThick">
+            <a:solidFill>
+              <a:schemeClr val="tx1">
+                <a:lumMod val="75000"/>
+                <a:lumOff val="25000"/>
+              </a:schemeClr>
+            </a:solidFill>
+          </a:ln>
+        </p:spPr>
+        <p:style>
+          <a:lnRef idx="2">
+            <a:schemeClr val="accent1">
+              <a:shade val="50000"/>
+            </a:schemeClr>
+          </a:lnRef>
+          <a:fillRef idx="1">
+            <a:schemeClr val="accent1"/>
+          </a:fillRef>
+          <a:effectRef idx="0">
+            <a:schemeClr val="accent1"/>
+          </a:effectRef>
+          <a:fontRef idx="minor">
+            <a:schemeClr val="lt1"/>
+          </a:fontRef>
+        </p:style>
+        <p:txBody>
+          <a:bodyPr rtlCol="0" anchor="ctr"/>
+          <a:lstStyle/>
+          <a:p>
+            <a:pPr algn="ctr"/>
+            <a:endParaRPr lang="en-US"/>
+          </a:p>
+        </p:txBody>
+      </p:sp>
+      <p:sp>
+        <p:nvSpPr>
           <p:cNvPr id="2" name="Title 1">
             <a:extLst>
               <a:ext uri="{FF2B5EF4-FFF2-40B4-BE49-F238E27FC236}">
-                <a16:creationId xmlns:a16="http://schemas.microsoft.com/office/drawing/2014/main" id="{8E404367-5DA2-1A19-6AF1-E2B7CD640125}"/>
+                <a16:creationId xmlns:a16="http://schemas.microsoft.com/office/drawing/2014/main" id="{1AB4D4C7-2108-8222-7DB0-D000CF5489AB}"/>
               </a:ext>
             </a:extLst>
           </p:cNvPr>
@@ -5287,181 +9598,249 @@
             <p:ph type="title"/>
           </p:nvPr>
         </p:nvSpPr>
-        <p:spPr/>
+        <p:spPr>
+          <a:xfrm>
+            <a:off x="594360" y="640263"/>
+            <a:ext cx="3822192" cy="1344975"/>
+          </a:xfrm>
+        </p:spPr>
         <p:txBody>
-          <a:bodyPr/>
+          <a:bodyPr vert="horz" lIns="91440" tIns="45720" rIns="91440" bIns="45720" rtlCol="0" anchor="ctr">
+            <a:normAutofit/>
+          </a:bodyPr>
           <a:lstStyle/>
           <a:p>
             <a:r>
-              <a:rPr lang="en-GB"/>
-              <a:t>Weather Impacts – Pressure</a:t>
-            </a:r>
-            <a:endParaRPr lang="en-GB" dirty="0"/>
+              <a:rPr lang="en-US" sz="3600" kern="1200" dirty="0">
+                <a:solidFill>
+                  <a:schemeClr val="bg1"/>
+                </a:solidFill>
+                <a:latin typeface="+mj-lt"/>
+                <a:ea typeface="+mj-ea"/>
+                <a:cs typeface="+mj-cs"/>
+              </a:rPr>
+              <a:t>Weather Impacts - Wind</a:t>
+            </a:r>
           </a:p>
         </p:txBody>
       </p:sp>
+      <p:cxnSp>
+        <p:nvCxnSpPr>
+          <p:cNvPr id="32" name="Straight Connector 28">
+            <a:extLst>
+              <a:ext uri="{FF2B5EF4-FFF2-40B4-BE49-F238E27FC236}">
+                <a16:creationId xmlns:a16="http://schemas.microsoft.com/office/drawing/2014/main" id="{57E1E5E6-F385-4E9C-B201-BA5BDE5CAD52}"/>
+              </a:ext>
+              <a:ext uri="{C183D7F6-B498-43B3-948B-1728B52AA6E4}">
+                <adec:decorative xmlns:adec="http://schemas.microsoft.com/office/drawing/2017/decorative" val="1"/>
+              </a:ext>
+            </a:extLst>
+          </p:cNvPr>
+          <p:cNvCxnSpPr>
+            <a:cxnSpLocks noGrp="1" noRot="1" noChangeAspect="1" noMove="1" noResize="1" noEditPoints="1" noAdjustHandles="1" noChangeArrowheads="1" noChangeShapeType="1"/>
+          </p:cNvCxnSpPr>
+          <p:nvPr>
+            <p:extLst>
+              <p:ext uri="{386F3935-93C4-4BCD-93E2-E3B085C9AB24}">
+                <p16:designElem xmlns:p16="http://schemas.microsoft.com/office/powerpoint/2015/main" val="1"/>
+              </p:ext>
+            </p:extLst>
+          </p:nvPr>
+        </p:nvCxnSpPr>
+        <p:spPr>
+          <a:xfrm>
+            <a:off x="704088" y="2050687"/>
+            <a:ext cx="3685032" cy="0"/>
+          </a:xfrm>
+          <a:prstGeom prst="line">
+            <a:avLst/>
+          </a:prstGeom>
+          <a:ln w="22225">
+            <a:solidFill>
+              <a:srgbClr val="E7E6E6"/>
+            </a:solidFill>
+          </a:ln>
+        </p:spPr>
+        <p:style>
+          <a:lnRef idx="1">
+            <a:schemeClr val="accent1"/>
+          </a:lnRef>
+          <a:fillRef idx="0">
+            <a:schemeClr val="accent1"/>
+          </a:fillRef>
+          <a:effectRef idx="0">
+            <a:schemeClr val="accent1"/>
+          </a:effectRef>
+          <a:fontRef idx="minor">
+            <a:schemeClr val="tx1"/>
+          </a:fontRef>
+        </p:style>
+      </p:cxnSp>
       <p:sp>
         <p:nvSpPr>
-          <p:cNvPr id="12" name="Content Placeholder 11">
+          <p:cNvPr id="22" name="TextBox 21">
             <a:extLst>
               <a:ext uri="{FF2B5EF4-FFF2-40B4-BE49-F238E27FC236}">
-                <a16:creationId xmlns:a16="http://schemas.microsoft.com/office/drawing/2014/main" id="{7ADF2D81-F7CE-8575-BE5E-943DF38A361F}"/>
+                <a16:creationId xmlns:a16="http://schemas.microsoft.com/office/drawing/2014/main" id="{1BBFE3E7-94D9-AF4B-D9B5-A57E93261D2B}"/>
               </a:ext>
             </a:extLst>
           </p:cNvPr>
-          <p:cNvSpPr>
-            <a:spLocks noGrp="1"/>
-          </p:cNvSpPr>
-          <p:nvPr>
-            <p:ph idx="1"/>
-          </p:nvPr>
+          <p:cNvSpPr txBox="1"/>
+          <p:nvPr/>
         </p:nvSpPr>
         <p:spPr>
           <a:xfrm>
-            <a:off x="595224" y="1690687"/>
-            <a:ext cx="3916392" cy="4278792"/>
+            <a:off x="593610" y="2121763"/>
+            <a:ext cx="3822192" cy="3773010"/>
           </a:xfrm>
+          <a:prstGeom prst="rect">
+            <a:avLst/>
+          </a:prstGeom>
         </p:spPr>
         <p:txBody>
-          <a:bodyPr>
-            <a:normAutofit fontScale="77500" lnSpcReduction="20000"/>
+          <a:bodyPr vert="horz" lIns="91440" tIns="45720" rIns="91440" bIns="45720" rtlCol="0">
+            <a:normAutofit/>
           </a:bodyPr>
           <a:lstStyle/>
           <a:p>
-            <a:r>
-              <a:rPr lang="en-US">
+            <a:pPr marL="285750" indent="-228600">
+              <a:lnSpc>
+                <a:spcPct val="90000"/>
+              </a:lnSpc>
+              <a:spcAft>
+                <a:spcPts val="600"/>
+              </a:spcAft>
+              <a:buFont typeface="Arial" panose="020B0604020202020204" pitchFamily="34" charset="0"/>
+              <a:buChar char="•"/>
+            </a:pPr>
+            <a:r>
+              <a:rPr lang="en-US" sz="1700" dirty="0">
                 <a:solidFill>
-                  <a:srgbClr val="202124"/>
+                  <a:schemeClr val="bg1"/>
                 </a:solidFill>
               </a:rPr>
-              <a:t>Negative correlation between pressure and proportion of delayed flights</a:t>
-            </a:r>
-          </a:p>
-          <a:p>
-            <a:endParaRPr lang="en-US">
+              <a:t>Red lines represent runway orientation at Newark Airport</a:t>
+            </a:r>
+          </a:p>
+          <a:p>
+            <a:pPr marL="285750" indent="-228600">
+              <a:lnSpc>
+                <a:spcPct val="90000"/>
+              </a:lnSpc>
+              <a:spcAft>
+                <a:spcPts val="600"/>
+              </a:spcAft>
+              <a:buFont typeface="Arial" panose="020B0604020202020204" pitchFamily="34" charset="0"/>
+              <a:buChar char="•"/>
+            </a:pPr>
+            <a:endParaRPr lang="en-US" sz="1700" dirty="0">
               <a:solidFill>
-                <a:srgbClr val="202124"/>
+                <a:schemeClr val="bg1"/>
               </a:solidFill>
             </a:endParaRPr>
           </a:p>
           <a:p>
-            <a:r>
-              <a:rPr lang="en-US" b="1">
+            <a:pPr marL="285750" indent="-228600">
+              <a:lnSpc>
+                <a:spcPct val="90000"/>
+              </a:lnSpc>
+              <a:spcAft>
+                <a:spcPts val="600"/>
+              </a:spcAft>
+              <a:buFont typeface="Arial" panose="020B0604020202020204" pitchFamily="34" charset="0"/>
+              <a:buChar char="•"/>
+            </a:pPr>
+            <a:r>
+              <a:rPr lang="en-US" sz="1700" dirty="0">
                 <a:solidFill>
-                  <a:srgbClr val="202124"/>
+                  <a:schemeClr val="bg1"/>
                 </a:solidFill>
               </a:rPr>
-              <a:t>H</a:t>
-            </a:r>
-            <a:r>
-              <a:rPr lang="en-US" b="1" i="0">
-                <a:solidFill>
-                  <a:srgbClr val="202124"/>
-                </a:solidFill>
-                <a:effectLst/>
-              </a:rPr>
-              <a:t>igh-pressure</a:t>
-            </a:r>
-            <a:r>
-              <a:rPr lang="en-US" b="0" i="0">
-                <a:solidFill>
-                  <a:srgbClr val="202124"/>
-                </a:solidFill>
-                <a:effectLst/>
-              </a:rPr>
-              <a:t> areas are associated with lighter winds and clear skies = </a:t>
-            </a:r>
-            <a:r>
-              <a:rPr lang="en-US" b="1" i="0">
-                <a:solidFill>
-                  <a:srgbClr val="202124"/>
-                </a:solidFill>
-                <a:effectLst/>
-              </a:rPr>
-              <a:t>good</a:t>
-            </a:r>
-            <a:r>
-              <a:rPr lang="en-US" b="0" i="0">
-                <a:solidFill>
-                  <a:srgbClr val="202124"/>
-                </a:solidFill>
-                <a:effectLst/>
-              </a:rPr>
-              <a:t> conditions for flying</a:t>
-            </a:r>
-          </a:p>
-          <a:p>
-            <a:endParaRPr lang="en-US">
+              <a:t>Orientation of runways appears to match wind direction</a:t>
+            </a:r>
+          </a:p>
+          <a:p>
+            <a:pPr marL="285750" indent="-228600">
+              <a:lnSpc>
+                <a:spcPct val="90000"/>
+              </a:lnSpc>
+              <a:spcAft>
+                <a:spcPts val="600"/>
+              </a:spcAft>
+              <a:buFont typeface="Arial" panose="020B0604020202020204" pitchFamily="34" charset="0"/>
+              <a:buChar char="•"/>
+            </a:pPr>
+            <a:endParaRPr lang="en-US" sz="1700" dirty="0">
               <a:solidFill>
-                <a:srgbClr val="202124"/>
+                <a:schemeClr val="bg1"/>
               </a:solidFill>
             </a:endParaRPr>
           </a:p>
           <a:p>
-            <a:r>
-              <a:rPr lang="en-US" b="1" i="0">
+            <a:pPr marL="285750" indent="-228600">
+              <a:lnSpc>
+                <a:spcPct val="90000"/>
+              </a:lnSpc>
+              <a:spcAft>
+                <a:spcPts val="600"/>
+              </a:spcAft>
+              <a:buFont typeface="Arial" panose="020B0604020202020204" pitchFamily="34" charset="0"/>
+              <a:buChar char="•"/>
+            </a:pPr>
+            <a:r>
+              <a:rPr lang="en-US" sz="1700" dirty="0">
                 <a:solidFill>
-                  <a:srgbClr val="202124"/>
+                  <a:schemeClr val="bg1"/>
                 </a:solidFill>
-                <a:effectLst/>
               </a:rPr>
-              <a:t>Low-pressure</a:t>
-            </a:r>
-            <a:r>
-              <a:rPr lang="en-US" b="0" i="0">
+              <a:t>Large number of flight delays when wind is 230 and 20 degrees.</a:t>
+            </a:r>
+          </a:p>
+          <a:p>
+            <a:pPr marL="285750" indent="-228600">
+              <a:lnSpc>
+                <a:spcPct val="90000"/>
+              </a:lnSpc>
+              <a:spcAft>
+                <a:spcPts val="600"/>
+              </a:spcAft>
+              <a:buFont typeface="Arial" panose="020B0604020202020204" pitchFamily="34" charset="0"/>
+              <a:buChar char="•"/>
+            </a:pPr>
+            <a:endParaRPr lang="en-US" sz="1700" dirty="0">
+              <a:solidFill>
+                <a:schemeClr val="bg1"/>
+              </a:solidFill>
+            </a:endParaRPr>
+          </a:p>
+          <a:p>
+            <a:pPr marL="285750" indent="-228600">
+              <a:lnSpc>
+                <a:spcPct val="90000"/>
+              </a:lnSpc>
+              <a:spcAft>
+                <a:spcPts val="600"/>
+              </a:spcAft>
+              <a:buFont typeface="Arial" panose="020B0604020202020204" pitchFamily="34" charset="0"/>
+              <a:buChar char="•"/>
+            </a:pPr>
+            <a:r>
+              <a:rPr lang="en-US" sz="1700" dirty="0">
                 <a:solidFill>
-                  <a:srgbClr val="202124"/>
+                  <a:schemeClr val="bg1"/>
                 </a:solidFill>
-                <a:effectLst/>
               </a:rPr>
-              <a:t> areas are commonly associated with </a:t>
-            </a:r>
-            <a:r>
-              <a:rPr lang="en-US" i="0">
-                <a:solidFill>
-                  <a:srgbClr val="202124"/>
-                </a:solidFill>
-                <a:effectLst/>
-              </a:rPr>
-              <a:t>inclement weather </a:t>
-            </a:r>
-            <a:r>
-              <a:rPr lang="en-US" b="0" i="0">
-                <a:solidFill>
-                  <a:srgbClr val="202124"/>
-                </a:solidFill>
-                <a:effectLst/>
-              </a:rPr>
-              <a:t>(such as cloudy, windy, with possible rain or storms) = </a:t>
-            </a:r>
-            <a:r>
-              <a:rPr lang="en-US" b="1" i="0">
-                <a:solidFill>
-                  <a:srgbClr val="202124"/>
-                </a:solidFill>
-                <a:effectLst/>
-              </a:rPr>
-              <a:t>poor</a:t>
-            </a:r>
-            <a:r>
-              <a:rPr lang="en-US" b="0" i="0">
-                <a:solidFill>
-                  <a:srgbClr val="202124"/>
-                </a:solidFill>
-                <a:effectLst/>
-              </a:rPr>
-              <a:t> conditions for flying</a:t>
-            </a:r>
-            <a:endParaRPr lang="en-GB" dirty="0"/>
+              <a:t>No data on which  runway was used for each flight</a:t>
+            </a:r>
           </a:p>
         </p:txBody>
       </p:sp>
       <p:pic>
         <p:nvPicPr>
-          <p:cNvPr id="14" name="Picture 13">
+          <p:cNvPr id="3" name="Picture 2">
             <a:extLst>
               <a:ext uri="{FF2B5EF4-FFF2-40B4-BE49-F238E27FC236}">
-                <a16:creationId xmlns:a16="http://schemas.microsoft.com/office/drawing/2014/main" id="{95DAFBF9-98A1-CE65-E524-DA11D87F4A12}"/>
+                <a16:creationId xmlns:a16="http://schemas.microsoft.com/office/drawing/2014/main" id="{99B87428-7680-071F-CB5E-3ABC1DE8E538}"/>
               </a:ext>
             </a:extLst>
           </p:cNvPr>
@@ -5478,8 +9857,428 @@
         </p:blipFill>
         <p:spPr>
           <a:xfrm>
-            <a:off x="4762462" y="1781683"/>
-            <a:ext cx="6591338" cy="4096800"/>
+            <a:off x="6345382" y="3501401"/>
+            <a:ext cx="4139803" cy="2883990"/>
+          </a:xfrm>
+          <a:prstGeom prst="rect">
+            <a:avLst/>
+          </a:prstGeom>
+        </p:spPr>
+      </p:pic>
+      <p:pic>
+        <p:nvPicPr>
+          <p:cNvPr id="4" name="Picture 3">
+            <a:extLst>
+              <a:ext uri="{FF2B5EF4-FFF2-40B4-BE49-F238E27FC236}">
+                <a16:creationId xmlns:a16="http://schemas.microsoft.com/office/drawing/2014/main" id="{E18968E4-8AD8-ADD2-2ED2-E0D866B89981}"/>
+              </a:ext>
+            </a:extLst>
+          </p:cNvPr>
+          <p:cNvPicPr>
+            <a:picLocks noChangeAspect="1"/>
+          </p:cNvPicPr>
+          <p:nvPr/>
+        </p:nvPicPr>
+        <p:blipFill>
+          <a:blip r:embed="rId3"/>
+          <a:stretch>
+            <a:fillRect/>
+          </a:stretch>
+        </p:blipFill>
+        <p:spPr>
+          <a:xfrm>
+            <a:off x="6345382" y="322044"/>
+            <a:ext cx="3909519" cy="3106956"/>
+          </a:xfrm>
+          <a:prstGeom prst="rect">
+            <a:avLst/>
+          </a:prstGeom>
+        </p:spPr>
+      </p:pic>
+    </p:spTree>
+    <p:extLst>
+      <p:ext uri="{BB962C8B-B14F-4D97-AF65-F5344CB8AC3E}">
+        <p14:creationId xmlns:p14="http://schemas.microsoft.com/office/powerpoint/2010/main" val="2909319914"/>
+      </p:ext>
+    </p:extLst>
+  </p:cSld>
+  <p:clrMapOvr>
+    <a:masterClrMapping/>
+  </p:clrMapOvr>
+</p:sld>
+</file>
+
+<file path=ppt/slides/slide6.xml><?xml version="1.0" encoding="utf-8"?>
+<p:sld xmlns:a="http://schemas.openxmlformats.org/drawingml/2006/main" xmlns:r="http://schemas.openxmlformats.org/officeDocument/2006/relationships" xmlns:p="http://schemas.openxmlformats.org/presentationml/2006/main">
+  <p:cSld>
+    <p:bg>
+      <p:bgPr>
+        <a:solidFill>
+          <a:schemeClr val="bg1"/>
+        </a:solidFill>
+        <a:effectLst/>
+      </p:bgPr>
+    </p:bg>
+    <p:spTree>
+      <p:nvGrpSpPr>
+        <p:cNvPr id="1" name=""/>
+        <p:cNvGrpSpPr/>
+        <p:nvPr/>
+      </p:nvGrpSpPr>
+      <p:grpSpPr>
+        <a:xfrm>
+          <a:off x="0" y="0"/>
+          <a:ext cx="0" cy="0"/>
+          <a:chOff x="0" y="0"/>
+          <a:chExt cx="0" cy="0"/>
+        </a:xfrm>
+      </p:grpSpPr>
+      <p:sp>
+        <p:nvSpPr>
+          <p:cNvPr id="19" name="Rectangle 18">
+            <a:extLst>
+              <a:ext uri="{FF2B5EF4-FFF2-40B4-BE49-F238E27FC236}">
+                <a16:creationId xmlns:a16="http://schemas.microsoft.com/office/drawing/2014/main" id="{CEB41C5C-0F34-4DDA-9D7C-5E717F35F60C}"/>
+              </a:ext>
+              <a:ext uri="{C183D7F6-B498-43B3-948B-1728B52AA6E4}">
+                <adec:decorative xmlns:adec="http://schemas.microsoft.com/office/drawing/2017/decorative" val="1"/>
+              </a:ext>
+            </a:extLst>
+          </p:cNvPr>
+          <p:cNvSpPr>
+            <a:spLocks noGrp="1" noRot="1" noChangeAspect="1" noMove="1" noResize="1" noEditPoints="1" noAdjustHandles="1" noChangeArrowheads="1" noChangeShapeType="1" noTextEdit="1"/>
+          </p:cNvSpPr>
+          <p:nvPr>
+            <p:extLst>
+              <p:ext uri="{386F3935-93C4-4BCD-93E2-E3B085C9AB24}">
+                <p16:designElem xmlns:p16="http://schemas.microsoft.com/office/powerpoint/2015/main" val="1"/>
+              </p:ext>
+            </p:extLst>
+          </p:nvPr>
+        </p:nvSpPr>
+        <p:spPr bwMode="ltGray">
+          <a:xfrm>
+            <a:off x="336384" y="303591"/>
+            <a:ext cx="4334256" cy="5896743"/>
+          </a:xfrm>
+          <a:prstGeom prst="rect">
+            <a:avLst/>
+          </a:prstGeom>
+          <a:solidFill>
+            <a:schemeClr val="tx1">
+              <a:lumMod val="75000"/>
+              <a:lumOff val="25000"/>
+            </a:schemeClr>
+          </a:solidFill>
+          <a:ln w="127000" cap="sq" cmpd="thinThick">
+            <a:solidFill>
+              <a:schemeClr val="tx1">
+                <a:lumMod val="75000"/>
+                <a:lumOff val="25000"/>
+              </a:schemeClr>
+            </a:solidFill>
+          </a:ln>
+        </p:spPr>
+        <p:style>
+          <a:lnRef idx="2">
+            <a:schemeClr val="accent1">
+              <a:shade val="50000"/>
+            </a:schemeClr>
+          </a:lnRef>
+          <a:fillRef idx="1">
+            <a:schemeClr val="accent1"/>
+          </a:fillRef>
+          <a:effectRef idx="0">
+            <a:schemeClr val="accent1"/>
+          </a:effectRef>
+          <a:fontRef idx="minor">
+            <a:schemeClr val="lt1"/>
+          </a:fontRef>
+        </p:style>
+        <p:txBody>
+          <a:bodyPr rtlCol="0" anchor="ctr"/>
+          <a:lstStyle/>
+          <a:p>
+            <a:pPr algn="ctr"/>
+            <a:endParaRPr lang="en-US"/>
+          </a:p>
+        </p:txBody>
+      </p:sp>
+      <p:sp>
+        <p:nvSpPr>
+          <p:cNvPr id="2" name="Title 1">
+            <a:extLst>
+              <a:ext uri="{FF2B5EF4-FFF2-40B4-BE49-F238E27FC236}">
+                <a16:creationId xmlns:a16="http://schemas.microsoft.com/office/drawing/2014/main" id="{8E404367-5DA2-1A19-6AF1-E2B7CD640125}"/>
+              </a:ext>
+            </a:extLst>
+          </p:cNvPr>
+          <p:cNvSpPr>
+            <a:spLocks noGrp="1"/>
+          </p:cNvSpPr>
+          <p:nvPr>
+            <p:ph type="title"/>
+          </p:nvPr>
+        </p:nvSpPr>
+        <p:spPr>
+          <a:xfrm>
+            <a:off x="594360" y="640263"/>
+            <a:ext cx="3822192" cy="1344975"/>
+          </a:xfrm>
+        </p:spPr>
+        <p:txBody>
+          <a:bodyPr>
+            <a:normAutofit/>
+          </a:bodyPr>
+          <a:lstStyle/>
+          <a:p>
+            <a:r>
+              <a:rPr lang="en-GB" sz="3600">
+                <a:solidFill>
+                  <a:schemeClr val="bg1"/>
+                </a:solidFill>
+              </a:rPr>
+              <a:t>Weather Impacts – Pressure</a:t>
+            </a:r>
+          </a:p>
+        </p:txBody>
+      </p:sp>
+      <p:cxnSp>
+        <p:nvCxnSpPr>
+          <p:cNvPr id="21" name="Straight Connector 20">
+            <a:extLst>
+              <a:ext uri="{FF2B5EF4-FFF2-40B4-BE49-F238E27FC236}">
+                <a16:creationId xmlns:a16="http://schemas.microsoft.com/office/drawing/2014/main" id="{57E1E5E6-F385-4E9C-B201-BA5BDE5CAD52}"/>
+              </a:ext>
+              <a:ext uri="{C183D7F6-B498-43B3-948B-1728B52AA6E4}">
+                <adec:decorative xmlns:adec="http://schemas.microsoft.com/office/drawing/2017/decorative" val="1"/>
+              </a:ext>
+            </a:extLst>
+          </p:cNvPr>
+          <p:cNvCxnSpPr>
+            <a:cxnSpLocks noGrp="1" noRot="1" noChangeAspect="1" noMove="1" noResize="1" noEditPoints="1" noAdjustHandles="1" noChangeArrowheads="1" noChangeShapeType="1"/>
+          </p:cNvCxnSpPr>
+          <p:nvPr>
+            <p:extLst>
+              <p:ext uri="{386F3935-93C4-4BCD-93E2-E3B085C9AB24}">
+                <p16:designElem xmlns:p16="http://schemas.microsoft.com/office/powerpoint/2015/main" val="1"/>
+              </p:ext>
+            </p:extLst>
+          </p:nvPr>
+        </p:nvCxnSpPr>
+        <p:spPr>
+          <a:xfrm>
+            <a:off x="704088" y="2050687"/>
+            <a:ext cx="3685032" cy="0"/>
+          </a:xfrm>
+          <a:prstGeom prst="line">
+            <a:avLst/>
+          </a:prstGeom>
+          <a:ln w="22225">
+            <a:solidFill>
+              <a:srgbClr val="E7E6E6"/>
+            </a:solidFill>
+          </a:ln>
+        </p:spPr>
+        <p:style>
+          <a:lnRef idx="1">
+            <a:schemeClr val="accent1"/>
+          </a:lnRef>
+          <a:fillRef idx="0">
+            <a:schemeClr val="accent1"/>
+          </a:fillRef>
+          <a:effectRef idx="0">
+            <a:schemeClr val="accent1"/>
+          </a:effectRef>
+          <a:fontRef idx="minor">
+            <a:schemeClr val="tx1"/>
+          </a:fontRef>
+        </p:style>
+      </p:cxnSp>
+      <p:sp>
+        <p:nvSpPr>
+          <p:cNvPr id="12" name="Content Placeholder 11">
+            <a:extLst>
+              <a:ext uri="{FF2B5EF4-FFF2-40B4-BE49-F238E27FC236}">
+                <a16:creationId xmlns:a16="http://schemas.microsoft.com/office/drawing/2014/main" id="{7ADF2D81-F7CE-8575-BE5E-943DF38A361F}"/>
+              </a:ext>
+            </a:extLst>
+          </p:cNvPr>
+          <p:cNvSpPr>
+            <a:spLocks noGrp="1"/>
+          </p:cNvSpPr>
+          <p:nvPr>
+            <p:ph idx="1"/>
+          </p:nvPr>
+        </p:nvSpPr>
+        <p:spPr>
+          <a:xfrm>
+            <a:off x="593610" y="2121763"/>
+            <a:ext cx="3822192" cy="3773010"/>
+          </a:xfrm>
+        </p:spPr>
+        <p:txBody>
+          <a:bodyPr>
+            <a:normAutofit/>
+          </a:bodyPr>
+          <a:lstStyle/>
+          <a:p>
+            <a:r>
+              <a:rPr lang="en-US" sz="1700">
+                <a:solidFill>
+                  <a:schemeClr val="bg1"/>
+                </a:solidFill>
+              </a:rPr>
+              <a:t>Negative correlation between pressure and proportion of delayed flights</a:t>
+            </a:r>
+          </a:p>
+          <a:p>
+            <a:endParaRPr lang="en-US" sz="1700">
+              <a:solidFill>
+                <a:schemeClr val="bg1"/>
+              </a:solidFill>
+            </a:endParaRPr>
+          </a:p>
+          <a:p>
+            <a:r>
+              <a:rPr lang="en-US" sz="1700" b="1">
+                <a:solidFill>
+                  <a:schemeClr val="bg1"/>
+                </a:solidFill>
+              </a:rPr>
+              <a:t>H</a:t>
+            </a:r>
+            <a:r>
+              <a:rPr lang="en-US" sz="1700" b="1" i="0">
+                <a:solidFill>
+                  <a:schemeClr val="bg1"/>
+                </a:solidFill>
+                <a:effectLst/>
+              </a:rPr>
+              <a:t>igh-pressure</a:t>
+            </a:r>
+            <a:r>
+              <a:rPr lang="en-US" sz="1700" b="0" i="0">
+                <a:solidFill>
+                  <a:schemeClr val="bg1"/>
+                </a:solidFill>
+                <a:effectLst/>
+              </a:rPr>
+              <a:t> areas are associated with lighter winds and clear skies = </a:t>
+            </a:r>
+            <a:r>
+              <a:rPr lang="en-US" sz="1700" b="1" i="0">
+                <a:solidFill>
+                  <a:schemeClr val="bg1"/>
+                </a:solidFill>
+                <a:effectLst/>
+              </a:rPr>
+              <a:t>good</a:t>
+            </a:r>
+            <a:r>
+              <a:rPr lang="en-US" sz="1700" b="0" i="0">
+                <a:solidFill>
+                  <a:schemeClr val="bg1"/>
+                </a:solidFill>
+                <a:effectLst/>
+              </a:rPr>
+              <a:t> conditions for flying</a:t>
+            </a:r>
+          </a:p>
+          <a:p>
+            <a:endParaRPr lang="en-US" sz="1700">
+              <a:solidFill>
+                <a:schemeClr val="bg1"/>
+              </a:solidFill>
+            </a:endParaRPr>
+          </a:p>
+          <a:p>
+            <a:r>
+              <a:rPr lang="en-US" sz="1700" b="1" i="0">
+                <a:solidFill>
+                  <a:schemeClr val="bg1"/>
+                </a:solidFill>
+                <a:effectLst/>
+              </a:rPr>
+              <a:t>Low-pressure</a:t>
+            </a:r>
+            <a:r>
+              <a:rPr lang="en-US" sz="1700" b="0" i="0">
+                <a:solidFill>
+                  <a:schemeClr val="bg1"/>
+                </a:solidFill>
+                <a:effectLst/>
+              </a:rPr>
+              <a:t> areas are commonly associated with </a:t>
+            </a:r>
+            <a:r>
+              <a:rPr lang="en-US" sz="1700" i="0">
+                <a:solidFill>
+                  <a:schemeClr val="bg1"/>
+                </a:solidFill>
+                <a:effectLst/>
+              </a:rPr>
+              <a:t>inclement weather </a:t>
+            </a:r>
+            <a:r>
+              <a:rPr lang="en-US" sz="1700" b="0" i="0">
+                <a:solidFill>
+                  <a:schemeClr val="bg1"/>
+                </a:solidFill>
+                <a:effectLst/>
+              </a:rPr>
+              <a:t>(such as cloudy, windy, with possible rain or storms) = </a:t>
+            </a:r>
+            <a:r>
+              <a:rPr lang="en-US" sz="1700" b="1" i="0">
+                <a:solidFill>
+                  <a:schemeClr val="bg1"/>
+                </a:solidFill>
+                <a:effectLst/>
+              </a:rPr>
+              <a:t>poor</a:t>
+            </a:r>
+            <a:r>
+              <a:rPr lang="en-US" sz="1700" b="0" i="0">
+                <a:solidFill>
+                  <a:schemeClr val="bg1"/>
+                </a:solidFill>
+                <a:effectLst/>
+              </a:rPr>
+              <a:t> conditions for flying</a:t>
+            </a:r>
+            <a:endParaRPr lang="en-GB" sz="1700">
+              <a:solidFill>
+                <a:schemeClr val="bg1"/>
+              </a:solidFill>
+            </a:endParaRPr>
+          </a:p>
+        </p:txBody>
+      </p:sp>
+      <p:pic>
+        <p:nvPicPr>
+          <p:cNvPr id="14" name="Picture 13">
+            <a:extLst>
+              <a:ext uri="{FF2B5EF4-FFF2-40B4-BE49-F238E27FC236}">
+                <a16:creationId xmlns:a16="http://schemas.microsoft.com/office/drawing/2014/main" id="{95DAFBF9-98A1-CE65-E524-DA11D87F4A12}"/>
+              </a:ext>
+            </a:extLst>
+          </p:cNvPr>
+          <p:cNvPicPr>
+            <a:picLocks noChangeAspect="1"/>
+          </p:cNvPicPr>
+          <p:nvPr/>
+        </p:nvPicPr>
+        <p:blipFill>
+          <a:blip r:embed="rId2"/>
+          <a:stretch>
+            <a:fillRect/>
+          </a:stretch>
+        </p:blipFill>
+        <p:spPr>
+          <a:xfrm>
+            <a:off x="5110716" y="1298068"/>
+            <a:ext cx="6596652" cy="4106415"/>
           </a:xfrm>
           <a:prstGeom prst="rect">
             <a:avLst/>
@@ -5502,6 +10301,14 @@
 <file path=ppt/slides/slide7.xml><?xml version="1.0" encoding="utf-8"?>
 <p:sld xmlns:a="http://schemas.openxmlformats.org/drawingml/2006/main" xmlns:r="http://schemas.openxmlformats.org/officeDocument/2006/relationships" xmlns:p="http://schemas.openxmlformats.org/presentationml/2006/main">
   <p:cSld>
+    <p:bg>
+      <p:bgPr>
+        <a:solidFill>
+          <a:schemeClr val="bg1"/>
+        </a:solidFill>
+        <a:effectLst/>
+      </p:bgPr>
+    </p:bg>
     <p:spTree>
       <p:nvGrpSpPr>
         <p:cNvPr id="1" name=""/>
@@ -5518,6 +10325,77 @@
       </p:grpSpPr>
       <p:sp>
         <p:nvSpPr>
+          <p:cNvPr id="23" name="Rectangle 22">
+            <a:extLst>
+              <a:ext uri="{FF2B5EF4-FFF2-40B4-BE49-F238E27FC236}">
+                <a16:creationId xmlns:a16="http://schemas.microsoft.com/office/drawing/2014/main" id="{CEB41C5C-0F34-4DDA-9D7C-5E717F35F60C}"/>
+              </a:ext>
+              <a:ext uri="{C183D7F6-B498-43B3-948B-1728B52AA6E4}">
+                <adec:decorative xmlns:adec="http://schemas.microsoft.com/office/drawing/2017/decorative" val="1"/>
+              </a:ext>
+            </a:extLst>
+          </p:cNvPr>
+          <p:cNvSpPr>
+            <a:spLocks noGrp="1" noRot="1" noChangeAspect="1" noMove="1" noResize="1" noEditPoints="1" noAdjustHandles="1" noChangeArrowheads="1" noChangeShapeType="1" noTextEdit="1"/>
+          </p:cNvSpPr>
+          <p:nvPr>
+            <p:extLst>
+              <p:ext uri="{386F3935-93C4-4BCD-93E2-E3B085C9AB24}">
+                <p16:designElem xmlns:p16="http://schemas.microsoft.com/office/powerpoint/2015/main" val="1"/>
+              </p:ext>
+            </p:extLst>
+          </p:nvPr>
+        </p:nvSpPr>
+        <p:spPr bwMode="ltGray">
+          <a:xfrm>
+            <a:off x="336384" y="303591"/>
+            <a:ext cx="4334256" cy="5896743"/>
+          </a:xfrm>
+          <a:prstGeom prst="rect">
+            <a:avLst/>
+          </a:prstGeom>
+          <a:solidFill>
+            <a:schemeClr val="tx1">
+              <a:lumMod val="75000"/>
+              <a:lumOff val="25000"/>
+            </a:schemeClr>
+          </a:solidFill>
+          <a:ln w="127000" cap="sq" cmpd="thinThick">
+            <a:solidFill>
+              <a:schemeClr val="tx1">
+                <a:lumMod val="75000"/>
+                <a:lumOff val="25000"/>
+              </a:schemeClr>
+            </a:solidFill>
+          </a:ln>
+        </p:spPr>
+        <p:style>
+          <a:lnRef idx="2">
+            <a:schemeClr val="accent1">
+              <a:shade val="50000"/>
+            </a:schemeClr>
+          </a:lnRef>
+          <a:fillRef idx="1">
+            <a:schemeClr val="accent1"/>
+          </a:fillRef>
+          <a:effectRef idx="0">
+            <a:schemeClr val="accent1"/>
+          </a:effectRef>
+          <a:fontRef idx="minor">
+            <a:schemeClr val="lt1"/>
+          </a:fontRef>
+        </p:style>
+        <p:txBody>
+          <a:bodyPr rtlCol="0" anchor="ctr"/>
+          <a:lstStyle/>
+          <a:p>
+            <a:pPr algn="ctr"/>
+            <a:endParaRPr lang="en-US"/>
+          </a:p>
+        </p:txBody>
+      </p:sp>
+      <p:sp>
+        <p:nvSpPr>
           <p:cNvPr id="2" name="Title 1">
             <a:extLst>
               <a:ext uri="{FF2B5EF4-FFF2-40B4-BE49-F238E27FC236}">
@@ -5532,18 +10410,84 @@
             <p:ph type="title"/>
           </p:nvPr>
         </p:nvSpPr>
-        <p:spPr/>
+        <p:spPr>
+          <a:xfrm>
+            <a:off x="594360" y="640263"/>
+            <a:ext cx="3822192" cy="1344975"/>
+          </a:xfrm>
+        </p:spPr>
         <p:txBody>
-          <a:bodyPr/>
+          <a:bodyPr vert="horz" lIns="91440" tIns="45720" rIns="91440" bIns="45720" rtlCol="0" anchor="ctr">
+            <a:normAutofit/>
+          </a:bodyPr>
           <a:lstStyle/>
           <a:p>
             <a:r>
-              <a:rPr lang="en-GB" dirty="0"/>
+              <a:rPr lang="en-US" sz="3600" kern="1200">
+                <a:solidFill>
+                  <a:schemeClr val="bg1"/>
+                </a:solidFill>
+                <a:latin typeface="+mj-lt"/>
+                <a:ea typeface="+mj-ea"/>
+                <a:cs typeface="+mj-cs"/>
+              </a:rPr>
               <a:t>Other Effects – Seasonal</a:t>
             </a:r>
           </a:p>
         </p:txBody>
       </p:sp>
+      <p:cxnSp>
+        <p:nvCxnSpPr>
+          <p:cNvPr id="21" name="Straight Connector 24">
+            <a:extLst>
+              <a:ext uri="{FF2B5EF4-FFF2-40B4-BE49-F238E27FC236}">
+                <a16:creationId xmlns:a16="http://schemas.microsoft.com/office/drawing/2014/main" id="{57E1E5E6-F385-4E9C-B201-BA5BDE5CAD52}"/>
+              </a:ext>
+              <a:ext uri="{C183D7F6-B498-43B3-948B-1728B52AA6E4}">
+                <adec:decorative xmlns:adec="http://schemas.microsoft.com/office/drawing/2017/decorative" val="1"/>
+              </a:ext>
+            </a:extLst>
+          </p:cNvPr>
+          <p:cNvCxnSpPr>
+            <a:cxnSpLocks noGrp="1" noRot="1" noChangeAspect="1" noMove="1" noResize="1" noEditPoints="1" noAdjustHandles="1" noChangeArrowheads="1" noChangeShapeType="1"/>
+          </p:cNvCxnSpPr>
+          <p:nvPr>
+            <p:extLst>
+              <p:ext uri="{386F3935-93C4-4BCD-93E2-E3B085C9AB24}">
+                <p16:designElem xmlns:p16="http://schemas.microsoft.com/office/powerpoint/2015/main" val="1"/>
+              </p:ext>
+            </p:extLst>
+          </p:nvPr>
+        </p:nvCxnSpPr>
+        <p:spPr>
+          <a:xfrm>
+            <a:off x="704088" y="2050687"/>
+            <a:ext cx="3685032" cy="0"/>
+          </a:xfrm>
+          <a:prstGeom prst="line">
+            <a:avLst/>
+          </a:prstGeom>
+          <a:ln w="22225">
+            <a:solidFill>
+              <a:srgbClr val="E7E6E6"/>
+            </a:solidFill>
+          </a:ln>
+        </p:spPr>
+        <p:style>
+          <a:lnRef idx="1">
+            <a:schemeClr val="accent1"/>
+          </a:lnRef>
+          <a:fillRef idx="0">
+            <a:schemeClr val="accent1"/>
+          </a:fillRef>
+          <a:effectRef idx="0">
+            <a:schemeClr val="accent1"/>
+          </a:effectRef>
+          <a:fontRef idx="minor">
+            <a:schemeClr val="tx1"/>
+          </a:fontRef>
+        </p:style>
+      </p:cxnSp>
       <p:sp>
         <p:nvSpPr>
           <p:cNvPr id="13" name="TextBox 12">
@@ -5558,94 +10502,183 @@
         </p:nvSpPr>
         <p:spPr>
           <a:xfrm>
-            <a:off x="6294053" y="2080571"/>
-            <a:ext cx="5704936" cy="3539430"/>
+            <a:off x="593610" y="2121763"/>
+            <a:ext cx="3822192" cy="3773010"/>
           </a:xfrm>
           <a:prstGeom prst="rect">
             <a:avLst/>
           </a:prstGeom>
-          <a:noFill/>
         </p:spPr>
         <p:txBody>
-          <a:bodyPr wrap="square" rtlCol="0">
-            <a:spAutoFit/>
+          <a:bodyPr vert="horz" lIns="91440" tIns="45720" rIns="91440" bIns="45720" rtlCol="0">
+            <a:normAutofit/>
           </a:bodyPr>
           <a:lstStyle/>
           <a:p>
-            <a:pPr marL="285750" indent="-285750">
+            <a:pPr marL="285750" indent="-228600">
+              <a:lnSpc>
+                <a:spcPct val="90000"/>
+              </a:lnSpc>
+              <a:spcAft>
+                <a:spcPts val="600"/>
+              </a:spcAft>
               <a:buFont typeface="Arial" panose="020B0604020202020204" pitchFamily="34" charset="0"/>
               <a:buChar char="•"/>
             </a:pPr>
             <a:r>
-              <a:rPr lang="en-GB" sz="1600" dirty="0"/>
+              <a:rPr lang="en-US" sz="1300">
+                <a:solidFill>
+                  <a:schemeClr val="bg1"/>
+                </a:solidFill>
+              </a:rPr>
               <a:t>Number of monthly scheduled flights is between 7,900 (in February) and 10,200 (in August)</a:t>
             </a:r>
           </a:p>
           <a:p>
-            <a:pPr marL="285750" indent="-285750">
+            <a:pPr marL="285750" indent="-228600">
+              <a:lnSpc>
+                <a:spcPct val="90000"/>
+              </a:lnSpc>
+              <a:spcAft>
+                <a:spcPts val="600"/>
+              </a:spcAft>
               <a:buFont typeface="Arial" panose="020B0604020202020204" pitchFamily="34" charset="0"/>
               <a:buChar char="•"/>
             </a:pPr>
-            <a:endParaRPr lang="en-GB" sz="1600" dirty="0"/>
-          </a:p>
-          <a:p>
-            <a:pPr marL="285750" indent="-285750">
+            <a:endParaRPr lang="en-US" sz="1300">
+              <a:solidFill>
+                <a:schemeClr val="bg1"/>
+              </a:solidFill>
+            </a:endParaRPr>
+          </a:p>
+          <a:p>
+            <a:pPr marL="285750" indent="-228600">
+              <a:lnSpc>
+                <a:spcPct val="90000"/>
+              </a:lnSpc>
+              <a:spcAft>
+                <a:spcPts val="600"/>
+              </a:spcAft>
               <a:buFont typeface="Arial" panose="020B0604020202020204" pitchFamily="34" charset="0"/>
               <a:buChar char="•"/>
             </a:pPr>
             <a:r>
-              <a:rPr lang="en-GB" sz="1600" dirty="0"/>
+              <a:rPr lang="en-US" sz="1300">
+                <a:solidFill>
+                  <a:schemeClr val="bg1"/>
+                </a:solidFill>
+              </a:rPr>
               <a:t>Monthly flights increase during summer with an increase in flights delays too</a:t>
             </a:r>
           </a:p>
           <a:p>
-            <a:pPr marL="285750" indent="-285750">
+            <a:pPr marL="285750" indent="-228600">
+              <a:lnSpc>
+                <a:spcPct val="90000"/>
+              </a:lnSpc>
+              <a:spcAft>
+                <a:spcPts val="600"/>
+              </a:spcAft>
               <a:buFont typeface="Arial" panose="020B0604020202020204" pitchFamily="34" charset="0"/>
               <a:buChar char="•"/>
             </a:pPr>
-            <a:endParaRPr lang="en-GB" sz="1600" dirty="0"/>
-          </a:p>
-          <a:p>
-            <a:pPr marL="285750" indent="-285750">
+            <a:endParaRPr lang="en-US" sz="1300">
+              <a:solidFill>
+                <a:schemeClr val="bg1"/>
+              </a:solidFill>
+            </a:endParaRPr>
+          </a:p>
+          <a:p>
+            <a:pPr marL="285750" indent="-228600">
+              <a:lnSpc>
+                <a:spcPct val="90000"/>
+              </a:lnSpc>
+              <a:spcAft>
+                <a:spcPts val="600"/>
+              </a:spcAft>
               <a:buFont typeface="Arial" panose="020B0604020202020204" pitchFamily="34" charset="0"/>
               <a:buChar char="•"/>
             </a:pPr>
             <a:r>
-              <a:rPr lang="en-GB" sz="1600" dirty="0"/>
+              <a:rPr lang="en-US" sz="1300">
+                <a:solidFill>
+                  <a:schemeClr val="bg1"/>
+                </a:solidFill>
+              </a:rPr>
               <a:t>June has the highest number of delayed flights across the entire year.</a:t>
             </a:r>
           </a:p>
           <a:p>
-            <a:pPr marL="285750" indent="-285750">
+            <a:pPr marL="285750" indent="-228600">
+              <a:lnSpc>
+                <a:spcPct val="90000"/>
+              </a:lnSpc>
+              <a:spcAft>
+                <a:spcPts val="600"/>
+              </a:spcAft>
               <a:buFont typeface="Arial" panose="020B0604020202020204" pitchFamily="34" charset="0"/>
               <a:buChar char="•"/>
             </a:pPr>
-            <a:endParaRPr lang="en-GB" sz="1600" dirty="0"/>
-          </a:p>
-          <a:p>
-            <a:pPr marL="285750" indent="-285750">
+            <a:endParaRPr lang="en-US" sz="1300">
+              <a:solidFill>
+                <a:schemeClr val="bg1"/>
+              </a:solidFill>
+            </a:endParaRPr>
+          </a:p>
+          <a:p>
+            <a:pPr marL="285750" indent="-228600">
+              <a:lnSpc>
+                <a:spcPct val="90000"/>
+              </a:lnSpc>
+              <a:spcAft>
+                <a:spcPts val="600"/>
+              </a:spcAft>
               <a:buFont typeface="Arial" panose="020B0604020202020204" pitchFamily="34" charset="0"/>
               <a:buChar char="•"/>
             </a:pPr>
             <a:r>
-              <a:rPr lang="en-GB" sz="1600" dirty="0"/>
+              <a:rPr lang="en-US" sz="1300">
+                <a:solidFill>
+                  <a:schemeClr val="bg1"/>
+                </a:solidFill>
+              </a:rPr>
               <a:t>Lowest flight delays observed between September and November, i.e. calmer weather</a:t>
             </a:r>
           </a:p>
           <a:p>
-            <a:pPr marL="285750" indent="-285750">
+            <a:pPr marL="285750" indent="-228600">
+              <a:lnSpc>
+                <a:spcPct val="90000"/>
+              </a:lnSpc>
+              <a:spcAft>
+                <a:spcPts val="600"/>
+              </a:spcAft>
               <a:buFont typeface="Arial" panose="020B0604020202020204" pitchFamily="34" charset="0"/>
               <a:buChar char="•"/>
             </a:pPr>
-            <a:endParaRPr lang="en-GB" sz="1600" dirty="0"/>
-          </a:p>
-          <a:p>
-            <a:pPr marL="285750" indent="-285750">
+            <a:endParaRPr lang="en-US" sz="1300">
+              <a:solidFill>
+                <a:schemeClr val="bg1"/>
+              </a:solidFill>
+            </a:endParaRPr>
+          </a:p>
+          <a:p>
+            <a:pPr marL="285750" indent="-228600">
+              <a:lnSpc>
+                <a:spcPct val="90000"/>
+              </a:lnSpc>
+              <a:spcAft>
+                <a:spcPts val="600"/>
+              </a:spcAft>
               <a:buFont typeface="Arial" panose="020B0604020202020204" pitchFamily="34" charset="0"/>
               <a:buChar char="•"/>
             </a:pPr>
             <a:r>
-              <a:rPr lang="en-GB" sz="1600" dirty="0"/>
+              <a:rPr lang="en-US" sz="1300">
+                <a:solidFill>
+                  <a:schemeClr val="bg1"/>
+                </a:solidFill>
+              </a:rPr>
               <a:t>Increase in flights delays during December and January – this could be attributed to poor weather conditions</a:t>
             </a:r>
           </a:p>
@@ -5673,8 +10706,8 @@
         </p:blipFill>
         <p:spPr>
           <a:xfrm>
-            <a:off x="691551" y="2187362"/>
-            <a:ext cx="5516237" cy="3325848"/>
+            <a:off x="5110716" y="1364035"/>
+            <a:ext cx="6596652" cy="3974481"/>
           </a:xfrm>
           <a:prstGeom prst="rect">
             <a:avLst/>
@@ -5683,10 +10716,10 @@
       </p:pic>
       <p:sp>
         <p:nvSpPr>
-          <p:cNvPr id="19" name="Oval 18">
+          <p:cNvPr id="3" name="Oval 2">
             <a:extLst>
               <a:ext uri="{FF2B5EF4-FFF2-40B4-BE49-F238E27FC236}">
-                <a16:creationId xmlns:a16="http://schemas.microsoft.com/office/drawing/2014/main" id="{13938B1A-8D06-3BA7-844F-2D17DA784FC1}"/>
+                <a16:creationId xmlns:a16="http://schemas.microsoft.com/office/drawing/2014/main" id="{2A90F01C-E3FC-0966-A29B-EB25A6167653}"/>
               </a:ext>
             </a:extLst>
           </p:cNvPr>
@@ -5695,7 +10728,7 @@
         </p:nvSpPr>
         <p:spPr>
           <a:xfrm>
-            <a:off x="4433978" y="5296618"/>
+            <a:off x="9622337" y="5103987"/>
             <a:ext cx="362309" cy="233844"/>
           </a:xfrm>
           <a:prstGeom prst="ellipse">
@@ -5735,10 +10768,10 @@
       </p:sp>
       <p:sp>
         <p:nvSpPr>
-          <p:cNvPr id="20" name="TextBox 19">
+          <p:cNvPr id="4" name="TextBox 3">
             <a:extLst>
               <a:ext uri="{FF2B5EF4-FFF2-40B4-BE49-F238E27FC236}">
-                <a16:creationId xmlns:a16="http://schemas.microsoft.com/office/drawing/2014/main" id="{6B176328-905E-33D6-9570-569B66F44AEB}"/>
+                <a16:creationId xmlns:a16="http://schemas.microsoft.com/office/drawing/2014/main" id="{33E80206-4AEC-AB59-6EFE-D4CD637108B3}"/>
               </a:ext>
             </a:extLst>
           </p:cNvPr>
@@ -5747,7 +10780,7 @@
         </p:nvSpPr>
         <p:spPr>
           <a:xfrm>
-            <a:off x="3721297" y="5871384"/>
+            <a:off x="8909656" y="5678753"/>
             <a:ext cx="1787669" cy="276999"/>
           </a:xfrm>
           <a:prstGeom prst="rect">
@@ -5770,23 +10803,23 @@
       </p:sp>
       <p:cxnSp>
         <p:nvCxnSpPr>
-          <p:cNvPr id="22" name="Straight Arrow Connector 21">
+          <p:cNvPr id="5" name="Straight Arrow Connector 4">
             <a:extLst>
               <a:ext uri="{FF2B5EF4-FFF2-40B4-BE49-F238E27FC236}">
-                <a16:creationId xmlns:a16="http://schemas.microsoft.com/office/drawing/2014/main" id="{6D0A9314-90F0-5D81-55BB-EA615B64D8B3}"/>
+                <a16:creationId xmlns:a16="http://schemas.microsoft.com/office/drawing/2014/main" id="{089135E1-A05B-79F6-F7AD-C9B3533E2940}"/>
               </a:ext>
             </a:extLst>
           </p:cNvPr>
           <p:cNvCxnSpPr>
             <a:cxnSpLocks/>
-            <a:stCxn id="19" idx="4"/>
-            <a:endCxn id="20" idx="0"/>
+            <a:stCxn id="3" idx="4"/>
+            <a:endCxn id="4" idx="0"/>
           </p:cNvCxnSpPr>
           <p:nvPr/>
         </p:nvCxnSpPr>
         <p:spPr>
           <a:xfrm flipH="1">
-            <a:off x="4615132" y="5530462"/>
+            <a:off x="9803491" y="5337831"/>
             <a:ext cx="1" cy="340922"/>
           </a:xfrm>
           <a:prstGeom prst="straightConnector1">
@@ -5813,10 +10846,10 @@
       </p:cxnSp>
       <p:sp>
         <p:nvSpPr>
-          <p:cNvPr id="25" name="Oval 24">
+          <p:cNvPr id="6" name="Oval 5">
             <a:extLst>
               <a:ext uri="{FF2B5EF4-FFF2-40B4-BE49-F238E27FC236}">
-                <a16:creationId xmlns:a16="http://schemas.microsoft.com/office/drawing/2014/main" id="{1819484D-0928-AF6A-0233-2392E5F7426B}"/>
+                <a16:creationId xmlns:a16="http://schemas.microsoft.com/office/drawing/2014/main" id="{861A8F2A-1F13-2BBD-5EF3-3420F32147A7}"/>
               </a:ext>
             </a:extLst>
           </p:cNvPr>
@@ -5825,7 +10858,7 @@
         </p:nvSpPr>
         <p:spPr>
           <a:xfrm>
-            <a:off x="3169210" y="5296618"/>
+            <a:off x="7713500" y="5102743"/>
             <a:ext cx="362309" cy="233844"/>
           </a:xfrm>
           <a:prstGeom prst="ellipse">
@@ -5865,10 +10898,10 @@
       </p:sp>
       <p:sp>
         <p:nvSpPr>
-          <p:cNvPr id="26" name="TextBox 25">
+          <p:cNvPr id="7" name="TextBox 6">
             <a:extLst>
               <a:ext uri="{FF2B5EF4-FFF2-40B4-BE49-F238E27FC236}">
-                <a16:creationId xmlns:a16="http://schemas.microsoft.com/office/drawing/2014/main" id="{806A84D8-E1FF-D47E-559D-F55A6DD2A52F}"/>
+                <a16:creationId xmlns:a16="http://schemas.microsoft.com/office/drawing/2014/main" id="{521DF789-08D9-710A-56C5-3F3326A1EE70}"/>
               </a:ext>
             </a:extLst>
           </p:cNvPr>
@@ -5877,7 +10910,7 @@
         </p:nvSpPr>
         <p:spPr>
           <a:xfrm>
-            <a:off x="2446902" y="6212306"/>
+            <a:off x="6991192" y="6018431"/>
             <a:ext cx="1816844" cy="276999"/>
           </a:xfrm>
           <a:prstGeom prst="rect">
@@ -5900,23 +10933,23 @@
       </p:sp>
       <p:cxnSp>
         <p:nvCxnSpPr>
-          <p:cNvPr id="27" name="Straight Arrow Connector 26">
+          <p:cNvPr id="8" name="Straight Arrow Connector 7">
             <a:extLst>
               <a:ext uri="{FF2B5EF4-FFF2-40B4-BE49-F238E27FC236}">
-                <a16:creationId xmlns:a16="http://schemas.microsoft.com/office/drawing/2014/main" id="{A7645711-1392-7DD6-4728-C6B032C8D0E7}"/>
+                <a16:creationId xmlns:a16="http://schemas.microsoft.com/office/drawing/2014/main" id="{CDEC2A7F-FB35-BDF2-A454-E25E1401353C}"/>
               </a:ext>
             </a:extLst>
           </p:cNvPr>
           <p:cNvCxnSpPr>
             <a:cxnSpLocks/>
-            <a:stCxn id="25" idx="4"/>
-            <a:endCxn id="26" idx="0"/>
+            <a:stCxn id="6" idx="4"/>
+            <a:endCxn id="7" idx="0"/>
           </p:cNvCxnSpPr>
           <p:nvPr/>
         </p:nvCxnSpPr>
         <p:spPr>
           <a:xfrm>
-            <a:off x="3350365" y="5530462"/>
+            <a:off x="7894655" y="5336587"/>
             <a:ext cx="4959" cy="681844"/>
           </a:xfrm>
           <a:prstGeom prst="straightConnector1">
@@ -5957,6 +10990,14 @@
 <file path=ppt/slides/slide8.xml><?xml version="1.0" encoding="utf-8"?>
 <p:sld xmlns:a="http://schemas.openxmlformats.org/drawingml/2006/main" xmlns:r="http://schemas.openxmlformats.org/officeDocument/2006/relationships" xmlns:p="http://schemas.openxmlformats.org/presentationml/2006/main">
   <p:cSld>
+    <p:bg>
+      <p:bgPr>
+        <a:solidFill>
+          <a:schemeClr val="bg1"/>
+        </a:solidFill>
+        <a:effectLst/>
+      </p:bgPr>
+    </p:bg>
     <p:spTree>
       <p:nvGrpSpPr>
         <p:cNvPr id="1" name=""/>
@@ -5973,6 +11014,71 @@
       </p:grpSpPr>
       <p:sp>
         <p:nvSpPr>
+          <p:cNvPr id="19" name="Rectangle 18">
+            <a:extLst>
+              <a:ext uri="{FF2B5EF4-FFF2-40B4-BE49-F238E27FC236}">
+                <a16:creationId xmlns:a16="http://schemas.microsoft.com/office/drawing/2014/main" id="{99899462-FC16-43B0-966B-FCA263450716}"/>
+              </a:ext>
+              <a:ext uri="{C183D7F6-B498-43B3-948B-1728B52AA6E4}">
+                <adec:decorative xmlns:adec="http://schemas.microsoft.com/office/drawing/2017/decorative" val="1"/>
+              </a:ext>
+            </a:extLst>
+          </p:cNvPr>
+          <p:cNvSpPr>
+            <a:spLocks noGrp="1" noRot="1" noChangeAspect="1" noMove="1" noResize="1" noEditPoints="1" noAdjustHandles="1" noChangeArrowheads="1" noChangeShapeType="1" noTextEdit="1"/>
+          </p:cNvSpPr>
+          <p:nvPr>
+            <p:extLst>
+              <p:ext uri="{386F3935-93C4-4BCD-93E2-E3B085C9AB24}">
+                <p16:designElem xmlns:p16="http://schemas.microsoft.com/office/powerpoint/2015/main" val="1"/>
+              </p:ext>
+            </p:extLst>
+          </p:nvPr>
+        </p:nvSpPr>
+        <p:spPr bwMode="ltGray">
+          <a:xfrm>
+            <a:off x="493775" y="478232"/>
+            <a:ext cx="5809306" cy="5918673"/>
+          </a:xfrm>
+          <a:prstGeom prst="rect">
+            <a:avLst/>
+          </a:prstGeom>
+          <a:solidFill>
+            <a:srgbClr val="404040"/>
+          </a:solidFill>
+          <a:ln w="127000" cap="sq" cmpd="thinThick">
+            <a:solidFill>
+              <a:srgbClr val="404040"/>
+            </a:solidFill>
+          </a:ln>
+        </p:spPr>
+        <p:style>
+          <a:lnRef idx="2">
+            <a:schemeClr val="accent1">
+              <a:shade val="50000"/>
+            </a:schemeClr>
+          </a:lnRef>
+          <a:fillRef idx="1">
+            <a:schemeClr val="accent1"/>
+          </a:fillRef>
+          <a:effectRef idx="0">
+            <a:schemeClr val="accent1"/>
+          </a:effectRef>
+          <a:fontRef idx="minor">
+            <a:schemeClr val="lt1"/>
+          </a:fontRef>
+        </p:style>
+        <p:txBody>
+          <a:bodyPr rtlCol="0" anchor="ctr"/>
+          <a:lstStyle/>
+          <a:p>
+            <a:pPr algn="ctr"/>
+            <a:endParaRPr lang="en-US"/>
+          </a:p>
+        </p:txBody>
+      </p:sp>
+      <p:sp>
+        <p:nvSpPr>
           <p:cNvPr id="2" name="Title 1">
             <a:extLst>
               <a:ext uri="{FF2B5EF4-FFF2-40B4-BE49-F238E27FC236}">
@@ -5987,24 +11093,209 @@
             <p:ph type="title"/>
           </p:nvPr>
         </p:nvSpPr>
-        <p:spPr/>
+        <p:spPr>
+          <a:xfrm>
+            <a:off x="947446" y="1053711"/>
+            <a:ext cx="4933490" cy="1424446"/>
+          </a:xfrm>
+        </p:spPr>
         <p:txBody>
-          <a:bodyPr/>
+          <a:bodyPr vert="horz" lIns="91440" tIns="45720" rIns="91440" bIns="45720" rtlCol="0" anchor="ctr">
+            <a:normAutofit/>
+          </a:bodyPr>
           <a:lstStyle/>
           <a:p>
             <a:r>
-              <a:rPr lang="en-GB" dirty="0"/>
+              <a:rPr lang="en-US" sz="4000">
+                <a:solidFill>
+                  <a:srgbClr val="FFFFFF"/>
+                </a:solidFill>
+              </a:rPr>
               <a:t>Other Effects – Temporal</a:t>
+            </a:r>
+          </a:p>
+        </p:txBody>
+      </p:sp>
+      <p:cxnSp>
+        <p:nvCxnSpPr>
+          <p:cNvPr id="21" name="Straight Connector 20">
+            <a:extLst>
+              <a:ext uri="{FF2B5EF4-FFF2-40B4-BE49-F238E27FC236}">
+                <a16:creationId xmlns:a16="http://schemas.microsoft.com/office/drawing/2014/main" id="{AAFEA932-2DF1-410C-A00A-7A1E7DBF7511}"/>
+              </a:ext>
+              <a:ext uri="{C183D7F6-B498-43B3-948B-1728B52AA6E4}">
+                <adec:decorative xmlns:adec="http://schemas.microsoft.com/office/drawing/2017/decorative" val="1"/>
+              </a:ext>
+            </a:extLst>
+          </p:cNvPr>
+          <p:cNvCxnSpPr>
+            <a:cxnSpLocks noGrp="1" noRot="1" noChangeAspect="1" noMove="1" noResize="1" noEditPoints="1" noAdjustHandles="1" noChangeArrowheads="1" noChangeShapeType="1"/>
+          </p:cNvCxnSpPr>
+          <p:nvPr>
+            <p:extLst>
+              <p:ext uri="{386F3935-93C4-4BCD-93E2-E3B085C9AB24}">
+                <p16:designElem xmlns:p16="http://schemas.microsoft.com/office/powerpoint/2015/main" val="1"/>
+              </p:ext>
+            </p:extLst>
+          </p:nvPr>
+        </p:nvCxnSpPr>
+        <p:spPr>
+          <a:xfrm>
+            <a:off x="1079782" y="2639023"/>
+            <a:ext cx="4800600" cy="0"/>
+          </a:xfrm>
+          <a:prstGeom prst="line">
+            <a:avLst/>
+          </a:prstGeom>
+          <a:ln w="22225">
+            <a:solidFill>
+              <a:srgbClr val="E7E6E6"/>
+            </a:solidFill>
+          </a:ln>
+        </p:spPr>
+        <p:style>
+          <a:lnRef idx="1">
+            <a:schemeClr val="accent1"/>
+          </a:lnRef>
+          <a:fillRef idx="0">
+            <a:schemeClr val="accent1"/>
+          </a:fillRef>
+          <a:effectRef idx="0">
+            <a:schemeClr val="accent1"/>
+          </a:effectRef>
+          <a:fontRef idx="minor">
+            <a:schemeClr val="tx1"/>
+          </a:fontRef>
+        </p:style>
+      </p:cxnSp>
+      <p:sp>
+        <p:nvSpPr>
+          <p:cNvPr id="14" name="TextBox 13">
+            <a:extLst>
+              <a:ext uri="{FF2B5EF4-FFF2-40B4-BE49-F238E27FC236}">
+                <a16:creationId xmlns:a16="http://schemas.microsoft.com/office/drawing/2014/main" id="{D8F0AEB0-6453-EF74-9062-D6128F9AA748}"/>
+              </a:ext>
+            </a:extLst>
+          </p:cNvPr>
+          <p:cNvSpPr txBox="1"/>
+          <p:nvPr/>
+        </p:nvSpPr>
+        <p:spPr>
+          <a:xfrm>
+            <a:off x="947447" y="2799889"/>
+            <a:ext cx="4933490" cy="2987543"/>
+          </a:xfrm>
+          <a:prstGeom prst="rect">
+            <a:avLst/>
+          </a:prstGeom>
+        </p:spPr>
+        <p:txBody>
+          <a:bodyPr vert="horz" lIns="91440" tIns="45720" rIns="91440" bIns="45720" rtlCol="0" anchor="t">
+            <a:normAutofit/>
+          </a:bodyPr>
+          <a:lstStyle/>
+          <a:p>
+            <a:pPr marL="285750" indent="-228600">
+              <a:lnSpc>
+                <a:spcPct val="90000"/>
+              </a:lnSpc>
+              <a:spcAft>
+                <a:spcPts val="600"/>
+              </a:spcAft>
+              <a:buFont typeface="Arial" panose="020B0604020202020204" pitchFamily="34" charset="0"/>
+              <a:buChar char="•"/>
+            </a:pPr>
+            <a:r>
+              <a:rPr lang="en-US" sz="2000">
+                <a:solidFill>
+                  <a:srgbClr val="FFFFFF"/>
+                </a:solidFill>
+              </a:rPr>
+              <a:t>Proportion of delayed flights increases as the day progresses</a:t>
+            </a:r>
+          </a:p>
+          <a:p>
+            <a:pPr marL="285750" indent="-228600">
+              <a:lnSpc>
+                <a:spcPct val="90000"/>
+              </a:lnSpc>
+              <a:spcAft>
+                <a:spcPts val="600"/>
+              </a:spcAft>
+              <a:buFont typeface="Arial" panose="020B0604020202020204" pitchFamily="34" charset="0"/>
+              <a:buChar char="•"/>
+            </a:pPr>
+            <a:endParaRPr lang="en-US" sz="2000">
+              <a:solidFill>
+                <a:srgbClr val="FFFFFF"/>
+              </a:solidFill>
+            </a:endParaRPr>
+          </a:p>
+          <a:p>
+            <a:pPr marL="285750" indent="-228600">
+              <a:lnSpc>
+                <a:spcPct val="90000"/>
+              </a:lnSpc>
+              <a:spcAft>
+                <a:spcPts val="600"/>
+              </a:spcAft>
+              <a:buFont typeface="Arial" panose="020B0604020202020204" pitchFamily="34" charset="0"/>
+              <a:buChar char="•"/>
+            </a:pPr>
+            <a:r>
+              <a:rPr lang="en-US" sz="2000">
+                <a:solidFill>
+                  <a:srgbClr val="FFFFFF"/>
+                </a:solidFill>
+              </a:rPr>
+              <a:t>The length of delays also increases throughout the day</a:t>
+            </a:r>
+          </a:p>
+          <a:p>
+            <a:pPr marL="285750" indent="-228600">
+              <a:lnSpc>
+                <a:spcPct val="90000"/>
+              </a:lnSpc>
+              <a:spcAft>
+                <a:spcPts val="600"/>
+              </a:spcAft>
+              <a:buFont typeface="Arial" panose="020B0604020202020204" pitchFamily="34" charset="0"/>
+              <a:buChar char="•"/>
+            </a:pPr>
+            <a:endParaRPr lang="en-US" sz="2000">
+              <a:solidFill>
+                <a:srgbClr val="FFFFFF"/>
+              </a:solidFill>
+            </a:endParaRPr>
+          </a:p>
+          <a:p>
+            <a:pPr marL="285750" indent="-228600">
+              <a:lnSpc>
+                <a:spcPct val="90000"/>
+              </a:lnSpc>
+              <a:spcAft>
+                <a:spcPts val="600"/>
+              </a:spcAft>
+              <a:buFont typeface="Arial" panose="020B0604020202020204" pitchFamily="34" charset="0"/>
+              <a:buChar char="•"/>
+            </a:pPr>
+            <a:r>
+              <a:rPr lang="en-US" sz="2000">
+                <a:solidFill>
+                  <a:srgbClr val="FFFFFF"/>
+                </a:solidFill>
+              </a:rPr>
+              <a:t>This suggests that there may be some form of “domino” effect from earlier flights</a:t>
             </a:r>
           </a:p>
         </p:txBody>
       </p:sp>
       <p:pic>
         <p:nvPicPr>
-          <p:cNvPr id="8" name="Picture 7">
+          <p:cNvPr id="11" name="Picture 10">
             <a:extLst>
               <a:ext uri="{FF2B5EF4-FFF2-40B4-BE49-F238E27FC236}">
-                <a16:creationId xmlns:a16="http://schemas.microsoft.com/office/drawing/2014/main" id="{C8851FA7-8191-E099-60F4-583FB10399FF}"/>
+                <a16:creationId xmlns:a16="http://schemas.microsoft.com/office/drawing/2014/main" id="{ED6D252A-8E26-A3A0-AD16-96EE91DBD3A9}"/>
               </a:ext>
             </a:extLst>
           </p:cNvPr>
@@ -6021,8 +11312,8 @@
         </p:blipFill>
         <p:spPr>
           <a:xfrm>
-            <a:off x="1300663" y="1687584"/>
-            <a:ext cx="4332874" cy="2669249"/>
+            <a:off x="6847308" y="347472"/>
+            <a:ext cx="4832195" cy="2971800"/>
           </a:xfrm>
           <a:prstGeom prst="rect">
             <a:avLst/>
@@ -6031,10 +11322,10 @@
       </p:pic>
       <p:pic>
         <p:nvPicPr>
-          <p:cNvPr id="11" name="Picture 10">
+          <p:cNvPr id="8" name="Picture 7">
             <a:extLst>
               <a:ext uri="{FF2B5EF4-FFF2-40B4-BE49-F238E27FC236}">
-                <a16:creationId xmlns:a16="http://schemas.microsoft.com/office/drawing/2014/main" id="{ED6D252A-8E26-A3A0-AD16-96EE91DBD3A9}"/>
+                <a16:creationId xmlns:a16="http://schemas.microsoft.com/office/drawing/2014/main" id="{C8851FA7-8191-E099-60F4-583FB10399FF}"/>
               </a:ext>
             </a:extLst>
           </p:cNvPr>
@@ -6051,8 +11342,8 @@
         </p:blipFill>
         <p:spPr>
           <a:xfrm>
-            <a:off x="6096000" y="1690688"/>
-            <a:ext cx="4332874" cy="2663041"/>
+            <a:off x="6847307" y="3566160"/>
+            <a:ext cx="4832195" cy="2971800"/>
           </a:xfrm>
           <a:prstGeom prst="rect">
             <a:avLst/>
@@ -6061,83 +11352,10 @@
       </p:pic>
       <p:sp>
         <p:nvSpPr>
-          <p:cNvPr id="14" name="TextBox 13">
+          <p:cNvPr id="3" name="Arrow: Right 2">
             <a:extLst>
               <a:ext uri="{FF2B5EF4-FFF2-40B4-BE49-F238E27FC236}">
-                <a16:creationId xmlns:a16="http://schemas.microsoft.com/office/drawing/2014/main" id="{D8F0AEB0-6453-EF74-9062-D6128F9AA748}"/>
-              </a:ext>
-            </a:extLst>
-          </p:cNvPr>
-          <p:cNvSpPr txBox="1"/>
-          <p:nvPr/>
-        </p:nvSpPr>
-        <p:spPr>
-          <a:xfrm>
-            <a:off x="1078302" y="4511615"/>
-            <a:ext cx="10058400" cy="1477328"/>
-          </a:xfrm>
-          <a:prstGeom prst="rect">
-            <a:avLst/>
-          </a:prstGeom>
-          <a:noFill/>
-        </p:spPr>
-        <p:txBody>
-          <a:bodyPr wrap="square" rtlCol="0">
-            <a:spAutoFit/>
-          </a:bodyPr>
-          <a:lstStyle/>
-          <a:p>
-            <a:pPr marL="285750" indent="-285750">
-              <a:buFont typeface="Arial" panose="020B0604020202020204" pitchFamily="34" charset="0"/>
-              <a:buChar char="•"/>
-            </a:pPr>
-            <a:r>
-              <a:rPr lang="en-GB" dirty="0"/>
-              <a:t>Proportion of delayed flights increases as the day progresses</a:t>
-            </a:r>
-          </a:p>
-          <a:p>
-            <a:pPr marL="285750" indent="-285750">
-              <a:buFont typeface="Arial" panose="020B0604020202020204" pitchFamily="34" charset="0"/>
-              <a:buChar char="•"/>
-            </a:pPr>
-            <a:endParaRPr lang="en-GB" dirty="0"/>
-          </a:p>
-          <a:p>
-            <a:pPr marL="285750" indent="-285750">
-              <a:buFont typeface="Arial" panose="020B0604020202020204" pitchFamily="34" charset="0"/>
-              <a:buChar char="•"/>
-            </a:pPr>
-            <a:r>
-              <a:rPr lang="en-GB" dirty="0"/>
-              <a:t>The length of delays also increases throughout the day</a:t>
-            </a:r>
-          </a:p>
-          <a:p>
-            <a:pPr marL="285750" indent="-285750">
-              <a:buFont typeface="Arial" panose="020B0604020202020204" pitchFamily="34" charset="0"/>
-              <a:buChar char="•"/>
-            </a:pPr>
-            <a:endParaRPr lang="en-GB" dirty="0"/>
-          </a:p>
-          <a:p>
-            <a:pPr marL="285750" indent="-285750">
-              <a:buFont typeface="Arial" panose="020B0604020202020204" pitchFamily="34" charset="0"/>
-              <a:buChar char="•"/>
-            </a:pPr>
-            <a:r>
-              <a:rPr lang="en-GB" dirty="0"/>
-              <a:t>This suggests that there may be some form of “domino” effect from earlier flights</a:t>
-            </a:r>
-          </a:p>
-        </p:txBody>
-      </p:sp>
-      <p:sp>
-        <p:nvSpPr>
-          <p:cNvPr id="15" name="Arrow: Right 14">
-            <a:extLst>
-              <a:ext uri="{FF2B5EF4-FFF2-40B4-BE49-F238E27FC236}">
-                <a16:creationId xmlns:a16="http://schemas.microsoft.com/office/drawing/2014/main" id="{52EF9992-E135-4346-3454-4954F763A864}"/>
+                <a16:creationId xmlns:a16="http://schemas.microsoft.com/office/drawing/2014/main" id="{14EBCA68-F291-B983-7A36-3463348BB645}"/>
               </a:ext>
             </a:extLst>
           </p:cNvPr>
@@ -6146,7 +11364,7 @@
         </p:nvSpPr>
         <p:spPr>
           <a:xfrm rot="20161157">
-            <a:off x="2234239" y="3143542"/>
+            <a:off x="8129690" y="1852076"/>
             <a:ext cx="3200400" cy="258792"/>
           </a:xfrm>
           <a:prstGeom prst="rightArrow">
@@ -6188,10 +11406,10 @@
       </p:sp>
       <p:sp>
         <p:nvSpPr>
-          <p:cNvPr id="17" name="Arrow: Right 16">
+          <p:cNvPr id="4" name="Arrow: Right 3">
             <a:extLst>
               <a:ext uri="{FF2B5EF4-FFF2-40B4-BE49-F238E27FC236}">
-                <a16:creationId xmlns:a16="http://schemas.microsoft.com/office/drawing/2014/main" id="{4C68F815-AB82-3ABC-DCCF-5C551D6AC88A}"/>
+                <a16:creationId xmlns:a16="http://schemas.microsoft.com/office/drawing/2014/main" id="{74A39715-1B1B-89E5-1D1D-75DB88E0F65B}"/>
               </a:ext>
             </a:extLst>
           </p:cNvPr>
@@ -6199,9 +11417,9 @@
           <p:nvPr/>
         </p:nvSpPr>
         <p:spPr>
-          <a:xfrm rot="20161157">
-            <a:off x="6967265" y="3143542"/>
-            <a:ext cx="3200400" cy="258792"/>
+          <a:xfrm rot="19778773">
+            <a:off x="8209982" y="5081345"/>
+            <a:ext cx="3187662" cy="258792"/>
           </a:xfrm>
           <a:prstGeom prst="rightArrow">
             <a:avLst/>
@@ -6256,6 +11474,14 @@
 <file path=ppt/slides/slide9.xml><?xml version="1.0" encoding="utf-8"?>
 <p:sld xmlns:a="http://schemas.openxmlformats.org/drawingml/2006/main" xmlns:r="http://schemas.openxmlformats.org/officeDocument/2006/relationships" xmlns:p="http://schemas.openxmlformats.org/presentationml/2006/main">
   <p:cSld>
+    <p:bg>
+      <p:bgPr>
+        <a:solidFill>
+          <a:schemeClr val="bg1"/>
+        </a:solidFill>
+        <a:effectLst/>
+      </p:bgPr>
+    </p:bg>
     <p:spTree>
       <p:nvGrpSpPr>
         <p:cNvPr id="1" name=""/>
@@ -6272,10 +11498,75 @@
       </p:grpSpPr>
       <p:sp>
         <p:nvSpPr>
+          <p:cNvPr id="19" name="Rectangle 18">
+            <a:extLst>
+              <a:ext uri="{FF2B5EF4-FFF2-40B4-BE49-F238E27FC236}">
+                <a16:creationId xmlns:a16="http://schemas.microsoft.com/office/drawing/2014/main" id="{99899462-FC16-43B0-966B-FCA263450716}"/>
+              </a:ext>
+              <a:ext uri="{C183D7F6-B498-43B3-948B-1728B52AA6E4}">
+                <adec:decorative xmlns:adec="http://schemas.microsoft.com/office/drawing/2017/decorative" val="1"/>
+              </a:ext>
+            </a:extLst>
+          </p:cNvPr>
+          <p:cNvSpPr>
+            <a:spLocks noGrp="1" noRot="1" noChangeAspect="1" noMove="1" noResize="1" noEditPoints="1" noAdjustHandles="1" noChangeArrowheads="1" noChangeShapeType="1" noTextEdit="1"/>
+          </p:cNvSpPr>
+          <p:nvPr>
+            <p:extLst>
+              <p:ext uri="{386F3935-93C4-4BCD-93E2-E3B085C9AB24}">
+                <p16:designElem xmlns:p16="http://schemas.microsoft.com/office/powerpoint/2015/main" val="1"/>
+              </p:ext>
+            </p:extLst>
+          </p:nvPr>
+        </p:nvSpPr>
+        <p:spPr bwMode="ltGray">
+          <a:xfrm>
+            <a:off x="493775" y="478232"/>
+            <a:ext cx="5809306" cy="5918673"/>
+          </a:xfrm>
+          <a:prstGeom prst="rect">
+            <a:avLst/>
+          </a:prstGeom>
+          <a:solidFill>
+            <a:srgbClr val="404040"/>
+          </a:solidFill>
+          <a:ln w="127000" cap="sq" cmpd="thinThick">
+            <a:solidFill>
+              <a:srgbClr val="404040"/>
+            </a:solidFill>
+          </a:ln>
+        </p:spPr>
+        <p:style>
+          <a:lnRef idx="2">
+            <a:schemeClr val="accent1">
+              <a:shade val="50000"/>
+            </a:schemeClr>
+          </a:lnRef>
+          <a:fillRef idx="1">
+            <a:schemeClr val="accent1"/>
+          </a:fillRef>
+          <a:effectRef idx="0">
+            <a:schemeClr val="accent1"/>
+          </a:effectRef>
+          <a:fontRef idx="minor">
+            <a:schemeClr val="lt1"/>
+          </a:fontRef>
+        </p:style>
+        <p:txBody>
+          <a:bodyPr rtlCol="0" anchor="ctr"/>
+          <a:lstStyle/>
+          <a:p>
+            <a:pPr algn="ctr"/>
+            <a:endParaRPr lang="en-US"/>
+          </a:p>
+        </p:txBody>
+      </p:sp>
+      <p:sp>
+        <p:nvSpPr>
           <p:cNvPr id="2" name="Title 1">
             <a:extLst>
               <a:ext uri="{FF2B5EF4-FFF2-40B4-BE49-F238E27FC236}">
-                <a16:creationId xmlns:a16="http://schemas.microsoft.com/office/drawing/2014/main" id="{C7D11C5A-3B6F-B020-A36F-937B9A218B81}"/>
+                <a16:creationId xmlns:a16="http://schemas.microsoft.com/office/drawing/2014/main" id="{254E1D65-9AA9-3C8C-34F6-979BD3CD5B5E}"/>
               </a:ext>
             </a:extLst>
           </p:cNvPr>
@@ -6286,25 +11577,227 @@
             <p:ph type="title"/>
           </p:nvPr>
         </p:nvSpPr>
-        <p:spPr/>
+        <p:spPr>
+          <a:xfrm>
+            <a:off x="947446" y="1053711"/>
+            <a:ext cx="4933490" cy="1424446"/>
+          </a:xfrm>
+        </p:spPr>
         <p:txBody>
-          <a:bodyPr/>
+          <a:bodyPr vert="horz" lIns="91440" tIns="45720" rIns="91440" bIns="45720" rtlCol="0" anchor="ctr">
+            <a:normAutofit/>
+          </a:bodyPr>
           <a:lstStyle/>
           <a:p>
             <a:r>
-              <a:rPr lang="en-GB"/>
+              <a:rPr lang="en-US" sz="4000" dirty="0">
+                <a:solidFill>
+                  <a:schemeClr val="bg1"/>
+                </a:solidFill>
+              </a:rPr>
               <a:t>Comparison with other NYC Airports</a:t>
             </a:r>
-            <a:endParaRPr lang="en-GB" dirty="0"/>
+            <a:endParaRPr lang="en-US" sz="4000" dirty="0">
+              <a:solidFill>
+                <a:srgbClr val="FFFFFF"/>
+              </a:solidFill>
+            </a:endParaRPr>
+          </a:p>
+        </p:txBody>
+      </p:sp>
+      <p:cxnSp>
+        <p:nvCxnSpPr>
+          <p:cNvPr id="21" name="Straight Connector 20">
+            <a:extLst>
+              <a:ext uri="{FF2B5EF4-FFF2-40B4-BE49-F238E27FC236}">
+                <a16:creationId xmlns:a16="http://schemas.microsoft.com/office/drawing/2014/main" id="{AAFEA932-2DF1-410C-A00A-7A1E7DBF7511}"/>
+              </a:ext>
+              <a:ext uri="{C183D7F6-B498-43B3-948B-1728B52AA6E4}">
+                <adec:decorative xmlns:adec="http://schemas.microsoft.com/office/drawing/2017/decorative" val="1"/>
+              </a:ext>
+            </a:extLst>
+          </p:cNvPr>
+          <p:cNvCxnSpPr>
+            <a:cxnSpLocks noGrp="1" noRot="1" noChangeAspect="1" noMove="1" noResize="1" noEditPoints="1" noAdjustHandles="1" noChangeArrowheads="1" noChangeShapeType="1"/>
+          </p:cNvCxnSpPr>
+          <p:nvPr>
+            <p:extLst>
+              <p:ext uri="{386F3935-93C4-4BCD-93E2-E3B085C9AB24}">
+                <p16:designElem xmlns:p16="http://schemas.microsoft.com/office/powerpoint/2015/main" val="1"/>
+              </p:ext>
+            </p:extLst>
+          </p:nvPr>
+        </p:nvCxnSpPr>
+        <p:spPr>
+          <a:xfrm>
+            <a:off x="1079782" y="2639023"/>
+            <a:ext cx="4800600" cy="0"/>
+          </a:xfrm>
+          <a:prstGeom prst="line">
+            <a:avLst/>
+          </a:prstGeom>
+          <a:ln w="22225">
+            <a:solidFill>
+              <a:srgbClr val="E7E6E6"/>
+            </a:solidFill>
+          </a:ln>
+        </p:spPr>
+        <p:style>
+          <a:lnRef idx="1">
+            <a:schemeClr val="accent1"/>
+          </a:lnRef>
+          <a:fillRef idx="0">
+            <a:schemeClr val="accent1"/>
+          </a:fillRef>
+          <a:effectRef idx="0">
+            <a:schemeClr val="accent1"/>
+          </a:effectRef>
+          <a:fontRef idx="minor">
+            <a:schemeClr val="tx1"/>
+          </a:fontRef>
+        </p:style>
+      </p:cxnSp>
+      <p:sp>
+        <p:nvSpPr>
+          <p:cNvPr id="14" name="TextBox 13">
+            <a:extLst>
+              <a:ext uri="{FF2B5EF4-FFF2-40B4-BE49-F238E27FC236}">
+                <a16:creationId xmlns:a16="http://schemas.microsoft.com/office/drawing/2014/main" id="{D8F0AEB0-6453-EF74-9062-D6128F9AA748}"/>
+              </a:ext>
+            </a:extLst>
+          </p:cNvPr>
+          <p:cNvSpPr txBox="1"/>
+          <p:nvPr/>
+        </p:nvSpPr>
+        <p:spPr>
+          <a:xfrm>
+            <a:off x="947447" y="2799889"/>
+            <a:ext cx="4933490" cy="2987543"/>
+          </a:xfrm>
+          <a:prstGeom prst="rect">
+            <a:avLst/>
+          </a:prstGeom>
+        </p:spPr>
+        <p:txBody>
+          <a:bodyPr vert="horz" lIns="91440" tIns="45720" rIns="91440" bIns="45720" rtlCol="0" anchor="t">
+            <a:normAutofit fontScale="92500" lnSpcReduction="10000"/>
+          </a:bodyPr>
+          <a:lstStyle/>
+          <a:p>
+            <a:pPr marL="285750" indent="-228600">
+              <a:lnSpc>
+                <a:spcPct val="90000"/>
+              </a:lnSpc>
+              <a:spcAft>
+                <a:spcPts val="600"/>
+              </a:spcAft>
+              <a:buFont typeface="Arial" panose="020B0604020202020204" pitchFamily="34" charset="0"/>
+              <a:buChar char="•"/>
+            </a:pPr>
+            <a:r>
+              <a:rPr lang="en-US" sz="2000" dirty="0">
+                <a:solidFill>
+                  <a:schemeClr val="bg1"/>
+                </a:solidFill>
+              </a:rPr>
+              <a:t>Newark had the highest number of domestic flights but also had the highest proportion of flight delays</a:t>
+            </a:r>
+          </a:p>
+          <a:p>
+            <a:pPr marL="285750" indent="-228600">
+              <a:lnSpc>
+                <a:spcPct val="90000"/>
+              </a:lnSpc>
+              <a:spcAft>
+                <a:spcPts val="600"/>
+              </a:spcAft>
+              <a:buFont typeface="Arial" panose="020B0604020202020204" pitchFamily="34" charset="0"/>
+              <a:buChar char="•"/>
+            </a:pPr>
+            <a:endParaRPr lang="en-US" sz="2000" dirty="0">
+              <a:solidFill>
+                <a:schemeClr val="bg1"/>
+              </a:solidFill>
+            </a:endParaRPr>
+          </a:p>
+          <a:p>
+            <a:pPr marL="285750" indent="-228600">
+              <a:lnSpc>
+                <a:spcPct val="90000"/>
+              </a:lnSpc>
+              <a:spcAft>
+                <a:spcPts val="600"/>
+              </a:spcAft>
+              <a:buFont typeface="Arial" panose="020B0604020202020204" pitchFamily="34" charset="0"/>
+              <a:buChar char="•"/>
+            </a:pPr>
+            <a:r>
+              <a:rPr lang="en-US" sz="2000" dirty="0">
+                <a:solidFill>
+                  <a:schemeClr val="bg1"/>
+                </a:solidFill>
+              </a:rPr>
+              <a:t>However, La Guardia has more extreme delays, and all airports have a similar median departure delay.</a:t>
+            </a:r>
+          </a:p>
+          <a:p>
+            <a:pPr marL="285750" indent="-228600">
+              <a:lnSpc>
+                <a:spcPct val="90000"/>
+              </a:lnSpc>
+              <a:spcAft>
+                <a:spcPts val="600"/>
+              </a:spcAft>
+              <a:buFont typeface="Arial" panose="020B0604020202020204" pitchFamily="34" charset="0"/>
+              <a:buChar char="•"/>
+            </a:pPr>
+            <a:endParaRPr lang="en-US" sz="2000" dirty="0">
+              <a:solidFill>
+                <a:schemeClr val="bg1"/>
+              </a:solidFill>
+            </a:endParaRPr>
+          </a:p>
+          <a:p>
+            <a:pPr marL="285750" indent="-228600">
+              <a:lnSpc>
+                <a:spcPct val="90000"/>
+              </a:lnSpc>
+              <a:spcAft>
+                <a:spcPts val="600"/>
+              </a:spcAft>
+              <a:buFont typeface="Arial" panose="020B0604020202020204" pitchFamily="34" charset="0"/>
+              <a:buChar char="•"/>
+            </a:pPr>
+            <a:r>
+              <a:rPr lang="en-US" sz="2000" dirty="0">
+                <a:solidFill>
+                  <a:schemeClr val="bg1"/>
+                </a:solidFill>
+              </a:rPr>
+              <a:t>JFK and La Guardia have the same runway orientations and the pattern of delays are much less pronounced </a:t>
+            </a:r>
+            <a:r>
+              <a:rPr lang="en-US" sz="2000">
+                <a:solidFill>
+                  <a:schemeClr val="bg1"/>
+                </a:solidFill>
+              </a:rPr>
+              <a:t>than Newark’s</a:t>
+            </a:r>
+            <a:endParaRPr lang="en-US" sz="2000" dirty="0">
+              <a:solidFill>
+                <a:schemeClr val="bg1"/>
+              </a:solidFill>
+            </a:endParaRPr>
           </a:p>
         </p:txBody>
       </p:sp>
       <p:graphicFrame>
         <p:nvGraphicFramePr>
-          <p:cNvPr id="4" name="Table 4">
+          <p:cNvPr id="5" name="Table 4">
             <a:extLst>
               <a:ext uri="{FF2B5EF4-FFF2-40B4-BE49-F238E27FC236}">
-                <a16:creationId xmlns:a16="http://schemas.microsoft.com/office/drawing/2014/main" id="{FFA6E2B3-EE56-9B96-7985-DCADF3004A07}"/>
+                <a16:creationId xmlns:a16="http://schemas.microsoft.com/office/drawing/2014/main" id="{F41E27F7-BC07-A0D2-6CCF-0BDAD4B35D69}"/>
               </a:ext>
             </a:extLst>
           </p:cNvPr>
@@ -6315,44 +11808,49 @@
             <p:ph idx="1"/>
             <p:extLst>
               <p:ext uri="{D42A27DB-BD31-4B8C-83A1-F6EECF244321}">
-                <p14:modId xmlns:p14="http://schemas.microsoft.com/office/powerpoint/2010/main" val="4165957834"/>
+                <p14:modId xmlns:p14="http://schemas.microsoft.com/office/powerpoint/2010/main" val="3062339289"/>
               </p:ext>
             </p:extLst>
           </p:nvPr>
         </p:nvGraphicFramePr>
         <p:xfrm>
-          <a:off x="657727" y="1545949"/>
-          <a:ext cx="7086599" cy="1883051"/>
+          <a:off x="6763014" y="1321909"/>
+          <a:ext cx="4935211" cy="1874538"/>
         </p:xfrm>
         <a:graphic>
           <a:graphicData uri="http://schemas.openxmlformats.org/drawingml/2006/table">
             <a:tbl>
               <a:tblPr firstRow="1" bandRow="1">
-                <a:tableStyleId>{5C22544A-7EE6-4342-B048-85BDC9FD1C3A}</a:tableStyleId>
+                <a:solidFill>
+                  <a:srgbClr val="F2F2F2">
+                    <a:alpha val="45098"/>
+                  </a:srgbClr>
+                </a:solidFill>
+                <a:tableStyleId>{7E9639D4-E3E2-4D34-9284-5A2195B3D0D7}</a:tableStyleId>
               </a:tblPr>
               <a:tblGrid>
-                <a:gridCol w="3214709">
+                <a:gridCol w="2227419">
                   <a:extLst>
                     <a:ext uri="{9D8B030D-6E8A-4147-A177-3AD203B41FA5}">
                       <a16:colId xmlns:a16="http://schemas.microsoft.com/office/drawing/2014/main" val="3439280143"/>
                     </a:ext>
                   </a:extLst>
                 </a:gridCol>
-                <a:gridCol w="1242449">
+                <a:gridCol w="829683">
                   <a:extLst>
                     <a:ext uri="{9D8B030D-6E8A-4147-A177-3AD203B41FA5}">
                       <a16:colId xmlns:a16="http://schemas.microsoft.com/office/drawing/2014/main" val="240195076"/>
                     </a:ext>
                   </a:extLst>
                 </a:gridCol>
-                <a:gridCol w="1242449">
+                <a:gridCol w="694365">
                   <a:extLst>
                     <a:ext uri="{9D8B030D-6E8A-4147-A177-3AD203B41FA5}">
                       <a16:colId xmlns:a16="http://schemas.microsoft.com/office/drawing/2014/main" val="2670450349"/>
                     </a:ext>
                   </a:extLst>
                 </a:gridCol>
-                <a:gridCol w="1386992">
+                <a:gridCol w="1183744">
                   <a:extLst>
                     <a:ext uri="{9D8B030D-6E8A-4147-A177-3AD203B41FA5}">
                       <a16:colId xmlns:a16="http://schemas.microsoft.com/office/drawing/2014/main" val="2296456064"/>
@@ -6360,20 +11858,40 @@
                   </a:extLst>
                 </a:gridCol>
               </a:tblGrid>
-              <a:tr h="301082">
+              <a:tr h="414417">
                 <a:tc>
                   <a:txBody>
                     <a:bodyPr/>
                     <a:lstStyle/>
                     <a:p>
                       <a:r>
-                        <a:rPr lang="en-GB"/>
+                        <a:rPr lang="en-GB" sz="1400" b="0" cap="none" spc="0" dirty="0">
+                          <a:solidFill>
+                            <a:schemeClr val="bg1"/>
+                          </a:solidFill>
+                        </a:rPr>
                         <a:t>Parameter</a:t>
                       </a:r>
-                      <a:endParaRPr lang="en-GB" dirty="0"/>
                     </a:p>
                   </a:txBody>
-                  <a:tcPr/>
+                  <a:tcPr marL="111965" marR="111965" marT="111965" marB="55983" anchor="ctr">
+                    <a:lnL w="12700" cmpd="sng">
+                      <a:noFill/>
+                    </a:lnL>
+                    <a:lnR w="12700" cmpd="sng">
+                      <a:noFill/>
+                    </a:lnR>
+                    <a:lnT w="19050" cap="flat" cmpd="sng" algn="ctr">
+                      <a:noFill/>
+                      <a:prstDash val="solid"/>
+                    </a:lnT>
+                    <a:lnB w="38100" cmpd="sng">
+                      <a:noFill/>
+                    </a:lnB>
+                    <a:solidFill>
+                      <a:schemeClr val="tx1"/>
+                    </a:solidFill>
+                  </a:tcPr>
                 </a:tc>
                 <a:tc>
                   <a:txBody>
@@ -6382,13 +11900,33 @@
                     <a:p>
                       <a:pPr algn="ctr"/>
                       <a:r>
-                        <a:rPr lang="en-GB"/>
+                        <a:rPr lang="en-GB" sz="1400" b="0" cap="none" spc="0" dirty="0">
+                          <a:solidFill>
+                            <a:schemeClr val="bg1"/>
+                          </a:solidFill>
+                        </a:rPr>
                         <a:t>Newark</a:t>
                       </a:r>
-                      <a:endParaRPr lang="en-GB" dirty="0"/>
                     </a:p>
                   </a:txBody>
-                  <a:tcPr/>
+                  <a:tcPr marL="111965" marR="111965" marT="111965" marB="55983" anchor="ctr">
+                    <a:lnL w="12700" cmpd="sng">
+                      <a:noFill/>
+                    </a:lnL>
+                    <a:lnR w="12700" cmpd="sng">
+                      <a:noFill/>
+                    </a:lnR>
+                    <a:lnT w="19050" cap="flat" cmpd="sng" algn="ctr">
+                      <a:noFill/>
+                      <a:prstDash val="solid"/>
+                    </a:lnT>
+                    <a:lnB w="38100" cmpd="sng">
+                      <a:noFill/>
+                    </a:lnB>
+                    <a:solidFill>
+                      <a:schemeClr val="tx1"/>
+                    </a:solidFill>
+                  </a:tcPr>
                 </a:tc>
                 <a:tc>
                   <a:txBody>
@@ -6397,13 +11935,33 @@
                     <a:p>
                       <a:pPr algn="ctr"/>
                       <a:r>
-                        <a:rPr lang="en-GB"/>
+                        <a:rPr lang="en-GB" sz="1400" b="0" cap="none" spc="0">
+                          <a:solidFill>
+                            <a:schemeClr val="bg1"/>
+                          </a:solidFill>
+                        </a:rPr>
                         <a:t>JFK</a:t>
                       </a:r>
-                      <a:endParaRPr lang="en-GB" dirty="0"/>
                     </a:p>
                   </a:txBody>
-                  <a:tcPr/>
+                  <a:tcPr marL="111965" marR="111965" marT="111965" marB="55983" anchor="ctr">
+                    <a:lnL w="12700" cmpd="sng">
+                      <a:noFill/>
+                    </a:lnL>
+                    <a:lnR w="12700" cmpd="sng">
+                      <a:noFill/>
+                    </a:lnR>
+                    <a:lnT w="19050" cap="flat" cmpd="sng" algn="ctr">
+                      <a:noFill/>
+                      <a:prstDash val="solid"/>
+                    </a:lnT>
+                    <a:lnB w="38100" cmpd="sng">
+                      <a:noFill/>
+                    </a:lnB>
+                    <a:solidFill>
+                      <a:schemeClr val="tx1"/>
+                    </a:solidFill>
+                  </a:tcPr>
                 </a:tc>
                 <a:tc>
                   <a:txBody>
@@ -6412,13 +11970,33 @@
                     <a:p>
                       <a:pPr algn="ctr"/>
                       <a:r>
-                        <a:rPr lang="en-GB"/>
+                        <a:rPr lang="en-GB" sz="1400" b="0" cap="none" spc="0" dirty="0">
+                          <a:solidFill>
+                            <a:schemeClr val="bg1"/>
+                          </a:solidFill>
+                        </a:rPr>
                         <a:t>La Guardia</a:t>
                       </a:r>
-                      <a:endParaRPr lang="en-GB" dirty="0"/>
                     </a:p>
                   </a:txBody>
-                  <a:tcPr/>
+                  <a:tcPr marL="111965" marR="111965" marT="111965" marB="55983" anchor="ctr">
+                    <a:lnL w="12700" cmpd="sng">
+                      <a:noFill/>
+                    </a:lnL>
+                    <a:lnR w="12700" cmpd="sng">
+                      <a:noFill/>
+                    </a:lnR>
+                    <a:lnT w="19050" cap="flat" cmpd="sng" algn="ctr">
+                      <a:noFill/>
+                      <a:prstDash val="solid"/>
+                    </a:lnT>
+                    <a:lnB w="38100" cmpd="sng">
+                      <a:noFill/>
+                    </a:lnB>
+                    <a:solidFill>
+                      <a:schemeClr val="tx1"/>
+                    </a:solidFill>
+                  </a:tcPr>
                 </a:tc>
                 <a:extLst>
                   <a:ext uri="{0D108BD9-81ED-4DB2-BD59-A6C34878D82A}">
@@ -6426,20 +12004,48 @@
                   </a:ext>
                 </a:extLst>
               </a:tr>
-              <a:tr h="301082">
+              <a:tr h="335687">
                 <a:tc>
                   <a:txBody>
                     <a:bodyPr/>
                     <a:lstStyle/>
                     <a:p>
                       <a:r>
-                        <a:rPr lang="en-GB"/>
+                        <a:rPr lang="en-GB" sz="1200" cap="none" spc="0">
+                          <a:solidFill>
+                            <a:schemeClr val="tx1"/>
+                          </a:solidFill>
+                        </a:rPr>
                         <a:t>Total Domestic Flights</a:t>
                       </a:r>
-                      <a:endParaRPr lang="en-GB" dirty="0"/>
                     </a:p>
                   </a:txBody>
-                  <a:tcPr/>
+                  <a:tcPr marL="111965" marR="111965" marT="111965" marB="55983">
+                    <a:lnL w="12700" cmpd="sng">
+                      <a:noFill/>
+                      <a:prstDash val="solid"/>
+                    </a:lnL>
+                    <a:lnR w="12700" cmpd="sng">
+                      <a:noFill/>
+                      <a:prstDash val="solid"/>
+                    </a:lnR>
+                    <a:lnT w="38100" cmpd="sng">
+                      <a:noFill/>
+                    </a:lnT>
+                    <a:lnB w="12700" cap="flat" cmpd="sng" algn="ctr">
+                      <a:solidFill>
+                        <a:schemeClr val="bg1">
+                          <a:lumMod val="75000"/>
+                        </a:schemeClr>
+                      </a:solidFill>
+                      <a:prstDash val="solid"/>
+                    </a:lnB>
+                    <a:solidFill>
+                      <a:srgbClr val="F2F2F2">
+                        <a:alpha val="45098"/>
+                      </a:srgbClr>
+                    </a:solidFill>
+                  </a:tcPr>
                 </a:tc>
                 <a:tc>
                   <a:txBody>
@@ -6448,13 +12054,41 @@
                     <a:p>
                       <a:pPr algn="ctr"/>
                       <a:r>
-                        <a:rPr lang="en-GB"/>
+                        <a:rPr lang="en-GB" sz="1200" cap="none" spc="0">
+                          <a:solidFill>
+                            <a:schemeClr val="tx1"/>
+                          </a:solidFill>
+                        </a:rPr>
                         <a:t>113,067</a:t>
                       </a:r>
-                      <a:endParaRPr lang="en-GB" dirty="0"/>
                     </a:p>
                   </a:txBody>
-                  <a:tcPr/>
+                  <a:tcPr marL="111965" marR="111965" marT="111965" marB="55983">
+                    <a:lnL w="12700" cmpd="sng">
+                      <a:noFill/>
+                      <a:prstDash val="solid"/>
+                    </a:lnL>
+                    <a:lnR w="12700" cmpd="sng">
+                      <a:noFill/>
+                      <a:prstDash val="solid"/>
+                    </a:lnR>
+                    <a:lnT w="38100" cmpd="sng">
+                      <a:noFill/>
+                    </a:lnT>
+                    <a:lnB w="12700" cap="flat" cmpd="sng" algn="ctr">
+                      <a:solidFill>
+                        <a:schemeClr val="bg1">
+                          <a:lumMod val="75000"/>
+                        </a:schemeClr>
+                      </a:solidFill>
+                      <a:prstDash val="solid"/>
+                    </a:lnB>
+                    <a:solidFill>
+                      <a:srgbClr val="F2F2F2">
+                        <a:alpha val="45098"/>
+                      </a:srgbClr>
+                    </a:solidFill>
+                  </a:tcPr>
                 </a:tc>
                 <a:tc>
                   <a:txBody>
@@ -6463,13 +12097,41 @@
                     <a:p>
                       <a:pPr algn="ctr"/>
                       <a:r>
-                        <a:rPr lang="en-GB"/>
+                        <a:rPr lang="en-GB" sz="1200" cap="none" spc="0" dirty="0">
+                          <a:solidFill>
+                            <a:schemeClr val="tx1"/>
+                          </a:solidFill>
+                        </a:rPr>
                         <a:t>92,481</a:t>
                       </a:r>
-                      <a:endParaRPr lang="en-GB" dirty="0"/>
                     </a:p>
                   </a:txBody>
-                  <a:tcPr/>
+                  <a:tcPr marL="111965" marR="111965" marT="111965" marB="55983">
+                    <a:lnL w="12700" cmpd="sng">
+                      <a:noFill/>
+                      <a:prstDash val="solid"/>
+                    </a:lnL>
+                    <a:lnR w="12700" cmpd="sng">
+                      <a:noFill/>
+                      <a:prstDash val="solid"/>
+                    </a:lnR>
+                    <a:lnT w="38100" cmpd="sng">
+                      <a:noFill/>
+                    </a:lnT>
+                    <a:lnB w="12700" cap="flat" cmpd="sng" algn="ctr">
+                      <a:solidFill>
+                        <a:schemeClr val="bg1">
+                          <a:lumMod val="75000"/>
+                        </a:schemeClr>
+                      </a:solidFill>
+                      <a:prstDash val="solid"/>
+                    </a:lnB>
+                    <a:solidFill>
+                      <a:srgbClr val="F2F2F2">
+                        <a:alpha val="45098"/>
+                      </a:srgbClr>
+                    </a:solidFill>
+                  </a:tcPr>
                 </a:tc>
                 <a:tc>
                   <a:txBody>
@@ -6478,13 +12140,41 @@
                     <a:p>
                       <a:pPr algn="ctr"/>
                       <a:r>
-                        <a:rPr lang="en-GB"/>
+                        <a:rPr lang="en-GB" sz="1200" cap="none" spc="0">
+                          <a:solidFill>
+                            <a:schemeClr val="tx1"/>
+                          </a:solidFill>
+                        </a:rPr>
                         <a:t>90,390</a:t>
                       </a:r>
-                      <a:endParaRPr lang="en-GB" dirty="0"/>
                     </a:p>
                   </a:txBody>
-                  <a:tcPr/>
+                  <a:tcPr marL="111965" marR="111965" marT="111965" marB="55983">
+                    <a:lnL w="12700" cmpd="sng">
+                      <a:noFill/>
+                      <a:prstDash val="solid"/>
+                    </a:lnL>
+                    <a:lnR w="12700" cmpd="sng">
+                      <a:noFill/>
+                      <a:prstDash val="solid"/>
+                    </a:lnR>
+                    <a:lnT w="38100" cmpd="sng">
+                      <a:noFill/>
+                    </a:lnT>
+                    <a:lnB w="12700" cap="flat" cmpd="sng" algn="ctr">
+                      <a:solidFill>
+                        <a:schemeClr val="bg1">
+                          <a:lumMod val="75000"/>
+                        </a:schemeClr>
+                      </a:solidFill>
+                      <a:prstDash val="solid"/>
+                    </a:lnB>
+                    <a:solidFill>
+                      <a:srgbClr val="F2F2F2">
+                        <a:alpha val="45098"/>
+                      </a:srgbClr>
+                    </a:solidFill>
+                  </a:tcPr>
                 </a:tc>
                 <a:extLst>
                   <a:ext uri="{0D108BD9-81ED-4DB2-BD59-A6C34878D82A}">
@@ -6492,20 +12182,49 @@
                   </a:ext>
                 </a:extLst>
               </a:tr>
-              <a:tr h="301082">
+              <a:tr h="335687">
                 <a:tc>
                   <a:txBody>
                     <a:bodyPr/>
                     <a:lstStyle/>
                     <a:p>
                       <a:r>
-                        <a:rPr lang="en-GB"/>
+                        <a:rPr lang="en-GB" sz="1200" cap="none" spc="0" dirty="0">
+                          <a:solidFill>
+                            <a:schemeClr val="tx1"/>
+                          </a:solidFill>
+                        </a:rPr>
                         <a:t>Delayed Flight Rate (%)</a:t>
                       </a:r>
-                      <a:endParaRPr lang="en-GB" dirty="0"/>
                     </a:p>
                   </a:txBody>
-                  <a:tcPr/>
+                  <a:tcPr marL="111965" marR="111965" marT="111965" marB="55983">
+                    <a:lnL w="12700" cmpd="sng">
+                      <a:noFill/>
+                      <a:prstDash val="solid"/>
+                    </a:lnL>
+                    <a:lnR w="12700" cmpd="sng">
+                      <a:noFill/>
+                      <a:prstDash val="solid"/>
+                    </a:lnR>
+                    <a:lnT w="12700" cap="flat" cmpd="sng" algn="ctr">
+                      <a:solidFill>
+                        <a:schemeClr val="bg1">
+                          <a:lumMod val="75000"/>
+                        </a:schemeClr>
+                      </a:solidFill>
+                      <a:prstDash val="solid"/>
+                    </a:lnT>
+                    <a:lnB w="12700" cmpd="sng">
+                      <a:noFill/>
+                      <a:prstDash val="solid"/>
+                    </a:lnB>
+                    <a:solidFill>
+                      <a:srgbClr val="BFBFBF">
+                        <a:alpha val="34902"/>
+                      </a:srgbClr>
+                    </a:solidFill>
+                  </a:tcPr>
                 </a:tc>
                 <a:tc>
                   <a:txBody>
@@ -6514,21 +12233,42 @@
                     <a:p>
                       <a:pPr algn="ctr"/>
                       <a:r>
-                        <a:rPr lang="en-GB">
+                        <a:rPr lang="en-GB" sz="1200" cap="none" spc="0" dirty="0">
                           <a:solidFill>
                             <a:srgbClr val="FF0000"/>
                           </a:solidFill>
                         </a:rPr>
                         <a:t>24.1</a:t>
                       </a:r>
-                      <a:endParaRPr lang="en-GB" dirty="0">
-                        <a:solidFill>
-                          <a:srgbClr val="FF0000"/>
-                        </a:solidFill>
-                      </a:endParaRPr>
                     </a:p>
                   </a:txBody>
-                  <a:tcPr/>
+                  <a:tcPr marL="111965" marR="111965" marT="111965" marB="55983">
+                    <a:lnL w="12700" cmpd="sng">
+                      <a:noFill/>
+                      <a:prstDash val="solid"/>
+                    </a:lnL>
+                    <a:lnR w="12700" cmpd="sng">
+                      <a:noFill/>
+                      <a:prstDash val="solid"/>
+                    </a:lnR>
+                    <a:lnT w="12700" cap="flat" cmpd="sng" algn="ctr">
+                      <a:solidFill>
+                        <a:schemeClr val="bg1">
+                          <a:lumMod val="75000"/>
+                        </a:schemeClr>
+                      </a:solidFill>
+                      <a:prstDash val="solid"/>
+                    </a:lnT>
+                    <a:lnB w="12700" cmpd="sng">
+                      <a:noFill/>
+                      <a:prstDash val="solid"/>
+                    </a:lnB>
+                    <a:solidFill>
+                      <a:srgbClr val="BFBFBF">
+                        <a:alpha val="34902"/>
+                      </a:srgbClr>
+                    </a:solidFill>
+                  </a:tcPr>
                 </a:tc>
                 <a:tc>
                   <a:txBody>
@@ -6537,13 +12277,42 @@
                     <a:p>
                       <a:pPr algn="ctr"/>
                       <a:r>
-                        <a:rPr lang="en-GB"/>
+                        <a:rPr lang="en-GB" sz="1200" cap="none" spc="0" dirty="0">
+                          <a:solidFill>
+                            <a:schemeClr val="tx1"/>
+                          </a:solidFill>
+                        </a:rPr>
                         <a:t>22.1</a:t>
                       </a:r>
-                      <a:endParaRPr lang="en-GB" dirty="0"/>
                     </a:p>
                   </a:txBody>
-                  <a:tcPr/>
+                  <a:tcPr marL="111965" marR="111965" marT="111965" marB="55983">
+                    <a:lnL w="12700" cmpd="sng">
+                      <a:noFill/>
+                      <a:prstDash val="solid"/>
+                    </a:lnL>
+                    <a:lnR w="12700" cmpd="sng">
+                      <a:noFill/>
+                      <a:prstDash val="solid"/>
+                    </a:lnR>
+                    <a:lnT w="12700" cap="flat" cmpd="sng" algn="ctr">
+                      <a:solidFill>
+                        <a:schemeClr val="bg1">
+                          <a:lumMod val="75000"/>
+                        </a:schemeClr>
+                      </a:solidFill>
+                      <a:prstDash val="solid"/>
+                    </a:lnT>
+                    <a:lnB w="12700" cmpd="sng">
+                      <a:noFill/>
+                      <a:prstDash val="solid"/>
+                    </a:lnB>
+                    <a:solidFill>
+                      <a:srgbClr val="BFBFBF">
+                        <a:alpha val="34902"/>
+                      </a:srgbClr>
+                    </a:solidFill>
+                  </a:tcPr>
                 </a:tc>
                 <a:tc>
                   <a:txBody>
@@ -6552,13 +12321,42 @@
                     <a:p>
                       <a:pPr algn="ctr"/>
                       <a:r>
-                        <a:rPr lang="en-GB"/>
+                        <a:rPr lang="en-GB" sz="1200" cap="none" spc="0">
+                          <a:solidFill>
+                            <a:schemeClr val="tx1"/>
+                          </a:solidFill>
+                        </a:rPr>
                         <a:t>21.1</a:t>
                       </a:r>
-                      <a:endParaRPr lang="en-GB" dirty="0"/>
                     </a:p>
                   </a:txBody>
-                  <a:tcPr/>
+                  <a:tcPr marL="111965" marR="111965" marT="111965" marB="55983">
+                    <a:lnL w="12700" cmpd="sng">
+                      <a:noFill/>
+                      <a:prstDash val="solid"/>
+                    </a:lnL>
+                    <a:lnR w="12700" cmpd="sng">
+                      <a:noFill/>
+                      <a:prstDash val="solid"/>
+                    </a:lnR>
+                    <a:lnT w="12700" cap="flat" cmpd="sng" algn="ctr">
+                      <a:solidFill>
+                        <a:schemeClr val="bg1">
+                          <a:lumMod val="75000"/>
+                        </a:schemeClr>
+                      </a:solidFill>
+                      <a:prstDash val="solid"/>
+                    </a:lnT>
+                    <a:lnB w="12700" cmpd="sng">
+                      <a:noFill/>
+                      <a:prstDash val="solid"/>
+                    </a:lnB>
+                    <a:solidFill>
+                      <a:srgbClr val="BFBFBF">
+                        <a:alpha val="34902"/>
+                      </a:srgbClr>
+                    </a:solidFill>
+                  </a:tcPr>
                 </a:tc>
                 <a:extLst>
                   <a:ext uri="{0D108BD9-81ED-4DB2-BD59-A6C34878D82A}">
@@ -6566,20 +12364,49 @@
                   </a:ext>
                 </a:extLst>
               </a:tr>
-              <a:tr h="301082">
+              <a:tr h="372343">
                 <a:tc>
                   <a:txBody>
                     <a:bodyPr/>
                     <a:lstStyle/>
                     <a:p>
                       <a:r>
-                        <a:rPr lang="en-GB"/>
+                        <a:rPr lang="en-GB" sz="1200" cap="none" spc="0">
+                          <a:solidFill>
+                            <a:schemeClr val="tx1"/>
+                          </a:solidFill>
+                        </a:rPr>
                         <a:t>Avg Departure Delay (mins)</a:t>
                       </a:r>
-                      <a:endParaRPr lang="en-GB" dirty="0"/>
                     </a:p>
                   </a:txBody>
-                  <a:tcPr/>
+                  <a:tcPr marL="111965" marR="111965" marT="111965" marB="55983">
+                    <a:lnL w="12700" cmpd="sng">
+                      <a:noFill/>
+                      <a:prstDash val="solid"/>
+                    </a:lnL>
+                    <a:lnR w="12700" cmpd="sng">
+                      <a:noFill/>
+                      <a:prstDash val="solid"/>
+                    </a:lnR>
+                    <a:lnT w="12700" cmpd="sng">
+                      <a:noFill/>
+                      <a:prstDash val="solid"/>
+                    </a:lnT>
+                    <a:lnB w="12700" cap="flat" cmpd="sng" algn="ctr">
+                      <a:solidFill>
+                        <a:schemeClr val="bg1">
+                          <a:lumMod val="75000"/>
+                        </a:schemeClr>
+                      </a:solidFill>
+                      <a:prstDash val="solid"/>
+                    </a:lnB>
+                    <a:solidFill>
+                      <a:srgbClr val="F2F2F2">
+                        <a:alpha val="45098"/>
+                      </a:srgbClr>
+                    </a:solidFill>
+                  </a:tcPr>
                 </a:tc>
                 <a:tc>
                   <a:txBody>
@@ -6588,21 +12415,42 @@
                     <a:p>
                       <a:pPr algn="ctr"/>
                       <a:r>
-                        <a:rPr lang="en-GB">
+                        <a:rPr lang="en-GB" sz="1200" cap="none" spc="0">
                           <a:solidFill>
                             <a:schemeClr val="tx1"/>
                           </a:solidFill>
                         </a:rPr>
                         <a:t>74</a:t>
                       </a:r>
-                      <a:endParaRPr lang="en-GB" dirty="0">
-                        <a:solidFill>
-                          <a:schemeClr val="tx1"/>
-                        </a:solidFill>
-                      </a:endParaRPr>
                     </a:p>
                   </a:txBody>
-                  <a:tcPr/>
+                  <a:tcPr marL="111965" marR="111965" marT="111965" marB="55983">
+                    <a:lnL w="12700" cmpd="sng">
+                      <a:noFill/>
+                      <a:prstDash val="solid"/>
+                    </a:lnL>
+                    <a:lnR w="12700" cmpd="sng">
+                      <a:noFill/>
+                      <a:prstDash val="solid"/>
+                    </a:lnR>
+                    <a:lnT w="12700" cmpd="sng">
+                      <a:noFill/>
+                      <a:prstDash val="solid"/>
+                    </a:lnT>
+                    <a:lnB w="12700" cap="flat" cmpd="sng" algn="ctr">
+                      <a:solidFill>
+                        <a:schemeClr val="bg1">
+                          <a:lumMod val="75000"/>
+                        </a:schemeClr>
+                      </a:solidFill>
+                      <a:prstDash val="solid"/>
+                    </a:lnB>
+                    <a:solidFill>
+                      <a:srgbClr val="F2F2F2">
+                        <a:alpha val="45098"/>
+                      </a:srgbClr>
+                    </a:solidFill>
+                  </a:tcPr>
                 </a:tc>
                 <a:tc>
                   <a:txBody>
@@ -6611,13 +12459,42 @@
                     <a:p>
                       <a:pPr algn="ctr"/>
                       <a:r>
-                        <a:rPr lang="en-GB"/>
+                        <a:rPr lang="en-GB" sz="1200" cap="none" spc="0" dirty="0">
+                          <a:solidFill>
+                            <a:schemeClr val="tx1"/>
+                          </a:solidFill>
+                        </a:rPr>
                         <a:t>77.5</a:t>
                       </a:r>
-                      <a:endParaRPr lang="en-GB" dirty="0"/>
                     </a:p>
                   </a:txBody>
-                  <a:tcPr/>
+                  <a:tcPr marL="111965" marR="111965" marT="111965" marB="55983">
+                    <a:lnL w="12700" cmpd="sng">
+                      <a:noFill/>
+                      <a:prstDash val="solid"/>
+                    </a:lnL>
+                    <a:lnR w="12700" cmpd="sng">
+                      <a:noFill/>
+                      <a:prstDash val="solid"/>
+                    </a:lnR>
+                    <a:lnT w="12700" cmpd="sng">
+                      <a:noFill/>
+                      <a:prstDash val="solid"/>
+                    </a:lnT>
+                    <a:lnB w="12700" cap="flat" cmpd="sng" algn="ctr">
+                      <a:solidFill>
+                        <a:schemeClr val="bg1">
+                          <a:lumMod val="75000"/>
+                        </a:schemeClr>
+                      </a:solidFill>
+                      <a:prstDash val="solid"/>
+                    </a:lnB>
+                    <a:solidFill>
+                      <a:srgbClr val="F2F2F2">
+                        <a:alpha val="45098"/>
+                      </a:srgbClr>
+                    </a:solidFill>
+                  </a:tcPr>
                 </a:tc>
                 <a:tc>
                   <a:txBody>
@@ -6626,21 +12503,42 @@
                     <a:p>
                       <a:pPr algn="ctr"/>
                       <a:r>
-                        <a:rPr lang="en-GB">
+                        <a:rPr lang="en-GB" sz="1200" cap="none" spc="0" dirty="0">
                           <a:solidFill>
                             <a:srgbClr val="FF0000"/>
                           </a:solidFill>
                         </a:rPr>
                         <a:t>80.7</a:t>
                       </a:r>
-                      <a:endParaRPr lang="en-GB" dirty="0">
-                        <a:solidFill>
-                          <a:srgbClr val="FF0000"/>
-                        </a:solidFill>
-                      </a:endParaRPr>
                     </a:p>
                   </a:txBody>
-                  <a:tcPr/>
+                  <a:tcPr marL="111965" marR="111965" marT="111965" marB="55983">
+                    <a:lnL w="12700" cmpd="sng">
+                      <a:noFill/>
+                      <a:prstDash val="solid"/>
+                    </a:lnL>
+                    <a:lnR w="12700" cmpd="sng">
+                      <a:noFill/>
+                      <a:prstDash val="solid"/>
+                    </a:lnR>
+                    <a:lnT w="12700" cmpd="sng">
+                      <a:noFill/>
+                      <a:prstDash val="solid"/>
+                    </a:lnT>
+                    <a:lnB w="12700" cap="flat" cmpd="sng" algn="ctr">
+                      <a:solidFill>
+                        <a:schemeClr val="bg1">
+                          <a:lumMod val="75000"/>
+                        </a:schemeClr>
+                      </a:solidFill>
+                      <a:prstDash val="solid"/>
+                    </a:lnB>
+                    <a:solidFill>
+                      <a:srgbClr val="F2F2F2">
+                        <a:alpha val="45098"/>
+                      </a:srgbClr>
+                    </a:solidFill>
+                  </a:tcPr>
                 </a:tc>
                 <a:extLst>
                   <a:ext uri="{0D108BD9-81ED-4DB2-BD59-A6C34878D82A}">
@@ -6648,20 +12546,49 @@
                   </a:ext>
                 </a:extLst>
               </a:tr>
-              <a:tr h="420011">
+              <a:tr h="386122">
                 <a:tc>
                   <a:txBody>
                     <a:bodyPr/>
                     <a:lstStyle/>
                     <a:p>
                       <a:r>
-                        <a:rPr lang="en-GB"/>
+                        <a:rPr lang="en-GB" sz="1200" cap="none" spc="0">
+                          <a:solidFill>
+                            <a:schemeClr val="tx1"/>
+                          </a:solidFill>
+                        </a:rPr>
                         <a:t>Median Departure Delay (mins)</a:t>
                       </a:r>
-                      <a:endParaRPr lang="en-GB" dirty="0"/>
                     </a:p>
                   </a:txBody>
-                  <a:tcPr/>
+                  <a:tcPr marL="111965" marR="111965" marT="111965" marB="55983">
+                    <a:lnL w="12700" cmpd="sng">
+                      <a:noFill/>
+                      <a:prstDash val="solid"/>
+                    </a:lnL>
+                    <a:lnR w="12700" cmpd="sng">
+                      <a:noFill/>
+                      <a:prstDash val="solid"/>
+                    </a:lnR>
+                    <a:lnT w="12700" cap="flat" cmpd="sng" algn="ctr">
+                      <a:solidFill>
+                        <a:schemeClr val="bg1">
+                          <a:lumMod val="75000"/>
+                        </a:schemeClr>
+                      </a:solidFill>
+                      <a:prstDash val="solid"/>
+                    </a:lnT>
+                    <a:lnB w="12700" cmpd="sng">
+                      <a:noFill/>
+                      <a:prstDash val="solid"/>
+                    </a:lnB>
+                    <a:solidFill>
+                      <a:srgbClr val="BFBFBF">
+                        <a:alpha val="34902"/>
+                      </a:srgbClr>
+                    </a:solidFill>
+                  </a:tcPr>
                 </a:tc>
                 <a:tc>
                   <a:txBody>
@@ -6670,21 +12597,42 @@
                     <a:p>
                       <a:pPr algn="ctr"/>
                       <a:r>
-                        <a:rPr lang="en-GB">
+                        <a:rPr lang="en-GB" sz="1200" cap="none" spc="0">
                           <a:solidFill>
                             <a:schemeClr val="tx1"/>
                           </a:solidFill>
                         </a:rPr>
                         <a:t>51</a:t>
                       </a:r>
-                      <a:endParaRPr lang="en-GB" dirty="0">
-                        <a:solidFill>
-                          <a:schemeClr val="tx1"/>
-                        </a:solidFill>
-                      </a:endParaRPr>
                     </a:p>
                   </a:txBody>
-                  <a:tcPr/>
+                  <a:tcPr marL="111965" marR="111965" marT="111965" marB="55983">
+                    <a:lnL w="12700" cmpd="sng">
+                      <a:noFill/>
+                      <a:prstDash val="solid"/>
+                    </a:lnL>
+                    <a:lnR w="12700" cmpd="sng">
+                      <a:noFill/>
+                      <a:prstDash val="solid"/>
+                    </a:lnR>
+                    <a:lnT w="12700" cap="flat" cmpd="sng" algn="ctr">
+                      <a:solidFill>
+                        <a:schemeClr val="bg1">
+                          <a:lumMod val="75000"/>
+                        </a:schemeClr>
+                      </a:solidFill>
+                      <a:prstDash val="solid"/>
+                    </a:lnT>
+                    <a:lnB w="12700" cmpd="sng">
+                      <a:noFill/>
+                      <a:prstDash val="solid"/>
+                    </a:lnB>
+                    <a:solidFill>
+                      <a:srgbClr val="BFBFBF">
+                        <a:alpha val="34902"/>
+                      </a:srgbClr>
+                    </a:solidFill>
+                  </a:tcPr>
                 </a:tc>
                 <a:tc>
                   <a:txBody>
@@ -6693,13 +12641,42 @@
                     <a:p>
                       <a:pPr algn="ctr"/>
                       <a:r>
-                        <a:rPr lang="en-GB"/>
+                        <a:rPr lang="en-GB" sz="1200" cap="none" spc="0" dirty="0">
+                          <a:solidFill>
+                            <a:schemeClr val="tx1"/>
+                          </a:solidFill>
+                        </a:rPr>
                         <a:t>50</a:t>
                       </a:r>
-                      <a:endParaRPr lang="en-GB" dirty="0"/>
                     </a:p>
                   </a:txBody>
-                  <a:tcPr/>
+                  <a:tcPr marL="111965" marR="111965" marT="111965" marB="55983">
+                    <a:lnL w="12700" cmpd="sng">
+                      <a:noFill/>
+                      <a:prstDash val="solid"/>
+                    </a:lnL>
+                    <a:lnR w="12700" cmpd="sng">
+                      <a:noFill/>
+                      <a:prstDash val="solid"/>
+                    </a:lnR>
+                    <a:lnT w="12700" cap="flat" cmpd="sng" algn="ctr">
+                      <a:solidFill>
+                        <a:schemeClr val="bg1">
+                          <a:lumMod val="75000"/>
+                        </a:schemeClr>
+                      </a:solidFill>
+                      <a:prstDash val="solid"/>
+                    </a:lnT>
+                    <a:lnB w="12700" cmpd="sng">
+                      <a:noFill/>
+                      <a:prstDash val="solid"/>
+                    </a:lnB>
+                    <a:solidFill>
+                      <a:srgbClr val="BFBFBF">
+                        <a:alpha val="34902"/>
+                      </a:srgbClr>
+                    </a:solidFill>
+                  </a:tcPr>
                 </a:tc>
                 <a:tc>
                   <a:txBody>
@@ -6708,21 +12685,42 @@
                     <a:p>
                       <a:pPr algn="ctr"/>
                       <a:r>
-                        <a:rPr lang="en-GB">
+                        <a:rPr lang="en-GB" sz="1200" cap="none" spc="0" dirty="0">
                           <a:solidFill>
                             <a:srgbClr val="FF0000"/>
                           </a:solidFill>
                         </a:rPr>
                         <a:t>52</a:t>
                       </a:r>
-                      <a:endParaRPr lang="en-GB" dirty="0">
-                        <a:solidFill>
-                          <a:srgbClr val="FF0000"/>
-                        </a:solidFill>
-                      </a:endParaRPr>
                     </a:p>
                   </a:txBody>
-                  <a:tcPr/>
+                  <a:tcPr marL="111965" marR="111965" marT="111965" marB="55983">
+                    <a:lnL w="12700" cmpd="sng">
+                      <a:noFill/>
+                      <a:prstDash val="solid"/>
+                    </a:lnL>
+                    <a:lnR w="12700" cmpd="sng">
+                      <a:noFill/>
+                      <a:prstDash val="solid"/>
+                    </a:lnR>
+                    <a:lnT w="12700" cap="flat" cmpd="sng" algn="ctr">
+                      <a:solidFill>
+                        <a:schemeClr val="bg1">
+                          <a:lumMod val="75000"/>
+                        </a:schemeClr>
+                      </a:solidFill>
+                      <a:prstDash val="solid"/>
+                    </a:lnT>
+                    <a:lnB w="12700" cmpd="sng">
+                      <a:noFill/>
+                      <a:prstDash val="solid"/>
+                    </a:lnB>
+                    <a:solidFill>
+                      <a:srgbClr val="BFBFBF">
+                        <a:alpha val="34902"/>
+                      </a:srgbClr>
+                    </a:solidFill>
+                  </a:tcPr>
                 </a:tc>
                 <a:extLst>
                   <a:ext uri="{0D108BD9-81ED-4DB2-BD59-A6C34878D82A}">
@@ -6739,7 +12737,7 @@
           <p:cNvPr id="6" name="Picture 5">
             <a:extLst>
               <a:ext uri="{FF2B5EF4-FFF2-40B4-BE49-F238E27FC236}">
-                <a16:creationId xmlns:a16="http://schemas.microsoft.com/office/drawing/2014/main" id="{C83D43A8-B23A-05B2-9DB3-2CB042B12685}"/>
+                <a16:creationId xmlns:a16="http://schemas.microsoft.com/office/drawing/2014/main" id="{76313B6B-A427-3ECF-E267-FA494923B8C6}"/>
               </a:ext>
             </a:extLst>
           </p:cNvPr>
@@ -6756,92 +12754,18 @@
         </p:blipFill>
         <p:spPr>
           <a:xfrm>
-            <a:off x="1173079" y="3429000"/>
-            <a:ext cx="6043863" cy="3112138"/>
+            <a:off x="6688293" y="3661553"/>
+            <a:ext cx="5311363" cy="2735352"/>
           </a:xfrm>
           <a:prstGeom prst="rect">
             <a:avLst/>
           </a:prstGeom>
         </p:spPr>
       </p:pic>
-      <p:sp>
-        <p:nvSpPr>
-          <p:cNvPr id="7" name="TextBox 6">
-            <a:extLst>
-              <a:ext uri="{FF2B5EF4-FFF2-40B4-BE49-F238E27FC236}">
-                <a16:creationId xmlns:a16="http://schemas.microsoft.com/office/drawing/2014/main" id="{65CB893D-60AB-61EF-0306-F5C8D75AD4A2}"/>
-              </a:ext>
-            </a:extLst>
-          </p:cNvPr>
-          <p:cNvSpPr txBox="1"/>
-          <p:nvPr/>
-        </p:nvSpPr>
-        <p:spPr>
-          <a:xfrm>
-            <a:off x="7744326" y="1640442"/>
-            <a:ext cx="3609474" cy="3970318"/>
-          </a:xfrm>
-          <a:prstGeom prst="rect">
-            <a:avLst/>
-          </a:prstGeom>
-          <a:noFill/>
-        </p:spPr>
-        <p:txBody>
-          <a:bodyPr wrap="square" rtlCol="0">
-            <a:spAutoFit/>
-          </a:bodyPr>
-          <a:lstStyle/>
-          <a:p>
-            <a:pPr marL="285750" indent="-285750">
-              <a:buFont typeface="Arial" panose="020B0604020202020204" pitchFamily="34" charset="0"/>
-              <a:buChar char="•"/>
-            </a:pPr>
-            <a:r>
-              <a:rPr lang="en-GB"/>
-              <a:t>Newark had the highest number of domestic flights but also had the highest proportion of flight delays</a:t>
-            </a:r>
-          </a:p>
-          <a:p>
-            <a:pPr marL="285750" indent="-285750">
-              <a:buFont typeface="Arial" panose="020B0604020202020204" pitchFamily="34" charset="0"/>
-              <a:buChar char="•"/>
-            </a:pPr>
-            <a:endParaRPr lang="en-GB"/>
-          </a:p>
-          <a:p>
-            <a:pPr marL="285750" indent="-285750">
-              <a:buFont typeface="Arial" panose="020B0604020202020204" pitchFamily="34" charset="0"/>
-              <a:buChar char="•"/>
-            </a:pPr>
-            <a:r>
-              <a:rPr lang="en-GB"/>
-              <a:t>However, La Guardia has more extreme delays, and all airports have a similar median departure delay.</a:t>
-            </a:r>
-          </a:p>
-          <a:p>
-            <a:pPr marL="285750" indent="-285750">
-              <a:buFont typeface="Arial" panose="020B0604020202020204" pitchFamily="34" charset="0"/>
-              <a:buChar char="•"/>
-            </a:pPr>
-            <a:endParaRPr lang="en-GB"/>
-          </a:p>
-          <a:p>
-            <a:pPr marL="285750" indent="-285750">
-              <a:buFont typeface="Arial" panose="020B0604020202020204" pitchFamily="34" charset="0"/>
-              <a:buChar char="•"/>
-            </a:pPr>
-            <a:r>
-              <a:rPr lang="en-GB"/>
-              <a:t>JFK and La Guardia have the same runway orientations and the pattern of delays are much less pronounced than Newarks</a:t>
-            </a:r>
-            <a:endParaRPr lang="en-GB" dirty="0"/>
-          </a:p>
-        </p:txBody>
-      </p:sp>
     </p:spTree>
     <p:extLst>
       <p:ext uri="{BB962C8B-B14F-4D97-AF65-F5344CB8AC3E}">
-        <p14:creationId xmlns:p14="http://schemas.microsoft.com/office/powerpoint/2010/main" val="1908798634"/>
+        <p14:creationId xmlns:p14="http://schemas.microsoft.com/office/powerpoint/2010/main" val="911844824"/>
       </p:ext>
     </p:extLst>
   </p:cSld>
